--- a/apresentacao.pptx
+++ b/apresentacao.pptx
@@ -7,8 +7,8 @@
   <p:sldIdLst>
     <p:sldId id="256" r:id="rId2"/>
     <p:sldId id="257" r:id="rId3"/>
-    <p:sldId id="258" r:id="rId4"/>
-    <p:sldId id="261" r:id="rId5"/>
+    <p:sldId id="261" r:id="rId4"/>
+    <p:sldId id="258" r:id="rId5"/>
     <p:sldId id="262" r:id="rId6"/>
     <p:sldId id="263" r:id="rId7"/>
     <p:sldId id="264" r:id="rId8"/>
@@ -115,6 +115,11 @@
       </a:defRPr>
     </a:lvl9pPr>
   </p:defaultTextStyle>
+  <p:extLst>
+    <p:ext uri="{EFAFB233-063F-42B5-8137-9DF3F51BA10A}">
+      <p15:sldGuideLst xmlns:p15="http://schemas.microsoft.com/office/powerpoint/2012/main"/>
+    </p:ext>
+  </p:extLst>
 </p:presentation>
 </file>
 
@@ -863,7 +868,7 @@
           <a:p>
             <a:fld id="{B618C737-F40F-42A7-9064-9951C5C3E5D1}" type="datetimeFigureOut">
               <a:rPr lang="pt-BR" smtClean="0"/>
-              <a:t>13/04/2018</a:t>
+              <a:t>14/04/2018</a:t>
             </a:fld>
             <a:endParaRPr lang="pt-BR"/>
           </a:p>
@@ -1114,7 +1119,7 @@
           <a:p>
             <a:fld id="{B618C737-F40F-42A7-9064-9951C5C3E5D1}" type="datetimeFigureOut">
               <a:rPr lang="pt-BR" smtClean="0"/>
-              <a:t>13/04/2018</a:t>
+              <a:t>14/04/2018</a:t>
             </a:fld>
             <a:endParaRPr lang="pt-BR"/>
           </a:p>
@@ -1428,7 +1433,7 @@
           <a:p>
             <a:fld id="{B618C737-F40F-42A7-9064-9951C5C3E5D1}" type="datetimeFigureOut">
               <a:rPr lang="pt-BR" smtClean="0"/>
-              <a:t>13/04/2018</a:t>
+              <a:t>14/04/2018</a:t>
             </a:fld>
             <a:endParaRPr lang="pt-BR"/>
           </a:p>
@@ -1761,7 +1766,7 @@
           <a:p>
             <a:fld id="{B618C737-F40F-42A7-9064-9951C5C3E5D1}" type="datetimeFigureOut">
               <a:rPr lang="pt-BR" smtClean="0"/>
-              <a:t>13/04/2018</a:t>
+              <a:t>14/04/2018</a:t>
             </a:fld>
             <a:endParaRPr lang="pt-BR"/>
           </a:p>
@@ -2075,7 +2080,7 @@
           <a:p>
             <a:fld id="{B618C737-F40F-42A7-9064-9951C5C3E5D1}" type="datetimeFigureOut">
               <a:rPr lang="pt-BR" smtClean="0"/>
-              <a:t>13/04/2018</a:t>
+              <a:t>14/04/2018</a:t>
             </a:fld>
             <a:endParaRPr lang="pt-BR"/>
           </a:p>
@@ -2468,7 +2473,7 @@
           <a:p>
             <a:fld id="{B618C737-F40F-42A7-9064-9951C5C3E5D1}" type="datetimeFigureOut">
               <a:rPr lang="pt-BR" smtClean="0"/>
-              <a:t>13/04/2018</a:t>
+              <a:t>14/04/2018</a:t>
             </a:fld>
             <a:endParaRPr lang="pt-BR"/>
           </a:p>
@@ -2638,7 +2643,7 @@
           <a:p>
             <a:fld id="{B618C737-F40F-42A7-9064-9951C5C3E5D1}" type="datetimeFigureOut">
               <a:rPr lang="pt-BR" smtClean="0"/>
-              <a:t>13/04/2018</a:t>
+              <a:t>14/04/2018</a:t>
             </a:fld>
             <a:endParaRPr lang="pt-BR"/>
           </a:p>
@@ -2818,7 +2823,7 @@
           <a:p>
             <a:fld id="{B618C737-F40F-42A7-9064-9951C5C3E5D1}" type="datetimeFigureOut">
               <a:rPr lang="pt-BR" smtClean="0"/>
-              <a:t>13/04/2018</a:t>
+              <a:t>14/04/2018</a:t>
             </a:fld>
             <a:endParaRPr lang="pt-BR"/>
           </a:p>
@@ -2988,7 +2993,7 @@
           <a:p>
             <a:fld id="{B618C737-F40F-42A7-9064-9951C5C3E5D1}" type="datetimeFigureOut">
               <a:rPr lang="pt-BR" smtClean="0"/>
-              <a:t>13/04/2018</a:t>
+              <a:t>14/04/2018</a:t>
             </a:fld>
             <a:endParaRPr lang="pt-BR"/>
           </a:p>
@@ -3235,7 +3240,7 @@
           <a:p>
             <a:fld id="{B618C737-F40F-42A7-9064-9951C5C3E5D1}" type="datetimeFigureOut">
               <a:rPr lang="pt-BR" smtClean="0"/>
-              <a:t>13/04/2018</a:t>
+              <a:t>14/04/2018</a:t>
             </a:fld>
             <a:endParaRPr lang="pt-BR"/>
           </a:p>
@@ -3467,7 +3472,7 @@
           <a:p>
             <a:fld id="{B618C737-F40F-42A7-9064-9951C5C3E5D1}" type="datetimeFigureOut">
               <a:rPr lang="pt-BR" smtClean="0"/>
-              <a:t>13/04/2018</a:t>
+              <a:t>14/04/2018</a:t>
             </a:fld>
             <a:endParaRPr lang="pt-BR"/>
           </a:p>
@@ -3841,7 +3846,7 @@
           <a:p>
             <a:fld id="{B618C737-F40F-42A7-9064-9951C5C3E5D1}" type="datetimeFigureOut">
               <a:rPr lang="pt-BR" smtClean="0"/>
-              <a:t>13/04/2018</a:t>
+              <a:t>14/04/2018</a:t>
             </a:fld>
             <a:endParaRPr lang="pt-BR"/>
           </a:p>
@@ -3964,7 +3969,7 @@
           <a:p>
             <a:fld id="{B618C737-F40F-42A7-9064-9951C5C3E5D1}" type="datetimeFigureOut">
               <a:rPr lang="pt-BR" smtClean="0"/>
-              <a:t>13/04/2018</a:t>
+              <a:t>14/04/2018</a:t>
             </a:fld>
             <a:endParaRPr lang="pt-BR"/>
           </a:p>
@@ -4059,7 +4064,7 @@
           <a:p>
             <a:fld id="{B618C737-F40F-42A7-9064-9951C5C3E5D1}" type="datetimeFigureOut">
               <a:rPr lang="pt-BR" smtClean="0"/>
-              <a:t>13/04/2018</a:t>
+              <a:t>14/04/2018</a:t>
             </a:fld>
             <a:endParaRPr lang="pt-BR"/>
           </a:p>
@@ -4314,7 +4319,7 @@
           <a:p>
             <a:fld id="{B618C737-F40F-42A7-9064-9951C5C3E5D1}" type="datetimeFigureOut">
               <a:rPr lang="pt-BR" smtClean="0"/>
-              <a:t>13/04/2018</a:t>
+              <a:t>14/04/2018</a:t>
             </a:fld>
             <a:endParaRPr lang="pt-BR"/>
           </a:p>
@@ -4619,7 +4624,7 @@
           <a:p>
             <a:fld id="{B618C737-F40F-42A7-9064-9951C5C3E5D1}" type="datetimeFigureOut">
               <a:rPr lang="pt-BR" smtClean="0"/>
-              <a:t>13/04/2018</a:t>
+              <a:t>14/04/2018</a:t>
             </a:fld>
             <a:endParaRPr lang="pt-BR"/>
           </a:p>
@@ -5321,7 +5326,7 @@
           <a:p>
             <a:fld id="{B618C737-F40F-42A7-9064-9951C5C3E5D1}" type="datetimeFigureOut">
               <a:rPr lang="pt-BR" smtClean="0"/>
-              <a:t>13/04/2018</a:t>
+              <a:t>14/04/2018</a:t>
             </a:fld>
             <a:endParaRPr lang="pt-BR"/>
           </a:p>
@@ -6445,7 +6450,7 @@
           <p:cNvPr id="2" name="Título 1">
             <a:extLst>
               <a:ext uri="{FF2B5EF4-FFF2-40B4-BE49-F238E27FC236}">
-                <a16:creationId xmlns:a16="http://schemas.microsoft.com/office/drawing/2014/main" id="{B19728D3-1460-42D2-8D6D-FA0A3611E6CA}"/>
+                <a16:creationId xmlns:a16="http://schemas.microsoft.com/office/drawing/2014/main" id="{7C004CA9-2C46-43BE-8B5C-8073497D8458}"/>
               </a:ext>
             </a:extLst>
           </p:cNvPr>
@@ -6456,14 +6461,19 @@
             <p:ph type="title"/>
           </p:nvPr>
         </p:nvSpPr>
-        <p:spPr/>
+        <p:spPr>
+          <a:xfrm>
+            <a:off x="677334" y="609600"/>
+            <a:ext cx="5723466" cy="1320800"/>
+          </a:xfrm>
+        </p:spPr>
         <p:txBody>
           <a:bodyPr/>
           <a:lstStyle/>
           <a:p>
             <a:r>
               <a:rPr lang="pt-BR" dirty="0"/>
-              <a:t>Introdução</a:t>
+              <a:t>Perguntas</a:t>
             </a:r>
           </a:p>
         </p:txBody>
@@ -6473,7 +6483,7 @@
           <p:cNvPr id="3" name="Espaço Reservado para Conteúdo 2">
             <a:extLst>
               <a:ext uri="{FF2B5EF4-FFF2-40B4-BE49-F238E27FC236}">
-                <a16:creationId xmlns:a16="http://schemas.microsoft.com/office/drawing/2014/main" id="{14E8FBFC-2E5D-4C2F-8C5C-DBC1E5328FCE}"/>
+                <a16:creationId xmlns:a16="http://schemas.microsoft.com/office/drawing/2014/main" id="{89E0BFDC-6745-4981-8B6A-0B22A47108C8}"/>
               </a:ext>
             </a:extLst>
           </p:cNvPr>
@@ -6484,14 +6494,60 @@
             <p:ph idx="1"/>
           </p:nvPr>
         </p:nvSpPr>
-        <p:spPr/>
-        <p:txBody>
-          <a:bodyPr/>
-          <a:lstStyle/>
-          <a:p>
-            <a:r>
-              <a:rPr lang="pt-BR" dirty="0"/>
-              <a:t>O que é considerado PWA?</a:t>
+        <p:spPr>
+          <a:xfrm>
+            <a:off x="677333" y="1547447"/>
+            <a:ext cx="9887503" cy="4493916"/>
+          </a:xfrm>
+        </p:spPr>
+        <p:txBody>
+          <a:bodyPr>
+            <a:normAutofit/>
+          </a:bodyPr>
+          <a:lstStyle/>
+          <a:p>
+            <a:r>
+              <a:rPr lang="pt-BR" sz="2400" dirty="0"/>
+              <a:t>Quantos aplicativos você utiliza no seu celular?</a:t>
+            </a:r>
+          </a:p>
+          <a:p>
+            <a:r>
+              <a:rPr lang="pt-BR" sz="2400" dirty="0"/>
+              <a:t>O quanto de espaço você consome com os seus apps?</a:t>
+            </a:r>
+          </a:p>
+          <a:p>
+            <a:r>
+              <a:rPr lang="pt-BR" sz="2400" dirty="0"/>
+              <a:t>Quanto tempo demora para baixar e instalar um app?</a:t>
+            </a:r>
+          </a:p>
+          <a:p>
+            <a:r>
+              <a:rPr lang="pt-BR" sz="2400" dirty="0"/>
+              <a:t>O que você considera ser um app?</a:t>
+            </a:r>
+          </a:p>
+          <a:p>
+            <a:r>
+              <a:rPr lang="pt-BR" sz="2400" dirty="0"/>
+              <a:t>Qual é a diferença entre um app e um site?</a:t>
+            </a:r>
+          </a:p>
+          <a:p>
+            <a:r>
+              <a:rPr lang="pt-BR" sz="2400" dirty="0"/>
+              <a:t>Como você imagina daqui alguns anos os aplicativos atuais?</a:t>
+            </a:r>
+          </a:p>
+          <a:p>
+            <a:endParaRPr lang="pt-BR" sz="2400" dirty="0"/>
+          </a:p>
+          <a:p>
+            <a:r>
+              <a:rPr lang="pt-BR" sz="2400" dirty="0"/>
+              <a:t>E o que isso tem a ver com PWA?</a:t>
             </a:r>
           </a:p>
         </p:txBody>
@@ -6499,7 +6555,7 @@
     </p:spTree>
     <p:extLst>
       <p:ext uri="{BB962C8B-B14F-4D97-AF65-F5344CB8AC3E}">
-        <p14:creationId xmlns:p14="http://schemas.microsoft.com/office/powerpoint/2010/main" val="1036944182"/>
+        <p14:creationId xmlns:p14="http://schemas.microsoft.com/office/powerpoint/2010/main" val="3537604851"/>
       </p:ext>
     </p:extLst>
   </p:cSld>
@@ -6531,7 +6587,7 @@
           <p:cNvPr id="2" name="Título 1">
             <a:extLst>
               <a:ext uri="{FF2B5EF4-FFF2-40B4-BE49-F238E27FC236}">
-                <a16:creationId xmlns:a16="http://schemas.microsoft.com/office/drawing/2014/main" id="{7C004CA9-2C46-43BE-8B5C-8073497D8458}"/>
+                <a16:creationId xmlns:a16="http://schemas.microsoft.com/office/drawing/2014/main" id="{B19728D3-1460-42D2-8D6D-FA0A3611E6CA}"/>
               </a:ext>
             </a:extLst>
           </p:cNvPr>
@@ -6542,19 +6598,14 @@
             <p:ph type="title"/>
           </p:nvPr>
         </p:nvSpPr>
-        <p:spPr>
-          <a:xfrm>
-            <a:off x="677334" y="609600"/>
-            <a:ext cx="5723466" cy="1320800"/>
-          </a:xfrm>
-        </p:spPr>
+        <p:spPr/>
         <p:txBody>
           <a:bodyPr/>
           <a:lstStyle/>
           <a:p>
             <a:r>
               <a:rPr lang="pt-BR" dirty="0"/>
-              <a:t>Perguntas</a:t>
+              <a:t>Introdução</a:t>
             </a:r>
           </a:p>
         </p:txBody>
@@ -6564,7 +6615,7 @@
           <p:cNvPr id="3" name="Espaço Reservado para Conteúdo 2">
             <a:extLst>
               <a:ext uri="{FF2B5EF4-FFF2-40B4-BE49-F238E27FC236}">
-                <a16:creationId xmlns:a16="http://schemas.microsoft.com/office/drawing/2014/main" id="{89E0BFDC-6745-4981-8B6A-0B22A47108C8}"/>
+                <a16:creationId xmlns:a16="http://schemas.microsoft.com/office/drawing/2014/main" id="{14E8FBFC-2E5D-4C2F-8C5C-DBC1E5328FCE}"/>
               </a:ext>
             </a:extLst>
           </p:cNvPr>
@@ -6582,66 +6633,15 @@
           <a:p>
             <a:r>
               <a:rPr lang="pt-BR" dirty="0"/>
-              <a:t>Quantos aplicativos você utiliza no seu celular?</a:t>
-            </a:r>
-          </a:p>
-          <a:p>
-            <a:r>
-              <a:rPr lang="pt-BR" dirty="0"/>
-              <a:t>Existe uma crise dos aplicativos nativos?</a:t>
-            </a:r>
-          </a:p>
-          <a:p>
-            <a:r>
-              <a:rPr lang="pt-BR" dirty="0"/>
-              <a:t>O que são os </a:t>
-            </a:r>
-            <a:r>
-              <a:rPr lang="pt-BR" dirty="0" err="1"/>
-              <a:t>Progressive</a:t>
-            </a:r>
-            <a:r>
-              <a:rPr lang="pt-BR" dirty="0"/>
-              <a:t> Web Apps?</a:t>
-            </a:r>
-          </a:p>
-          <a:p>
-            <a:r>
-              <a:rPr lang="pt-BR" dirty="0"/>
-              <a:t>O que os </a:t>
-            </a:r>
-            <a:r>
-              <a:rPr lang="pt-BR" dirty="0" err="1"/>
-              <a:t>PWAs</a:t>
-            </a:r>
-            <a:r>
-              <a:rPr lang="pt-BR" dirty="0"/>
-              <a:t> trazem de novo?</a:t>
-            </a:r>
-          </a:p>
-          <a:p>
-            <a:r>
-              <a:rPr lang="pt-BR" dirty="0"/>
-              <a:t>Quais são os cases de sucesso dos </a:t>
-            </a:r>
-            <a:r>
-              <a:rPr lang="pt-BR" dirty="0" err="1"/>
-              <a:t>PWAs</a:t>
-            </a:r>
-            <a:r>
-              <a:rPr lang="pt-BR" dirty="0"/>
-              <a:t>?</a:t>
-            </a:r>
-          </a:p>
-          <a:p>
-            <a:endParaRPr lang="pt-BR" dirty="0"/>
+              <a:t>O que é considerado PWA?</a:t>
+            </a:r>
           </a:p>
         </p:txBody>
       </p:sp>
     </p:spTree>
     <p:extLst>
       <p:ext uri="{BB962C8B-B14F-4D97-AF65-F5344CB8AC3E}">
-        <p14:creationId xmlns:p14="http://schemas.microsoft.com/office/powerpoint/2010/main" val="3537604851"/>
+        <p14:creationId xmlns:p14="http://schemas.microsoft.com/office/powerpoint/2010/main" val="1036944182"/>
       </p:ext>
     </p:extLst>
   </p:cSld>

--- a/apresentacao.pptx
+++ b/apresentacao.pptx
@@ -2,22 +2,28 @@
 <file path=ppt/presentation.xml><?xml version="1.0" encoding="utf-8"?>
 <p:presentation xmlns:a="http://schemas.openxmlformats.org/drawingml/2006/main" xmlns:r="http://schemas.openxmlformats.org/officeDocument/2006/relationships" xmlns:p="http://schemas.openxmlformats.org/presentationml/2006/main" saveSubsetFonts="1">
   <p:sldMasterIdLst>
-    <p:sldMasterId id="2147484044" r:id="rId1"/>
+    <p:sldMasterId id="2147484056" r:id="rId1"/>
   </p:sldMasterIdLst>
+  <p:notesMasterIdLst>
+    <p:notesMasterId r:id="rId18"/>
+  </p:notesMasterIdLst>
   <p:sldIdLst>
     <p:sldId id="256" r:id="rId2"/>
     <p:sldId id="257" r:id="rId3"/>
     <p:sldId id="272" r:id="rId4"/>
     <p:sldId id="258" r:id="rId5"/>
     <p:sldId id="273" r:id="rId6"/>
-    <p:sldId id="274" r:id="rId7"/>
-    <p:sldId id="263" r:id="rId8"/>
-    <p:sldId id="264" r:id="rId9"/>
-    <p:sldId id="265" r:id="rId10"/>
-    <p:sldId id="259" r:id="rId11"/>
-    <p:sldId id="260" r:id="rId12"/>
-    <p:sldId id="267" r:id="rId13"/>
-    <p:sldId id="266" r:id="rId14"/>
+    <p:sldId id="276" r:id="rId7"/>
+    <p:sldId id="277" r:id="rId8"/>
+    <p:sldId id="275" r:id="rId9"/>
+    <p:sldId id="274" r:id="rId10"/>
+    <p:sldId id="263" r:id="rId11"/>
+    <p:sldId id="264" r:id="rId12"/>
+    <p:sldId id="265" r:id="rId13"/>
+    <p:sldId id="259" r:id="rId14"/>
+    <p:sldId id="260" r:id="rId15"/>
+    <p:sldId id="267" r:id="rId16"/>
+    <p:sldId id="266" r:id="rId17"/>
   </p:sldIdLst>
   <p:sldSz cx="12192000" cy="6858000"/>
   <p:notesSz cx="6858000" cy="9144000"/>
@@ -124,6 +130,523 @@
 </p:presentation>
 </file>
 
+<file path=ppt/notesMasters/notesMaster1.xml><?xml version="1.0" encoding="utf-8"?>
+<p:notesMaster xmlns:a="http://schemas.openxmlformats.org/drawingml/2006/main" xmlns:r="http://schemas.openxmlformats.org/officeDocument/2006/relationships" xmlns:p="http://schemas.openxmlformats.org/presentationml/2006/main">
+  <p:cSld>
+    <p:bg>
+      <p:bgRef idx="1001">
+        <a:schemeClr val="bg1"/>
+      </p:bgRef>
+    </p:bg>
+    <p:spTree>
+      <p:nvGrpSpPr>
+        <p:cNvPr id="1" name=""/>
+        <p:cNvGrpSpPr/>
+        <p:nvPr/>
+      </p:nvGrpSpPr>
+      <p:grpSpPr>
+        <a:xfrm>
+          <a:off x="0" y="0"/>
+          <a:ext cx="0" cy="0"/>
+          <a:chOff x="0" y="0"/>
+          <a:chExt cx="0" cy="0"/>
+        </a:xfrm>
+      </p:grpSpPr>
+      <p:sp>
+        <p:nvSpPr>
+          <p:cNvPr id="2" name="Espaço Reservado para Cabeçalho 1"/>
+          <p:cNvSpPr>
+            <a:spLocks noGrp="1"/>
+          </p:cNvSpPr>
+          <p:nvPr>
+            <p:ph type="hdr" sz="quarter"/>
+          </p:nvPr>
+        </p:nvSpPr>
+        <p:spPr>
+          <a:xfrm>
+            <a:off x="0" y="0"/>
+            <a:ext cx="2971800" cy="458788"/>
+          </a:xfrm>
+          <a:prstGeom prst="rect">
+            <a:avLst/>
+          </a:prstGeom>
+        </p:spPr>
+        <p:txBody>
+          <a:bodyPr vert="horz" lIns="91440" tIns="45720" rIns="91440" bIns="45720" rtlCol="0"/>
+          <a:lstStyle>
+            <a:lvl1pPr algn="l">
+              <a:defRPr sz="1200"/>
+            </a:lvl1pPr>
+          </a:lstStyle>
+          <a:p>
+            <a:endParaRPr lang="pt-BR"/>
+          </a:p>
+        </p:txBody>
+      </p:sp>
+      <p:sp>
+        <p:nvSpPr>
+          <p:cNvPr id="3" name="Espaço Reservado para Data 2"/>
+          <p:cNvSpPr>
+            <a:spLocks noGrp="1"/>
+          </p:cNvSpPr>
+          <p:nvPr>
+            <p:ph type="dt" idx="1"/>
+          </p:nvPr>
+        </p:nvSpPr>
+        <p:spPr>
+          <a:xfrm>
+            <a:off x="3884613" y="0"/>
+            <a:ext cx="2971800" cy="458788"/>
+          </a:xfrm>
+          <a:prstGeom prst="rect">
+            <a:avLst/>
+          </a:prstGeom>
+        </p:spPr>
+        <p:txBody>
+          <a:bodyPr vert="horz" lIns="91440" tIns="45720" rIns="91440" bIns="45720" rtlCol="0"/>
+          <a:lstStyle>
+            <a:lvl1pPr algn="r">
+              <a:defRPr sz="1200"/>
+            </a:lvl1pPr>
+          </a:lstStyle>
+          <a:p>
+            <a:fld id="{0EFD01C0-F1CB-45EF-BE4E-0E8034D189E3}" type="datetimeFigureOut">
+              <a:rPr lang="pt-BR" smtClean="0"/>
+              <a:t>18/04/2018</a:t>
+            </a:fld>
+            <a:endParaRPr lang="pt-BR"/>
+          </a:p>
+        </p:txBody>
+      </p:sp>
+      <p:sp>
+        <p:nvSpPr>
+          <p:cNvPr id="4" name="Espaço Reservado para Imagem de Slide 3"/>
+          <p:cNvSpPr>
+            <a:spLocks noGrp="1" noRot="1" noChangeAspect="1"/>
+          </p:cNvSpPr>
+          <p:nvPr>
+            <p:ph type="sldImg" idx="2"/>
+          </p:nvPr>
+        </p:nvSpPr>
+        <p:spPr>
+          <a:xfrm>
+            <a:off x="685800" y="1143000"/>
+            <a:ext cx="5486400" cy="3086100"/>
+          </a:xfrm>
+          <a:prstGeom prst="rect">
+            <a:avLst/>
+          </a:prstGeom>
+          <a:noFill/>
+          <a:ln w="12700">
+            <a:solidFill>
+              <a:prstClr val="black"/>
+            </a:solidFill>
+          </a:ln>
+        </p:spPr>
+        <p:txBody>
+          <a:bodyPr vert="horz" lIns="91440" tIns="45720" rIns="91440" bIns="45720" rtlCol="0" anchor="ctr"/>
+          <a:lstStyle/>
+          <a:p>
+            <a:endParaRPr lang="pt-BR"/>
+          </a:p>
+        </p:txBody>
+      </p:sp>
+      <p:sp>
+        <p:nvSpPr>
+          <p:cNvPr id="5" name="Espaço Reservado para Anotações 4"/>
+          <p:cNvSpPr>
+            <a:spLocks noGrp="1"/>
+          </p:cNvSpPr>
+          <p:nvPr>
+            <p:ph type="body" sz="quarter" idx="3"/>
+          </p:nvPr>
+        </p:nvSpPr>
+        <p:spPr>
+          <a:xfrm>
+            <a:off x="685800" y="4400550"/>
+            <a:ext cx="5486400" cy="3600450"/>
+          </a:xfrm>
+          <a:prstGeom prst="rect">
+            <a:avLst/>
+          </a:prstGeom>
+        </p:spPr>
+        <p:txBody>
+          <a:bodyPr vert="horz" lIns="91440" tIns="45720" rIns="91440" bIns="45720" rtlCol="0"/>
+          <a:lstStyle/>
+          <a:p>
+            <a:pPr lvl="0"/>
+            <a:r>
+              <a:rPr lang="pt-BR"/>
+              <a:t>Editar estilos de texto Mestre</a:t>
+            </a:r>
+          </a:p>
+          <a:p>
+            <a:pPr lvl="1"/>
+            <a:r>
+              <a:rPr lang="pt-BR"/>
+              <a:t>Segundo nível</a:t>
+            </a:r>
+          </a:p>
+          <a:p>
+            <a:pPr lvl="2"/>
+            <a:r>
+              <a:rPr lang="pt-BR"/>
+              <a:t>Terceiro nível</a:t>
+            </a:r>
+          </a:p>
+          <a:p>
+            <a:pPr lvl="3"/>
+            <a:r>
+              <a:rPr lang="pt-BR"/>
+              <a:t>Quarto nível</a:t>
+            </a:r>
+          </a:p>
+          <a:p>
+            <a:pPr lvl="4"/>
+            <a:r>
+              <a:rPr lang="pt-BR"/>
+              <a:t>Quinto nível</a:t>
+            </a:r>
+          </a:p>
+        </p:txBody>
+      </p:sp>
+      <p:sp>
+        <p:nvSpPr>
+          <p:cNvPr id="6" name="Espaço Reservado para Rodapé 5"/>
+          <p:cNvSpPr>
+            <a:spLocks noGrp="1"/>
+          </p:cNvSpPr>
+          <p:nvPr>
+            <p:ph type="ftr" sz="quarter" idx="4"/>
+          </p:nvPr>
+        </p:nvSpPr>
+        <p:spPr>
+          <a:xfrm>
+            <a:off x="0" y="8685213"/>
+            <a:ext cx="2971800" cy="458787"/>
+          </a:xfrm>
+          <a:prstGeom prst="rect">
+            <a:avLst/>
+          </a:prstGeom>
+        </p:spPr>
+        <p:txBody>
+          <a:bodyPr vert="horz" lIns="91440" tIns="45720" rIns="91440" bIns="45720" rtlCol="0" anchor="b"/>
+          <a:lstStyle>
+            <a:lvl1pPr algn="l">
+              <a:defRPr sz="1200"/>
+            </a:lvl1pPr>
+          </a:lstStyle>
+          <a:p>
+            <a:endParaRPr lang="pt-BR"/>
+          </a:p>
+        </p:txBody>
+      </p:sp>
+      <p:sp>
+        <p:nvSpPr>
+          <p:cNvPr id="7" name="Espaço Reservado para Número de Slide 6"/>
+          <p:cNvSpPr>
+            <a:spLocks noGrp="1"/>
+          </p:cNvSpPr>
+          <p:nvPr>
+            <p:ph type="sldNum" sz="quarter" idx="5"/>
+          </p:nvPr>
+        </p:nvSpPr>
+        <p:spPr>
+          <a:xfrm>
+            <a:off x="3884613" y="8685213"/>
+            <a:ext cx="2971800" cy="458787"/>
+          </a:xfrm>
+          <a:prstGeom prst="rect">
+            <a:avLst/>
+          </a:prstGeom>
+        </p:spPr>
+        <p:txBody>
+          <a:bodyPr vert="horz" lIns="91440" tIns="45720" rIns="91440" bIns="45720" rtlCol="0" anchor="b"/>
+          <a:lstStyle>
+            <a:lvl1pPr algn="r">
+              <a:defRPr sz="1200"/>
+            </a:lvl1pPr>
+          </a:lstStyle>
+          <a:p>
+            <a:fld id="{E793B444-EEE7-4AE3-9AEA-3F0D047BDCDD}" type="slidenum">
+              <a:rPr lang="pt-BR" smtClean="0"/>
+              <a:t>‹nº›</a:t>
+            </a:fld>
+            <a:endParaRPr lang="pt-BR"/>
+          </a:p>
+        </p:txBody>
+      </p:sp>
+    </p:spTree>
+    <p:extLst>
+      <p:ext uri="{BB962C8B-B14F-4D97-AF65-F5344CB8AC3E}">
+        <p14:creationId xmlns:p14="http://schemas.microsoft.com/office/powerpoint/2010/main" val="3554616871"/>
+      </p:ext>
+    </p:extLst>
+  </p:cSld>
+  <p:clrMap bg1="lt1" tx1="dk1" bg2="lt2" tx2="dk2" accent1="accent1" accent2="accent2" accent3="accent3" accent4="accent4" accent5="accent5" accent6="accent6" hlink="hlink" folHlink="folHlink"/>
+  <p:notesStyle>
+    <a:lvl1pPr marL="0" algn="l" defTabSz="914400" rtl="0" eaLnBrk="1" latinLnBrk="0" hangingPunct="1">
+      <a:defRPr sz="1200" kern="1200">
+        <a:solidFill>
+          <a:schemeClr val="tx1"/>
+        </a:solidFill>
+        <a:latin typeface="+mn-lt"/>
+        <a:ea typeface="+mn-ea"/>
+        <a:cs typeface="+mn-cs"/>
+      </a:defRPr>
+    </a:lvl1pPr>
+    <a:lvl2pPr marL="457200" algn="l" defTabSz="914400" rtl="0" eaLnBrk="1" latinLnBrk="0" hangingPunct="1">
+      <a:defRPr sz="1200" kern="1200">
+        <a:solidFill>
+          <a:schemeClr val="tx1"/>
+        </a:solidFill>
+        <a:latin typeface="+mn-lt"/>
+        <a:ea typeface="+mn-ea"/>
+        <a:cs typeface="+mn-cs"/>
+      </a:defRPr>
+    </a:lvl2pPr>
+    <a:lvl3pPr marL="914400" algn="l" defTabSz="914400" rtl="0" eaLnBrk="1" latinLnBrk="0" hangingPunct="1">
+      <a:defRPr sz="1200" kern="1200">
+        <a:solidFill>
+          <a:schemeClr val="tx1"/>
+        </a:solidFill>
+        <a:latin typeface="+mn-lt"/>
+        <a:ea typeface="+mn-ea"/>
+        <a:cs typeface="+mn-cs"/>
+      </a:defRPr>
+    </a:lvl3pPr>
+    <a:lvl4pPr marL="1371600" algn="l" defTabSz="914400" rtl="0" eaLnBrk="1" latinLnBrk="0" hangingPunct="1">
+      <a:defRPr sz="1200" kern="1200">
+        <a:solidFill>
+          <a:schemeClr val="tx1"/>
+        </a:solidFill>
+        <a:latin typeface="+mn-lt"/>
+        <a:ea typeface="+mn-ea"/>
+        <a:cs typeface="+mn-cs"/>
+      </a:defRPr>
+    </a:lvl4pPr>
+    <a:lvl5pPr marL="1828800" algn="l" defTabSz="914400" rtl="0" eaLnBrk="1" latinLnBrk="0" hangingPunct="1">
+      <a:defRPr sz="1200" kern="1200">
+        <a:solidFill>
+          <a:schemeClr val="tx1"/>
+        </a:solidFill>
+        <a:latin typeface="+mn-lt"/>
+        <a:ea typeface="+mn-ea"/>
+        <a:cs typeface="+mn-cs"/>
+      </a:defRPr>
+    </a:lvl5pPr>
+    <a:lvl6pPr marL="2286000" algn="l" defTabSz="914400" rtl="0" eaLnBrk="1" latinLnBrk="0" hangingPunct="1">
+      <a:defRPr sz="1200" kern="1200">
+        <a:solidFill>
+          <a:schemeClr val="tx1"/>
+        </a:solidFill>
+        <a:latin typeface="+mn-lt"/>
+        <a:ea typeface="+mn-ea"/>
+        <a:cs typeface="+mn-cs"/>
+      </a:defRPr>
+    </a:lvl6pPr>
+    <a:lvl7pPr marL="2743200" algn="l" defTabSz="914400" rtl="0" eaLnBrk="1" latinLnBrk="0" hangingPunct="1">
+      <a:defRPr sz="1200" kern="1200">
+        <a:solidFill>
+          <a:schemeClr val="tx1"/>
+        </a:solidFill>
+        <a:latin typeface="+mn-lt"/>
+        <a:ea typeface="+mn-ea"/>
+        <a:cs typeface="+mn-cs"/>
+      </a:defRPr>
+    </a:lvl7pPr>
+    <a:lvl8pPr marL="3200400" algn="l" defTabSz="914400" rtl="0" eaLnBrk="1" latinLnBrk="0" hangingPunct="1">
+      <a:defRPr sz="1200" kern="1200">
+        <a:solidFill>
+          <a:schemeClr val="tx1"/>
+        </a:solidFill>
+        <a:latin typeface="+mn-lt"/>
+        <a:ea typeface="+mn-ea"/>
+        <a:cs typeface="+mn-cs"/>
+      </a:defRPr>
+    </a:lvl8pPr>
+    <a:lvl9pPr marL="3657600" algn="l" defTabSz="914400" rtl="0" eaLnBrk="1" latinLnBrk="0" hangingPunct="1">
+      <a:defRPr sz="1200" kern="1200">
+        <a:solidFill>
+          <a:schemeClr val="tx1"/>
+        </a:solidFill>
+        <a:latin typeface="+mn-lt"/>
+        <a:ea typeface="+mn-ea"/>
+        <a:cs typeface="+mn-cs"/>
+      </a:defRPr>
+    </a:lvl9pPr>
+  </p:notesStyle>
+</p:notesMaster>
+</file>
+
+<file path=ppt/notesSlides/notesSlide1.xml><?xml version="1.0" encoding="utf-8"?>
+<p:notes xmlns:a="http://schemas.openxmlformats.org/drawingml/2006/main" xmlns:r="http://schemas.openxmlformats.org/officeDocument/2006/relationships" xmlns:p="http://schemas.openxmlformats.org/presentationml/2006/main">
+  <p:cSld>
+    <p:spTree>
+      <p:nvGrpSpPr>
+        <p:cNvPr id="1" name=""/>
+        <p:cNvGrpSpPr/>
+        <p:nvPr/>
+      </p:nvGrpSpPr>
+      <p:grpSpPr>
+        <a:xfrm>
+          <a:off x="0" y="0"/>
+          <a:ext cx="0" cy="0"/>
+          <a:chOff x="0" y="0"/>
+          <a:chExt cx="0" cy="0"/>
+        </a:xfrm>
+      </p:grpSpPr>
+      <p:sp>
+        <p:nvSpPr>
+          <p:cNvPr id="2" name="Espaço Reservado para Imagem de Slide 1"/>
+          <p:cNvSpPr>
+            <a:spLocks noGrp="1" noRot="1" noChangeAspect="1"/>
+          </p:cNvSpPr>
+          <p:nvPr>
+            <p:ph type="sldImg"/>
+          </p:nvPr>
+        </p:nvSpPr>
+        <p:spPr/>
+      </p:sp>
+      <p:sp>
+        <p:nvSpPr>
+          <p:cNvPr id="3" name="Espaço Reservado para Anotações 2"/>
+          <p:cNvSpPr>
+            <a:spLocks noGrp="1"/>
+          </p:cNvSpPr>
+          <p:nvPr>
+            <p:ph type="body" idx="1"/>
+          </p:nvPr>
+        </p:nvSpPr>
+        <p:spPr/>
+        <p:txBody>
+          <a:bodyPr/>
+          <a:lstStyle/>
+          <a:p>
+            <a:endParaRPr lang="pt-BR" dirty="0"/>
+          </a:p>
+        </p:txBody>
+      </p:sp>
+      <p:sp>
+        <p:nvSpPr>
+          <p:cNvPr id="4" name="Espaço Reservado para Número de Slide 3"/>
+          <p:cNvSpPr>
+            <a:spLocks noGrp="1"/>
+          </p:cNvSpPr>
+          <p:nvPr>
+            <p:ph type="sldNum" sz="quarter" idx="10"/>
+          </p:nvPr>
+        </p:nvSpPr>
+        <p:spPr/>
+        <p:txBody>
+          <a:bodyPr/>
+          <a:lstStyle/>
+          <a:p>
+            <a:fld id="{E793B444-EEE7-4AE3-9AEA-3F0D047BDCDD}" type="slidenum">
+              <a:rPr lang="pt-BR" smtClean="0"/>
+              <a:t>6</a:t>
+            </a:fld>
+            <a:endParaRPr lang="pt-BR"/>
+          </a:p>
+        </p:txBody>
+      </p:sp>
+    </p:spTree>
+    <p:extLst>
+      <p:ext uri="{BB962C8B-B14F-4D97-AF65-F5344CB8AC3E}">
+        <p14:creationId xmlns:p14="http://schemas.microsoft.com/office/powerpoint/2010/main" val="2418195489"/>
+      </p:ext>
+    </p:extLst>
+  </p:cSld>
+  <p:clrMapOvr>
+    <a:masterClrMapping/>
+  </p:clrMapOvr>
+</p:notes>
+</file>
+
+<file path=ppt/notesSlides/notesSlide2.xml><?xml version="1.0" encoding="utf-8"?>
+<p:notes xmlns:a="http://schemas.openxmlformats.org/drawingml/2006/main" xmlns:r="http://schemas.openxmlformats.org/officeDocument/2006/relationships" xmlns:p="http://schemas.openxmlformats.org/presentationml/2006/main">
+  <p:cSld>
+    <p:spTree>
+      <p:nvGrpSpPr>
+        <p:cNvPr id="1" name=""/>
+        <p:cNvGrpSpPr/>
+        <p:nvPr/>
+      </p:nvGrpSpPr>
+      <p:grpSpPr>
+        <a:xfrm>
+          <a:off x="0" y="0"/>
+          <a:ext cx="0" cy="0"/>
+          <a:chOff x="0" y="0"/>
+          <a:chExt cx="0" cy="0"/>
+        </a:xfrm>
+      </p:grpSpPr>
+      <p:sp>
+        <p:nvSpPr>
+          <p:cNvPr id="2" name="Espaço Reservado para Imagem de Slide 1"/>
+          <p:cNvSpPr>
+            <a:spLocks noGrp="1" noRot="1" noChangeAspect="1"/>
+          </p:cNvSpPr>
+          <p:nvPr>
+            <p:ph type="sldImg"/>
+          </p:nvPr>
+        </p:nvSpPr>
+        <p:spPr/>
+      </p:sp>
+      <p:sp>
+        <p:nvSpPr>
+          <p:cNvPr id="3" name="Espaço Reservado para Anotações 2"/>
+          <p:cNvSpPr>
+            <a:spLocks noGrp="1"/>
+          </p:cNvSpPr>
+          <p:nvPr>
+            <p:ph type="body" idx="1"/>
+          </p:nvPr>
+        </p:nvSpPr>
+        <p:spPr/>
+        <p:txBody>
+          <a:bodyPr/>
+          <a:lstStyle/>
+          <a:p>
+            <a:endParaRPr lang="pt-BR" dirty="0"/>
+          </a:p>
+        </p:txBody>
+      </p:sp>
+      <p:sp>
+        <p:nvSpPr>
+          <p:cNvPr id="4" name="Espaço Reservado para Número de Slide 3"/>
+          <p:cNvSpPr>
+            <a:spLocks noGrp="1"/>
+          </p:cNvSpPr>
+          <p:nvPr>
+            <p:ph type="sldNum" sz="quarter" idx="10"/>
+          </p:nvPr>
+        </p:nvSpPr>
+        <p:spPr/>
+        <p:txBody>
+          <a:bodyPr/>
+          <a:lstStyle/>
+          <a:p>
+            <a:fld id="{E793B444-EEE7-4AE3-9AEA-3F0D047BDCDD}" type="slidenum">
+              <a:rPr lang="pt-BR" smtClean="0"/>
+              <a:t>7</a:t>
+            </a:fld>
+            <a:endParaRPr lang="pt-BR"/>
+          </a:p>
+        </p:txBody>
+      </p:sp>
+    </p:spTree>
+    <p:extLst>
+      <p:ext uri="{BB962C8B-B14F-4D97-AF65-F5344CB8AC3E}">
+        <p14:creationId xmlns:p14="http://schemas.microsoft.com/office/powerpoint/2010/main" val="2617784637"/>
+      </p:ext>
+    </p:extLst>
+  </p:cSld>
+  <p:clrMapOvr>
+    <a:masterClrMapping/>
+  </p:clrMapOvr>
+</p:notes>
+</file>
+
 <file path=ppt/slideLayouts/slideLayout1.xml><?xml version="1.0" encoding="utf-8"?>
 <p:sldLayout xmlns:a="http://schemas.openxmlformats.org/drawingml/2006/main" xmlns:r="http://schemas.openxmlformats.org/officeDocument/2006/relationships" xmlns:p="http://schemas.openxmlformats.org/presentationml/2006/main" showMasterSp="0" type="title" preserve="1">
   <p:cSld name="Slide de Título">
@@ -157,7 +680,7 @@
           </a:prstGeom>
           <a:blipFill dpi="0" rotWithShape="1">
             <a:blip r:embed="rId2">
-              <a:alphaModFix amt="85000"/>
+              <a:alphaModFix amt="80000"/>
               <a:lum bright="70000" contrast="-70000"/>
               <a:extLst>
                 <a:ext uri="{BEBA8EAE-BF5A-486C-A8C5-ECC9F3942E4B}">
@@ -206,7 +729,7 @@
         </p:nvSpPr>
         <p:spPr>
           <a:xfrm>
-            <a:off x="920834" y="4299696"/>
+            <a:off x="920834" y="4282762"/>
             <a:ext cx="10222992" cy="80683"/>
           </a:xfrm>
           <a:prstGeom prst="rect">
@@ -214,7 +737,7 @@
           </a:prstGeom>
           <a:blipFill dpi="0" rotWithShape="1">
             <a:blip r:embed="rId2">
-              <a:alphaModFix amt="85000"/>
+              <a:alphaModFix amt="80000"/>
               <a:lum bright="70000" contrast="-70000"/>
               <a:extLst>
                 <a:ext uri="{BEBA8EAE-BF5A-486C-A8C5-ECC9F3942E4B}">
@@ -271,7 +794,7 @@
           </a:prstGeom>
           <a:blipFill dpi="0" rotWithShape="1">
             <a:blip r:embed="rId2">
-              <a:alphaModFix amt="85000"/>
+              <a:alphaModFix amt="80000"/>
               <a:lum bright="70000" contrast="-70000"/>
               <a:extLst>
                 <a:ext uri="{BEBA8EAE-BF5A-486C-A8C5-ECC9F3942E4B}">
@@ -343,7 +866,7 @@
             <a:blipFill dpi="0" rotWithShape="1">
               <a:blip r:embed="rId4">
                 <a:duotone>
-                  <a:schemeClr val="accent1">
+                  <a:schemeClr val="accent2">
                     <a:shade val="45000"/>
                     <a:satMod val="135000"/>
                   </a:schemeClr>
@@ -419,9 +942,9 @@
           <a:lstStyle>
             <a:lvl1pPr algn="l">
               <a:lnSpc>
-                <a:spcPct val="80000"/>
+                <a:spcPct val="85000"/>
               </a:lnSpc>
-              <a:defRPr sz="9600" cap="all" baseline="0">
+              <a:defRPr sz="7200" b="1" cap="none" baseline="0">
                 <a:blipFill dpi="0" rotWithShape="1">
                   <a:blip r:embed="rId4"/>
                   <a:srcRect/>
@@ -462,19 +985,21 @@
           <a:lstStyle>
             <a:lvl1pPr marL="0" indent="0" algn="l">
               <a:buNone/>
-              <a:defRPr sz="2200">
+              <a:defRPr sz="2000" b="1">
                 <a:solidFill>
-                  <a:schemeClr val="tx1"/>
+                  <a:schemeClr val="accent2">
+                    <a:lumMod val="75000"/>
+                  </a:schemeClr>
                 </a:solidFill>
               </a:defRPr>
             </a:lvl1pPr>
             <a:lvl2pPr marL="457200" indent="0" algn="ctr">
               <a:buNone/>
-              <a:defRPr sz="2200"/>
+              <a:defRPr sz="2000"/>
             </a:lvl2pPr>
             <a:lvl3pPr marL="914400" indent="0" algn="ctr">
               <a:buNone/>
-              <a:defRPr sz="2200"/>
+              <a:defRPr sz="2000"/>
             </a:lvl3pPr>
             <a:lvl4pPr marL="1371600" indent="0" algn="ctr">
               <a:buNone/>
@@ -527,7 +1052,7 @@
           <a:p>
             <a:fld id="{B618C737-F40F-42A7-9064-9951C5C3E5D1}" type="datetimeFigureOut">
               <a:rPr lang="pt-BR" smtClean="0"/>
-              <a:t>17/04/2018</a:t>
+              <a:t>18/04/2018</a:t>
             </a:fld>
             <a:endParaRPr lang="pt-BR"/>
           </a:p>
@@ -572,7 +1097,7 @@
           <a:bodyPr/>
           <a:lstStyle>
             <a:lvl1pPr>
-              <a:defRPr sz="2800"/>
+              <a:defRPr sz="2800" b="1"/>
             </a:lvl1pPr>
           </a:lstStyle>
           <a:p>
@@ -587,7 +1112,7 @@
     </p:spTree>
     <p:extLst>
       <p:ext uri="{BB962C8B-B14F-4D97-AF65-F5344CB8AC3E}">
-        <p14:creationId xmlns:p14="http://schemas.microsoft.com/office/powerpoint/2010/main" val="2477249474"/>
+        <p14:creationId xmlns:p14="http://schemas.microsoft.com/office/powerpoint/2010/main" val="1475509158"/>
       </p:ext>
     </p:extLst>
   </p:cSld>
@@ -706,7 +1231,7 @@
           <a:p>
             <a:fld id="{B618C737-F40F-42A7-9064-9951C5C3E5D1}" type="datetimeFigureOut">
               <a:rPr lang="pt-BR" smtClean="0"/>
-              <a:t>17/04/2018</a:t>
+              <a:t>18/04/2018</a:t>
             </a:fld>
             <a:endParaRPr lang="pt-BR"/>
           </a:p>
@@ -757,7 +1282,7 @@
     </p:spTree>
     <p:extLst>
       <p:ext uri="{BB962C8B-B14F-4D97-AF65-F5344CB8AC3E}">
-        <p14:creationId xmlns:p14="http://schemas.microsoft.com/office/powerpoint/2010/main" val="616028702"/>
+        <p14:creationId xmlns:p14="http://schemas.microsoft.com/office/powerpoint/2010/main" val="2230140462"/>
       </p:ext>
     </p:extLst>
   </p:cSld>
@@ -886,7 +1411,7 @@
           <a:p>
             <a:fld id="{B618C737-F40F-42A7-9064-9951C5C3E5D1}" type="datetimeFigureOut">
               <a:rPr lang="pt-BR" smtClean="0"/>
-              <a:t>17/04/2018</a:t>
+              <a:t>18/04/2018</a:t>
             </a:fld>
             <a:endParaRPr lang="pt-BR"/>
           </a:p>
@@ -937,7 +1462,7 @@
     </p:spTree>
     <p:extLst>
       <p:ext uri="{BB962C8B-B14F-4D97-AF65-F5344CB8AC3E}">
-        <p14:creationId xmlns:p14="http://schemas.microsoft.com/office/powerpoint/2010/main" val="1328668254"/>
+        <p14:creationId xmlns:p14="http://schemas.microsoft.com/office/powerpoint/2010/main" val="3213952764"/>
       </p:ext>
     </p:extLst>
   </p:cSld>
@@ -1056,7 +1581,7 @@
           <a:p>
             <a:fld id="{B618C737-F40F-42A7-9064-9951C5C3E5D1}" type="datetimeFigureOut">
               <a:rPr lang="pt-BR" smtClean="0"/>
-              <a:t>17/04/2018</a:t>
+              <a:t>18/04/2018</a:t>
             </a:fld>
             <a:endParaRPr lang="pt-BR"/>
           </a:p>
@@ -1107,7 +1632,7 @@
     </p:spTree>
     <p:extLst>
       <p:ext uri="{BB962C8B-B14F-4D97-AF65-F5344CB8AC3E}">
-        <p14:creationId xmlns:p14="http://schemas.microsoft.com/office/powerpoint/2010/main" val="3257067619"/>
+        <p14:creationId xmlns:p14="http://schemas.microsoft.com/office/powerpoint/2010/main" val="3568589314"/>
       </p:ext>
     </p:extLst>
   </p:cSld>
@@ -1150,7 +1675,7 @@
           </a:prstGeom>
           <a:blipFill dpi="0" rotWithShape="1">
             <a:blip r:embed="rId2">
-              <a:alphaModFix amt="85000"/>
+              <a:alphaModFix amt="80000"/>
               <a:lum bright="70000" contrast="-70000"/>
               <a:extLst>
                 <a:ext uri="{BEBA8EAE-BF5A-486C-A8C5-ECC9F3942E4B}">
@@ -1214,9 +1739,9 @@
           <a:lstStyle>
             <a:lvl1pPr>
               <a:lnSpc>
-                <a:spcPct val="80000"/>
+                <a:spcPct val="85000"/>
               </a:lnSpc>
-              <a:defRPr sz="8000" b="0"/>
+              <a:defRPr sz="7200" b="1"/>
             </a:lvl1pPr>
           </a:lstStyle>
           <a:p>
@@ -1251,9 +1776,11 @@
           <a:lstStyle>
             <a:lvl1pPr marL="0" indent="0">
               <a:buNone/>
-              <a:defRPr sz="2000">
+              <a:defRPr sz="2000" b="1">
                 <a:solidFill>
-                  <a:schemeClr val="tx1"/>
+                  <a:schemeClr val="accent2">
+                    <a:lumMod val="50000"/>
+                  </a:schemeClr>
                 </a:solidFill>
               </a:defRPr>
             </a:lvl1pPr>
@@ -1365,11 +1892,21 @@
         </p:spPr>
         <p:txBody>
           <a:bodyPr/>
-          <a:lstStyle/>
+          <a:lstStyle>
+            <a:lvl1pPr>
+              <a:defRPr>
+                <a:solidFill>
+                  <a:schemeClr val="accent2">
+                    <a:lumMod val="50000"/>
+                  </a:schemeClr>
+                </a:solidFill>
+              </a:defRPr>
+            </a:lvl1pPr>
+          </a:lstStyle>
           <a:p>
             <a:fld id="{B618C737-F40F-42A7-9064-9951C5C3E5D1}" type="datetimeFigureOut">
               <a:rPr lang="pt-BR" smtClean="0"/>
-              <a:t>17/04/2018</a:t>
+              <a:t>18/04/2018</a:t>
             </a:fld>
             <a:endParaRPr lang="pt-BR"/>
           </a:p>
@@ -1393,7 +1930,17 @@
         </p:spPr>
         <p:txBody>
           <a:bodyPr/>
-          <a:lstStyle/>
+          <a:lstStyle>
+            <a:lvl1pPr>
+              <a:defRPr>
+                <a:solidFill>
+                  <a:schemeClr val="accent2">
+                    <a:lumMod val="50000"/>
+                  </a:schemeClr>
+                </a:solidFill>
+              </a:defRPr>
+            </a:lvl1pPr>
+          </a:lstStyle>
           <a:p>
             <a:endParaRPr lang="pt-BR"/>
           </a:p>
@@ -1430,7 +1977,7 @@
             <a:blipFill dpi="0" rotWithShape="1">
               <a:blip r:embed="rId4">
                 <a:duotone>
-                  <a:schemeClr val="accent1">
+                  <a:schemeClr val="accent2">
                     <a:shade val="45000"/>
                     <a:satMod val="135000"/>
                   </a:schemeClr>
@@ -1518,7 +2065,7 @@
     </p:spTree>
     <p:extLst>
       <p:ext uri="{BB962C8B-B14F-4D97-AF65-F5344CB8AC3E}">
-        <p14:creationId xmlns:p14="http://schemas.microsoft.com/office/powerpoint/2010/main" val="40115433"/>
+        <p14:creationId xmlns:p14="http://schemas.microsoft.com/office/powerpoint/2010/main" val="3427705293"/>
       </p:ext>
     </p:extLst>
   </p:cSld>
@@ -1755,7 +2302,7 @@
           <a:p>
             <a:fld id="{B618C737-F40F-42A7-9064-9951C5C3E5D1}" type="datetimeFigureOut">
               <a:rPr lang="pt-BR" smtClean="0"/>
-              <a:t>17/04/2018</a:t>
+              <a:t>18/04/2018</a:t>
             </a:fld>
             <a:endParaRPr lang="pt-BR"/>
           </a:p>
@@ -1806,7 +2353,7 @@
     </p:spTree>
     <p:extLst>
       <p:ext uri="{BB962C8B-B14F-4D97-AF65-F5344CB8AC3E}">
-        <p14:creationId xmlns:p14="http://schemas.microsoft.com/office/powerpoint/2010/main" val="4270521915"/>
+        <p14:creationId xmlns:p14="http://schemas.microsoft.com/office/powerpoint/2010/main" val="2689564119"/>
       </p:ext>
     </p:extLst>
   </p:cSld>
@@ -1881,7 +2428,7 @@
               <a:buNone/>
               <a:defRPr sz="2000" b="1">
                 <a:solidFill>
-                  <a:schemeClr val="accent1">
+                  <a:schemeClr val="accent2">
                     <a:lumMod val="75000"/>
                   </a:schemeClr>
                 </a:solidFill>
@@ -2039,7 +2586,7 @@
               <a:buNone/>
               <a:defRPr sz="2000" b="1">
                 <a:solidFill>
-                  <a:schemeClr val="accent1">
+                  <a:schemeClr val="accent2">
                     <a:lumMod val="75000"/>
                   </a:schemeClr>
                 </a:solidFill>
@@ -2189,7 +2736,7 @@
           <a:p>
             <a:fld id="{B618C737-F40F-42A7-9064-9951C5C3E5D1}" type="datetimeFigureOut">
               <a:rPr lang="pt-BR" smtClean="0"/>
-              <a:t>17/04/2018</a:t>
+              <a:t>18/04/2018</a:t>
             </a:fld>
             <a:endParaRPr lang="pt-BR"/>
           </a:p>
@@ -2240,7 +2787,7 @@
     </p:spTree>
     <p:extLst>
       <p:ext uri="{BB962C8B-B14F-4D97-AF65-F5344CB8AC3E}">
-        <p14:creationId xmlns:p14="http://schemas.microsoft.com/office/powerpoint/2010/main" val="1808177958"/>
+        <p14:creationId xmlns:p14="http://schemas.microsoft.com/office/powerpoint/2010/main" val="1848580521"/>
       </p:ext>
     </p:extLst>
   </p:cSld>
@@ -2307,7 +2854,7 @@
           <a:p>
             <a:fld id="{B618C737-F40F-42A7-9064-9951C5C3E5D1}" type="datetimeFigureOut">
               <a:rPr lang="pt-BR" smtClean="0"/>
-              <a:t>17/04/2018</a:t>
+              <a:t>18/04/2018</a:t>
             </a:fld>
             <a:endParaRPr lang="pt-BR"/>
           </a:p>
@@ -2358,7 +2905,7 @@
     </p:spTree>
     <p:extLst>
       <p:ext uri="{BB962C8B-B14F-4D97-AF65-F5344CB8AC3E}">
-        <p14:creationId xmlns:p14="http://schemas.microsoft.com/office/powerpoint/2010/main" val="4169378385"/>
+        <p14:creationId xmlns:p14="http://schemas.microsoft.com/office/powerpoint/2010/main" val="2291491226"/>
       </p:ext>
     </p:extLst>
   </p:cSld>
@@ -2402,7 +2949,7 @@
           <a:p>
             <a:fld id="{B618C737-F40F-42A7-9064-9951C5C3E5D1}" type="datetimeFigureOut">
               <a:rPr lang="pt-BR" smtClean="0"/>
-              <a:t>17/04/2018</a:t>
+              <a:t>18/04/2018</a:t>
             </a:fld>
             <a:endParaRPr lang="pt-BR"/>
           </a:p>
@@ -2453,7 +3000,7 @@
     </p:spTree>
     <p:extLst>
       <p:ext uri="{BB962C8B-B14F-4D97-AF65-F5344CB8AC3E}">
-        <p14:creationId xmlns:p14="http://schemas.microsoft.com/office/powerpoint/2010/main" val="569288425"/>
+        <p14:creationId xmlns:p14="http://schemas.microsoft.com/office/powerpoint/2010/main" val="3953743217"/>
       </p:ext>
     </p:extLst>
   </p:cSld>
@@ -2687,8 +3234,8 @@
               <a:buNone/>
               <a:defRPr sz="1400">
                 <a:solidFill>
-                  <a:schemeClr val="accent1">
-                    <a:lumMod val="75000"/>
+                  <a:schemeClr val="accent2">
+                    <a:lumMod val="50000"/>
                   </a:schemeClr>
                 </a:solidFill>
               </a:defRPr>
@@ -2752,7 +3299,7 @@
           <a:p>
             <a:fld id="{B618C737-F40F-42A7-9064-9951C5C3E5D1}" type="datetimeFigureOut">
               <a:rPr lang="pt-BR" smtClean="0"/>
-              <a:t>17/04/2018</a:t>
+              <a:t>18/04/2018</a:t>
             </a:fld>
             <a:endParaRPr lang="pt-BR"/>
           </a:p>
@@ -2810,7 +3357,7 @@
             <a:blipFill dpi="0" rotWithShape="1">
               <a:blip r:embed="rId4">
                 <a:duotone>
-                  <a:schemeClr val="accent1">
+                  <a:schemeClr val="accent2">
                     <a:shade val="45000"/>
                     <a:satMod val="135000"/>
                   </a:schemeClr>
@@ -2892,7 +3439,7 @@
     </p:spTree>
     <p:extLst>
       <p:ext uri="{BB962C8B-B14F-4D97-AF65-F5344CB8AC3E}">
-        <p14:creationId xmlns:p14="http://schemas.microsoft.com/office/powerpoint/2010/main" val="176983567"/>
+        <p14:creationId xmlns:p14="http://schemas.microsoft.com/office/powerpoint/2010/main" val="613647216"/>
       </p:ext>
     </p:extLst>
   </p:cSld>
@@ -3112,8 +3659,8 @@
               <a:buNone/>
               <a:defRPr sz="1400">
                 <a:solidFill>
-                  <a:schemeClr val="accent1">
-                    <a:lumMod val="75000"/>
+                  <a:schemeClr val="accent2">
+                    <a:lumMod val="50000"/>
                   </a:schemeClr>
                 </a:solidFill>
               </a:defRPr>
@@ -3173,11 +3720,21 @@
         <p:spPr/>
         <p:txBody>
           <a:bodyPr/>
-          <a:lstStyle/>
+          <a:lstStyle>
+            <a:lvl1pPr>
+              <a:defRPr>
+                <a:solidFill>
+                  <a:schemeClr val="accent2">
+                    <a:lumMod val="75000"/>
+                  </a:schemeClr>
+                </a:solidFill>
+              </a:defRPr>
+            </a:lvl1pPr>
+          </a:lstStyle>
           <a:p>
             <a:fld id="{B618C737-F40F-42A7-9064-9951C5C3E5D1}" type="datetimeFigureOut">
               <a:rPr lang="pt-BR" smtClean="0"/>
-              <a:t>17/04/2018</a:t>
+              <a:t>18/04/2018</a:t>
             </a:fld>
             <a:endParaRPr lang="pt-BR"/>
           </a:p>
@@ -3216,7 +3773,7 @@
             <a:blipFill dpi="0" rotWithShape="1">
               <a:blip r:embed="rId4">
                 <a:duotone>
-                  <a:schemeClr val="accent1">
+                  <a:schemeClr val="accent2">
                     <a:shade val="45000"/>
                     <a:satMod val="135000"/>
                   </a:schemeClr>
@@ -3298,7 +3855,7 @@
     </p:spTree>
     <p:extLst>
       <p:ext uri="{BB962C8B-B14F-4D97-AF65-F5344CB8AC3E}">
-        <p14:creationId xmlns:p14="http://schemas.microsoft.com/office/powerpoint/2010/main" val="3687200089"/>
+        <p14:creationId xmlns:p14="http://schemas.microsoft.com/office/powerpoint/2010/main" val="3695741812"/>
       </p:ext>
     </p:extLst>
   </p:cSld>
@@ -3450,7 +4007,9 @@
             <a:lvl1pPr algn="r">
               <a:defRPr sz="1100">
                 <a:solidFill>
-                  <a:schemeClr val="tx2"/>
+                  <a:schemeClr val="accent2">
+                    <a:lumMod val="50000"/>
+                  </a:schemeClr>
                 </a:solidFill>
               </a:defRPr>
             </a:lvl1pPr>
@@ -3458,7 +4017,7 @@
           <a:p>
             <a:fld id="{B618C737-F40F-42A7-9064-9951C5C3E5D1}" type="datetimeFigureOut">
               <a:rPr lang="pt-BR" smtClean="0"/>
-              <a:t>17/04/2018</a:t>
+              <a:t>18/04/2018</a:t>
             </a:fld>
             <a:endParaRPr lang="pt-BR"/>
           </a:p>
@@ -3489,7 +4048,9 @@
             <a:lvl1pPr algn="l">
               <a:defRPr sz="1100">
                 <a:solidFill>
-                  <a:schemeClr val="tx2"/>
+                  <a:schemeClr val="accent2">
+                    <a:lumMod val="50000"/>
+                  </a:schemeClr>
                 </a:solidFill>
               </a:defRPr>
             </a:lvl1pPr>
@@ -3532,7 +4093,7 @@
             <a:blipFill dpi="0" rotWithShape="1">
               <a:blip r:embed="rId13">
                 <a:duotone>
-                  <a:schemeClr val="accent1">
+                  <a:schemeClr val="accent2">
                     <a:shade val="45000"/>
                     <a:satMod val="135000"/>
                   </a:schemeClr>
@@ -3631,23 +4192,23 @@
     </p:spTree>
     <p:extLst>
       <p:ext uri="{BB962C8B-B14F-4D97-AF65-F5344CB8AC3E}">
-        <p14:creationId xmlns:p14="http://schemas.microsoft.com/office/powerpoint/2010/main" val="812366531"/>
+        <p14:creationId xmlns:p14="http://schemas.microsoft.com/office/powerpoint/2010/main" val="2217157455"/>
       </p:ext>
     </p:extLst>
   </p:cSld>
   <p:clrMap bg1="lt1" tx1="dk1" bg2="lt2" tx2="dk2" accent1="accent1" accent2="accent2" accent3="accent3" accent4="accent4" accent5="accent5" accent6="accent6" hlink="hlink" folHlink="folHlink"/>
   <p:sldLayoutIdLst>
-    <p:sldLayoutId id="2147484045" r:id="rId1"/>
-    <p:sldLayoutId id="2147484046" r:id="rId2"/>
-    <p:sldLayoutId id="2147484047" r:id="rId3"/>
-    <p:sldLayoutId id="2147484048" r:id="rId4"/>
-    <p:sldLayoutId id="2147484049" r:id="rId5"/>
-    <p:sldLayoutId id="2147484050" r:id="rId6"/>
-    <p:sldLayoutId id="2147484051" r:id="rId7"/>
-    <p:sldLayoutId id="2147484052" r:id="rId8"/>
-    <p:sldLayoutId id="2147484053" r:id="rId9"/>
-    <p:sldLayoutId id="2147484054" r:id="rId10"/>
-    <p:sldLayoutId id="2147484055" r:id="rId11"/>
+    <p:sldLayoutId id="2147484057" r:id="rId1"/>
+    <p:sldLayoutId id="2147484058" r:id="rId2"/>
+    <p:sldLayoutId id="2147484059" r:id="rId3"/>
+    <p:sldLayoutId id="2147484060" r:id="rId4"/>
+    <p:sldLayoutId id="2147484061" r:id="rId5"/>
+    <p:sldLayoutId id="2147484062" r:id="rId6"/>
+    <p:sldLayoutId id="2147484063" r:id="rId7"/>
+    <p:sldLayoutId id="2147484064" r:id="rId8"/>
+    <p:sldLayoutId id="2147484065" r:id="rId9"/>
+    <p:sldLayoutId id="2147484066" r:id="rId10"/>
+    <p:sldLayoutId id="2147484067" r:id="rId11"/>
   </p:sldLayoutIdLst>
   <p:txStyles>
     <p:titleStyle>
@@ -3659,7 +4220,7 @@
           <a:spcPct val="0"/>
         </a:spcBef>
         <a:buNone/>
-        <a:defRPr sz="5400" kern="1200" cap="all" baseline="0">
+        <a:defRPr sz="4800" b="1" kern="1200" cap="none" baseline="0">
           <a:blipFill>
             <a:blip r:embed="rId15">
               <a:extLst>
@@ -3685,9 +4246,7 @@
           <a:spcPts val="1200"/>
         </a:spcBef>
         <a:buClr>
-          <a:schemeClr val="accent1">
-            <a:lumMod val="75000"/>
-          </a:schemeClr>
+          <a:schemeClr val="accent2"/>
         </a:buClr>
         <a:buSzPct val="85000"/>
         <a:buFont typeface="Wingdings" pitchFamily="2" charset="2"/>
@@ -3712,9 +4271,7 @@
           <a:spcPts val="200"/>
         </a:spcAft>
         <a:buClr>
-          <a:schemeClr val="accent1">
-            <a:lumMod val="75000"/>
-          </a:schemeClr>
+          <a:schemeClr val="accent2"/>
         </a:buClr>
         <a:buSzPct val="85000"/>
         <a:buFont typeface="Wingdings" pitchFamily="2" charset="2"/>
@@ -3739,9 +4296,7 @@
           <a:spcPts val="200"/>
         </a:spcAft>
         <a:buClr>
-          <a:schemeClr val="accent1">
-            <a:lumMod val="75000"/>
-          </a:schemeClr>
+          <a:schemeClr val="accent2"/>
         </a:buClr>
         <a:buSzPct val="85000"/>
         <a:buFont typeface="Wingdings" pitchFamily="2" charset="2"/>
@@ -3766,9 +4321,7 @@
           <a:spcPts val="200"/>
         </a:spcAft>
         <a:buClr>
-          <a:schemeClr val="accent1">
-            <a:lumMod val="75000"/>
-          </a:schemeClr>
+          <a:schemeClr val="accent2"/>
         </a:buClr>
         <a:buSzPct val="85000"/>
         <a:buFont typeface="Wingdings" pitchFamily="2" charset="2"/>
@@ -3793,9 +4346,7 @@
           <a:spcPts val="200"/>
         </a:spcAft>
         <a:buClr>
-          <a:schemeClr val="accent1">
-            <a:lumMod val="75000"/>
-          </a:schemeClr>
+          <a:schemeClr val="accent2"/>
         </a:buClr>
         <a:buSzPct val="85000"/>
         <a:buFont typeface="Wingdings" pitchFamily="2" charset="2"/>
@@ -3820,9 +4371,7 @@
           <a:spcPts val="200"/>
         </a:spcAft>
         <a:buClr>
-          <a:schemeClr val="accent1">
-            <a:lumMod val="75000"/>
-          </a:schemeClr>
+          <a:schemeClr val="accent2"/>
         </a:buClr>
         <a:buSzPct val="85000"/>
         <a:buFont typeface="Wingdings" pitchFamily="2" charset="2"/>
@@ -3847,9 +4396,7 @@
           <a:spcPts val="200"/>
         </a:spcAft>
         <a:buClr>
-          <a:schemeClr val="accent1">
-            <a:lumMod val="75000"/>
-          </a:schemeClr>
+          <a:schemeClr val="accent2"/>
         </a:buClr>
         <a:buSzPct val="85000"/>
         <a:buFont typeface="Wingdings" pitchFamily="2" charset="2"/>
@@ -3874,9 +4421,7 @@
           <a:spcPts val="200"/>
         </a:spcAft>
         <a:buClr>
-          <a:schemeClr val="accent1">
-            <a:lumMod val="75000"/>
-          </a:schemeClr>
+          <a:schemeClr val="accent2"/>
         </a:buClr>
         <a:buSzPct val="85000"/>
         <a:buFont typeface="Wingdings" pitchFamily="2" charset="2"/>
@@ -3901,9 +4446,7 @@
           <a:spcPts val="200"/>
         </a:spcAft>
         <a:buClr>
-          <a:schemeClr val="accent1">
-            <a:lumMod val="75000"/>
-          </a:schemeClr>
+          <a:schemeClr val="accent2"/>
         </a:buClr>
         <a:buSzPct val="85000"/>
         <a:buFont typeface="Wingdings" pitchFamily="2" charset="2"/>
@@ -4100,7 +4643,13 @@
           <a:lstStyle/>
           <a:p>
             <a:r>
-              <a:rPr lang="pt-BR" dirty="0"/>
+              <a:rPr lang="pt-BR" dirty="0">
+                <a:solidFill>
+                  <a:schemeClr val="tx1"/>
+                </a:solidFill>
+                <a:latin typeface="Segoe UI" panose="020B0502040204020203" pitchFamily="34" charset="0"/>
+                <a:cs typeface="Segoe UI" panose="020B0502040204020203" pitchFamily="34" charset="0"/>
+              </a:rPr>
               <a:t>Conhecendo um pouco sobre o futuro</a:t>
             </a:r>
           </a:p>
@@ -4141,7 +4690,7 @@
           <p:cNvPr id="2" name="Título 1">
             <a:extLst>
               <a:ext uri="{FF2B5EF4-FFF2-40B4-BE49-F238E27FC236}">
-                <a16:creationId xmlns:a16="http://schemas.microsoft.com/office/drawing/2014/main" id="{B19728D3-1460-42D2-8D6D-FA0A3611E6CA}"/>
+                <a16:creationId xmlns:a16="http://schemas.microsoft.com/office/drawing/2014/main" id="{7C004CA9-2C46-43BE-8B5C-8073497D8458}"/>
               </a:ext>
             </a:extLst>
           </p:cNvPr>
@@ -4152,14 +4701,21 @@
             <p:ph type="title"/>
           </p:nvPr>
         </p:nvSpPr>
-        <p:spPr/>
-        <p:txBody>
-          <a:bodyPr/>
+        <p:spPr>
+          <a:xfrm>
+            <a:off x="677334" y="609600"/>
+            <a:ext cx="8324776" cy="1320800"/>
+          </a:xfrm>
+        </p:spPr>
+        <p:txBody>
+          <a:bodyPr>
+            <a:normAutofit/>
+          </a:bodyPr>
           <a:lstStyle/>
           <a:p>
             <a:r>
               <a:rPr lang="pt-BR" dirty="0"/>
-              <a:t>Quem usa?</a:t>
+              <a:t>Sobre PWA</a:t>
             </a:r>
           </a:p>
         </p:txBody>
@@ -4169,7 +4725,7 @@
           <p:cNvPr id="3" name="Espaço Reservado para Conteúdo 2">
             <a:extLst>
               <a:ext uri="{FF2B5EF4-FFF2-40B4-BE49-F238E27FC236}">
-                <a16:creationId xmlns:a16="http://schemas.microsoft.com/office/drawing/2014/main" id="{14E8FBFC-2E5D-4C2F-8C5C-DBC1E5328FCE}"/>
+                <a16:creationId xmlns:a16="http://schemas.microsoft.com/office/drawing/2014/main" id="{89E0BFDC-6745-4981-8B6A-0B22A47108C8}"/>
               </a:ext>
             </a:extLst>
           </p:cNvPr>
@@ -4182,12 +4738,60 @@
         </p:nvSpPr>
         <p:spPr/>
         <p:txBody>
-          <a:bodyPr/>
+          <a:bodyPr>
+            <a:normAutofit/>
+          </a:bodyPr>
           <a:lstStyle/>
           <a:p>
             <a:r>
-              <a:rPr lang="pt-BR" dirty="0"/>
-              <a:t>O que é considerado PWA?</a:t>
+              <a:rPr lang="pt-BR" sz="2800" dirty="0">
+                <a:latin typeface="Segoe UI" panose="020B0502040204020203" pitchFamily="34" charset="0"/>
+                <a:cs typeface="Segoe UI" panose="020B0502040204020203" pitchFamily="34" charset="0"/>
+              </a:rPr>
+              <a:t>Você já deve ter ouvido que </a:t>
+            </a:r>
+            <a:r>
+              <a:rPr lang="pt-BR" sz="2800" b="1" i="1" dirty="0">
+                <a:latin typeface="Segoe UI" panose="020B0502040204020203" pitchFamily="34" charset="0"/>
+                <a:cs typeface="Segoe UI" panose="020B0502040204020203" pitchFamily="34" charset="0"/>
+              </a:rPr>
+              <a:t>P.W.A</a:t>
+            </a:r>
+            <a:r>
+              <a:rPr lang="pt-BR" sz="2800" dirty="0">
+                <a:latin typeface="Segoe UI" panose="020B0502040204020203" pitchFamily="34" charset="0"/>
+                <a:cs typeface="Segoe UI" panose="020B0502040204020203" pitchFamily="34" charset="0"/>
+              </a:rPr>
+              <a:t>. será o futuro! Pois bem, mas você já refletiu como isso poderá refletir em nossas vidas?</a:t>
+            </a:r>
+          </a:p>
+          <a:p>
+            <a:endParaRPr lang="pt-BR" sz="2800" b="1" i="1" dirty="0">
+              <a:latin typeface="Segoe UI" panose="020B0502040204020203" pitchFamily="34" charset="0"/>
+              <a:cs typeface="Segoe UI" panose="020B0502040204020203" pitchFamily="34" charset="0"/>
+            </a:endParaRPr>
+          </a:p>
+          <a:p>
+            <a:r>
+              <a:rPr lang="pt-BR" sz="2800" b="1" i="1" dirty="0" err="1">
+                <a:latin typeface="Segoe UI" panose="020B0502040204020203" pitchFamily="34" charset="0"/>
+                <a:cs typeface="Segoe UI" panose="020B0502040204020203" pitchFamily="34" charset="0"/>
+              </a:rPr>
+              <a:t>Progressive</a:t>
+            </a:r>
+            <a:r>
+              <a:rPr lang="pt-BR" sz="2800" b="1" i="1" dirty="0">
+                <a:latin typeface="Segoe UI" panose="020B0502040204020203" pitchFamily="34" charset="0"/>
+                <a:cs typeface="Segoe UI" panose="020B0502040204020203" pitchFamily="34" charset="0"/>
+              </a:rPr>
+              <a:t> Web Apps </a:t>
+            </a:r>
+            <a:r>
+              <a:rPr lang="pt-BR" sz="2800" dirty="0">
+                <a:latin typeface="Segoe UI" panose="020B0502040204020203" pitchFamily="34" charset="0"/>
+                <a:cs typeface="Segoe UI" panose="020B0502040204020203" pitchFamily="34" charset="0"/>
+              </a:rPr>
+              <a:t>utiliza o que é de mais moderno na web para entregar uma experiência próxima de aplicativos.</a:t>
             </a:r>
           </a:p>
         </p:txBody>
@@ -4195,7 +4799,7 @@
     </p:spTree>
     <p:extLst>
       <p:ext uri="{BB962C8B-B14F-4D97-AF65-F5344CB8AC3E}">
-        <p14:creationId xmlns:p14="http://schemas.microsoft.com/office/powerpoint/2010/main" val="237772752"/>
+        <p14:creationId xmlns:p14="http://schemas.microsoft.com/office/powerpoint/2010/main" val="2124073187"/>
       </p:ext>
     </p:extLst>
   </p:cSld>
@@ -4227,7 +4831,7 @@
           <p:cNvPr id="2" name="Título 1">
             <a:extLst>
               <a:ext uri="{FF2B5EF4-FFF2-40B4-BE49-F238E27FC236}">
-                <a16:creationId xmlns:a16="http://schemas.microsoft.com/office/drawing/2014/main" id="{B19728D3-1460-42D2-8D6D-FA0A3611E6CA}"/>
+                <a16:creationId xmlns:a16="http://schemas.microsoft.com/office/drawing/2014/main" id="{7C004CA9-2C46-43BE-8B5C-8073497D8458}"/>
               </a:ext>
             </a:extLst>
           </p:cNvPr>
@@ -4238,14 +4842,21 @@
             <p:ph type="title"/>
           </p:nvPr>
         </p:nvSpPr>
-        <p:spPr/>
-        <p:txBody>
-          <a:bodyPr/>
+        <p:spPr>
+          <a:xfrm>
+            <a:off x="677334" y="609600"/>
+            <a:ext cx="8324776" cy="1320800"/>
+          </a:xfrm>
+        </p:spPr>
+        <p:txBody>
+          <a:bodyPr>
+            <a:normAutofit/>
+          </a:bodyPr>
           <a:lstStyle/>
           <a:p>
             <a:r>
               <a:rPr lang="pt-BR" dirty="0"/>
-              <a:t>Está acessível?</a:t>
+              <a:t>Pilares</a:t>
             </a:r>
           </a:p>
         </p:txBody>
@@ -4255,7 +4866,7 @@
           <p:cNvPr id="3" name="Espaço Reservado para Conteúdo 2">
             <a:extLst>
               <a:ext uri="{FF2B5EF4-FFF2-40B4-BE49-F238E27FC236}">
-                <a16:creationId xmlns:a16="http://schemas.microsoft.com/office/drawing/2014/main" id="{14E8FBFC-2E5D-4C2F-8C5C-DBC1E5328FCE}"/>
+                <a16:creationId xmlns:a16="http://schemas.microsoft.com/office/drawing/2014/main" id="{89E0BFDC-6745-4981-8B6A-0B22A47108C8}"/>
               </a:ext>
             </a:extLst>
           </p:cNvPr>
@@ -4273,7 +4884,19 @@
           <a:p>
             <a:r>
               <a:rPr lang="pt-BR" dirty="0"/>
-              <a:t>O que é considerado PWA?</a:t>
+              <a:t>Confiável</a:t>
+            </a:r>
+          </a:p>
+          <a:p>
+            <a:r>
+              <a:rPr lang="pt-BR" dirty="0"/>
+              <a:t>Rápido</a:t>
+            </a:r>
+          </a:p>
+          <a:p>
+            <a:r>
+              <a:rPr lang="pt-BR" dirty="0"/>
+              <a:t>Atraente</a:t>
             </a:r>
           </a:p>
         </p:txBody>
@@ -4281,7 +4904,7 @@
     </p:spTree>
     <p:extLst>
       <p:ext uri="{BB962C8B-B14F-4D97-AF65-F5344CB8AC3E}">
-        <p14:creationId xmlns:p14="http://schemas.microsoft.com/office/powerpoint/2010/main" val="507841851"/>
+        <p14:creationId xmlns:p14="http://schemas.microsoft.com/office/powerpoint/2010/main" val="3233369574"/>
       </p:ext>
     </p:extLst>
   </p:cSld>
@@ -4313,6 +4936,268 @@
           <p:cNvPr id="2" name="Título 1">
             <a:extLst>
               <a:ext uri="{FF2B5EF4-FFF2-40B4-BE49-F238E27FC236}">
+                <a16:creationId xmlns:a16="http://schemas.microsoft.com/office/drawing/2014/main" id="{7C004CA9-2C46-43BE-8B5C-8073497D8458}"/>
+              </a:ext>
+            </a:extLst>
+          </p:cNvPr>
+          <p:cNvSpPr>
+            <a:spLocks noGrp="1"/>
+          </p:cNvSpPr>
+          <p:nvPr>
+            <p:ph type="title"/>
+          </p:nvPr>
+        </p:nvSpPr>
+        <p:spPr>
+          <a:xfrm>
+            <a:off x="677334" y="609600"/>
+            <a:ext cx="8324776" cy="1320800"/>
+          </a:xfrm>
+        </p:spPr>
+        <p:txBody>
+          <a:bodyPr>
+            <a:normAutofit fontScale="90000"/>
+          </a:bodyPr>
+          <a:lstStyle/>
+          <a:p>
+            <a:r>
+              <a:rPr lang="pt-BR" dirty="0"/>
+              <a:t>Comparativo entre as tecnologias atuais</a:t>
+            </a:r>
+          </a:p>
+        </p:txBody>
+      </p:sp>
+      <p:sp>
+        <p:nvSpPr>
+          <p:cNvPr id="3" name="Espaço Reservado para Conteúdo 2">
+            <a:extLst>
+              <a:ext uri="{FF2B5EF4-FFF2-40B4-BE49-F238E27FC236}">
+                <a16:creationId xmlns:a16="http://schemas.microsoft.com/office/drawing/2014/main" id="{89E0BFDC-6745-4981-8B6A-0B22A47108C8}"/>
+              </a:ext>
+            </a:extLst>
+          </p:cNvPr>
+          <p:cNvSpPr>
+            <a:spLocks noGrp="1"/>
+          </p:cNvSpPr>
+          <p:nvPr>
+            <p:ph idx="1"/>
+          </p:nvPr>
+        </p:nvSpPr>
+        <p:spPr/>
+        <p:txBody>
+          <a:bodyPr/>
+          <a:lstStyle/>
+          <a:p>
+            <a:endParaRPr lang="pt-BR" dirty="0"/>
+          </a:p>
+        </p:txBody>
+      </p:sp>
+    </p:spTree>
+    <p:extLst>
+      <p:ext uri="{BB962C8B-B14F-4D97-AF65-F5344CB8AC3E}">
+        <p14:creationId xmlns:p14="http://schemas.microsoft.com/office/powerpoint/2010/main" val="1202595525"/>
+      </p:ext>
+    </p:extLst>
+  </p:cSld>
+  <p:clrMapOvr>
+    <a:masterClrMapping/>
+  </p:clrMapOvr>
+</p:sld>
+</file>
+
+<file path=ppt/slides/slide13.xml><?xml version="1.0" encoding="utf-8"?>
+<p:sld xmlns:a="http://schemas.openxmlformats.org/drawingml/2006/main" xmlns:r="http://schemas.openxmlformats.org/officeDocument/2006/relationships" xmlns:p="http://schemas.openxmlformats.org/presentationml/2006/main">
+  <p:cSld>
+    <p:spTree>
+      <p:nvGrpSpPr>
+        <p:cNvPr id="1" name=""/>
+        <p:cNvGrpSpPr/>
+        <p:nvPr/>
+      </p:nvGrpSpPr>
+      <p:grpSpPr>
+        <a:xfrm>
+          <a:off x="0" y="0"/>
+          <a:ext cx="0" cy="0"/>
+          <a:chOff x="0" y="0"/>
+          <a:chExt cx="0" cy="0"/>
+        </a:xfrm>
+      </p:grpSpPr>
+      <p:sp>
+        <p:nvSpPr>
+          <p:cNvPr id="2" name="Título 1">
+            <a:extLst>
+              <a:ext uri="{FF2B5EF4-FFF2-40B4-BE49-F238E27FC236}">
+                <a16:creationId xmlns:a16="http://schemas.microsoft.com/office/drawing/2014/main" id="{B19728D3-1460-42D2-8D6D-FA0A3611E6CA}"/>
+              </a:ext>
+            </a:extLst>
+          </p:cNvPr>
+          <p:cNvSpPr>
+            <a:spLocks noGrp="1"/>
+          </p:cNvSpPr>
+          <p:nvPr>
+            <p:ph type="title"/>
+          </p:nvPr>
+        </p:nvSpPr>
+        <p:spPr/>
+        <p:txBody>
+          <a:bodyPr/>
+          <a:lstStyle/>
+          <a:p>
+            <a:r>
+              <a:rPr lang="pt-BR" dirty="0"/>
+              <a:t>Quem usa?</a:t>
+            </a:r>
+          </a:p>
+        </p:txBody>
+      </p:sp>
+      <p:sp>
+        <p:nvSpPr>
+          <p:cNvPr id="3" name="Espaço Reservado para Conteúdo 2">
+            <a:extLst>
+              <a:ext uri="{FF2B5EF4-FFF2-40B4-BE49-F238E27FC236}">
+                <a16:creationId xmlns:a16="http://schemas.microsoft.com/office/drawing/2014/main" id="{14E8FBFC-2E5D-4C2F-8C5C-DBC1E5328FCE}"/>
+              </a:ext>
+            </a:extLst>
+          </p:cNvPr>
+          <p:cNvSpPr>
+            <a:spLocks noGrp="1"/>
+          </p:cNvSpPr>
+          <p:nvPr>
+            <p:ph idx="1"/>
+          </p:nvPr>
+        </p:nvSpPr>
+        <p:spPr/>
+        <p:txBody>
+          <a:bodyPr/>
+          <a:lstStyle/>
+          <a:p>
+            <a:r>
+              <a:rPr lang="pt-BR" dirty="0"/>
+              <a:t>O que é considerado PWA?</a:t>
+            </a:r>
+          </a:p>
+        </p:txBody>
+      </p:sp>
+    </p:spTree>
+    <p:extLst>
+      <p:ext uri="{BB962C8B-B14F-4D97-AF65-F5344CB8AC3E}">
+        <p14:creationId xmlns:p14="http://schemas.microsoft.com/office/powerpoint/2010/main" val="237772752"/>
+      </p:ext>
+    </p:extLst>
+  </p:cSld>
+  <p:clrMapOvr>
+    <a:masterClrMapping/>
+  </p:clrMapOvr>
+</p:sld>
+</file>
+
+<file path=ppt/slides/slide14.xml><?xml version="1.0" encoding="utf-8"?>
+<p:sld xmlns:a="http://schemas.openxmlformats.org/drawingml/2006/main" xmlns:r="http://schemas.openxmlformats.org/officeDocument/2006/relationships" xmlns:p="http://schemas.openxmlformats.org/presentationml/2006/main">
+  <p:cSld>
+    <p:spTree>
+      <p:nvGrpSpPr>
+        <p:cNvPr id="1" name=""/>
+        <p:cNvGrpSpPr/>
+        <p:nvPr/>
+      </p:nvGrpSpPr>
+      <p:grpSpPr>
+        <a:xfrm>
+          <a:off x="0" y="0"/>
+          <a:ext cx="0" cy="0"/>
+          <a:chOff x="0" y="0"/>
+          <a:chExt cx="0" cy="0"/>
+        </a:xfrm>
+      </p:grpSpPr>
+      <p:sp>
+        <p:nvSpPr>
+          <p:cNvPr id="2" name="Título 1">
+            <a:extLst>
+              <a:ext uri="{FF2B5EF4-FFF2-40B4-BE49-F238E27FC236}">
+                <a16:creationId xmlns:a16="http://schemas.microsoft.com/office/drawing/2014/main" id="{B19728D3-1460-42D2-8D6D-FA0A3611E6CA}"/>
+              </a:ext>
+            </a:extLst>
+          </p:cNvPr>
+          <p:cNvSpPr>
+            <a:spLocks noGrp="1"/>
+          </p:cNvSpPr>
+          <p:nvPr>
+            <p:ph type="title"/>
+          </p:nvPr>
+        </p:nvSpPr>
+        <p:spPr/>
+        <p:txBody>
+          <a:bodyPr/>
+          <a:lstStyle/>
+          <a:p>
+            <a:r>
+              <a:rPr lang="pt-BR" dirty="0"/>
+              <a:t>Está acessível?</a:t>
+            </a:r>
+          </a:p>
+        </p:txBody>
+      </p:sp>
+      <p:sp>
+        <p:nvSpPr>
+          <p:cNvPr id="3" name="Espaço Reservado para Conteúdo 2">
+            <a:extLst>
+              <a:ext uri="{FF2B5EF4-FFF2-40B4-BE49-F238E27FC236}">
+                <a16:creationId xmlns:a16="http://schemas.microsoft.com/office/drawing/2014/main" id="{14E8FBFC-2E5D-4C2F-8C5C-DBC1E5328FCE}"/>
+              </a:ext>
+            </a:extLst>
+          </p:cNvPr>
+          <p:cNvSpPr>
+            <a:spLocks noGrp="1"/>
+          </p:cNvSpPr>
+          <p:nvPr>
+            <p:ph idx="1"/>
+          </p:nvPr>
+        </p:nvSpPr>
+        <p:spPr/>
+        <p:txBody>
+          <a:bodyPr/>
+          <a:lstStyle/>
+          <a:p>
+            <a:r>
+              <a:rPr lang="pt-BR" dirty="0"/>
+              <a:t>O que é considerado PWA?</a:t>
+            </a:r>
+          </a:p>
+        </p:txBody>
+      </p:sp>
+    </p:spTree>
+    <p:extLst>
+      <p:ext uri="{BB962C8B-B14F-4D97-AF65-F5344CB8AC3E}">
+        <p14:creationId xmlns:p14="http://schemas.microsoft.com/office/powerpoint/2010/main" val="507841851"/>
+      </p:ext>
+    </p:extLst>
+  </p:cSld>
+  <p:clrMapOvr>
+    <a:masterClrMapping/>
+  </p:clrMapOvr>
+</p:sld>
+</file>
+
+<file path=ppt/slides/slide15.xml><?xml version="1.0" encoding="utf-8"?>
+<p:sld xmlns:a="http://schemas.openxmlformats.org/drawingml/2006/main" xmlns:r="http://schemas.openxmlformats.org/officeDocument/2006/relationships" xmlns:p="http://schemas.openxmlformats.org/presentationml/2006/main">
+  <p:cSld>
+    <p:spTree>
+      <p:nvGrpSpPr>
+        <p:cNvPr id="1" name=""/>
+        <p:cNvGrpSpPr/>
+        <p:nvPr/>
+      </p:nvGrpSpPr>
+      <p:grpSpPr>
+        <a:xfrm>
+          <a:off x="0" y="0"/>
+          <a:ext cx="0" cy="0"/>
+          <a:chOff x="0" y="0"/>
+          <a:chExt cx="0" cy="0"/>
+        </a:xfrm>
+      </p:grpSpPr>
+      <p:sp>
+        <p:nvSpPr>
+          <p:cNvPr id="2" name="Título 1">
+            <a:extLst>
+              <a:ext uri="{FF2B5EF4-FFF2-40B4-BE49-F238E27FC236}">
                 <a16:creationId xmlns:a16="http://schemas.microsoft.com/office/drawing/2014/main" id="{B19728D3-1460-42D2-8D6D-FA0A3611E6CA}"/>
               </a:ext>
             </a:extLst>
@@ -4395,7 +5280,7 @@
 </p:sld>
 </file>
 
-<file path=ppt/slides/slide13.xml><?xml version="1.0" encoding="utf-8"?>
+<file path=ppt/slides/slide16.xml><?xml version="1.0" encoding="utf-8"?>
 <p:sld xmlns:a="http://schemas.openxmlformats.org/drawingml/2006/main" xmlns:r="http://schemas.openxmlformats.org/officeDocument/2006/relationships" xmlns:p="http://schemas.openxmlformats.org/presentationml/2006/main">
   <p:cSld>
     <p:spTree>
@@ -4553,271 +5438,6 @@
           <a:chExt cx="0" cy="0"/>
         </a:xfrm>
       </p:grpSpPr>
-      <p:sp>
-        <p:nvSpPr>
-          <p:cNvPr id="10" name="Rectangle 9">
-            <a:extLst>
-              <a:ext uri="{FF2B5EF4-FFF2-40B4-BE49-F238E27FC236}">
-                <a16:creationId xmlns:a16="http://schemas.microsoft.com/office/drawing/2014/main" id="{D2F9B8D9-2A0F-48A2-AD9F-81D8C4970341}"/>
-              </a:ext>
-            </a:extLst>
-          </p:cNvPr>
-          <p:cNvSpPr>
-            <a:spLocks noGrp="1" noRot="1" noChangeAspect="1" noMove="1" noResize="1" noEditPoints="1" noAdjustHandles="1" noChangeArrowheads="1" noChangeShapeType="1" noTextEdit="1"/>
-          </p:cNvSpPr>
-          <p:nvPr>
-            <p:extLst>
-              <p:ext uri="{386F3935-93C4-4BCD-93E2-E3B085C9AB24}">
-                <p16:designElem xmlns:p16="http://schemas.microsoft.com/office/powerpoint/2015/main" val="1"/>
-              </p:ext>
-            </p:extLst>
-          </p:nvPr>
-        </p:nvSpPr>
-        <p:spPr>
-          <a:xfrm>
-            <a:off x="4651672" y="0"/>
-            <a:ext cx="7540328" cy="6857999"/>
-          </a:xfrm>
-          <a:prstGeom prst="rect">
-            <a:avLst/>
-          </a:prstGeom>
-          <a:blipFill dpi="0" rotWithShape="1">
-            <a:blip r:embed="rId2">
-              <a:alphaModFix amt="60000"/>
-              <a:lum bright="70000" contrast="-70000"/>
-              <a:extLst>
-                <a:ext uri="{BEBA8EAE-BF5A-486C-A8C5-ECC9F3942E4B}">
-                  <a14:imgProps xmlns:a14="http://schemas.microsoft.com/office/drawing/2010/main">
-                    <a14:imgLayer r:embed="rId3">
-                      <a14:imgEffect>
-                        <a14:sharpenSoften amount="61000"/>
-                      </a14:imgEffect>
-                    </a14:imgLayer>
-                  </a14:imgProps>
-                </a:ext>
-                <a:ext uri="{28A0092B-C50C-407E-A947-70E740481C1C}">
-                  <a14:useLocalDpi xmlns:a14="http://schemas.microsoft.com/office/drawing/2010/main" val="0"/>
-                </a:ext>
-              </a:extLst>
-            </a:blip>
-            <a:srcRect/>
-            <a:tile tx="0" ty="-704850" sx="92000" sy="89000" flip="xy" algn="ctr"/>
-          </a:blipFill>
-          <a:ln>
-            <a:noFill/>
-          </a:ln>
-        </p:spPr>
-        <p:style>
-          <a:lnRef idx="2">
-            <a:schemeClr val="accent1">
-              <a:shade val="50000"/>
-            </a:schemeClr>
-          </a:lnRef>
-          <a:fillRef idx="1">
-            <a:schemeClr val="accent1"/>
-          </a:fillRef>
-          <a:effectRef idx="0">
-            <a:schemeClr val="accent1"/>
-          </a:effectRef>
-          <a:fontRef idx="minor">
-            <a:schemeClr val="lt1"/>
-          </a:fontRef>
-        </p:style>
-        <p:txBody>
-          <a:bodyPr rtlCol="0" anchor="ctr"/>
-          <a:lstStyle/>
-          <a:p>
-            <a:pPr algn="ctr"/>
-            <a:endParaRPr lang="en-US"/>
-          </a:p>
-        </p:txBody>
-      </p:sp>
-      <p:grpSp>
-        <p:nvGrpSpPr>
-          <p:cNvPr id="12" name="Group 11">
-            <a:extLst>
-              <a:ext uri="{FF2B5EF4-FFF2-40B4-BE49-F238E27FC236}">
-                <a16:creationId xmlns:a16="http://schemas.microsoft.com/office/drawing/2014/main" id="{0F7E20FF-7DA6-46B7-AB0E-E6CBFDD07292}"/>
-              </a:ext>
-            </a:extLst>
-          </p:cNvPr>
-          <p:cNvGrpSpPr>
-            <a:grpSpLocks noGrp="1" noUngrp="1" noRot="1" noChangeAspect="1" noMove="1" noResize="1"/>
-          </p:cNvGrpSpPr>
-          <p:nvPr>
-            <p:extLst>
-              <p:ext uri="{386F3935-93C4-4BCD-93E2-E3B085C9AB24}">
-                <p16:designElem xmlns:p16="http://schemas.microsoft.com/office/powerpoint/2015/main" val="1"/>
-              </p:ext>
-            </p:extLst>
-          </p:nvPr>
-        </p:nvGrpSpPr>
-        <p:grpSpPr>
-          <a:xfrm>
-            <a:off x="11401725" y="6229681"/>
-            <a:ext cx="457200" cy="457200"/>
-            <a:chOff x="11361456" y="6195813"/>
-            <a:chExt cx="548640" cy="548640"/>
-          </a:xfrm>
-        </p:grpSpPr>
-        <p:sp>
-          <p:nvSpPr>
-            <p:cNvPr id="13" name="Oval 12">
-              <a:extLst>
-                <a:ext uri="{FF2B5EF4-FFF2-40B4-BE49-F238E27FC236}">
-                  <a16:creationId xmlns:a16="http://schemas.microsoft.com/office/drawing/2014/main" id="{6BE624B6-B9F4-4C3F-9F6E-2182D90EC5E8}"/>
-                </a:ext>
-              </a:extLst>
-            </p:cNvPr>
-            <p:cNvSpPr/>
-            <p:nvPr>
-              <p:extLst>
-                <p:ext uri="{386F3935-93C4-4BCD-93E2-E3B085C9AB24}">
-                  <p16:designElem xmlns:p16="http://schemas.microsoft.com/office/powerpoint/2015/main" val="1"/>
-                </p:ext>
-              </p:extLst>
-            </p:nvPr>
-          </p:nvSpPr>
-          <p:spPr>
-            <a:xfrm>
-              <a:off x="11361456" y="6195813"/>
-              <a:ext cx="548640" cy="548640"/>
-            </a:xfrm>
-            <a:prstGeom prst="ellipse">
-              <a:avLst/>
-            </a:prstGeom>
-            <a:blipFill dpi="0" rotWithShape="1">
-              <a:blip r:embed="rId4">
-                <a:duotone>
-                  <a:schemeClr val="accent1">
-                    <a:shade val="45000"/>
-                    <a:satMod val="135000"/>
-                  </a:schemeClr>
-                  <a:prstClr val="white"/>
-                </a:duotone>
-                <a:extLst/>
-              </a:blip>
-              <a:srcRect/>
-              <a:tile tx="50800" ty="0" sx="85000" sy="85000" flip="none" algn="tl"/>
-            </a:blipFill>
-            <a:ln w="25400" cap="flat" cmpd="sng" algn="ctr">
-              <a:noFill/>
-              <a:prstDash val="solid"/>
-            </a:ln>
-            <a:effectLst/>
-          </p:spPr>
-          <p:txBody>
-            <a:bodyPr lIns="0" tIns="0" rIns="0" bIns="0" rtlCol="0" anchor="ctr"/>
-            <a:lstStyle/>
-            <a:p>
-              <a:pPr marL="0" marR="0" lvl="0" indent="0" algn="ctr" defTabSz="914400" eaLnBrk="1" fontAlgn="auto" latinLnBrk="0" hangingPunct="1">
-                <a:lnSpc>
-                  <a:spcPct val="100000"/>
-                </a:lnSpc>
-                <a:spcBef>
-                  <a:spcPts val="0"/>
-                </a:spcBef>
-                <a:spcAft>
-                  <a:spcPts val="0"/>
-                </a:spcAft>
-                <a:buClrTx/>
-                <a:buSzTx/>
-                <a:buFontTx/>
-                <a:buNone/>
-                <a:tabLst/>
-                <a:defRPr/>
-              </a:pPr>
-              <a:endParaRPr kumimoji="0" lang="en-US" sz="2000" b="0" i="0" u="none" strike="noStrike" kern="0" cap="none" spc="0" normalizeH="0" baseline="0" noProof="0" dirty="0">
-                <a:ln>
-                  <a:noFill/>
-                </a:ln>
-                <a:solidFill>
-                  <a:prstClr val="white"/>
-                </a:solidFill>
-                <a:effectLst/>
-                <a:uLnTx/>
-                <a:uFillTx/>
-                <a:latin typeface="Rockwell Extra Bold" pitchFamily="18" charset="0"/>
-                <a:ea typeface="+mn-ea"/>
-                <a:cs typeface="+mn-cs"/>
-              </a:endParaRPr>
-            </a:p>
-          </p:txBody>
-        </p:sp>
-        <p:sp>
-          <p:nvSpPr>
-            <p:cNvPr id="14" name="Oval 13">
-              <a:extLst>
-                <a:ext uri="{FF2B5EF4-FFF2-40B4-BE49-F238E27FC236}">
-                  <a16:creationId xmlns:a16="http://schemas.microsoft.com/office/drawing/2014/main" id="{8710C23B-B5E1-45A6-80F6-55643AC62B92}"/>
-                </a:ext>
-              </a:extLst>
-            </p:cNvPr>
-            <p:cNvSpPr/>
-            <p:nvPr>
-              <p:extLst>
-                <p:ext uri="{386F3935-93C4-4BCD-93E2-E3B085C9AB24}">
-                  <p16:designElem xmlns:p16="http://schemas.microsoft.com/office/powerpoint/2015/main" val="1"/>
-                </p:ext>
-              </p:extLst>
-            </p:nvPr>
-          </p:nvSpPr>
-          <p:spPr>
-            <a:xfrm>
-              <a:off x="11396488" y="6230844"/>
-              <a:ext cx="478576" cy="478578"/>
-            </a:xfrm>
-            <a:prstGeom prst="ellipse">
-              <a:avLst/>
-            </a:prstGeom>
-            <a:noFill/>
-            <a:ln w="12700" cap="flat" cmpd="sng" algn="ctr">
-              <a:solidFill>
-                <a:srgbClr val="FFFFFF"/>
-              </a:solidFill>
-              <a:prstDash val="solid"/>
-            </a:ln>
-            <a:effectLst/>
-          </p:spPr>
-          <p:txBody>
-            <a:bodyPr rtlCol="0" anchor="ctr"/>
-            <a:lstStyle/>
-            <a:p>
-              <a:pPr marL="0" marR="0" lvl="0" indent="0" algn="ctr" defTabSz="914400" eaLnBrk="1" fontAlgn="auto" latinLnBrk="0" hangingPunct="1">
-                <a:lnSpc>
-                  <a:spcPct val="100000"/>
-                </a:lnSpc>
-                <a:spcBef>
-                  <a:spcPts val="0"/>
-                </a:spcBef>
-                <a:spcAft>
-                  <a:spcPts val="0"/>
-                </a:spcAft>
-                <a:buClrTx/>
-                <a:buSzTx/>
-                <a:buFontTx/>
-                <a:buNone/>
-                <a:tabLst/>
-                <a:defRPr/>
-              </a:pPr>
-              <a:endParaRPr kumimoji="0" lang="en-US" sz="1800" b="0" i="0" u="none" strike="noStrike" kern="0" cap="none" spc="0" normalizeH="0" baseline="0" noProof="0" dirty="0">
-                <a:ln>
-                  <a:noFill/>
-                </a:ln>
-                <a:solidFill>
-                  <a:prstClr val="white"/>
-                </a:solidFill>
-                <a:effectLst/>
-                <a:uLnTx/>
-                <a:uFillTx/>
-                <a:latin typeface="Calibri"/>
-                <a:ea typeface="+mn-ea"/>
-                <a:cs typeface="+mn-cs"/>
-              </a:endParaRPr>
-            </a:p>
-          </p:txBody>
-        </p:sp>
-      </p:grpSp>
       <p:pic>
         <p:nvPicPr>
           <p:cNvPr id="5" name="Imagem 4" descr="Uma imagem contendo homem, céu, pessoa, ao ar livre&#10;&#10;Descrição gerada com muito alta confiança">
@@ -4833,7 +5453,7 @@
           <p:nvPr/>
         </p:nvPicPr>
         <p:blipFill>
-          <a:blip r:embed="rId5">
+          <a:blip r:embed="rId2">
             <a:extLst>
               <a:ext uri="{28A0092B-C50C-407E-A947-70E740481C1C}">
                 <a14:useLocalDpi xmlns:a14="http://schemas.microsoft.com/office/drawing/2010/main" val="0"/>
@@ -4943,7 +5563,7 @@
                 <a:latin typeface="Segoe UI" panose="020B0502040204020203" pitchFamily="34" charset="0"/>
                 <a:cs typeface="Segoe UI" panose="020B0502040204020203" pitchFamily="34" charset="0"/>
               </a:rPr>
-              <a:t>Desde os 13 anos Programando</a:t>
+              <a:t>Desde os 13 anos programando</a:t>
             </a:r>
           </a:p>
           <a:p>
@@ -5028,7 +5648,7 @@
           <p:nvPr/>
         </p:nvPicPr>
         <p:blipFill>
-          <a:blip r:embed="rId6">
+          <a:blip r:embed="rId3">
             <a:extLst>
               <a:ext uri="{28A0092B-C50C-407E-A947-70E740481C1C}">
                 <a14:useLocalDpi xmlns:a14="http://schemas.microsoft.com/office/drawing/2010/main" val="0"/>
@@ -5064,7 +5684,7 @@
           <p:nvPr/>
         </p:nvPicPr>
         <p:blipFill>
-          <a:blip r:embed="rId7">
+          <a:blip r:embed="rId4">
             <a:extLst>
               <a:ext uri="{28A0092B-C50C-407E-A947-70E740481C1C}">
                 <a14:useLocalDpi xmlns:a14="http://schemas.microsoft.com/office/drawing/2010/main" val="0"/>
@@ -5244,219 +5864,6 @@
       </p:grpSpPr>
       <p:sp>
         <p:nvSpPr>
-          <p:cNvPr id="8" name="Rectangle 7">
-            <a:extLst>
-              <a:ext uri="{FF2B5EF4-FFF2-40B4-BE49-F238E27FC236}">
-                <a16:creationId xmlns:a16="http://schemas.microsoft.com/office/drawing/2014/main" id="{E720DB99-7745-4E75-9D96-AAB6D55C531E}"/>
-              </a:ext>
-            </a:extLst>
-          </p:cNvPr>
-          <p:cNvSpPr>
-            <a:spLocks noGrp="1" noRot="1" noChangeAspect="1" noMove="1" noResize="1" noEditPoints="1" noAdjustHandles="1" noChangeArrowheads="1" noChangeShapeType="1" noTextEdit="1"/>
-          </p:cNvSpPr>
-          <p:nvPr>
-            <p:extLst>
-              <p:ext uri="{386F3935-93C4-4BCD-93E2-E3B085C9AB24}">
-                <p16:designElem xmlns:p16="http://schemas.microsoft.com/office/powerpoint/2015/main" val="1"/>
-              </p:ext>
-            </p:extLst>
-          </p:nvPr>
-        </p:nvSpPr>
-        <p:spPr>
-          <a:xfrm>
-            <a:off x="984504" y="464119"/>
-            <a:ext cx="10222992" cy="80683"/>
-          </a:xfrm>
-          <a:prstGeom prst="rect">
-            <a:avLst/>
-          </a:prstGeom>
-          <a:blipFill dpi="0" rotWithShape="1">
-            <a:blip r:embed="rId2">
-              <a:alphaModFix amt="85000"/>
-              <a:lum bright="70000" contrast="-70000"/>
-              <a:extLst>
-                <a:ext uri="{BEBA8EAE-BF5A-486C-A8C5-ECC9F3942E4B}">
-                  <a14:imgProps xmlns:a14="http://schemas.microsoft.com/office/drawing/2010/main">
-                    <a14:imgLayer r:embed="rId3">
-                      <a14:imgEffect>
-                        <a14:sharpenSoften amount="61000"/>
-                      </a14:imgEffect>
-                    </a14:imgLayer>
-                  </a14:imgProps>
-                </a:ext>
-                <a:ext uri="{28A0092B-C50C-407E-A947-70E740481C1C}">
-                  <a14:useLocalDpi xmlns:a14="http://schemas.microsoft.com/office/drawing/2010/main" val="0"/>
-                </a:ext>
-              </a:extLst>
-            </a:blip>
-            <a:srcRect/>
-            <a:tile tx="0" ty="-762000" sx="92000" sy="89000" flip="xy" algn="ctr"/>
-          </a:blipFill>
-          <a:ln>
-            <a:noFill/>
-          </a:ln>
-        </p:spPr>
-        <p:style>
-          <a:lnRef idx="2">
-            <a:schemeClr val="accent1">
-              <a:shade val="50000"/>
-            </a:schemeClr>
-          </a:lnRef>
-          <a:fillRef idx="1">
-            <a:schemeClr val="accent1"/>
-          </a:fillRef>
-          <a:effectRef idx="0">
-            <a:schemeClr val="accent1"/>
-          </a:effectRef>
-          <a:fontRef idx="minor">
-            <a:schemeClr val="lt1"/>
-          </a:fontRef>
-        </p:style>
-      </p:sp>
-      <p:sp>
-        <p:nvSpPr>
-          <p:cNvPr id="10" name="Rectangle 9">
-            <a:extLst>
-              <a:ext uri="{FF2B5EF4-FFF2-40B4-BE49-F238E27FC236}">
-                <a16:creationId xmlns:a16="http://schemas.microsoft.com/office/drawing/2014/main" id="{504B0465-3B07-49BF-BEA7-D81476246293}"/>
-              </a:ext>
-            </a:extLst>
-          </p:cNvPr>
-          <p:cNvSpPr>
-            <a:spLocks noGrp="1" noRot="1" noChangeAspect="1" noMove="1" noResize="1" noEditPoints="1" noAdjustHandles="1" noChangeArrowheads="1" noChangeShapeType="1" noTextEdit="1"/>
-          </p:cNvSpPr>
-          <p:nvPr>
-            <p:extLst>
-              <p:ext uri="{386F3935-93C4-4BCD-93E2-E3B085C9AB24}">
-                <p16:designElem xmlns:p16="http://schemas.microsoft.com/office/powerpoint/2015/main" val="1"/>
-              </p:ext>
-            </p:extLst>
-          </p:nvPr>
-        </p:nvSpPr>
-        <p:spPr>
-          <a:xfrm>
-            <a:off x="984504" y="2038655"/>
-            <a:ext cx="10222992" cy="80683"/>
-          </a:xfrm>
-          <a:prstGeom prst="rect">
-            <a:avLst/>
-          </a:prstGeom>
-          <a:blipFill dpi="0" rotWithShape="1">
-            <a:blip r:embed="rId2">
-              <a:alphaModFix amt="85000"/>
-              <a:lum bright="70000" contrast="-70000"/>
-              <a:extLst>
-                <a:ext uri="{BEBA8EAE-BF5A-486C-A8C5-ECC9F3942E4B}">
-                  <a14:imgProps xmlns:a14="http://schemas.microsoft.com/office/drawing/2010/main">
-                    <a14:imgLayer r:embed="rId3">
-                      <a14:imgEffect>
-                        <a14:sharpenSoften amount="61000"/>
-                      </a14:imgEffect>
-                    </a14:imgLayer>
-                  </a14:imgProps>
-                </a:ext>
-                <a:ext uri="{28A0092B-C50C-407E-A947-70E740481C1C}">
-                  <a14:useLocalDpi xmlns:a14="http://schemas.microsoft.com/office/drawing/2010/main" val="0"/>
-                </a:ext>
-              </a:extLst>
-            </a:blip>
-            <a:srcRect/>
-            <a:tile tx="0" ty="-717550" sx="92000" sy="89000" flip="xy" algn="ctr"/>
-          </a:blipFill>
-          <a:ln>
-            <a:noFill/>
-          </a:ln>
-        </p:spPr>
-        <p:style>
-          <a:lnRef idx="2">
-            <a:schemeClr val="accent1">
-              <a:shade val="50000"/>
-            </a:schemeClr>
-          </a:lnRef>
-          <a:fillRef idx="1">
-            <a:schemeClr val="accent1"/>
-          </a:fillRef>
-          <a:effectRef idx="0">
-            <a:schemeClr val="accent1"/>
-          </a:effectRef>
-          <a:fontRef idx="minor">
-            <a:schemeClr val="lt1"/>
-          </a:fontRef>
-        </p:style>
-      </p:sp>
-      <p:sp>
-        <p:nvSpPr>
-          <p:cNvPr id="12" name="Rectangle 11">
-            <a:extLst>
-              <a:ext uri="{FF2B5EF4-FFF2-40B4-BE49-F238E27FC236}">
-                <a16:creationId xmlns:a16="http://schemas.microsoft.com/office/drawing/2014/main" id="{D68803C4-E159-4360-B7BB-74205C8F782D}"/>
-              </a:ext>
-            </a:extLst>
-          </p:cNvPr>
-          <p:cNvSpPr>
-            <a:spLocks noGrp="1" noRot="1" noChangeAspect="1" noMove="1" noResize="1" noEditPoints="1" noAdjustHandles="1" noChangeArrowheads="1" noChangeShapeType="1" noTextEdit="1"/>
-          </p:cNvSpPr>
-          <p:nvPr>
-            <p:extLst>
-              <p:ext uri="{386F3935-93C4-4BCD-93E2-E3B085C9AB24}">
-                <p16:designElem xmlns:p16="http://schemas.microsoft.com/office/powerpoint/2015/main" val="1"/>
-              </p:ext>
-            </p:extLst>
-          </p:nvPr>
-        </p:nvSpPr>
-        <p:spPr>
-          <a:xfrm>
-            <a:off x="984504" y="601952"/>
-            <a:ext cx="10222992" cy="1385874"/>
-          </a:xfrm>
-          <a:prstGeom prst="rect">
-            <a:avLst/>
-          </a:prstGeom>
-          <a:blipFill dpi="0" rotWithShape="1">
-            <a:blip r:embed="rId2">
-              <a:alphaModFix amt="85000"/>
-              <a:lum bright="70000" contrast="-70000"/>
-              <a:extLst>
-                <a:ext uri="{BEBA8EAE-BF5A-486C-A8C5-ECC9F3942E4B}">
-                  <a14:imgProps xmlns:a14="http://schemas.microsoft.com/office/drawing/2010/main">
-                    <a14:imgLayer r:embed="rId3">
-                      <a14:imgEffect>
-                        <a14:sharpenSoften amount="61000"/>
-                      </a14:imgEffect>
-                    </a14:imgLayer>
-                  </a14:imgProps>
-                </a:ext>
-                <a:ext uri="{28A0092B-C50C-407E-A947-70E740481C1C}">
-                  <a14:useLocalDpi xmlns:a14="http://schemas.microsoft.com/office/drawing/2010/main" val="0"/>
-                </a:ext>
-              </a:extLst>
-            </a:blip>
-            <a:srcRect/>
-            <a:tile tx="0" ty="-704850" sx="92000" sy="89000" flip="xy" algn="ctr"/>
-          </a:blipFill>
-          <a:ln>
-            <a:noFill/>
-          </a:ln>
-        </p:spPr>
-        <p:style>
-          <a:lnRef idx="2">
-            <a:schemeClr val="accent1">
-              <a:shade val="50000"/>
-            </a:schemeClr>
-          </a:lnRef>
-          <a:fillRef idx="1">
-            <a:schemeClr val="accent1"/>
-          </a:fillRef>
-          <a:effectRef idx="0">
-            <a:schemeClr val="accent1"/>
-          </a:effectRef>
-          <a:fontRef idx="minor">
-            <a:schemeClr val="lt1"/>
-          </a:fontRef>
-        </p:style>
-      </p:sp>
-      <p:sp>
-        <p:nvSpPr>
           <p:cNvPr id="2" name="Título 1">
             <a:extLst>
               <a:ext uri="{FF2B5EF4-FFF2-40B4-BE49-F238E27FC236}">
@@ -5471,12 +5878,7 @@
             <p:ph type="title"/>
           </p:nvPr>
         </p:nvSpPr>
-        <p:spPr>
-          <a:xfrm>
-            <a:off x="1069848" y="484632"/>
-            <a:ext cx="10058400" cy="1609344"/>
-          </a:xfrm>
-        </p:spPr>
+        <p:spPr/>
         <p:txBody>
           <a:bodyPr>
             <a:normAutofit/>
@@ -5523,16 +5925,16 @@
           <a:lstStyle/>
           <a:p>
             <a:r>
-              <a:rPr lang="pt-BR">
-                <a:latin typeface="Segoe UI" panose="020B0502040204020203" pitchFamily="34" charset="0"/>
-                <a:cs typeface="Segoe UI" panose="020B0502040204020203" pitchFamily="34" charset="0"/>
-              </a:rPr>
-              <a:t>Quantos aplicativos você utiliza no seu celular?</a:t>
-            </a:r>
-          </a:p>
-          <a:p>
-            <a:r>
-              <a:rPr lang="pt-BR">
+              <a:rPr lang="pt-BR" sz="2800" dirty="0">
+                <a:latin typeface="Segoe UI" panose="020B0502040204020203" pitchFamily="34" charset="0"/>
+                <a:cs typeface="Segoe UI" panose="020B0502040204020203" pitchFamily="34" charset="0"/>
+              </a:rPr>
+              <a:t>Qual é a frequência que você acessa todos seus apps?</a:t>
+            </a:r>
+          </a:p>
+          <a:p>
+            <a:r>
+              <a:rPr lang="pt-BR" sz="2800" dirty="0">
                 <a:latin typeface="Segoe UI" panose="020B0502040204020203" pitchFamily="34" charset="0"/>
                 <a:cs typeface="Segoe UI" panose="020B0502040204020203" pitchFamily="34" charset="0"/>
               </a:rPr>
@@ -5541,7 +5943,7 @@
           </a:p>
           <a:p>
             <a:r>
-              <a:rPr lang="pt-BR">
+              <a:rPr lang="pt-BR" sz="2800" dirty="0">
                 <a:latin typeface="Segoe UI" panose="020B0502040204020203" pitchFamily="34" charset="0"/>
                 <a:cs typeface="Segoe UI" panose="020B0502040204020203" pitchFamily="34" charset="0"/>
               </a:rPr>
@@ -5550,7 +5952,7 @@
           </a:p>
           <a:p>
             <a:r>
-              <a:rPr lang="pt-BR">
+              <a:rPr lang="pt-BR" sz="2800" dirty="0">
                 <a:latin typeface="Segoe UI" panose="020B0502040204020203" pitchFamily="34" charset="0"/>
                 <a:cs typeface="Segoe UI" panose="020B0502040204020203" pitchFamily="34" charset="0"/>
               </a:rPr>
@@ -5559,7 +5961,7 @@
           </a:p>
           <a:p>
             <a:r>
-              <a:rPr lang="pt-BR">
+              <a:rPr lang="pt-BR" sz="2800" dirty="0">
                 <a:latin typeface="Segoe UI" panose="020B0502040204020203" pitchFamily="34" charset="0"/>
                 <a:cs typeface="Segoe UI" panose="020B0502040204020203" pitchFamily="34" charset="0"/>
               </a:rPr>
@@ -5568,20 +5970,11 @@
           </a:p>
           <a:p>
             <a:r>
-              <a:rPr lang="pt-BR">
-                <a:latin typeface="Segoe UI" panose="020B0502040204020203" pitchFamily="34" charset="0"/>
-                <a:cs typeface="Segoe UI" panose="020B0502040204020203" pitchFamily="34" charset="0"/>
-              </a:rPr>
-              <a:t>Como você imagina daqui alguns anos os aplicativos atuais?</a:t>
-            </a:r>
-          </a:p>
-          <a:p>
-            <a:r>
-              <a:rPr lang="pt-BR">
-                <a:latin typeface="Segoe UI" panose="020B0502040204020203" pitchFamily="34" charset="0"/>
-                <a:cs typeface="Segoe UI" panose="020B0502040204020203" pitchFamily="34" charset="0"/>
-              </a:rPr>
-              <a:t>Qual é a frequência que você acessa todos seus apps?</a:t>
+              <a:rPr lang="pt-BR" sz="2800" dirty="0">
+                <a:latin typeface="Segoe UI" panose="020B0502040204020203" pitchFamily="34" charset="0"/>
+                <a:cs typeface="Segoe UI" panose="020B0502040204020203" pitchFamily="34" charset="0"/>
+              </a:rPr>
+              <a:t>Como você imagina daqui alguns anos os apps atuais?</a:t>
             </a:r>
           </a:p>
         </p:txBody>
@@ -5626,219 +6019,6 @@
       </p:grpSpPr>
       <p:sp>
         <p:nvSpPr>
-          <p:cNvPr id="15" name="Rectangle 11">
-            <a:extLst>
-              <a:ext uri="{FF2B5EF4-FFF2-40B4-BE49-F238E27FC236}">
-                <a16:creationId xmlns:a16="http://schemas.microsoft.com/office/drawing/2014/main" id="{E720DB99-7745-4E75-9D96-AAB6D55C531E}"/>
-              </a:ext>
-            </a:extLst>
-          </p:cNvPr>
-          <p:cNvSpPr>
-            <a:spLocks noGrp="1" noRot="1" noChangeAspect="1" noMove="1" noResize="1" noEditPoints="1" noAdjustHandles="1" noChangeArrowheads="1" noChangeShapeType="1" noTextEdit="1"/>
-          </p:cNvSpPr>
-          <p:nvPr>
-            <p:extLst>
-              <p:ext uri="{386F3935-93C4-4BCD-93E2-E3B085C9AB24}">
-                <p16:designElem xmlns:p16="http://schemas.microsoft.com/office/powerpoint/2015/main" val="1"/>
-              </p:ext>
-            </p:extLst>
-          </p:nvPr>
-        </p:nvSpPr>
-        <p:spPr>
-          <a:xfrm>
-            <a:off x="984504" y="464119"/>
-            <a:ext cx="10222992" cy="80683"/>
-          </a:xfrm>
-          <a:prstGeom prst="rect">
-            <a:avLst/>
-          </a:prstGeom>
-          <a:blipFill dpi="0" rotWithShape="1">
-            <a:blip r:embed="rId2">
-              <a:alphaModFix amt="85000"/>
-              <a:lum bright="70000" contrast="-70000"/>
-              <a:extLst>
-                <a:ext uri="{BEBA8EAE-BF5A-486C-A8C5-ECC9F3942E4B}">
-                  <a14:imgProps xmlns:a14="http://schemas.microsoft.com/office/drawing/2010/main">
-                    <a14:imgLayer r:embed="rId3">
-                      <a14:imgEffect>
-                        <a14:sharpenSoften amount="61000"/>
-                      </a14:imgEffect>
-                    </a14:imgLayer>
-                  </a14:imgProps>
-                </a:ext>
-                <a:ext uri="{28A0092B-C50C-407E-A947-70E740481C1C}">
-                  <a14:useLocalDpi xmlns:a14="http://schemas.microsoft.com/office/drawing/2010/main" val="0"/>
-                </a:ext>
-              </a:extLst>
-            </a:blip>
-            <a:srcRect/>
-            <a:tile tx="0" ty="-762000" sx="92000" sy="89000" flip="xy" algn="ctr"/>
-          </a:blipFill>
-          <a:ln>
-            <a:noFill/>
-          </a:ln>
-        </p:spPr>
-        <p:style>
-          <a:lnRef idx="2">
-            <a:schemeClr val="accent1">
-              <a:shade val="50000"/>
-            </a:schemeClr>
-          </a:lnRef>
-          <a:fillRef idx="1">
-            <a:schemeClr val="accent1"/>
-          </a:fillRef>
-          <a:effectRef idx="0">
-            <a:schemeClr val="accent1"/>
-          </a:effectRef>
-          <a:fontRef idx="minor">
-            <a:schemeClr val="lt1"/>
-          </a:fontRef>
-        </p:style>
-      </p:sp>
-      <p:sp>
-        <p:nvSpPr>
-          <p:cNvPr id="14" name="Rectangle 13">
-            <a:extLst>
-              <a:ext uri="{FF2B5EF4-FFF2-40B4-BE49-F238E27FC236}">
-                <a16:creationId xmlns:a16="http://schemas.microsoft.com/office/drawing/2014/main" id="{504B0465-3B07-49BF-BEA7-D81476246293}"/>
-              </a:ext>
-            </a:extLst>
-          </p:cNvPr>
-          <p:cNvSpPr>
-            <a:spLocks noGrp="1" noRot="1" noChangeAspect="1" noMove="1" noResize="1" noEditPoints="1" noAdjustHandles="1" noChangeArrowheads="1" noChangeShapeType="1" noTextEdit="1"/>
-          </p:cNvSpPr>
-          <p:nvPr>
-            <p:extLst>
-              <p:ext uri="{386F3935-93C4-4BCD-93E2-E3B085C9AB24}">
-                <p16:designElem xmlns:p16="http://schemas.microsoft.com/office/powerpoint/2015/main" val="1"/>
-              </p:ext>
-            </p:extLst>
-          </p:nvPr>
-        </p:nvSpPr>
-        <p:spPr>
-          <a:xfrm>
-            <a:off x="984504" y="2038655"/>
-            <a:ext cx="10222992" cy="80683"/>
-          </a:xfrm>
-          <a:prstGeom prst="rect">
-            <a:avLst/>
-          </a:prstGeom>
-          <a:blipFill dpi="0" rotWithShape="1">
-            <a:blip r:embed="rId2">
-              <a:alphaModFix amt="85000"/>
-              <a:lum bright="70000" contrast="-70000"/>
-              <a:extLst>
-                <a:ext uri="{BEBA8EAE-BF5A-486C-A8C5-ECC9F3942E4B}">
-                  <a14:imgProps xmlns:a14="http://schemas.microsoft.com/office/drawing/2010/main">
-                    <a14:imgLayer r:embed="rId3">
-                      <a14:imgEffect>
-                        <a14:sharpenSoften amount="61000"/>
-                      </a14:imgEffect>
-                    </a14:imgLayer>
-                  </a14:imgProps>
-                </a:ext>
-                <a:ext uri="{28A0092B-C50C-407E-A947-70E740481C1C}">
-                  <a14:useLocalDpi xmlns:a14="http://schemas.microsoft.com/office/drawing/2010/main" val="0"/>
-                </a:ext>
-              </a:extLst>
-            </a:blip>
-            <a:srcRect/>
-            <a:tile tx="0" ty="-717550" sx="92000" sy="89000" flip="xy" algn="ctr"/>
-          </a:blipFill>
-          <a:ln>
-            <a:noFill/>
-          </a:ln>
-        </p:spPr>
-        <p:style>
-          <a:lnRef idx="2">
-            <a:schemeClr val="accent1">
-              <a:shade val="50000"/>
-            </a:schemeClr>
-          </a:lnRef>
-          <a:fillRef idx="1">
-            <a:schemeClr val="accent1"/>
-          </a:fillRef>
-          <a:effectRef idx="0">
-            <a:schemeClr val="accent1"/>
-          </a:effectRef>
-          <a:fontRef idx="minor">
-            <a:schemeClr val="lt1"/>
-          </a:fontRef>
-        </p:style>
-      </p:sp>
-      <p:sp>
-        <p:nvSpPr>
-          <p:cNvPr id="16" name="Rectangle 15">
-            <a:extLst>
-              <a:ext uri="{FF2B5EF4-FFF2-40B4-BE49-F238E27FC236}">
-                <a16:creationId xmlns:a16="http://schemas.microsoft.com/office/drawing/2014/main" id="{D68803C4-E159-4360-B7BB-74205C8F782D}"/>
-              </a:ext>
-            </a:extLst>
-          </p:cNvPr>
-          <p:cNvSpPr>
-            <a:spLocks noGrp="1" noRot="1" noChangeAspect="1" noMove="1" noResize="1" noEditPoints="1" noAdjustHandles="1" noChangeArrowheads="1" noChangeShapeType="1" noTextEdit="1"/>
-          </p:cNvSpPr>
-          <p:nvPr>
-            <p:extLst>
-              <p:ext uri="{386F3935-93C4-4BCD-93E2-E3B085C9AB24}">
-                <p16:designElem xmlns:p16="http://schemas.microsoft.com/office/powerpoint/2015/main" val="1"/>
-              </p:ext>
-            </p:extLst>
-          </p:nvPr>
-        </p:nvSpPr>
-        <p:spPr>
-          <a:xfrm>
-            <a:off x="984504" y="601952"/>
-            <a:ext cx="10222992" cy="1385874"/>
-          </a:xfrm>
-          <a:prstGeom prst="rect">
-            <a:avLst/>
-          </a:prstGeom>
-          <a:blipFill dpi="0" rotWithShape="1">
-            <a:blip r:embed="rId2">
-              <a:alphaModFix amt="85000"/>
-              <a:lum bright="70000" contrast="-70000"/>
-              <a:extLst>
-                <a:ext uri="{BEBA8EAE-BF5A-486C-A8C5-ECC9F3942E4B}">
-                  <a14:imgProps xmlns:a14="http://schemas.microsoft.com/office/drawing/2010/main">
-                    <a14:imgLayer r:embed="rId3">
-                      <a14:imgEffect>
-                        <a14:sharpenSoften amount="61000"/>
-                      </a14:imgEffect>
-                    </a14:imgLayer>
-                  </a14:imgProps>
-                </a:ext>
-                <a:ext uri="{28A0092B-C50C-407E-A947-70E740481C1C}">
-                  <a14:useLocalDpi xmlns:a14="http://schemas.microsoft.com/office/drawing/2010/main" val="0"/>
-                </a:ext>
-              </a:extLst>
-            </a:blip>
-            <a:srcRect/>
-            <a:tile tx="0" ty="-704850" sx="92000" sy="89000" flip="xy" algn="ctr"/>
-          </a:blipFill>
-          <a:ln>
-            <a:noFill/>
-          </a:ln>
-        </p:spPr>
-        <p:style>
-          <a:lnRef idx="2">
-            <a:schemeClr val="accent1">
-              <a:shade val="50000"/>
-            </a:schemeClr>
-          </a:lnRef>
-          <a:fillRef idx="1">
-            <a:schemeClr val="accent1"/>
-          </a:fillRef>
-          <a:effectRef idx="0">
-            <a:schemeClr val="accent1"/>
-          </a:effectRef>
-          <a:fontRef idx="minor">
-            <a:schemeClr val="lt1"/>
-          </a:fontRef>
-        </p:style>
-      </p:sp>
-      <p:sp>
-        <p:nvSpPr>
           <p:cNvPr id="6" name="CaixaDeTexto 5">
             <a:extLst>
               <a:ext uri="{FF2B5EF4-FFF2-40B4-BE49-F238E27FC236}">
@@ -5889,12 +6069,7 @@
             <p:ph type="title"/>
           </p:nvPr>
         </p:nvSpPr>
-        <p:spPr>
-          <a:xfrm>
-            <a:off x="1069848" y="484632"/>
-            <a:ext cx="10058400" cy="1609344"/>
-          </a:xfrm>
-        </p:spPr>
+        <p:spPr/>
         <p:txBody>
           <a:bodyPr>
             <a:normAutofit/>
@@ -5902,10 +6077,9 @@
           <a:lstStyle/>
           <a:p>
             <a:r>
-              <a:rPr lang="pt-BR"/>
+              <a:rPr lang="pt-BR" dirty="0"/>
               <a:t>Um pouco de história</a:t>
             </a:r>
-            <a:endParaRPr lang="pt-BR" dirty="0"/>
           </a:p>
         </p:txBody>
       </p:sp>
@@ -5942,11 +6116,11 @@
               <a:buChar char="•"/>
             </a:pPr>
             <a:r>
-              <a:rPr lang="pt-BR" dirty="0">
-                <a:latin typeface="Segoe UI" panose="020B0502040204020203" pitchFamily="34" charset="0"/>
-                <a:cs typeface="Segoe UI" panose="020B0502040204020203" pitchFamily="34" charset="0"/>
-              </a:rPr>
-              <a:t>Desde o surgimento dos dispositivos móveis modernos, existiram muitos debates e histórias atrás do desenvolvimento de aplicativos para as diversas plataformas.</a:t>
+              <a:rPr lang="pt-BR" sz="2400" dirty="0">
+                <a:latin typeface="Segoe UI" panose="020B0502040204020203" pitchFamily="34" charset="0"/>
+                <a:cs typeface="Segoe UI" panose="020B0502040204020203" pitchFamily="34" charset="0"/>
+              </a:rPr>
+              <a:t>Desde o surgimento dos dispositivos móveis modernos, ocorreram muitos debates e histórias sobre o desenvolvimento de aplicativos para as diversas plataformas.</a:t>
             </a:r>
           </a:p>
           <a:p>
@@ -5954,13 +6128,10 @@
               <a:buFont typeface="Arial" panose="020B0604020202020204" pitchFamily="34" charset="0"/>
               <a:buChar char="•"/>
             </a:pPr>
-            <a:r>
-              <a:rPr lang="pt-BR" dirty="0">
-                <a:latin typeface="Segoe UI" panose="020B0502040204020203" pitchFamily="34" charset="0"/>
-                <a:cs typeface="Segoe UI" panose="020B0502040204020203" pitchFamily="34" charset="0"/>
-              </a:rPr>
-              <a:t>Algumas dessas plataformas até já chegaram a morrer como a do `Windows Phone` e o `Firefox OS`.</a:t>
-            </a:r>
+            <a:endParaRPr lang="pt-BR" sz="2400" dirty="0">
+              <a:latin typeface="Segoe UI" panose="020B0502040204020203" pitchFamily="34" charset="0"/>
+              <a:cs typeface="Segoe UI" panose="020B0502040204020203" pitchFamily="34" charset="0"/>
+            </a:endParaRPr>
           </a:p>
           <a:p>
             <a:pPr marL="285750" indent="-285750">
@@ -5968,120 +6139,12 @@
               <a:buChar char="•"/>
             </a:pPr>
             <a:r>
-              <a:rPr lang="pt-BR" dirty="0">
-                <a:latin typeface="Segoe UI" panose="020B0502040204020203" pitchFamily="34" charset="0"/>
-                <a:cs typeface="Segoe UI" panose="020B0502040204020203" pitchFamily="34" charset="0"/>
-              </a:rPr>
-              <a:t>Porém por serem plataformas distintas, nunca foi fácil a vida dos desenvolvedores, tanto como antigamente tanto como hoje, se para cada plataforma uma linguagem específica já era complicado, como por exemplo para desenvolvermos para Android tínhamos apenas Java, hoje em dia temos Java, </a:t>
-            </a:r>
-            <a:r>
-              <a:rPr lang="pt-BR" dirty="0" err="1">
-                <a:latin typeface="Segoe UI" panose="020B0502040204020203" pitchFamily="34" charset="0"/>
-                <a:cs typeface="Segoe UI" panose="020B0502040204020203" pitchFamily="34" charset="0"/>
-              </a:rPr>
-              <a:t>Kotlin</a:t>
-            </a:r>
-            <a:r>
-              <a:rPr lang="pt-BR" dirty="0">
-                <a:latin typeface="Segoe UI" panose="020B0502040204020203" pitchFamily="34" charset="0"/>
-                <a:cs typeface="Segoe UI" panose="020B0502040204020203" pitchFamily="34" charset="0"/>
-              </a:rPr>
-              <a:t>, </a:t>
-            </a:r>
-            <a:r>
-              <a:rPr lang="pt-BR" dirty="0" err="1">
-                <a:latin typeface="Segoe UI" panose="020B0502040204020203" pitchFamily="34" charset="0"/>
-                <a:cs typeface="Segoe UI" panose="020B0502040204020203" pitchFamily="34" charset="0"/>
-              </a:rPr>
-              <a:t>Cordova</a:t>
-            </a:r>
-            <a:r>
-              <a:rPr lang="pt-BR" dirty="0">
-                <a:latin typeface="Segoe UI" panose="020B0502040204020203" pitchFamily="34" charset="0"/>
-                <a:cs typeface="Segoe UI" panose="020B0502040204020203" pitchFamily="34" charset="0"/>
-              </a:rPr>
-              <a:t>, </a:t>
-            </a:r>
-            <a:r>
-              <a:rPr lang="pt-BR" dirty="0" err="1">
-                <a:latin typeface="Segoe UI" panose="020B0502040204020203" pitchFamily="34" charset="0"/>
-                <a:cs typeface="Segoe UI" panose="020B0502040204020203" pitchFamily="34" charset="0"/>
-              </a:rPr>
-              <a:t>React</a:t>
-            </a:r>
-            <a:r>
-              <a:rPr lang="pt-BR" dirty="0">
-                <a:latin typeface="Segoe UI" panose="020B0502040204020203" pitchFamily="34" charset="0"/>
-                <a:cs typeface="Segoe UI" panose="020B0502040204020203" pitchFamily="34" charset="0"/>
-              </a:rPr>
-              <a:t> </a:t>
-            </a:r>
-            <a:r>
-              <a:rPr lang="pt-BR" dirty="0" err="1">
-                <a:latin typeface="Segoe UI" panose="020B0502040204020203" pitchFamily="34" charset="0"/>
-                <a:cs typeface="Segoe UI" panose="020B0502040204020203" pitchFamily="34" charset="0"/>
-              </a:rPr>
-              <a:t>Native</a:t>
-            </a:r>
-            <a:r>
-              <a:rPr lang="pt-BR" dirty="0">
-                <a:latin typeface="Segoe UI" panose="020B0502040204020203" pitchFamily="34" charset="0"/>
-                <a:cs typeface="Segoe UI" panose="020B0502040204020203" pitchFamily="34" charset="0"/>
-              </a:rPr>
-              <a:t>, </a:t>
-            </a:r>
-            <a:r>
-              <a:rPr lang="pt-BR" dirty="0" err="1">
-                <a:latin typeface="Segoe UI" panose="020B0502040204020203" pitchFamily="34" charset="0"/>
-                <a:cs typeface="Segoe UI" panose="020B0502040204020203" pitchFamily="34" charset="0"/>
-              </a:rPr>
-              <a:t>Nativescript</a:t>
-            </a:r>
-            <a:r>
-              <a:rPr lang="pt-BR" dirty="0">
-                <a:latin typeface="Segoe UI" panose="020B0502040204020203" pitchFamily="34" charset="0"/>
-                <a:cs typeface="Segoe UI" panose="020B0502040204020203" pitchFamily="34" charset="0"/>
-              </a:rPr>
-              <a:t>, </a:t>
-            </a:r>
-            <a:r>
-              <a:rPr lang="pt-BR" dirty="0" err="1">
-                <a:latin typeface="Segoe UI" panose="020B0502040204020203" pitchFamily="34" charset="0"/>
-                <a:cs typeface="Segoe UI" panose="020B0502040204020203" pitchFamily="34" charset="0"/>
-              </a:rPr>
-              <a:t>Flutter</a:t>
-            </a:r>
-            <a:r>
-              <a:rPr lang="pt-BR" dirty="0">
-                <a:latin typeface="Segoe UI" panose="020B0502040204020203" pitchFamily="34" charset="0"/>
-                <a:cs typeface="Segoe UI" panose="020B0502040204020203" pitchFamily="34" charset="0"/>
-              </a:rPr>
-              <a:t>, </a:t>
-            </a:r>
-            <a:r>
-              <a:rPr lang="pt-BR" dirty="0" err="1">
-                <a:latin typeface="Segoe UI" panose="020B0502040204020203" pitchFamily="34" charset="0"/>
-                <a:cs typeface="Segoe UI" panose="020B0502040204020203" pitchFamily="34" charset="0"/>
-              </a:rPr>
-              <a:t>Xamarin</a:t>
-            </a:r>
-            <a:r>
-              <a:rPr lang="pt-BR" dirty="0">
-                <a:latin typeface="Segoe UI" panose="020B0502040204020203" pitchFamily="34" charset="0"/>
-                <a:cs typeface="Segoe UI" panose="020B0502040204020203" pitchFamily="34" charset="0"/>
-              </a:rPr>
-              <a:t> e etc...</a:t>
-            </a:r>
-          </a:p>
-          <a:p>
-            <a:pPr marL="285750" indent="-285750">
-              <a:buFont typeface="Arial" panose="020B0604020202020204" pitchFamily="34" charset="0"/>
-              <a:buChar char="•"/>
-            </a:pPr>
-            <a:endParaRPr lang="pt-BR" dirty="0">
-              <a:latin typeface="Segoe UI" panose="020B0502040204020203" pitchFamily="34" charset="0"/>
-              <a:cs typeface="Segoe UI" panose="020B0502040204020203" pitchFamily="34" charset="0"/>
-            </a:endParaRPr>
+              <a:rPr lang="pt-BR" sz="2400" dirty="0">
+                <a:latin typeface="Segoe UI" panose="020B0502040204020203" pitchFamily="34" charset="0"/>
+                <a:cs typeface="Segoe UI" panose="020B0502040204020203" pitchFamily="34" charset="0"/>
+              </a:rPr>
+              <a:t>Nunca foi fácil a vida dos desenvolvedores, por serem plataformas distintas, tanto como antigamente, tanto como hoje, existem muitas possibilidades.</a:t>
+            </a:r>
           </a:p>
         </p:txBody>
       </p:sp>
@@ -6123,91 +6186,12 @@
           <a:chExt cx="0" cy="0"/>
         </a:xfrm>
       </p:grpSpPr>
-      <p:sp>
-        <p:nvSpPr>
-          <p:cNvPr id="10" name="Rectangle 9">
+      <p:pic>
+        <p:nvPicPr>
+          <p:cNvPr id="6" name="Imagem 5" descr="Uma imagem contendo pessoa, homem, telefone celular, telefone&#10;&#10;Descrição gerada com muito alta confiança">
             <a:extLst>
               <a:ext uri="{FF2B5EF4-FFF2-40B4-BE49-F238E27FC236}">
-                <a16:creationId xmlns:a16="http://schemas.microsoft.com/office/drawing/2014/main" id="{CCF043BA-0C52-4068-BCF5-2B2D89BA9D36}"/>
-              </a:ext>
-            </a:extLst>
-          </p:cNvPr>
-          <p:cNvSpPr>
-            <a:spLocks noGrp="1" noRot="1" noChangeAspect="1" noMove="1" noResize="1" noEditPoints="1" noAdjustHandles="1" noChangeArrowheads="1" noChangeShapeType="1" noTextEdit="1"/>
-          </p:cNvSpPr>
-          <p:nvPr>
-            <p:extLst>
-              <p:ext uri="{386F3935-93C4-4BCD-93E2-E3B085C9AB24}">
-                <p16:designElem xmlns:p16="http://schemas.microsoft.com/office/powerpoint/2015/main" val="1"/>
-              </p:ext>
-            </p:extLst>
-          </p:nvPr>
-        </p:nvSpPr>
-        <p:spPr>
-          <a:xfrm>
-            <a:off x="0" y="0"/>
-            <a:ext cx="12192000" cy="6857999"/>
-          </a:xfrm>
-          <a:prstGeom prst="rect">
-            <a:avLst/>
-          </a:prstGeom>
-          <a:blipFill dpi="0" rotWithShape="1">
-            <a:blip r:embed="rId2">
-              <a:alphaModFix amt="60000"/>
-              <a:lum bright="70000" contrast="-70000"/>
-              <a:extLst>
-                <a:ext uri="{BEBA8EAE-BF5A-486C-A8C5-ECC9F3942E4B}">
-                  <a14:imgProps xmlns:a14="http://schemas.microsoft.com/office/drawing/2010/main">
-                    <a14:imgLayer r:embed="rId3">
-                      <a14:imgEffect>
-                        <a14:sharpenSoften amount="61000"/>
-                      </a14:imgEffect>
-                    </a14:imgLayer>
-                  </a14:imgProps>
-                </a:ext>
-                <a:ext uri="{28A0092B-C50C-407E-A947-70E740481C1C}">
-                  <a14:useLocalDpi xmlns:a14="http://schemas.microsoft.com/office/drawing/2010/main" val="0"/>
-                </a:ext>
-              </a:extLst>
-            </a:blip>
-            <a:srcRect/>
-            <a:tile tx="0" ty="-704850" sx="92000" sy="89000" flip="xy" algn="ctr"/>
-          </a:blipFill>
-          <a:ln>
-            <a:noFill/>
-          </a:ln>
-        </p:spPr>
-        <p:style>
-          <a:lnRef idx="2">
-            <a:schemeClr val="accent1">
-              <a:shade val="50000"/>
-            </a:schemeClr>
-          </a:lnRef>
-          <a:fillRef idx="1">
-            <a:schemeClr val="accent1"/>
-          </a:fillRef>
-          <a:effectRef idx="0">
-            <a:schemeClr val="accent1"/>
-          </a:effectRef>
-          <a:fontRef idx="minor">
-            <a:schemeClr val="lt1"/>
-          </a:fontRef>
-        </p:style>
-        <p:txBody>
-          <a:bodyPr rtlCol="0" anchor="ctr"/>
-          <a:lstStyle/>
-          <a:p>
-            <a:pPr algn="ctr"/>
-            <a:endParaRPr lang="en-US"/>
-          </a:p>
-        </p:txBody>
-      </p:sp>
-      <p:pic>
-        <p:nvPicPr>
-          <p:cNvPr id="5" name="Imagem 4">
-            <a:extLst>
-              <a:ext uri="{FF2B5EF4-FFF2-40B4-BE49-F238E27FC236}">
-                <a16:creationId xmlns:a16="http://schemas.microsoft.com/office/drawing/2014/main" id="{A4454C5E-FDEB-41BC-A3CD-E6B536A45D6A}"/>
+                <a16:creationId xmlns:a16="http://schemas.microsoft.com/office/drawing/2014/main" id="{01B7C16E-FA8F-417E-A6B4-B4D7D6B54EB7}"/>
               </a:ext>
             </a:extLst>
           </p:cNvPr>
@@ -6217,206 +6201,26 @@
           <p:nvPr/>
         </p:nvPicPr>
         <p:blipFill rotWithShape="1">
-          <a:blip r:embed="rId4"/>
-          <a:srcRect l="37979" r="27747"/>
+          <a:blip r:embed="rId2">
+            <a:extLst>
+              <a:ext uri="{28A0092B-C50C-407E-A947-70E740481C1C}">
+                <a14:useLocalDpi xmlns:a14="http://schemas.microsoft.com/office/drawing/2010/main" val="0"/>
+              </a:ext>
+            </a:extLst>
+          </a:blip>
+          <a:srcRect l="8289" r="44789"/>
           <a:stretch/>
         </p:blipFill>
         <p:spPr>
           <a:xfrm>
-            <a:off x="-3343" y="0"/>
-            <a:ext cx="5950634" cy="6857990"/>
+            <a:off x="7990450" y="1780235"/>
+            <a:ext cx="3235568" cy="4775224"/>
           </a:xfrm>
           <a:prstGeom prst="rect">
             <a:avLst/>
           </a:prstGeom>
         </p:spPr>
       </p:pic>
-      <p:grpSp>
-        <p:nvGrpSpPr>
-          <p:cNvPr id="12" name="Group 11">
-            <a:extLst>
-              <a:ext uri="{FF2B5EF4-FFF2-40B4-BE49-F238E27FC236}">
-                <a16:creationId xmlns:a16="http://schemas.microsoft.com/office/drawing/2014/main" id="{789ACCC8-A635-400E-B9C0-AD9CA57109CE}"/>
-              </a:ext>
-            </a:extLst>
-          </p:cNvPr>
-          <p:cNvGrpSpPr>
-            <a:grpSpLocks noGrp="1" noUngrp="1" noRot="1" noChangeAspect="1" noMove="1" noResize="1"/>
-          </p:cNvGrpSpPr>
-          <p:nvPr>
-            <p:extLst>
-              <p:ext uri="{386F3935-93C4-4BCD-93E2-E3B085C9AB24}">
-                <p16:designElem xmlns:p16="http://schemas.microsoft.com/office/powerpoint/2015/main" val="1"/>
-              </p:ext>
-            </p:extLst>
-          </p:nvPr>
-        </p:nvGrpSpPr>
-        <p:grpSpPr>
-          <a:xfrm>
-            <a:off x="11401725" y="6229681"/>
-            <a:ext cx="457200" cy="457200"/>
-            <a:chOff x="11361456" y="6195813"/>
-            <a:chExt cx="548640" cy="548640"/>
-          </a:xfrm>
-        </p:grpSpPr>
-        <p:sp>
-          <p:nvSpPr>
-            <p:cNvPr id="13" name="Oval 12">
-              <a:extLst>
-                <a:ext uri="{FF2B5EF4-FFF2-40B4-BE49-F238E27FC236}">
-                  <a16:creationId xmlns:a16="http://schemas.microsoft.com/office/drawing/2014/main" id="{CBC21CEB-233C-4B50-8CCA-829AD0428FA3}"/>
-                </a:ext>
-              </a:extLst>
-            </p:cNvPr>
-            <p:cNvSpPr/>
-            <p:nvPr>
-              <p:extLst>
-                <p:ext uri="{386F3935-93C4-4BCD-93E2-E3B085C9AB24}">
-                  <p16:designElem xmlns:p16="http://schemas.microsoft.com/office/powerpoint/2015/main" val="1"/>
-                </p:ext>
-              </p:extLst>
-            </p:nvPr>
-          </p:nvSpPr>
-          <p:spPr>
-            <a:xfrm>
-              <a:off x="11361456" y="6195813"/>
-              <a:ext cx="548640" cy="548640"/>
-            </a:xfrm>
-            <a:prstGeom prst="ellipse">
-              <a:avLst/>
-            </a:prstGeom>
-            <a:blipFill dpi="0" rotWithShape="1">
-              <a:blip r:embed="rId5">
-                <a:duotone>
-                  <a:schemeClr val="accent1">
-                    <a:shade val="45000"/>
-                    <a:satMod val="135000"/>
-                  </a:schemeClr>
-                  <a:prstClr val="white"/>
-                </a:duotone>
-                <a:extLst/>
-              </a:blip>
-              <a:srcRect/>
-              <a:tile tx="50800" ty="0" sx="85000" sy="85000" flip="none" algn="tl"/>
-            </a:blipFill>
-            <a:ln w="25400" cap="flat" cmpd="sng" algn="ctr">
-              <a:noFill/>
-              <a:prstDash val="solid"/>
-            </a:ln>
-            <a:effectLst/>
-          </p:spPr>
-          <p:txBody>
-            <a:bodyPr lIns="0" tIns="0" rIns="0" bIns="0" rtlCol="0" anchor="ctr"/>
-            <a:lstStyle/>
-            <a:p>
-              <a:pPr marL="0" marR="0" lvl="0" indent="0" algn="ctr" defTabSz="914400" eaLnBrk="1" fontAlgn="auto" latinLnBrk="0" hangingPunct="1">
-                <a:lnSpc>
-                  <a:spcPct val="100000"/>
-                </a:lnSpc>
-                <a:spcBef>
-                  <a:spcPts val="0"/>
-                </a:spcBef>
-                <a:spcAft>
-                  <a:spcPts val="0"/>
-                </a:spcAft>
-                <a:buClrTx/>
-                <a:buSzTx/>
-                <a:buFontTx/>
-                <a:buNone/>
-                <a:tabLst/>
-                <a:defRPr/>
-              </a:pPr>
-              <a:endParaRPr kumimoji="0" lang="en-US" sz="2000" b="0" i="0" u="none" strike="noStrike" kern="0" cap="none" spc="0" normalizeH="0" baseline="0" noProof="0" dirty="0">
-                <a:ln>
-                  <a:noFill/>
-                </a:ln>
-                <a:solidFill>
-                  <a:prstClr val="white"/>
-                </a:solidFill>
-                <a:effectLst/>
-                <a:uLnTx/>
-                <a:uFillTx/>
-                <a:latin typeface="Rockwell Extra Bold" pitchFamily="18" charset="0"/>
-                <a:ea typeface="+mn-ea"/>
-                <a:cs typeface="+mn-cs"/>
-              </a:endParaRPr>
-            </a:p>
-          </p:txBody>
-        </p:sp>
-        <p:sp>
-          <p:nvSpPr>
-            <p:cNvPr id="14" name="Oval 13">
-              <a:extLst>
-                <a:ext uri="{FF2B5EF4-FFF2-40B4-BE49-F238E27FC236}">
-                  <a16:creationId xmlns:a16="http://schemas.microsoft.com/office/drawing/2014/main" id="{F3DF2D74-CD63-49A8-A93B-9DA2F59511D1}"/>
-                </a:ext>
-              </a:extLst>
-            </p:cNvPr>
-            <p:cNvSpPr/>
-            <p:nvPr>
-              <p:extLst>
-                <p:ext uri="{386F3935-93C4-4BCD-93E2-E3B085C9AB24}">
-                  <p16:designElem xmlns:p16="http://schemas.microsoft.com/office/powerpoint/2015/main" val="1"/>
-                </p:ext>
-              </p:extLst>
-            </p:nvPr>
-          </p:nvSpPr>
-          <p:spPr>
-            <a:xfrm>
-              <a:off x="11396488" y="6230844"/>
-              <a:ext cx="478576" cy="478578"/>
-            </a:xfrm>
-            <a:prstGeom prst="ellipse">
-              <a:avLst/>
-            </a:prstGeom>
-            <a:noFill/>
-            <a:ln w="12700" cap="flat" cmpd="sng" algn="ctr">
-              <a:solidFill>
-                <a:srgbClr val="FFFFFF"/>
-              </a:solidFill>
-              <a:prstDash val="solid"/>
-            </a:ln>
-            <a:effectLst/>
-          </p:spPr>
-          <p:txBody>
-            <a:bodyPr rtlCol="0" anchor="ctr"/>
-            <a:lstStyle/>
-            <a:p>
-              <a:pPr marL="0" marR="0" lvl="0" indent="0" algn="ctr" defTabSz="914400" eaLnBrk="1" fontAlgn="auto" latinLnBrk="0" hangingPunct="1">
-                <a:lnSpc>
-                  <a:spcPct val="100000"/>
-                </a:lnSpc>
-                <a:spcBef>
-                  <a:spcPts val="0"/>
-                </a:spcBef>
-                <a:spcAft>
-                  <a:spcPts val="0"/>
-                </a:spcAft>
-                <a:buClrTx/>
-                <a:buSzTx/>
-                <a:buFontTx/>
-                <a:buNone/>
-                <a:tabLst/>
-                <a:defRPr/>
-              </a:pPr>
-              <a:endParaRPr kumimoji="0" lang="en-US" sz="1800" b="0" i="0" u="none" strike="noStrike" kern="0" cap="none" spc="0" normalizeH="0" baseline="0" noProof="0" dirty="0">
-                <a:ln>
-                  <a:noFill/>
-                </a:ln>
-                <a:solidFill>
-                  <a:prstClr val="white"/>
-                </a:solidFill>
-                <a:effectLst/>
-                <a:uLnTx/>
-                <a:uFillTx/>
-                <a:latin typeface="Calibri"/>
-                <a:ea typeface="+mn-ea"/>
-                <a:cs typeface="+mn-cs"/>
-              </a:endParaRPr>
-            </a:p>
-          </p:txBody>
-        </p:sp>
-      </p:grpSp>
       <p:sp>
         <p:nvSpPr>
           <p:cNvPr id="2" name="Título 1">
@@ -6435,12 +6239,9 @@
         </p:nvSpPr>
         <p:spPr>
           <a:xfrm>
-            <a:off x="6234681" y="267129"/>
-            <a:ext cx="5395643" cy="956759"/>
+            <a:off x="1069848" y="484632"/>
+            <a:ext cx="10058400" cy="1609344"/>
           </a:xfrm>
-          <a:ln>
-            <a:noFill/>
-          </a:ln>
         </p:spPr>
         <p:txBody>
           <a:bodyPr vert="horz" lIns="91440" tIns="45720" rIns="91440" bIns="45720" rtlCol="0" anchor="ctr">
@@ -6449,24 +6250,16 @@
           <a:lstStyle/>
           <a:p>
             <a:r>
-              <a:rPr lang="en-US" sz="3200" dirty="0"/>
+              <a:rPr lang="en-US" dirty="0"/>
               <a:t>A </a:t>
             </a:r>
             <a:r>
-              <a:rPr lang="en-US" sz="3200" dirty="0" err="1"/>
+              <a:rPr lang="pt-BR" dirty="0"/>
               <a:t>visão</a:t>
             </a:r>
             <a:r>
-              <a:rPr lang="en-US" sz="3200" dirty="0"/>
-              <a:t> original de </a:t>
-            </a:r>
-            <a:r>
-              <a:rPr lang="en-US" sz="3200" dirty="0" err="1"/>
-              <a:t>steve</a:t>
-            </a:r>
-            <a:r>
-              <a:rPr lang="en-US" sz="3200" dirty="0"/>
-              <a:t> jobs</a:t>
+              <a:rPr lang="en-US" dirty="0"/>
+              <a:t> original de Steve Jobs</a:t>
             </a:r>
           </a:p>
         </p:txBody>
@@ -6485,8 +6278,8 @@
         </p:nvSpPr>
         <p:spPr>
           <a:xfrm>
-            <a:off x="6238024" y="1223889"/>
-            <a:ext cx="5950633" cy="5366981"/>
+            <a:off x="478303" y="1941342"/>
+            <a:ext cx="7258928" cy="4432026"/>
           </a:xfrm>
           <a:prstGeom prst="rect">
             <a:avLst/>
@@ -6506,169 +6299,67 @@
                 <a:spcPts val="600"/>
               </a:spcAft>
               <a:buClr>
-                <a:schemeClr val="accent1">
-                  <a:lumMod val="75000"/>
-                </a:schemeClr>
+                <a:schemeClr val="accent2"/>
               </a:buClr>
               <a:buSzPct val="85000"/>
               <a:buFont typeface="Wingdings" pitchFamily="2" charset="2"/>
               <a:buChar char="§"/>
             </a:pPr>
             <a:r>
-              <a:rPr lang="en-US" sz="2000" dirty="0"/>
-              <a:t>Steve </a:t>
-            </a:r>
-            <a:r>
-              <a:rPr lang="en-US" sz="2000" dirty="0" err="1"/>
-              <a:t>sempre</a:t>
-            </a:r>
-            <a:r>
-              <a:rPr lang="en-US" sz="2000" dirty="0"/>
+              <a:rPr lang="pt-BR" sz="2000" dirty="0">
+                <a:latin typeface="Segoe UI" panose="020B0502040204020203" pitchFamily="34" charset="0"/>
+                <a:cs typeface="Segoe UI" panose="020B0502040204020203" pitchFamily="34" charset="0"/>
+              </a:rPr>
+              <a:t>Em 2007, no evento </a:t>
+            </a:r>
+            <a:r>
+              <a:rPr lang="pt-BR" sz="2000" b="1" i="1" dirty="0" err="1">
+                <a:latin typeface="Segoe UI" panose="020B0502040204020203" pitchFamily="34" charset="0"/>
+                <a:cs typeface="Segoe UI" panose="020B0502040204020203" pitchFamily="34" charset="0"/>
+              </a:rPr>
+              <a:t>Macworld</a:t>
+            </a:r>
+            <a:r>
+              <a:rPr lang="pt-BR" sz="2000" b="1" i="1" dirty="0">
+                <a:latin typeface="Segoe UI" panose="020B0502040204020203" pitchFamily="34" charset="0"/>
+                <a:cs typeface="Segoe UI" panose="020B0502040204020203" pitchFamily="34" charset="0"/>
+              </a:rPr>
               <a:t> </a:t>
             </a:r>
             <a:r>
-              <a:rPr lang="en-US" sz="2000" dirty="0" err="1"/>
-              <a:t>foi</a:t>
-            </a:r>
-            <a:r>
-              <a:rPr lang="en-US" sz="2000" dirty="0"/>
-              <a:t> um </a:t>
-            </a:r>
-            <a:r>
-              <a:rPr lang="en-US" sz="2000" dirty="0" err="1"/>
-              <a:t>cara</a:t>
-            </a:r>
-            <a:r>
-              <a:rPr lang="en-US" sz="2000" dirty="0"/>
-              <a:t> </a:t>
-            </a:r>
-            <a:r>
-              <a:rPr lang="en-US" sz="2000" dirty="0" err="1"/>
-              <a:t>acima</a:t>
-            </a:r>
-            <a:r>
-              <a:rPr lang="en-US" sz="2000" dirty="0"/>
-              <a:t> de </a:t>
-            </a:r>
-            <a:r>
-              <a:rPr lang="en-US" sz="2000" dirty="0" err="1"/>
-              <a:t>seu</a:t>
-            </a:r>
-            <a:r>
-              <a:rPr lang="en-US" sz="2000" dirty="0"/>
-              <a:t> tempo, </a:t>
-            </a:r>
-            <a:r>
-              <a:rPr lang="en-US" sz="2000" dirty="0" err="1"/>
-              <a:t>em</a:t>
-            </a:r>
-            <a:r>
-              <a:rPr lang="en-US" sz="2000" dirty="0"/>
-              <a:t> 2007, </a:t>
-            </a:r>
-            <a:r>
-              <a:rPr lang="en-US" sz="2000" dirty="0" err="1"/>
-              <a:t>em</a:t>
-            </a:r>
-            <a:r>
-              <a:rPr lang="en-US" sz="2000" dirty="0"/>
-              <a:t> </a:t>
-            </a:r>
-            <a:r>
-              <a:rPr lang="en-US" sz="2000" dirty="0" err="1"/>
-              <a:t>uma</a:t>
-            </a:r>
-            <a:r>
-              <a:rPr lang="en-US" sz="2000" dirty="0"/>
-              <a:t> </a:t>
-            </a:r>
-            <a:r>
-              <a:rPr lang="en-US" sz="2000" dirty="0" err="1"/>
-              <a:t>apresentação</a:t>
-            </a:r>
-            <a:r>
-              <a:rPr lang="en-US" sz="2000" dirty="0"/>
-              <a:t> Steve Jobs </a:t>
-            </a:r>
-            <a:r>
-              <a:rPr lang="en-US" sz="2000" dirty="0" err="1"/>
-              <a:t>demonstrou</a:t>
-            </a:r>
-            <a:r>
-              <a:rPr lang="en-US" sz="2000" dirty="0"/>
-              <a:t> </a:t>
-            </a:r>
-            <a:r>
-              <a:rPr lang="en-US" sz="2000" dirty="0" err="1"/>
-              <a:t>seriamente</a:t>
-            </a:r>
-            <a:r>
-              <a:rPr lang="en-US" sz="2000" dirty="0"/>
-              <a:t> que a </a:t>
-            </a:r>
-            <a:r>
-              <a:rPr lang="en-US" sz="2000" dirty="0" err="1"/>
-              <a:t>sua</a:t>
-            </a:r>
-            <a:r>
-              <a:rPr lang="en-US" sz="2000" dirty="0"/>
-              <a:t> </a:t>
-            </a:r>
-            <a:r>
-              <a:rPr lang="en-US" sz="2000" dirty="0" err="1"/>
-              <a:t>visão</a:t>
-            </a:r>
-            <a:r>
-              <a:rPr lang="en-US" sz="2000" dirty="0"/>
-              <a:t> para </a:t>
-            </a:r>
-            <a:r>
-              <a:rPr lang="en-US" sz="2000" dirty="0" err="1"/>
-              <a:t>aplicativos</a:t>
-            </a:r>
-            <a:r>
-              <a:rPr lang="en-US" sz="2000" dirty="0"/>
-              <a:t> no </a:t>
-            </a:r>
-            <a:r>
-              <a:rPr lang="en-US" sz="2000" dirty="0" err="1"/>
+              <a:rPr lang="pt-BR" sz="2000" b="1" i="1" dirty="0" err="1">
+                <a:latin typeface="Segoe UI" panose="020B0502040204020203" pitchFamily="34" charset="0"/>
+                <a:cs typeface="Segoe UI" panose="020B0502040204020203" pitchFamily="34" charset="0"/>
+              </a:rPr>
+              <a:t>Conference</a:t>
+            </a:r>
+            <a:r>
+              <a:rPr lang="pt-BR" sz="2000" b="1" i="1" dirty="0">
+                <a:latin typeface="Segoe UI" panose="020B0502040204020203" pitchFamily="34" charset="0"/>
+                <a:cs typeface="Segoe UI" panose="020B0502040204020203" pitchFamily="34" charset="0"/>
+              </a:rPr>
+              <a:t> &amp; Expo</a:t>
+            </a:r>
+            <a:r>
+              <a:rPr lang="pt-BR" sz="2000" dirty="0">
+                <a:latin typeface="Segoe UI" panose="020B0502040204020203" pitchFamily="34" charset="0"/>
+                <a:cs typeface="Segoe UI" panose="020B0502040204020203" pitchFamily="34" charset="0"/>
+              </a:rPr>
+              <a:t>, Steve demonstrou que a sua visão para aplicativos no </a:t>
+            </a:r>
+            <a:r>
+              <a:rPr lang="pt-BR" sz="2000" dirty="0" err="1">
+                <a:latin typeface="Segoe UI" panose="020B0502040204020203" pitchFamily="34" charset="0"/>
+                <a:cs typeface="Segoe UI" panose="020B0502040204020203" pitchFamily="34" charset="0"/>
+              </a:rPr>
               <a:t>Iphone</a:t>
             </a:r>
             <a:r>
-              <a:rPr lang="en-US" sz="2000" dirty="0"/>
-              <a:t> </a:t>
-            </a:r>
-            <a:r>
-              <a:rPr lang="en-US" sz="2000" dirty="0" err="1"/>
-              <a:t>fossem</a:t>
-            </a:r>
-            <a:r>
-              <a:rPr lang="en-US" sz="2000" dirty="0"/>
-              <a:t> </a:t>
-            </a:r>
-            <a:r>
-              <a:rPr lang="en-US" sz="2000" dirty="0" err="1"/>
-              <a:t>na</a:t>
-            </a:r>
-            <a:r>
-              <a:rPr lang="en-US" sz="2000" dirty="0"/>
-              <a:t> </a:t>
-            </a:r>
-            <a:r>
-              <a:rPr lang="en-US" sz="2000" dirty="0" err="1"/>
-              <a:t>verdade</a:t>
-            </a:r>
-            <a:r>
-              <a:rPr lang="en-US" sz="2000" dirty="0"/>
-              <a:t> </a:t>
-            </a:r>
-            <a:r>
-              <a:rPr lang="en-US" sz="2000" dirty="0" err="1"/>
-              <a:t>aplicações</a:t>
-            </a:r>
-            <a:r>
-              <a:rPr lang="en-US" sz="2000" dirty="0"/>
-              <a:t> web!</a:t>
+              <a:rPr lang="pt-BR" sz="2000" dirty="0">
+                <a:latin typeface="Segoe UI" panose="020B0502040204020203" pitchFamily="34" charset="0"/>
+                <a:cs typeface="Segoe UI" panose="020B0502040204020203" pitchFamily="34" charset="0"/>
+              </a:rPr>
+              <a:t> fossem na verdade aplicações web! </a:t>
             </a:r>
           </a:p>
           <a:p>
@@ -6680,15 +6371,16 @@
                 <a:spcPts val="600"/>
               </a:spcAft>
               <a:buClr>
-                <a:schemeClr val="accent1">
-                  <a:lumMod val="75000"/>
-                </a:schemeClr>
+                <a:schemeClr val="accent2"/>
               </a:buClr>
               <a:buSzPct val="85000"/>
               <a:buFont typeface="Wingdings" pitchFamily="2" charset="2"/>
               <a:buChar char="§"/>
             </a:pPr>
-            <a:endParaRPr lang="en-US" sz="2000" dirty="0"/>
+            <a:endParaRPr lang="pt-BR" sz="2000" dirty="0">
+              <a:latin typeface="Segoe UI" panose="020B0502040204020203" pitchFamily="34" charset="0"/>
+              <a:cs typeface="Segoe UI" panose="020B0502040204020203" pitchFamily="34" charset="0"/>
+            </a:endParaRPr>
           </a:p>
           <a:p>
             <a:pPr indent="-182880" defTabSz="914400">
@@ -6699,125 +6391,32 @@
                 <a:spcPts val="600"/>
               </a:spcAft>
               <a:buClr>
-                <a:schemeClr val="accent1">
-                  <a:lumMod val="75000"/>
-                </a:schemeClr>
+                <a:schemeClr val="accent2"/>
               </a:buClr>
               <a:buSzPct val="85000"/>
               <a:buFont typeface="Wingdings" pitchFamily="2" charset="2"/>
               <a:buChar char="§"/>
             </a:pPr>
             <a:r>
-              <a:rPr lang="en-US" sz="2000" dirty="0" err="1"/>
-              <a:t>Através</a:t>
-            </a:r>
-            <a:r>
-              <a:rPr lang="en-US" sz="2000" dirty="0"/>
-              <a:t> do </a:t>
-            </a:r>
-            <a:r>
-              <a:rPr lang="en-US" sz="2000" dirty="0" err="1"/>
-              <a:t>navegador</a:t>
-            </a:r>
-            <a:r>
-              <a:rPr lang="en-US" sz="2000" dirty="0"/>
-              <a:t> Safari, as </a:t>
-            </a:r>
-            <a:r>
-              <a:rPr lang="en-US" sz="2000" dirty="0" err="1"/>
-              <a:t>aplicações</a:t>
-            </a:r>
-            <a:r>
-              <a:rPr lang="en-US" sz="2000" dirty="0"/>
-              <a:t> web </a:t>
-            </a:r>
-            <a:r>
-              <a:rPr lang="en-US" sz="2000" dirty="0" err="1"/>
-              <a:t>iriam</a:t>
-            </a:r>
-            <a:r>
-              <a:rPr lang="en-US" sz="2000" dirty="0"/>
-              <a:t> </a:t>
-            </a:r>
-            <a:r>
-              <a:rPr lang="en-US" sz="2000" dirty="0" err="1"/>
-              <a:t>possuir</a:t>
-            </a:r>
-            <a:r>
-              <a:rPr lang="en-US" sz="2000" dirty="0"/>
-              <a:t> </a:t>
-            </a:r>
-            <a:r>
-              <a:rPr lang="en-US" sz="2000" dirty="0" err="1"/>
-              <a:t>acesso</a:t>
-            </a:r>
-            <a:r>
-              <a:rPr lang="en-US" sz="2000" dirty="0"/>
-              <a:t> a </a:t>
-            </a:r>
-            <a:r>
-              <a:rPr lang="en-US" sz="2000" dirty="0" err="1"/>
-              <a:t>diversas</a:t>
-            </a:r>
-            <a:r>
-              <a:rPr lang="en-US" sz="2000" dirty="0"/>
-              <a:t> </a:t>
-            </a:r>
-            <a:r>
-              <a:rPr lang="en-US" sz="2000" dirty="0" err="1"/>
-              <a:t>apis</a:t>
-            </a:r>
-            <a:r>
-              <a:rPr lang="en-US" sz="2000" dirty="0"/>
-              <a:t> </a:t>
-            </a:r>
-            <a:r>
-              <a:rPr lang="en-US" sz="2000" dirty="0" err="1"/>
-              <a:t>possibilitando</a:t>
-            </a:r>
-            <a:r>
-              <a:rPr lang="en-US" sz="2000" dirty="0"/>
-              <a:t> </a:t>
-            </a:r>
-            <a:r>
-              <a:rPr lang="en-US" sz="2000" dirty="0" err="1"/>
-              <a:t>por</a:t>
-            </a:r>
-            <a:r>
-              <a:rPr lang="en-US" sz="2000" dirty="0"/>
-              <a:t> </a:t>
-            </a:r>
-            <a:r>
-              <a:rPr lang="en-US" sz="2000" dirty="0" err="1"/>
-              <a:t>exemplo</a:t>
-            </a:r>
-            <a:r>
-              <a:rPr lang="en-US" sz="2000" dirty="0"/>
-              <a:t> </a:t>
-            </a:r>
-            <a:r>
-              <a:rPr lang="en-US" sz="2000" dirty="0" err="1"/>
-              <a:t>chamadas</a:t>
-            </a:r>
-            <a:r>
-              <a:rPr lang="en-US" sz="2000" dirty="0"/>
-              <a:t> </a:t>
-            </a:r>
-            <a:r>
-              <a:rPr lang="en-US" sz="2000" dirty="0" err="1"/>
-              <a:t>telefônicas</a:t>
-            </a:r>
-            <a:r>
-              <a:rPr lang="en-US" sz="2000" dirty="0"/>
-              <a:t>, </a:t>
-            </a:r>
-            <a:r>
-              <a:rPr lang="en-US" sz="2000" dirty="0" err="1"/>
-              <a:t>acesso</a:t>
-            </a:r>
-            <a:r>
-              <a:rPr lang="en-US" sz="2000" dirty="0"/>
-              <a:t> a geolocation.</a:t>
+              <a:rPr lang="pt-BR" sz="2000" dirty="0">
+                <a:latin typeface="Segoe UI" panose="020B0502040204020203" pitchFamily="34" charset="0"/>
+                <a:cs typeface="Segoe UI" panose="020B0502040204020203" pitchFamily="34" charset="0"/>
+              </a:rPr>
+              <a:t>Através do navegador Safari, os desenvolvedores iriam possuir acesso a diversas </a:t>
+            </a:r>
+            <a:r>
+              <a:rPr lang="pt-BR" sz="2000" b="1" i="1" dirty="0">
+                <a:latin typeface="Segoe UI" panose="020B0502040204020203" pitchFamily="34" charset="0"/>
+                <a:cs typeface="Segoe UI" panose="020B0502040204020203" pitchFamily="34" charset="0"/>
+              </a:rPr>
+              <a:t>APIS</a:t>
+            </a:r>
+            <a:r>
+              <a:rPr lang="pt-BR" sz="2000" dirty="0">
+                <a:latin typeface="Segoe UI" panose="020B0502040204020203" pitchFamily="34" charset="0"/>
+                <a:cs typeface="Segoe UI" panose="020B0502040204020203" pitchFamily="34" charset="0"/>
+              </a:rPr>
+              <a:t> nativas possibilitando por exemplo chamadas telefônicas.</a:t>
             </a:r>
           </a:p>
           <a:p>
@@ -6829,15 +6428,16 @@
                 <a:spcPts val="600"/>
               </a:spcAft>
               <a:buClr>
-                <a:schemeClr val="accent1">
-                  <a:lumMod val="75000"/>
-                </a:schemeClr>
+                <a:schemeClr val="accent2"/>
               </a:buClr>
               <a:buSzPct val="85000"/>
               <a:buFont typeface="Wingdings" pitchFamily="2" charset="2"/>
               <a:buChar char="§"/>
             </a:pPr>
-            <a:endParaRPr lang="en-US" sz="2000" dirty="0"/>
+            <a:endParaRPr lang="pt-BR" sz="2000" dirty="0">
+              <a:latin typeface="Segoe UI" panose="020B0502040204020203" pitchFamily="34" charset="0"/>
+              <a:cs typeface="Segoe UI" panose="020B0502040204020203" pitchFamily="34" charset="0"/>
+            </a:endParaRPr>
           </a:p>
           <a:p>
             <a:pPr indent="-182880" defTabSz="914400">
@@ -6848,53 +6448,67 @@
                 <a:spcPts val="600"/>
               </a:spcAft>
               <a:buClr>
-                <a:schemeClr val="accent1">
-                  <a:lumMod val="75000"/>
-                </a:schemeClr>
+                <a:schemeClr val="accent2"/>
               </a:buClr>
               <a:buSzPct val="85000"/>
               <a:buFont typeface="Wingdings" pitchFamily="2" charset="2"/>
               <a:buChar char="§"/>
             </a:pPr>
             <a:r>
-              <a:rPr lang="en-US" sz="2000" dirty="0" err="1"/>
-              <a:t>Porém</a:t>
-            </a:r>
-            <a:r>
-              <a:rPr lang="en-US" sz="2000" dirty="0"/>
-              <a:t> a </a:t>
-            </a:r>
-            <a:r>
-              <a:rPr lang="en-US" sz="2000" dirty="0" err="1"/>
-              <a:t>ideia</a:t>
-            </a:r>
-            <a:r>
-              <a:rPr lang="en-US" sz="2000" dirty="0"/>
-              <a:t> </a:t>
-            </a:r>
-            <a:r>
-              <a:rPr lang="en-US" sz="2000" dirty="0" err="1"/>
-              <a:t>foi</a:t>
-            </a:r>
-            <a:r>
-              <a:rPr lang="en-US" sz="2000" dirty="0"/>
-              <a:t> </a:t>
-            </a:r>
-            <a:r>
-              <a:rPr lang="en-US" sz="2000" dirty="0" err="1"/>
-              <a:t>abandonada</a:t>
-            </a:r>
-            <a:r>
-              <a:rPr lang="en-US" sz="2000" dirty="0"/>
-              <a:t> com a </a:t>
-            </a:r>
-            <a:r>
-              <a:rPr lang="en-US" sz="2000" dirty="0" err="1"/>
-              <a:t>explosão</a:t>
-            </a:r>
-            <a:r>
-              <a:rPr lang="en-US" sz="2000" dirty="0"/>
-              <a:t> da Apple Store.</a:t>
+              <a:rPr lang="pt-BR" sz="2000" dirty="0">
+                <a:latin typeface="Segoe UI" panose="020B0502040204020203" pitchFamily="34" charset="0"/>
+                <a:cs typeface="Segoe UI" panose="020B0502040204020203" pitchFamily="34" charset="0"/>
+              </a:rPr>
+              <a:t>Porém a ideia foi abandonada, logo liberaram as </a:t>
+            </a:r>
+            <a:r>
+              <a:rPr lang="pt-BR" sz="2000" b="1" i="1" dirty="0">
+                <a:latin typeface="Segoe UI" panose="020B0502040204020203" pitchFamily="34" charset="0"/>
+                <a:cs typeface="Segoe UI" panose="020B0502040204020203" pitchFamily="34" charset="0"/>
+              </a:rPr>
+              <a:t>SDKS </a:t>
+            </a:r>
+            <a:r>
+              <a:rPr lang="pt-BR" sz="2000" dirty="0">
+                <a:latin typeface="Segoe UI" panose="020B0502040204020203" pitchFamily="34" charset="0"/>
+                <a:cs typeface="Segoe UI" panose="020B0502040204020203" pitchFamily="34" charset="0"/>
+              </a:rPr>
+              <a:t>nativas para desenvolver com </a:t>
+            </a:r>
+            <a:r>
+              <a:rPr lang="pt-BR" sz="2000" b="1" i="1" dirty="0" err="1">
+                <a:latin typeface="Segoe UI" panose="020B0502040204020203" pitchFamily="34" charset="0"/>
+                <a:cs typeface="Segoe UI" panose="020B0502040204020203" pitchFamily="34" charset="0"/>
+              </a:rPr>
+              <a:t>Object</a:t>
+            </a:r>
+            <a:r>
+              <a:rPr lang="pt-BR" sz="2000" b="1" i="1" dirty="0">
+                <a:latin typeface="Segoe UI" panose="020B0502040204020203" pitchFamily="34" charset="0"/>
+                <a:cs typeface="Segoe UI" panose="020B0502040204020203" pitchFamily="34" charset="0"/>
+              </a:rPr>
+              <a:t> C</a:t>
+            </a:r>
+            <a:r>
+              <a:rPr lang="pt-BR" sz="2000" dirty="0">
+                <a:latin typeface="Segoe UI" panose="020B0502040204020203" pitchFamily="34" charset="0"/>
+                <a:cs typeface="Segoe UI" panose="020B0502040204020203" pitchFamily="34" charset="0"/>
+              </a:rPr>
+              <a:t> e foi uma grande explosão a Apple </a:t>
+            </a:r>
+            <a:r>
+              <a:rPr lang="pt-BR" sz="2000" dirty="0" err="1">
+                <a:latin typeface="Segoe UI" panose="020B0502040204020203" pitchFamily="34" charset="0"/>
+                <a:cs typeface="Segoe UI" panose="020B0502040204020203" pitchFamily="34" charset="0"/>
+              </a:rPr>
+              <a:t>Store</a:t>
+            </a:r>
+            <a:r>
+              <a:rPr lang="pt-BR" sz="2000" dirty="0">
+                <a:latin typeface="Segoe UI" panose="020B0502040204020203" pitchFamily="34" charset="0"/>
+                <a:cs typeface="Segoe UI" panose="020B0502040204020203" pitchFamily="34" charset="0"/>
+              </a:rPr>
+              <a:t>.</a:t>
             </a:r>
           </a:p>
           <a:p>
@@ -6906,13 +6520,14 @@
                 <a:spcPts val="600"/>
               </a:spcAft>
               <a:buClr>
-                <a:schemeClr val="accent1">
-                  <a:lumMod val="75000"/>
-                </a:schemeClr>
+                <a:schemeClr val="accent2"/>
               </a:buClr>
               <a:buSzPct val="85000"/>
             </a:pPr>
-            <a:endParaRPr lang="en-US" sz="2000" dirty="0"/>
+            <a:endParaRPr lang="pt-BR" sz="2000" dirty="0">
+              <a:latin typeface="Segoe UI" panose="020B0502040204020203" pitchFamily="34" charset="0"/>
+              <a:cs typeface="Segoe UI" panose="020B0502040204020203" pitchFamily="34" charset="0"/>
+            </a:endParaRPr>
           </a:p>
           <a:p>
             <a:pPr indent="-182880" defTabSz="914400">
@@ -6923,35 +6538,17 @@
                 <a:spcPts val="600"/>
               </a:spcAft>
               <a:buClr>
-                <a:schemeClr val="accent1">
-                  <a:lumMod val="75000"/>
-                </a:schemeClr>
+                <a:schemeClr val="accent2"/>
               </a:buClr>
               <a:buSzPct val="85000"/>
               <a:buFont typeface="Wingdings" pitchFamily="2" charset="2"/>
               <a:buChar char="§"/>
             </a:pPr>
-            <a:endParaRPr lang="en-US" sz="2000" dirty="0"/>
-          </a:p>
-          <a:p>
-            <a:pPr indent="-182880" defTabSz="914400">
-              <a:lnSpc>
-                <a:spcPct val="90000"/>
-              </a:lnSpc>
-              <a:spcAft>
-                <a:spcPts val="600"/>
-              </a:spcAft>
-              <a:buClr>
-                <a:schemeClr val="accent1">
-                  <a:lumMod val="75000"/>
-                </a:schemeClr>
-              </a:buClr>
-              <a:buSzPct val="85000"/>
-              <a:buFont typeface="Wingdings" pitchFamily="2" charset="2"/>
-              <a:buChar char="§"/>
-            </a:pPr>
-            <a:r>
-              <a:rPr lang="en-US" sz="2000" dirty="0"/>
+            <a:r>
+              <a:rPr lang="pt-BR" sz="2000" dirty="0">
+                <a:latin typeface="Segoe UI" panose="020B0502040204020203" pitchFamily="34" charset="0"/>
+                <a:cs typeface="Segoe UI" panose="020B0502040204020203" pitchFamily="34" charset="0"/>
+              </a:rPr>
               <a:t>Fonte: https://youtu.be/8Vq993Td6ys</a:t>
             </a:r>
           </a:p>
@@ -6973,6 +6570,14 @@
 <file path=ppt/slides/slide6.xml><?xml version="1.0" encoding="utf-8"?>
 <p:sld xmlns:a="http://schemas.openxmlformats.org/drawingml/2006/main" xmlns:r="http://schemas.openxmlformats.org/officeDocument/2006/relationships" xmlns:p="http://schemas.openxmlformats.org/presentationml/2006/main">
   <p:cSld>
+    <p:bg>
+      <p:bgPr>
+        <a:solidFill>
+          <a:schemeClr val="bg1"/>
+        </a:solidFill>
+        <a:effectLst/>
+      </p:bgPr>
+    </p:bg>
     <p:spTree>
       <p:nvGrpSpPr>
         <p:cNvPr id="1" name=""/>
@@ -6987,6 +6592,78 @@
           <a:chExt cx="0" cy="0"/>
         </a:xfrm>
       </p:grpSpPr>
+      <p:pic>
+        <p:nvPicPr>
+          <p:cNvPr id="4" name="Imagem 3">
+            <a:extLst>
+              <a:ext uri="{FF2B5EF4-FFF2-40B4-BE49-F238E27FC236}">
+                <a16:creationId xmlns:a16="http://schemas.microsoft.com/office/drawing/2014/main" id="{C869C13A-1B20-4878-92D0-02D541E3B871}"/>
+              </a:ext>
+            </a:extLst>
+          </p:cNvPr>
+          <p:cNvPicPr>
+            <a:picLocks noChangeAspect="1"/>
+          </p:cNvPicPr>
+          <p:nvPr/>
+        </p:nvPicPr>
+        <p:blipFill>
+          <a:blip r:embed="rId3">
+            <a:extLst>
+              <a:ext uri="{28A0092B-C50C-407E-A947-70E740481C1C}">
+                <a14:useLocalDpi xmlns:a14="http://schemas.microsoft.com/office/drawing/2010/main" val="0"/>
+              </a:ext>
+            </a:extLst>
+          </a:blip>
+          <a:stretch>
+            <a:fillRect/>
+          </a:stretch>
+        </p:blipFill>
+        <p:spPr>
+          <a:xfrm>
+            <a:off x="7942699" y="2193036"/>
+            <a:ext cx="3121190" cy="3639872"/>
+          </a:xfrm>
+          <a:prstGeom prst="rect">
+            <a:avLst/>
+          </a:prstGeom>
+        </p:spPr>
+      </p:pic>
+      <p:sp>
+        <p:nvSpPr>
+          <p:cNvPr id="6" name="CaixaDeTexto 5">
+            <a:extLst>
+              <a:ext uri="{FF2B5EF4-FFF2-40B4-BE49-F238E27FC236}">
+                <a16:creationId xmlns:a16="http://schemas.microsoft.com/office/drawing/2014/main" id="{F14F8046-C13A-44AC-9FDE-751EDBD38FD7}"/>
+              </a:ext>
+            </a:extLst>
+          </p:cNvPr>
+          <p:cNvSpPr txBox="1"/>
+          <p:nvPr/>
+        </p:nvSpPr>
+        <p:spPr>
+          <a:xfrm>
+            <a:off x="900332" y="2405574"/>
+            <a:ext cx="9003323" cy="369332"/>
+          </a:xfrm>
+          <a:prstGeom prst="rect">
+            <a:avLst/>
+          </a:prstGeom>
+          <a:noFill/>
+        </p:spPr>
+        <p:txBody>
+          <a:bodyPr wrap="square" rtlCol="0">
+            <a:spAutoFit/>
+          </a:bodyPr>
+          <a:lstStyle/>
+          <a:p>
+            <a:pPr marL="285750" indent="-285750">
+              <a:buFont typeface="Arial" panose="020B0604020202020204" pitchFamily="34" charset="0"/>
+              <a:buChar char="•"/>
+            </a:pPr>
+            <a:endParaRPr lang="pt-BR" dirty="0"/>
+          </a:p>
+        </p:txBody>
+      </p:sp>
       <p:sp>
         <p:nvSpPr>
           <p:cNvPr id="2" name="Título 1">
@@ -7003,32 +6680,31 @@
             <p:ph type="title"/>
           </p:nvPr>
         </p:nvSpPr>
-        <p:spPr/>
-        <p:txBody>
-          <a:bodyPr/>
+        <p:spPr>
+          <a:xfrm>
+            <a:off x="1069848" y="484632"/>
+            <a:ext cx="10058400" cy="1609344"/>
+          </a:xfrm>
+        </p:spPr>
+        <p:txBody>
+          <a:bodyPr>
+            <a:normAutofit/>
+          </a:bodyPr>
           <a:lstStyle/>
           <a:p>
             <a:r>
               <a:rPr lang="pt-BR" dirty="0"/>
-              <a:t>Não é a mesma coisa que o </a:t>
-            </a:r>
-            <a:r>
-              <a:rPr lang="pt-BR" dirty="0" err="1"/>
-              <a:t>Cordova</a:t>
-            </a:r>
-            <a:r>
-              <a:rPr lang="pt-BR" dirty="0"/>
-              <a:t>?</a:t>
-            </a:r>
-          </a:p>
-        </p:txBody>
-      </p:sp>
-      <p:sp>
-        <p:nvSpPr>
-          <p:cNvPr id="3" name="Espaço Reservado para Conteúdo 2">
+              <a:t>Android</a:t>
+            </a:r>
+          </a:p>
+        </p:txBody>
+      </p:sp>
+      <p:sp>
+        <p:nvSpPr>
+          <p:cNvPr id="7" name="Espaço Reservado para Conteúdo 2">
             <a:extLst>
               <a:ext uri="{FF2B5EF4-FFF2-40B4-BE49-F238E27FC236}">
-                <a16:creationId xmlns:a16="http://schemas.microsoft.com/office/drawing/2014/main" id="{14E8FBFC-2E5D-4C2F-8C5C-DBC1E5328FCE}"/>
+                <a16:creationId xmlns:a16="http://schemas.microsoft.com/office/drawing/2014/main" id="{9FA5AE61-9FC4-48F2-8119-8923826B034F}"/>
               </a:ext>
             </a:extLst>
           </p:cNvPr>
@@ -7039,74 +6715,102 @@
             <p:ph idx="1"/>
           </p:nvPr>
         </p:nvSpPr>
-        <p:spPr/>
-        <p:txBody>
-          <a:bodyPr/>
+        <p:spPr>
+          <a:xfrm>
+            <a:off x="689317" y="2121408"/>
+            <a:ext cx="6862949" cy="4050792"/>
+          </a:xfrm>
+        </p:spPr>
+        <p:txBody>
+          <a:bodyPr>
+            <a:normAutofit/>
+          </a:bodyPr>
           <a:lstStyle/>
           <a:p>
+            <a:pPr marL="285750" indent="-285750">
+              <a:buFont typeface="Arial" panose="020B0604020202020204" pitchFamily="34" charset="0"/>
+              <a:buChar char="•"/>
+            </a:pPr>
             <a:r>
               <a:rPr lang="pt-BR" dirty="0">
                 <a:latin typeface="Segoe UI" panose="020B0502040204020203" pitchFamily="34" charset="0"/>
                 <a:cs typeface="Segoe UI" panose="020B0502040204020203" pitchFamily="34" charset="0"/>
               </a:rPr>
-              <a:t>Ué, se isso é </a:t>
-            </a:r>
-            <a:r>
-              <a:rPr lang="pt-BR" dirty="0" err="1">
-                <a:latin typeface="Segoe UI" panose="020B0502040204020203" pitchFamily="34" charset="0"/>
-                <a:cs typeface="Segoe UI" panose="020B0502040204020203" pitchFamily="34" charset="0"/>
-              </a:rPr>
-              <a:t>html</a:t>
+              <a:t>Desde a versão 1.5 o Android disponibilizou sua </a:t>
+            </a:r>
+            <a:r>
+              <a:rPr lang="pt-BR" b="1" i="1" dirty="0" err="1">
+                <a:latin typeface="Segoe UI" panose="020B0502040204020203" pitchFamily="34" charset="0"/>
+                <a:cs typeface="Segoe UI" panose="020B0502040204020203" pitchFamily="34" charset="0"/>
+              </a:rPr>
+              <a:t>sdk</a:t>
+            </a:r>
+            <a:r>
+              <a:rPr lang="pt-BR" b="1" dirty="0">
+                <a:latin typeface="Segoe UI" panose="020B0502040204020203" pitchFamily="34" charset="0"/>
+                <a:cs typeface="Segoe UI" panose="020B0502040204020203" pitchFamily="34" charset="0"/>
+              </a:rPr>
+              <a:t> </a:t>
             </a:r>
             <a:r>
               <a:rPr lang="pt-BR" dirty="0">
                 <a:latin typeface="Segoe UI" panose="020B0502040204020203" pitchFamily="34" charset="0"/>
                 <a:cs typeface="Segoe UI" panose="020B0502040204020203" pitchFamily="34" charset="0"/>
               </a:rPr>
-              <a:t> + </a:t>
-            </a:r>
-            <a:r>
-              <a:rPr lang="pt-BR" dirty="0" err="1">
-                <a:latin typeface="Segoe UI" panose="020B0502040204020203" pitchFamily="34" charset="0"/>
-                <a:cs typeface="Segoe UI" panose="020B0502040204020203" pitchFamily="34" charset="0"/>
-              </a:rPr>
-              <a:t>javascript</a:t>
-            </a:r>
-            <a:r>
-              <a:rPr lang="pt-BR" dirty="0">
-                <a:latin typeface="Segoe UI" panose="020B0502040204020203" pitchFamily="34" charset="0"/>
-                <a:cs typeface="Segoe UI" panose="020B0502040204020203" pitchFamily="34" charset="0"/>
-              </a:rPr>
-              <a:t> não dá na mesma?</a:t>
-            </a:r>
-          </a:p>
-          <a:p>
+              <a:t>para a comunidade de desenvolvimento, possibilitando a criação de aplicativos nativos.</a:t>
+            </a:r>
+          </a:p>
+          <a:p>
+            <a:pPr marL="285750" indent="-285750">
+              <a:buFont typeface="Arial" panose="020B0604020202020204" pitchFamily="34" charset="0"/>
+              <a:buChar char="•"/>
+            </a:pPr>
             <a:endParaRPr lang="pt-BR" dirty="0">
               <a:latin typeface="Segoe UI" panose="020B0502040204020203" pitchFamily="34" charset="0"/>
               <a:cs typeface="Segoe UI" panose="020B0502040204020203" pitchFamily="34" charset="0"/>
             </a:endParaRPr>
           </a:p>
           <a:p>
+            <a:pPr marL="285750" indent="-285750">
+              <a:buFont typeface="Arial" panose="020B0604020202020204" pitchFamily="34" charset="0"/>
+              <a:buChar char="•"/>
+            </a:pPr>
             <a:r>
               <a:rPr lang="pt-BR" dirty="0">
                 <a:latin typeface="Segoe UI" panose="020B0502040204020203" pitchFamily="34" charset="0"/>
                 <a:cs typeface="Segoe UI" panose="020B0502040204020203" pitchFamily="34" charset="0"/>
               </a:rPr>
-              <a:t>De jeito nenhum, o </a:t>
-            </a:r>
-            <a:r>
-              <a:rPr lang="pt-BR" b="1" i="1" dirty="0" err="1">
-                <a:latin typeface="Segoe UI" panose="020B0502040204020203" pitchFamily="34" charset="0"/>
-                <a:cs typeface="Segoe UI" panose="020B0502040204020203" pitchFamily="34" charset="0"/>
-              </a:rPr>
-              <a:t>cordova</a:t>
-            </a:r>
+              <a:t>Toda a lógica de tais aplicativos poderiam ser desenvolvidos através da linguagem de programação </a:t>
+            </a:r>
+            <a:r>
+              <a:rPr lang="pt-BR" b="1" i="1" dirty="0">
+                <a:latin typeface="Segoe UI" panose="020B0502040204020203" pitchFamily="34" charset="0"/>
+                <a:cs typeface="Segoe UI" panose="020B0502040204020203" pitchFamily="34" charset="0"/>
+              </a:rPr>
+              <a:t>Java.</a:t>
+            </a:r>
+          </a:p>
+          <a:p>
+            <a:pPr marL="285750" indent="-285750">
+              <a:buFont typeface="Arial" panose="020B0604020202020204" pitchFamily="34" charset="0"/>
+              <a:buChar char="•"/>
+            </a:pPr>
+            <a:endParaRPr lang="pt-BR" b="1" i="1" dirty="0">
+              <a:latin typeface="Segoe UI" panose="020B0502040204020203" pitchFamily="34" charset="0"/>
+              <a:cs typeface="Segoe UI" panose="020B0502040204020203" pitchFamily="34" charset="0"/>
+            </a:endParaRPr>
+          </a:p>
+          <a:p>
+            <a:pPr marL="285750" indent="-285750">
+              <a:buFont typeface="Arial" panose="020B0604020202020204" pitchFamily="34" charset="0"/>
+              <a:buChar char="•"/>
+            </a:pPr>
             <a:r>
               <a:rPr lang="pt-BR" dirty="0">
                 <a:latin typeface="Segoe UI" panose="020B0502040204020203" pitchFamily="34" charset="0"/>
                 <a:cs typeface="Segoe UI" panose="020B0502040204020203" pitchFamily="34" charset="0"/>
               </a:rPr>
-              <a:t> trabalha utilizando um container de HTML</a:t>
+              <a:t>Por ser uma linguagem muito popular na época e até hoje, trouxe o interesse de muitos desenvolvedores, fazendo o Android possuir a maior gama de aplicativos.</a:t>
             </a:r>
           </a:p>
         </p:txBody>
@@ -7114,7 +6818,7 @@
     </p:spTree>
     <p:extLst>
       <p:ext uri="{BB962C8B-B14F-4D97-AF65-F5344CB8AC3E}">
-        <p14:creationId xmlns:p14="http://schemas.microsoft.com/office/powerpoint/2010/main" val="1097559854"/>
+        <p14:creationId xmlns:p14="http://schemas.microsoft.com/office/powerpoint/2010/main" val="1257957705"/>
       </p:ext>
     </p:extLst>
   </p:cSld>
@@ -7127,6 +6831,14 @@
 <file path=ppt/slides/slide7.xml><?xml version="1.0" encoding="utf-8"?>
 <p:sld xmlns:a="http://schemas.openxmlformats.org/drawingml/2006/main" xmlns:r="http://schemas.openxmlformats.org/officeDocument/2006/relationships" xmlns:p="http://schemas.openxmlformats.org/presentationml/2006/main">
   <p:cSld>
+    <p:bg>
+      <p:bgPr>
+        <a:solidFill>
+          <a:schemeClr val="bg1"/>
+        </a:solidFill>
+        <a:effectLst/>
+      </p:bgPr>
+    </p:bg>
     <p:spTree>
       <p:nvGrpSpPr>
         <p:cNvPr id="1" name=""/>
@@ -7141,12 +6853,83 @@
           <a:chExt cx="0" cy="0"/>
         </a:xfrm>
       </p:grpSpPr>
+      <p:pic>
+        <p:nvPicPr>
+          <p:cNvPr id="5" name="Imagem 4" descr="Uma imagem contendo céu, pessoa, mão, mantendo&#10;&#10;Descrição gerada com muito alta confiança">
+            <a:extLst>
+              <a:ext uri="{FF2B5EF4-FFF2-40B4-BE49-F238E27FC236}">
+                <a16:creationId xmlns:a16="http://schemas.microsoft.com/office/drawing/2014/main" id="{FB725700-7D66-44E2-8ABF-452CDBFBD6E3}"/>
+              </a:ext>
+            </a:extLst>
+          </p:cNvPr>
+          <p:cNvPicPr>
+            <a:picLocks noChangeAspect="1"/>
+          </p:cNvPicPr>
+          <p:nvPr/>
+        </p:nvPicPr>
+        <p:blipFill rotWithShape="1">
+          <a:blip r:embed="rId3">
+            <a:extLst>
+              <a:ext uri="{28A0092B-C50C-407E-A947-70E740481C1C}">
+                <a14:useLocalDpi xmlns:a14="http://schemas.microsoft.com/office/drawing/2010/main" val="0"/>
+              </a:ext>
+            </a:extLst>
+          </a:blip>
+          <a:srcRect l="20939" r="21930"/>
+          <a:stretch/>
+        </p:blipFill>
+        <p:spPr>
+          <a:xfrm>
+            <a:off x="1049092" y="2193036"/>
+            <a:ext cx="3261954" cy="3639872"/>
+          </a:xfrm>
+          <a:prstGeom prst="rect">
+            <a:avLst/>
+          </a:prstGeom>
+        </p:spPr>
+      </p:pic>
+      <p:sp>
+        <p:nvSpPr>
+          <p:cNvPr id="6" name="CaixaDeTexto 5">
+            <a:extLst>
+              <a:ext uri="{FF2B5EF4-FFF2-40B4-BE49-F238E27FC236}">
+                <a16:creationId xmlns:a16="http://schemas.microsoft.com/office/drawing/2014/main" id="{F14F8046-C13A-44AC-9FDE-751EDBD38FD7}"/>
+              </a:ext>
+            </a:extLst>
+          </p:cNvPr>
+          <p:cNvSpPr txBox="1"/>
+          <p:nvPr/>
+        </p:nvSpPr>
+        <p:spPr>
+          <a:xfrm>
+            <a:off x="900332" y="2405574"/>
+            <a:ext cx="9003323" cy="369332"/>
+          </a:xfrm>
+          <a:prstGeom prst="rect">
+            <a:avLst/>
+          </a:prstGeom>
+          <a:noFill/>
+        </p:spPr>
+        <p:txBody>
+          <a:bodyPr wrap="square" rtlCol="0">
+            <a:spAutoFit/>
+          </a:bodyPr>
+          <a:lstStyle/>
+          <a:p>
+            <a:pPr marL="285750" indent="-285750">
+              <a:buFont typeface="Arial" panose="020B0604020202020204" pitchFamily="34" charset="0"/>
+              <a:buChar char="•"/>
+            </a:pPr>
+            <a:endParaRPr lang="pt-BR" dirty="0"/>
+          </a:p>
+        </p:txBody>
+      </p:sp>
       <p:sp>
         <p:nvSpPr>
           <p:cNvPr id="2" name="Título 1">
             <a:extLst>
               <a:ext uri="{FF2B5EF4-FFF2-40B4-BE49-F238E27FC236}">
-                <a16:creationId xmlns:a16="http://schemas.microsoft.com/office/drawing/2014/main" id="{7C004CA9-2C46-43BE-8B5C-8073497D8458}"/>
+                <a16:creationId xmlns:a16="http://schemas.microsoft.com/office/drawing/2014/main" id="{B19728D3-1460-42D2-8D6D-FA0A3611E6CA}"/>
               </a:ext>
             </a:extLst>
           </p:cNvPr>
@@ -7159,8 +6942,8 @@
         </p:nvSpPr>
         <p:spPr>
           <a:xfrm>
-            <a:off x="677334" y="609600"/>
-            <a:ext cx="8324776" cy="1320800"/>
+            <a:off x="1069848" y="484632"/>
+            <a:ext cx="10058400" cy="1609344"/>
           </a:xfrm>
         </p:spPr>
         <p:txBody>
@@ -7171,17 +6954,17 @@
           <a:p>
             <a:r>
               <a:rPr lang="pt-BR" dirty="0"/>
-              <a:t>Sobre PWA</a:t>
-            </a:r>
-          </a:p>
-        </p:txBody>
-      </p:sp>
-      <p:sp>
-        <p:nvSpPr>
-          <p:cNvPr id="3" name="Espaço Reservado para Conteúdo 2">
+              <a:t>Windows Phone</a:t>
+            </a:r>
+          </a:p>
+        </p:txBody>
+      </p:sp>
+      <p:sp>
+        <p:nvSpPr>
+          <p:cNvPr id="7" name="Espaço Reservado para Conteúdo 2">
             <a:extLst>
               <a:ext uri="{FF2B5EF4-FFF2-40B4-BE49-F238E27FC236}">
-                <a16:creationId xmlns:a16="http://schemas.microsoft.com/office/drawing/2014/main" id="{89E0BFDC-6745-4981-8B6A-0B22A47108C8}"/>
+                <a16:creationId xmlns:a16="http://schemas.microsoft.com/office/drawing/2014/main" id="{9FA5AE61-9FC4-48F2-8119-8923826B034F}"/>
               </a:ext>
             </a:extLst>
           </p:cNvPr>
@@ -7192,70 +6975,134 @@
             <p:ph idx="1"/>
           </p:nvPr>
         </p:nvSpPr>
-        <p:spPr/>
+        <p:spPr>
+          <a:xfrm>
+            <a:off x="4645829" y="1758462"/>
+            <a:ext cx="6482419" cy="4413738"/>
+          </a:xfrm>
+        </p:spPr>
         <p:txBody>
           <a:bodyPr>
             <a:normAutofit/>
           </a:bodyPr>
           <a:lstStyle/>
           <a:p>
-            <a:r>
-              <a:rPr lang="pt-BR" sz="2800" dirty="0">
-                <a:latin typeface="Segoe UI" panose="020B0502040204020203" pitchFamily="34" charset="0"/>
-                <a:cs typeface="Segoe UI" panose="020B0502040204020203" pitchFamily="34" charset="0"/>
-              </a:rPr>
-              <a:t>Você já deve ter ouvido que </a:t>
-            </a:r>
-            <a:r>
-              <a:rPr lang="pt-BR" sz="2800" b="1" i="1" dirty="0">
-                <a:latin typeface="Segoe UI" panose="020B0502040204020203" pitchFamily="34" charset="0"/>
-                <a:cs typeface="Segoe UI" panose="020B0502040204020203" pitchFamily="34" charset="0"/>
-              </a:rPr>
-              <a:t>P.W.A</a:t>
-            </a:r>
-            <a:r>
-              <a:rPr lang="pt-BR" sz="2800" dirty="0">
-                <a:latin typeface="Segoe UI" panose="020B0502040204020203" pitchFamily="34" charset="0"/>
-                <a:cs typeface="Segoe UI" panose="020B0502040204020203" pitchFamily="34" charset="0"/>
-              </a:rPr>
-              <a:t>. será o futuro! Pois bem, mas você já refletiu como isso poderá refletir em nossas vidas?</a:t>
-            </a:r>
-          </a:p>
-          <a:p>
-            <a:endParaRPr lang="pt-BR" sz="2800" b="1" i="1" dirty="0">
+            <a:pPr marL="285750" indent="-285750">
+              <a:buFont typeface="Arial" panose="020B0604020202020204" pitchFamily="34" charset="0"/>
+              <a:buChar char="•"/>
+            </a:pPr>
+            <a:r>
+              <a:rPr lang="pt-BR" dirty="0">
+                <a:latin typeface="Segoe UI" panose="020B0502040204020203" pitchFamily="34" charset="0"/>
+                <a:cs typeface="Segoe UI" panose="020B0502040204020203" pitchFamily="34" charset="0"/>
+              </a:rPr>
+              <a:t>A Microsoft não queria deixar de ter seu próprio sistema operacional mobile e foi lançado em 2010, (talvez um pouco tarde) o Windows Phone.</a:t>
+            </a:r>
+          </a:p>
+          <a:p>
+            <a:pPr marL="285750" indent="-285750">
+              <a:buFont typeface="Arial" panose="020B0604020202020204" pitchFamily="34" charset="0"/>
+              <a:buChar char="•"/>
+            </a:pPr>
+            <a:endParaRPr lang="pt-BR" dirty="0">
               <a:latin typeface="Segoe UI" panose="020B0502040204020203" pitchFamily="34" charset="0"/>
               <a:cs typeface="Segoe UI" panose="020B0502040204020203" pitchFamily="34" charset="0"/>
             </a:endParaRPr>
           </a:p>
           <a:p>
-            <a:r>
-              <a:rPr lang="pt-BR" sz="2800" b="1" i="1" dirty="0" err="1">
-                <a:latin typeface="Segoe UI" panose="020B0502040204020203" pitchFamily="34" charset="0"/>
-                <a:cs typeface="Segoe UI" panose="020B0502040204020203" pitchFamily="34" charset="0"/>
-              </a:rPr>
-              <a:t>Progressive</a:t>
-            </a:r>
-            <a:r>
-              <a:rPr lang="pt-BR" sz="2800" b="1" i="1" dirty="0">
-                <a:latin typeface="Segoe UI" panose="020B0502040204020203" pitchFamily="34" charset="0"/>
-                <a:cs typeface="Segoe UI" panose="020B0502040204020203" pitchFamily="34" charset="0"/>
-              </a:rPr>
-              <a:t> Web Apps </a:t>
-            </a:r>
-            <a:r>
-              <a:rPr lang="pt-BR" sz="2800" dirty="0">
-                <a:latin typeface="Segoe UI" panose="020B0502040204020203" pitchFamily="34" charset="0"/>
-                <a:cs typeface="Segoe UI" panose="020B0502040204020203" pitchFamily="34" charset="0"/>
-              </a:rPr>
-              <a:t>utiliza o que é de mais moderno na web para entregar uma experiência próxima de aplicativos.</a:t>
-            </a:r>
+            <a:pPr marL="285750" indent="-285750">
+              <a:buFont typeface="Arial" panose="020B0604020202020204" pitchFamily="34" charset="0"/>
+              <a:buChar char="•"/>
+            </a:pPr>
+            <a:r>
+              <a:rPr lang="pt-BR" dirty="0">
+                <a:latin typeface="Segoe UI" panose="020B0502040204020203" pitchFamily="34" charset="0"/>
+                <a:cs typeface="Segoe UI" panose="020B0502040204020203" pitchFamily="34" charset="0"/>
+              </a:rPr>
+              <a:t>Com seu diferencial de possuir a interface metro, integração nativa com a </a:t>
+            </a:r>
+            <a:r>
+              <a:rPr lang="pt-BR" b="1" i="1" dirty="0">
+                <a:latin typeface="Segoe UI" panose="020B0502040204020203" pitchFamily="34" charset="0"/>
+                <a:cs typeface="Segoe UI" panose="020B0502040204020203" pitchFamily="34" charset="0"/>
+              </a:rPr>
+              <a:t>Cortana</a:t>
+            </a:r>
+            <a:r>
+              <a:rPr lang="pt-BR" dirty="0">
+                <a:latin typeface="Segoe UI" panose="020B0502040204020203" pitchFamily="34" charset="0"/>
+                <a:cs typeface="Segoe UI" panose="020B0502040204020203" pitchFamily="34" charset="0"/>
+              </a:rPr>
+              <a:t>, </a:t>
+            </a:r>
+            <a:r>
+              <a:rPr lang="pt-BR" b="1" i="1" dirty="0">
+                <a:latin typeface="Segoe UI" panose="020B0502040204020203" pitchFamily="34" charset="0"/>
+                <a:cs typeface="Segoe UI" panose="020B0502040204020203" pitchFamily="34" charset="0"/>
+              </a:rPr>
+              <a:t>Office</a:t>
+            </a:r>
+            <a:r>
+              <a:rPr lang="pt-BR" dirty="0">
+                <a:latin typeface="Segoe UI" panose="020B0502040204020203" pitchFamily="34" charset="0"/>
+                <a:cs typeface="Segoe UI" panose="020B0502040204020203" pitchFamily="34" charset="0"/>
+              </a:rPr>
+              <a:t> e o </a:t>
+            </a:r>
+            <a:r>
+              <a:rPr lang="pt-BR" b="1" i="1" dirty="0">
+                <a:latin typeface="Segoe UI" panose="020B0502040204020203" pitchFamily="34" charset="0"/>
+                <a:cs typeface="Segoe UI" panose="020B0502040204020203" pitchFamily="34" charset="0"/>
+              </a:rPr>
+              <a:t>Windows Desktop </a:t>
+            </a:r>
+            <a:r>
+              <a:rPr lang="pt-BR" dirty="0">
+                <a:latin typeface="Segoe UI" panose="020B0502040204020203" pitchFamily="34" charset="0"/>
+                <a:cs typeface="Segoe UI" panose="020B0502040204020203" pitchFamily="34" charset="0"/>
+              </a:rPr>
+              <a:t>não foi o bastante.</a:t>
+            </a:r>
+          </a:p>
+          <a:p>
+            <a:pPr marL="285750" indent="-285750">
+              <a:buFont typeface="Arial" panose="020B0604020202020204" pitchFamily="34" charset="0"/>
+              <a:buChar char="•"/>
+            </a:pPr>
+            <a:endParaRPr lang="pt-BR" dirty="0">
+              <a:latin typeface="Segoe UI" panose="020B0502040204020203" pitchFamily="34" charset="0"/>
+              <a:cs typeface="Segoe UI" panose="020B0502040204020203" pitchFamily="34" charset="0"/>
+            </a:endParaRPr>
+          </a:p>
+          <a:p>
+            <a:pPr marL="285750" indent="-285750">
+              <a:buFont typeface="Arial" panose="020B0604020202020204" pitchFamily="34" charset="0"/>
+              <a:buChar char="•"/>
+            </a:pPr>
+            <a:r>
+              <a:rPr lang="pt-BR" dirty="0">
+                <a:latin typeface="Segoe UI" panose="020B0502040204020203" pitchFamily="34" charset="0"/>
+                <a:cs typeface="Segoe UI" panose="020B0502040204020203" pitchFamily="34" charset="0"/>
+              </a:rPr>
+              <a:t>Seu suporte foi encerrado em 2017 e foi substituído pelo Windows 10 mobile, mas que infelizmente não teve apoio dos desenvolvedores, não possuindo tantos aplicativos quanto seus rivais.</a:t>
+            </a:r>
+          </a:p>
+          <a:p>
+            <a:pPr marL="285750" indent="-285750">
+              <a:buFont typeface="Arial" panose="020B0604020202020204" pitchFamily="34" charset="0"/>
+              <a:buChar char="•"/>
+            </a:pPr>
+            <a:endParaRPr lang="pt-BR" dirty="0">
+              <a:latin typeface="Segoe UI" panose="020B0502040204020203" pitchFamily="34" charset="0"/>
+              <a:cs typeface="Segoe UI" panose="020B0502040204020203" pitchFamily="34" charset="0"/>
+            </a:endParaRPr>
           </a:p>
         </p:txBody>
       </p:sp>
     </p:spTree>
     <p:extLst>
       <p:ext uri="{BB962C8B-B14F-4D97-AF65-F5344CB8AC3E}">
-        <p14:creationId xmlns:p14="http://schemas.microsoft.com/office/powerpoint/2010/main" val="2124073187"/>
+        <p14:creationId xmlns:p14="http://schemas.microsoft.com/office/powerpoint/2010/main" val="1234618911"/>
       </p:ext>
     </p:extLst>
   </p:cSld>
@@ -7287,7 +7134,7 @@
           <p:cNvPr id="2" name="Título 1">
             <a:extLst>
               <a:ext uri="{FF2B5EF4-FFF2-40B4-BE49-F238E27FC236}">
-                <a16:creationId xmlns:a16="http://schemas.microsoft.com/office/drawing/2014/main" id="{7C004CA9-2C46-43BE-8B5C-8073497D8458}"/>
+                <a16:creationId xmlns:a16="http://schemas.microsoft.com/office/drawing/2014/main" id="{219CF138-001C-42C1-9C56-4D28A9C0718F}"/>
               </a:ext>
             </a:extLst>
           </p:cNvPr>
@@ -7300,19 +7147,17 @@
         </p:nvSpPr>
         <p:spPr>
           <a:xfrm>
-            <a:off x="677334" y="609600"/>
-            <a:ext cx="8324776" cy="1320800"/>
+            <a:off x="478302" y="484632"/>
+            <a:ext cx="11521440" cy="1006543"/>
           </a:xfrm>
         </p:spPr>
         <p:txBody>
-          <a:bodyPr>
-            <a:normAutofit/>
-          </a:bodyPr>
+          <a:bodyPr/>
           <a:lstStyle/>
           <a:p>
             <a:r>
               <a:rPr lang="pt-BR" dirty="0"/>
-              <a:t>Pilares</a:t>
+              <a:t>Como são os aplicativos atualmente?</a:t>
             </a:r>
           </a:p>
         </p:txBody>
@@ -7322,7 +7167,7 @@
           <p:cNvPr id="3" name="Espaço Reservado para Conteúdo 2">
             <a:extLst>
               <a:ext uri="{FF2B5EF4-FFF2-40B4-BE49-F238E27FC236}">
-                <a16:creationId xmlns:a16="http://schemas.microsoft.com/office/drawing/2014/main" id="{89E0BFDC-6745-4981-8B6A-0B22A47108C8}"/>
+                <a16:creationId xmlns:a16="http://schemas.microsoft.com/office/drawing/2014/main" id="{B70C8B0E-7B18-4790-BC25-C14CEF147824}"/>
               </a:ext>
             </a:extLst>
           </p:cNvPr>
@@ -7333,34 +7178,153 @@
             <p:ph idx="1"/>
           </p:nvPr>
         </p:nvSpPr>
-        <p:spPr/>
+        <p:spPr>
+          <a:xfrm>
+            <a:off x="1069848" y="1491175"/>
+            <a:ext cx="10058400" cy="1937825"/>
+          </a:xfrm>
+        </p:spPr>
         <p:txBody>
           <a:bodyPr/>
           <a:lstStyle/>
           <a:p>
             <a:r>
-              <a:rPr lang="pt-BR" dirty="0"/>
-              <a:t>Confiável</a:t>
-            </a:r>
-          </a:p>
-          <a:p>
-            <a:r>
-              <a:rPr lang="pt-BR" dirty="0"/>
-              <a:t>Rápido</a:t>
-            </a:r>
-          </a:p>
-          <a:p>
-            <a:r>
-              <a:rPr lang="pt-BR" dirty="0"/>
-              <a:t>Atraente</a:t>
-            </a:r>
-          </a:p>
-        </p:txBody>
-      </p:sp>
+              <a:rPr lang="pt-BR" dirty="0">
+                <a:latin typeface="Segoe UI" panose="020B0502040204020203" pitchFamily="34" charset="0"/>
+                <a:cs typeface="Segoe UI" panose="020B0502040204020203" pitchFamily="34" charset="0"/>
+              </a:rPr>
+              <a:t>Hoje em dia é fácil localizar um app dentro de uma loja, vamos exemplificar com a </a:t>
+            </a:r>
+            <a:r>
+              <a:rPr lang="pt-BR" b="1" i="1" dirty="0">
+                <a:latin typeface="Segoe UI" panose="020B0502040204020203" pitchFamily="34" charset="0"/>
+                <a:cs typeface="Segoe UI" panose="020B0502040204020203" pitchFamily="34" charset="0"/>
+              </a:rPr>
+              <a:t>Google Play </a:t>
+            </a:r>
+            <a:r>
+              <a:rPr lang="pt-BR" b="1" i="1" dirty="0" err="1">
+                <a:latin typeface="Segoe UI" panose="020B0502040204020203" pitchFamily="34" charset="0"/>
+                <a:cs typeface="Segoe UI" panose="020B0502040204020203" pitchFamily="34" charset="0"/>
+              </a:rPr>
+              <a:t>Store</a:t>
+            </a:r>
+            <a:r>
+              <a:rPr lang="pt-BR" b="1" i="1" dirty="0">
+                <a:latin typeface="Segoe UI" panose="020B0502040204020203" pitchFamily="34" charset="0"/>
+                <a:cs typeface="Segoe UI" panose="020B0502040204020203" pitchFamily="34" charset="0"/>
+              </a:rPr>
+              <a:t>. </a:t>
+            </a:r>
+            <a:r>
+              <a:rPr lang="pt-BR" dirty="0">
+                <a:latin typeface="Segoe UI" panose="020B0502040204020203" pitchFamily="34" charset="0"/>
+                <a:cs typeface="Segoe UI" panose="020B0502040204020203" pitchFamily="34" charset="0"/>
+              </a:rPr>
+              <a:t>Você pesquisa por </a:t>
+            </a:r>
+            <a:r>
+              <a:rPr lang="pt-BR" b="1" i="1" dirty="0" err="1">
+                <a:latin typeface="Segoe UI" panose="020B0502040204020203" pitchFamily="34" charset="0"/>
+                <a:cs typeface="Segoe UI" panose="020B0502040204020203" pitchFamily="34" charset="0"/>
+              </a:rPr>
+              <a:t>Whatsapp</a:t>
+            </a:r>
+            <a:r>
+              <a:rPr lang="pt-BR" dirty="0">
+                <a:latin typeface="Segoe UI" panose="020B0502040204020203" pitchFamily="34" charset="0"/>
+                <a:cs typeface="Segoe UI" panose="020B0502040204020203" pitchFamily="34" charset="0"/>
+              </a:rPr>
+              <a:t>, verifica os requisitos como versão do Android, espaço de armazenamento, permissões e etc...</a:t>
+            </a:r>
+          </a:p>
+          <a:p>
+            <a:r>
+              <a:rPr lang="pt-BR" dirty="0">
+                <a:latin typeface="Segoe UI" panose="020B0502040204020203" pitchFamily="34" charset="0"/>
+                <a:cs typeface="Segoe UI" panose="020B0502040204020203" pitchFamily="34" charset="0"/>
+              </a:rPr>
+              <a:t>Clica em instalar, sendo assim, é verificado se você está </a:t>
+            </a:r>
+            <a:r>
+              <a:rPr lang="pt-BR" dirty="0" err="1">
+                <a:latin typeface="Segoe UI" panose="020B0502040204020203" pitchFamily="34" charset="0"/>
+                <a:cs typeface="Segoe UI" panose="020B0502040204020203" pitchFamily="34" charset="0"/>
+              </a:rPr>
+              <a:t>logado</a:t>
+            </a:r>
+            <a:r>
+              <a:rPr lang="pt-BR" dirty="0">
+                <a:latin typeface="Segoe UI" panose="020B0502040204020203" pitchFamily="34" charset="0"/>
+                <a:cs typeface="Segoe UI" panose="020B0502040204020203" pitchFamily="34" charset="0"/>
+              </a:rPr>
+              <a:t>, começa a ser feito o download do </a:t>
+            </a:r>
+            <a:r>
+              <a:rPr lang="pt-BR" b="1" i="1" dirty="0">
+                <a:latin typeface="Segoe UI" panose="020B0502040204020203" pitchFamily="34" charset="0"/>
+                <a:cs typeface="Segoe UI" panose="020B0502040204020203" pitchFamily="34" charset="0"/>
+              </a:rPr>
+              <a:t>.</a:t>
+            </a:r>
+            <a:r>
+              <a:rPr lang="pt-BR" b="1" i="1" dirty="0" err="1">
+                <a:latin typeface="Segoe UI" panose="020B0502040204020203" pitchFamily="34" charset="0"/>
+                <a:cs typeface="Segoe UI" panose="020B0502040204020203" pitchFamily="34" charset="0"/>
+              </a:rPr>
+              <a:t>apk</a:t>
+            </a:r>
+            <a:r>
+              <a:rPr lang="pt-BR" b="1" i="1" dirty="0">
+                <a:latin typeface="Segoe UI" panose="020B0502040204020203" pitchFamily="34" charset="0"/>
+                <a:cs typeface="Segoe UI" panose="020B0502040204020203" pitchFamily="34" charset="0"/>
+              </a:rPr>
+              <a:t> </a:t>
+            </a:r>
+            <a:r>
+              <a:rPr lang="pt-BR" dirty="0">
+                <a:latin typeface="Segoe UI" panose="020B0502040204020203" pitchFamily="34" charset="0"/>
+                <a:cs typeface="Segoe UI" panose="020B0502040204020203" pitchFamily="34" charset="0"/>
+              </a:rPr>
+              <a:t>e em alguns minutos começa a ser instalado, confirma algumas permissões e só assim você poderá utilizar o app.</a:t>
+            </a:r>
+          </a:p>
+        </p:txBody>
+      </p:sp>
+      <p:pic>
+        <p:nvPicPr>
+          <p:cNvPr id="4" name="Imagem 3">
+            <a:extLst>
+              <a:ext uri="{FF2B5EF4-FFF2-40B4-BE49-F238E27FC236}">
+                <a16:creationId xmlns:a16="http://schemas.microsoft.com/office/drawing/2014/main" id="{65A36558-07B5-44A8-991C-5DD126995422}"/>
+              </a:ext>
+            </a:extLst>
+          </p:cNvPr>
+          <p:cNvPicPr>
+            <a:picLocks noChangeAspect="1"/>
+          </p:cNvPicPr>
+          <p:nvPr/>
+        </p:nvPicPr>
+        <p:blipFill>
+          <a:blip r:embed="rId2"/>
+          <a:stretch>
+            <a:fillRect/>
+          </a:stretch>
+        </p:blipFill>
+        <p:spPr>
+          <a:xfrm>
+            <a:off x="1828800" y="3804615"/>
+            <a:ext cx="8061959" cy="2765700"/>
+          </a:xfrm>
+          <a:prstGeom prst="rect">
+            <a:avLst/>
+          </a:prstGeom>
+        </p:spPr>
+      </p:pic>
     </p:spTree>
     <p:extLst>
       <p:ext uri="{BB962C8B-B14F-4D97-AF65-F5344CB8AC3E}">
-        <p14:creationId xmlns:p14="http://schemas.microsoft.com/office/powerpoint/2010/main" val="3233369574"/>
+        <p14:creationId xmlns:p14="http://schemas.microsoft.com/office/powerpoint/2010/main" val="3785985622"/>
       </p:ext>
     </p:extLst>
   </p:cSld>
@@ -7392,7 +7356,7 @@
           <p:cNvPr id="2" name="Título 1">
             <a:extLst>
               <a:ext uri="{FF2B5EF4-FFF2-40B4-BE49-F238E27FC236}">
-                <a16:creationId xmlns:a16="http://schemas.microsoft.com/office/drawing/2014/main" id="{7C004CA9-2C46-43BE-8B5C-8073497D8458}"/>
+                <a16:creationId xmlns:a16="http://schemas.microsoft.com/office/drawing/2014/main" id="{B19728D3-1460-42D2-8D6D-FA0A3611E6CA}"/>
               </a:ext>
             </a:extLst>
           </p:cNvPr>
@@ -7403,21 +7367,22 @@
             <p:ph type="title"/>
           </p:nvPr>
         </p:nvSpPr>
-        <p:spPr>
-          <a:xfrm>
-            <a:off x="677334" y="609600"/>
-            <a:ext cx="8324776" cy="1320800"/>
-          </a:xfrm>
-        </p:spPr>
-        <p:txBody>
-          <a:bodyPr>
-            <a:normAutofit fontScale="90000"/>
-          </a:bodyPr>
+        <p:spPr/>
+        <p:txBody>
+          <a:bodyPr/>
           <a:lstStyle/>
           <a:p>
             <a:r>
               <a:rPr lang="pt-BR" dirty="0"/>
-              <a:t>Comparativo entre as tecnologias atuais</a:t>
+              <a:t>Não é a mesma coisa que o </a:t>
+            </a:r>
+            <a:r>
+              <a:rPr lang="pt-BR" dirty="0" err="1"/>
+              <a:t>Cordova</a:t>
+            </a:r>
+            <a:r>
+              <a:rPr lang="pt-BR" dirty="0"/>
+              <a:t>?</a:t>
             </a:r>
           </a:p>
         </p:txBody>
@@ -7427,7 +7392,7 @@
           <p:cNvPr id="3" name="Espaço Reservado para Conteúdo 2">
             <a:extLst>
               <a:ext uri="{FF2B5EF4-FFF2-40B4-BE49-F238E27FC236}">
-                <a16:creationId xmlns:a16="http://schemas.microsoft.com/office/drawing/2014/main" id="{89E0BFDC-6745-4981-8B6A-0B22A47108C8}"/>
+                <a16:creationId xmlns:a16="http://schemas.microsoft.com/office/drawing/2014/main" id="{14E8FBFC-2E5D-4C2F-8C5C-DBC1E5328FCE}"/>
               </a:ext>
             </a:extLst>
           </p:cNvPr>
@@ -7443,14 +7408,77 @@
           <a:bodyPr/>
           <a:lstStyle/>
           <a:p>
-            <a:endParaRPr lang="pt-BR" dirty="0"/>
+            <a:r>
+              <a:rPr lang="pt-BR" dirty="0">
+                <a:latin typeface="Segoe UI" panose="020B0502040204020203" pitchFamily="34" charset="0"/>
+                <a:cs typeface="Segoe UI" panose="020B0502040204020203" pitchFamily="34" charset="0"/>
+              </a:rPr>
+              <a:t>Ué, se isso é </a:t>
+            </a:r>
+            <a:r>
+              <a:rPr lang="pt-BR" dirty="0" err="1">
+                <a:latin typeface="Segoe UI" panose="020B0502040204020203" pitchFamily="34" charset="0"/>
+                <a:cs typeface="Segoe UI" panose="020B0502040204020203" pitchFamily="34" charset="0"/>
+              </a:rPr>
+              <a:t>html</a:t>
+            </a:r>
+            <a:r>
+              <a:rPr lang="pt-BR" dirty="0">
+                <a:latin typeface="Segoe UI" panose="020B0502040204020203" pitchFamily="34" charset="0"/>
+                <a:cs typeface="Segoe UI" panose="020B0502040204020203" pitchFamily="34" charset="0"/>
+              </a:rPr>
+              <a:t> + </a:t>
+            </a:r>
+            <a:r>
+              <a:rPr lang="pt-BR" dirty="0" err="1">
+                <a:latin typeface="Segoe UI" panose="020B0502040204020203" pitchFamily="34" charset="0"/>
+                <a:cs typeface="Segoe UI" panose="020B0502040204020203" pitchFamily="34" charset="0"/>
+              </a:rPr>
+              <a:t>javascript</a:t>
+            </a:r>
+            <a:r>
+              <a:rPr lang="pt-BR" dirty="0">
+                <a:latin typeface="Segoe UI" panose="020B0502040204020203" pitchFamily="34" charset="0"/>
+                <a:cs typeface="Segoe UI" panose="020B0502040204020203" pitchFamily="34" charset="0"/>
+              </a:rPr>
+              <a:t> não dá na mesma?</a:t>
+            </a:r>
+          </a:p>
+          <a:p>
+            <a:endParaRPr lang="pt-BR" dirty="0">
+              <a:latin typeface="Segoe UI" panose="020B0502040204020203" pitchFamily="34" charset="0"/>
+              <a:cs typeface="Segoe UI" panose="020B0502040204020203" pitchFamily="34" charset="0"/>
+            </a:endParaRPr>
+          </a:p>
+          <a:p>
+            <a:r>
+              <a:rPr lang="pt-BR" dirty="0">
+                <a:latin typeface="Segoe UI" panose="020B0502040204020203" pitchFamily="34" charset="0"/>
+                <a:cs typeface="Segoe UI" panose="020B0502040204020203" pitchFamily="34" charset="0"/>
+              </a:rPr>
+              <a:t>De jeito nenhum, o </a:t>
+            </a:r>
+            <a:r>
+              <a:rPr lang="pt-BR" b="1" i="1" dirty="0" err="1">
+                <a:latin typeface="Segoe UI" panose="020B0502040204020203" pitchFamily="34" charset="0"/>
+                <a:cs typeface="Segoe UI" panose="020B0502040204020203" pitchFamily="34" charset="0"/>
+              </a:rPr>
+              <a:t>cordova</a:t>
+            </a:r>
+            <a:r>
+              <a:rPr lang="pt-BR" dirty="0">
+                <a:latin typeface="Segoe UI" panose="020B0502040204020203" pitchFamily="34" charset="0"/>
+                <a:cs typeface="Segoe UI" panose="020B0502040204020203" pitchFamily="34" charset="0"/>
+              </a:rPr>
+              <a:t> trabalha utilizando um container de HTML</a:t>
+            </a:r>
           </a:p>
         </p:txBody>
       </p:sp>
     </p:spTree>
     <p:extLst>
       <p:ext uri="{BB962C8B-B14F-4D97-AF65-F5344CB8AC3E}">
-        <p14:creationId xmlns:p14="http://schemas.microsoft.com/office/powerpoint/2010/main" val="1202595525"/>
+        <p14:creationId xmlns:p14="http://schemas.microsoft.com/office/powerpoint/2010/main" val="1097559854"/>
       </p:ext>
     </p:extLst>
   </p:cSld>
@@ -7471,54 +7499,52 @@
         <a:sysClr val="window" lastClr="FFFFFF"/>
       </a:lt1>
       <a:dk2>
-        <a:srgbClr val="696464"/>
+        <a:srgbClr val="84ACB6"/>
       </a:dk2>
       <a:lt2>
-        <a:srgbClr val="E9E5DC"/>
+        <a:srgbClr val="EBE9DD"/>
       </a:lt2>
       <a:accent1>
-        <a:srgbClr val="D34817"/>
+        <a:srgbClr val="6F8183"/>
       </a:accent1>
       <a:accent2>
-        <a:srgbClr val="9B2D1F"/>
+        <a:srgbClr val="967E96"/>
       </a:accent2>
       <a:accent3>
-        <a:srgbClr val="A28E6A"/>
+        <a:srgbClr val="CCC893"/>
       </a:accent3>
       <a:accent4>
-        <a:srgbClr val="956251"/>
+        <a:srgbClr val="A54D74"/>
       </a:accent4>
       <a:accent5>
-        <a:srgbClr val="918485"/>
+        <a:srgbClr val="949C6B"/>
       </a:accent5>
       <a:accent6>
-        <a:srgbClr val="855D5D"/>
+        <a:srgbClr val="766A50"/>
       </a:accent6>
       <a:hlink>
-        <a:srgbClr val="CC9900"/>
+        <a:srgbClr val="CC6600"/>
       </a:hlink>
       <a:folHlink>
-        <a:srgbClr val="96A9A9"/>
+        <a:srgbClr val="777777"/>
       </a:folHlink>
     </a:clrScheme>
     <a:fontScheme name="Tipo de Madeira">
       <a:majorFont>
-        <a:latin typeface="Rockwell Condensed" panose="02060603050405020104"/>
+        <a:latin typeface="Century Gothic" panose="020B0502020202020204"/>
         <a:ea typeface=""/>
         <a:cs typeface=""/>
-        <a:font script="Grek" typeface="Cambria"/>
-        <a:font script="Cyrl" typeface="Cambria"/>
-        <a:font script="Jpan" typeface="HG明朝B"/>
-        <a:font script="Hang" typeface="바탕"/>
-        <a:font script="Hans" typeface="方正姚体"/>
+        <a:font script="Jpan" typeface="HGｺﾞｼｯｸM"/>
+        <a:font script="Hang" typeface="HY중고딕"/>
+        <a:font script="Hans" typeface="幼圆"/>
         <a:font script="Hant" typeface="微軟正黑體"/>
-        <a:font script="Arab" typeface="Times New Roman"/>
-        <a:font script="Hebr" typeface="David"/>
-        <a:font script="Thai" typeface="JasmineUPC"/>
+        <a:font script="Arab" typeface="Tahoma"/>
+        <a:font script="Hebr" typeface="Gisha"/>
+        <a:font script="Thai" typeface="DilleniaUPC"/>
         <a:font script="Ethi" typeface="Nyala"/>
         <a:font script="Beng" typeface="Vrinda"/>
         <a:font script="Gujr" typeface="Shruti"/>
-        <a:font script="Khmr" typeface="MoolBoran"/>
+        <a:font script="Khmr" typeface="DaunPenh"/>
         <a:font script="Knda" typeface="Tunga"/>
         <a:font script="Guru" typeface="Raavi"/>
         <a:font script="Cans" typeface="Euphemia"/>
@@ -7535,22 +7561,22 @@
         <a:font script="Laoo" typeface="DokChampa"/>
         <a:font script="Sinh" typeface="Iskoola Pota"/>
         <a:font script="Mong" typeface="Mongolian Baiti"/>
-        <a:font script="Viet" typeface="Arial"/>
+        <a:font script="Viet" typeface="Tahoma"/>
         <a:font script="Uigh" typeface="Microsoft Uighur"/>
       </a:majorFont>
       <a:minorFont>
-        <a:latin typeface="Rockwell" panose="02060603020205020403"/>
+        <a:latin typeface="Bookman Old Style" panose="02050604050505020204"/>
         <a:ea typeface=""/>
         <a:cs typeface=""/>
         <a:font script="Grek" typeface="Cambria"/>
         <a:font script="Cyrl" typeface="Cambria"/>
-        <a:font script="Jpan" typeface="HG明朝B"/>
-        <a:font script="Hang" typeface="바탕"/>
-        <a:font script="Hans" typeface="方正姚体"/>
+        <a:font script="Jpan" typeface="HG明朝E"/>
+        <a:font script="Hang" typeface="돋움"/>
+        <a:font script="Hans" typeface="宋体"/>
         <a:font script="Hant" typeface="標楷體"/>
         <a:font script="Arab" typeface="Times New Roman"/>
-        <a:font script="Hebr" typeface="David"/>
-        <a:font script="Thai" typeface="JasmineUPC"/>
+        <a:font script="Hebr" typeface="Times New Roman"/>
+        <a:font script="Thai" typeface="Browallia New"/>
         <a:font script="Ethi" typeface="Nyala"/>
         <a:font script="Beng" typeface="Vrinda"/>
         <a:font script="Gujr" typeface="Shruti"/>
@@ -7683,7 +7709,302 @@
   <a:extraClrSchemeLst/>
   <a:extLst>
     <a:ext uri="{05A4C25C-085E-4340-85A3-A5531E510DB2}">
-      <thm15:themeFamily xmlns:thm15="http://schemas.microsoft.com/office/thememl/2012/main" name="Wood Type" id="{7ACABC62-BF99-48CF-A9DC-4DB89C7B13DC}" vid="{142A1326-48AB-42A9-8428-CB14AA30176D}"/>
+      <thm15:themeFamily xmlns:thm15="http://schemas.microsoft.com/office/thememl/2012/main" name="Wood Type" id="{7ACABC62-BF99-48CF-A9DC-4DB89C7B13DC}" vid="{8E89CD47-BF55-4DDE-B823-2283AA7E7695}"/>
+    </a:ext>
+  </a:extLst>
+</a:theme>
+</file>
+
+<file path=ppt/theme/theme2.xml><?xml version="1.0" encoding="utf-8"?>
+<a:theme xmlns:a="http://schemas.openxmlformats.org/drawingml/2006/main" name="Tema do Office">
+  <a:themeElements>
+    <a:clrScheme name="Office">
+      <a:dk1>
+        <a:sysClr val="windowText" lastClr="000000"/>
+      </a:dk1>
+      <a:lt1>
+        <a:sysClr val="window" lastClr="FFFFFF"/>
+      </a:lt1>
+      <a:dk2>
+        <a:srgbClr val="44546A"/>
+      </a:dk2>
+      <a:lt2>
+        <a:srgbClr val="E7E6E6"/>
+      </a:lt2>
+      <a:accent1>
+        <a:srgbClr val="4472C4"/>
+      </a:accent1>
+      <a:accent2>
+        <a:srgbClr val="ED7D31"/>
+      </a:accent2>
+      <a:accent3>
+        <a:srgbClr val="A5A5A5"/>
+      </a:accent3>
+      <a:accent4>
+        <a:srgbClr val="FFC000"/>
+      </a:accent4>
+      <a:accent5>
+        <a:srgbClr val="5B9BD5"/>
+      </a:accent5>
+      <a:accent6>
+        <a:srgbClr val="70AD47"/>
+      </a:accent6>
+      <a:hlink>
+        <a:srgbClr val="0563C1"/>
+      </a:hlink>
+      <a:folHlink>
+        <a:srgbClr val="954F72"/>
+      </a:folHlink>
+    </a:clrScheme>
+    <a:fontScheme name="Office">
+      <a:majorFont>
+        <a:latin typeface="Calibri Light" panose="020F0302020204030204"/>
+        <a:ea typeface=""/>
+        <a:cs typeface=""/>
+        <a:font script="Jpan" typeface="游ゴシック Light"/>
+        <a:font script="Hang" typeface="맑은 고딕"/>
+        <a:font script="Hans" typeface="等线 Light"/>
+        <a:font script="Hant" typeface="新細明體"/>
+        <a:font script="Arab" typeface="Times New Roman"/>
+        <a:font script="Hebr" typeface="Times New Roman"/>
+        <a:font script="Thai" typeface="Angsana New"/>
+        <a:font script="Ethi" typeface="Nyala"/>
+        <a:font script="Beng" typeface="Vrinda"/>
+        <a:font script="Gujr" typeface="Shruti"/>
+        <a:font script="Khmr" typeface="MoolBoran"/>
+        <a:font script="Knda" typeface="Tunga"/>
+        <a:font script="Guru" typeface="Raavi"/>
+        <a:font script="Cans" typeface="Euphemia"/>
+        <a:font script="Cher" typeface="Plantagenet Cherokee"/>
+        <a:font script="Yiii" typeface="Microsoft Yi Baiti"/>
+        <a:font script="Tibt" typeface="Microsoft Himalaya"/>
+        <a:font script="Thaa" typeface="MV Boli"/>
+        <a:font script="Deva" typeface="Mangal"/>
+        <a:font script="Telu" typeface="Gautami"/>
+        <a:font script="Taml" typeface="Latha"/>
+        <a:font script="Syrc" typeface="Estrangelo Edessa"/>
+        <a:font script="Orya" typeface="Kalinga"/>
+        <a:font script="Mlym" typeface="Kartika"/>
+        <a:font script="Laoo" typeface="DokChampa"/>
+        <a:font script="Sinh" typeface="Iskoola Pota"/>
+        <a:font script="Mong" typeface="Mongolian Baiti"/>
+        <a:font script="Viet" typeface="Times New Roman"/>
+        <a:font script="Uigh" typeface="Microsoft Uighur"/>
+        <a:font script="Geor" typeface="Sylfaen"/>
+        <a:font script="Armn" typeface="Arial"/>
+        <a:font script="Bugi" typeface="Leelawadee UI"/>
+        <a:font script="Bopo" typeface="Microsoft JhengHei"/>
+        <a:font script="Java" typeface="Javanese Text"/>
+        <a:font script="Lisu" typeface="Segoe UI"/>
+        <a:font script="Mymr" typeface="Myanmar Text"/>
+        <a:font script="Nkoo" typeface="Ebrima"/>
+        <a:font script="Olck" typeface="Nirmala UI"/>
+        <a:font script="Osma" typeface="Ebrima"/>
+        <a:font script="Phag" typeface="Phagspa"/>
+        <a:font script="Syrn" typeface="Estrangelo Edessa"/>
+        <a:font script="Syrj" typeface="Estrangelo Edessa"/>
+        <a:font script="Syre" typeface="Estrangelo Edessa"/>
+        <a:font script="Sora" typeface="Nirmala UI"/>
+        <a:font script="Tale" typeface="Microsoft Tai Le"/>
+        <a:font script="Talu" typeface="Microsoft New Tai Lue"/>
+        <a:font script="Tfng" typeface="Ebrima"/>
+      </a:majorFont>
+      <a:minorFont>
+        <a:latin typeface="Calibri" panose="020F0502020204030204"/>
+        <a:ea typeface=""/>
+        <a:cs typeface=""/>
+        <a:font script="Jpan" typeface="游ゴシック"/>
+        <a:font script="Hang" typeface="맑은 고딕"/>
+        <a:font script="Hans" typeface="等线"/>
+        <a:font script="Hant" typeface="新細明體"/>
+        <a:font script="Arab" typeface="Arial"/>
+        <a:font script="Hebr" typeface="Arial"/>
+        <a:font script="Thai" typeface="Cordia New"/>
+        <a:font script="Ethi" typeface="Nyala"/>
+        <a:font script="Beng" typeface="Vrinda"/>
+        <a:font script="Gujr" typeface="Shruti"/>
+        <a:font script="Khmr" typeface="DaunPenh"/>
+        <a:font script="Knda" typeface="Tunga"/>
+        <a:font script="Guru" typeface="Raavi"/>
+        <a:font script="Cans" typeface="Euphemia"/>
+        <a:font script="Cher" typeface="Plantagenet Cherokee"/>
+        <a:font script="Yiii" typeface="Microsoft Yi Baiti"/>
+        <a:font script="Tibt" typeface="Microsoft Himalaya"/>
+        <a:font script="Thaa" typeface="MV Boli"/>
+        <a:font script="Deva" typeface="Mangal"/>
+        <a:font script="Telu" typeface="Gautami"/>
+        <a:font script="Taml" typeface="Latha"/>
+        <a:font script="Syrc" typeface="Estrangelo Edessa"/>
+        <a:font script="Orya" typeface="Kalinga"/>
+        <a:font script="Mlym" typeface="Kartika"/>
+        <a:font script="Laoo" typeface="DokChampa"/>
+        <a:font script="Sinh" typeface="Iskoola Pota"/>
+        <a:font script="Mong" typeface="Mongolian Baiti"/>
+        <a:font script="Viet" typeface="Arial"/>
+        <a:font script="Uigh" typeface="Microsoft Uighur"/>
+        <a:font script="Geor" typeface="Sylfaen"/>
+        <a:font script="Armn" typeface="Arial"/>
+        <a:font script="Bugi" typeface="Leelawadee UI"/>
+        <a:font script="Bopo" typeface="Microsoft JhengHei"/>
+        <a:font script="Java" typeface="Javanese Text"/>
+        <a:font script="Lisu" typeface="Segoe UI"/>
+        <a:font script="Mymr" typeface="Myanmar Text"/>
+        <a:font script="Nkoo" typeface="Ebrima"/>
+        <a:font script="Olck" typeface="Nirmala UI"/>
+        <a:font script="Osma" typeface="Ebrima"/>
+        <a:font script="Phag" typeface="Phagspa"/>
+        <a:font script="Syrn" typeface="Estrangelo Edessa"/>
+        <a:font script="Syrj" typeface="Estrangelo Edessa"/>
+        <a:font script="Syre" typeface="Estrangelo Edessa"/>
+        <a:font script="Sora" typeface="Nirmala UI"/>
+        <a:font script="Tale" typeface="Microsoft Tai Le"/>
+        <a:font script="Talu" typeface="Microsoft New Tai Lue"/>
+        <a:font script="Tfng" typeface="Ebrima"/>
+      </a:minorFont>
+    </a:fontScheme>
+    <a:fmtScheme name="Office">
+      <a:fillStyleLst>
+        <a:solidFill>
+          <a:schemeClr val="phClr"/>
+        </a:solidFill>
+        <a:gradFill rotWithShape="1">
+          <a:gsLst>
+            <a:gs pos="0">
+              <a:schemeClr val="phClr">
+                <a:lumMod val="110000"/>
+                <a:satMod val="105000"/>
+                <a:tint val="67000"/>
+              </a:schemeClr>
+            </a:gs>
+            <a:gs pos="50000">
+              <a:schemeClr val="phClr">
+                <a:lumMod val="105000"/>
+                <a:satMod val="103000"/>
+                <a:tint val="73000"/>
+              </a:schemeClr>
+            </a:gs>
+            <a:gs pos="100000">
+              <a:schemeClr val="phClr">
+                <a:lumMod val="105000"/>
+                <a:satMod val="109000"/>
+                <a:tint val="81000"/>
+              </a:schemeClr>
+            </a:gs>
+          </a:gsLst>
+          <a:lin ang="5400000" scaled="0"/>
+        </a:gradFill>
+        <a:gradFill rotWithShape="1">
+          <a:gsLst>
+            <a:gs pos="0">
+              <a:schemeClr val="phClr">
+                <a:satMod val="103000"/>
+                <a:lumMod val="102000"/>
+                <a:tint val="94000"/>
+              </a:schemeClr>
+            </a:gs>
+            <a:gs pos="50000">
+              <a:schemeClr val="phClr">
+                <a:satMod val="110000"/>
+                <a:lumMod val="100000"/>
+                <a:shade val="100000"/>
+              </a:schemeClr>
+            </a:gs>
+            <a:gs pos="100000">
+              <a:schemeClr val="phClr">
+                <a:lumMod val="99000"/>
+                <a:satMod val="120000"/>
+                <a:shade val="78000"/>
+              </a:schemeClr>
+            </a:gs>
+          </a:gsLst>
+          <a:lin ang="5400000" scaled="0"/>
+        </a:gradFill>
+      </a:fillStyleLst>
+      <a:lnStyleLst>
+        <a:ln w="6350" cap="flat" cmpd="sng" algn="ctr">
+          <a:solidFill>
+            <a:schemeClr val="phClr"/>
+          </a:solidFill>
+          <a:prstDash val="solid"/>
+          <a:miter lim="800000"/>
+        </a:ln>
+        <a:ln w="12700" cap="flat" cmpd="sng" algn="ctr">
+          <a:solidFill>
+            <a:schemeClr val="phClr"/>
+          </a:solidFill>
+          <a:prstDash val="solid"/>
+          <a:miter lim="800000"/>
+        </a:ln>
+        <a:ln w="19050" cap="flat" cmpd="sng" algn="ctr">
+          <a:solidFill>
+            <a:schemeClr val="phClr"/>
+          </a:solidFill>
+          <a:prstDash val="solid"/>
+          <a:miter lim="800000"/>
+        </a:ln>
+      </a:lnStyleLst>
+      <a:effectStyleLst>
+        <a:effectStyle>
+          <a:effectLst/>
+        </a:effectStyle>
+        <a:effectStyle>
+          <a:effectLst/>
+        </a:effectStyle>
+        <a:effectStyle>
+          <a:effectLst>
+            <a:outerShdw blurRad="57150" dist="19050" dir="5400000" algn="ctr" rotWithShape="0">
+              <a:srgbClr val="000000">
+                <a:alpha val="63000"/>
+              </a:srgbClr>
+            </a:outerShdw>
+          </a:effectLst>
+        </a:effectStyle>
+      </a:effectStyleLst>
+      <a:bgFillStyleLst>
+        <a:solidFill>
+          <a:schemeClr val="phClr"/>
+        </a:solidFill>
+        <a:solidFill>
+          <a:schemeClr val="phClr">
+            <a:tint val="95000"/>
+            <a:satMod val="170000"/>
+          </a:schemeClr>
+        </a:solidFill>
+        <a:gradFill rotWithShape="1">
+          <a:gsLst>
+            <a:gs pos="0">
+              <a:schemeClr val="phClr">
+                <a:tint val="93000"/>
+                <a:satMod val="150000"/>
+                <a:shade val="98000"/>
+                <a:lumMod val="102000"/>
+              </a:schemeClr>
+            </a:gs>
+            <a:gs pos="50000">
+              <a:schemeClr val="phClr">
+                <a:tint val="98000"/>
+                <a:satMod val="130000"/>
+                <a:shade val="90000"/>
+                <a:lumMod val="103000"/>
+              </a:schemeClr>
+            </a:gs>
+            <a:gs pos="100000">
+              <a:schemeClr val="phClr">
+                <a:shade val="63000"/>
+                <a:satMod val="120000"/>
+              </a:schemeClr>
+            </a:gs>
+          </a:gsLst>
+          <a:lin ang="5400000" scaled="0"/>
+        </a:gradFill>
+      </a:bgFillStyleLst>
+    </a:fmtScheme>
+  </a:themeElements>
+  <a:objectDefaults/>
+  <a:extraClrSchemeLst/>
+  <a:extLst>
+    <a:ext uri="{05A4C25C-085E-4340-85A3-A5531E510DB2}">
+      <thm15:themeFamily xmlns:thm15="http://schemas.microsoft.com/office/thememl/2012/main" name="Office Theme" id="{62F939B6-93AF-4DB8-9C6B-D6C7DFDC589F}" vid="{4A3C46E8-61CC-4603-A589-7422A47A8E4A}"/>
     </a:ext>
   </a:extLst>
 </a:theme>

--- a/apresentacao.pptx
+++ b/apresentacao.pptx
@@ -5,7 +5,7 @@
     <p:sldMasterId id="2147484056" r:id="rId1"/>
   </p:sldMasterIdLst>
   <p:notesMasterIdLst>
-    <p:notesMasterId r:id="rId18"/>
+    <p:notesMasterId r:id="rId20"/>
   </p:notesMasterIdLst>
   <p:sldIdLst>
     <p:sldId id="256" r:id="rId2"/>
@@ -17,13 +17,15 @@
     <p:sldId id="277" r:id="rId8"/>
     <p:sldId id="275" r:id="rId9"/>
     <p:sldId id="274" r:id="rId10"/>
-    <p:sldId id="263" r:id="rId11"/>
-    <p:sldId id="264" r:id="rId12"/>
-    <p:sldId id="265" r:id="rId13"/>
-    <p:sldId id="259" r:id="rId14"/>
-    <p:sldId id="260" r:id="rId15"/>
-    <p:sldId id="267" r:id="rId16"/>
-    <p:sldId id="266" r:id="rId17"/>
+    <p:sldId id="279" r:id="rId11"/>
+    <p:sldId id="278" r:id="rId12"/>
+    <p:sldId id="263" r:id="rId13"/>
+    <p:sldId id="264" r:id="rId14"/>
+    <p:sldId id="265" r:id="rId15"/>
+    <p:sldId id="259" r:id="rId16"/>
+    <p:sldId id="260" r:id="rId17"/>
+    <p:sldId id="267" r:id="rId18"/>
+    <p:sldId id="266" r:id="rId19"/>
   </p:sldIdLst>
   <p:sldSz cx="12192000" cy="6858000"/>
   <p:notesSz cx="6858000" cy="9144000"/>
@@ -4690,7 +4692,7 @@
           <p:cNvPr id="2" name="Título 1">
             <a:extLst>
               <a:ext uri="{FF2B5EF4-FFF2-40B4-BE49-F238E27FC236}">
-                <a16:creationId xmlns:a16="http://schemas.microsoft.com/office/drawing/2014/main" id="{7C004CA9-2C46-43BE-8B5C-8073497D8458}"/>
+                <a16:creationId xmlns:a16="http://schemas.microsoft.com/office/drawing/2014/main" id="{B19728D3-1460-42D2-8D6D-FA0A3611E6CA}"/>
               </a:ext>
             </a:extLst>
           </p:cNvPr>
@@ -4703,19 +4705,17 @@
         </p:nvSpPr>
         <p:spPr>
           <a:xfrm>
-            <a:off x="677334" y="609600"/>
-            <a:ext cx="8324776" cy="1320800"/>
+            <a:off x="801858" y="484632"/>
+            <a:ext cx="10326390" cy="1609344"/>
           </a:xfrm>
         </p:spPr>
         <p:txBody>
-          <a:bodyPr>
-            <a:normAutofit/>
-          </a:bodyPr>
+          <a:bodyPr/>
           <a:lstStyle/>
           <a:p>
             <a:r>
               <a:rPr lang="pt-BR" dirty="0"/>
-              <a:t>Sobre PWA</a:t>
+              <a:t>Os benefícios dos apps</a:t>
             </a:r>
           </a:p>
         </p:txBody>
@@ -4725,7 +4725,7 @@
           <p:cNvPr id="3" name="Espaço Reservado para Conteúdo 2">
             <a:extLst>
               <a:ext uri="{FF2B5EF4-FFF2-40B4-BE49-F238E27FC236}">
-                <a16:creationId xmlns:a16="http://schemas.microsoft.com/office/drawing/2014/main" id="{89E0BFDC-6745-4981-8B6A-0B22A47108C8}"/>
+                <a16:creationId xmlns:a16="http://schemas.microsoft.com/office/drawing/2014/main" id="{14E8FBFC-2E5D-4C2F-8C5C-DBC1E5328FCE}"/>
               </a:ext>
             </a:extLst>
           </p:cNvPr>
@@ -4736,70 +4736,51 @@
             <p:ph idx="1"/>
           </p:nvPr>
         </p:nvSpPr>
-        <p:spPr/>
-        <p:txBody>
-          <a:bodyPr>
-            <a:normAutofit/>
-          </a:bodyPr>
+        <p:spPr>
+          <a:xfrm>
+            <a:off x="1069848" y="2067951"/>
+            <a:ext cx="10058400" cy="4104249"/>
+          </a:xfrm>
+        </p:spPr>
+        <p:txBody>
+          <a:bodyPr/>
           <a:lstStyle/>
           <a:p>
             <a:r>
-              <a:rPr lang="pt-BR" sz="2800" dirty="0">
-                <a:latin typeface="Segoe UI" panose="020B0502040204020203" pitchFamily="34" charset="0"/>
-                <a:cs typeface="Segoe UI" panose="020B0502040204020203" pitchFamily="34" charset="0"/>
-              </a:rPr>
-              <a:t>Você já deve ter ouvido que </a:t>
-            </a:r>
-            <a:r>
-              <a:rPr lang="pt-BR" sz="2800" b="1" i="1" dirty="0">
-                <a:latin typeface="Segoe UI" panose="020B0502040204020203" pitchFamily="34" charset="0"/>
-                <a:cs typeface="Segoe UI" panose="020B0502040204020203" pitchFamily="34" charset="0"/>
-              </a:rPr>
-              <a:t>P.W.A</a:t>
-            </a:r>
-            <a:r>
-              <a:rPr lang="pt-BR" sz="2800" dirty="0">
-                <a:latin typeface="Segoe UI" panose="020B0502040204020203" pitchFamily="34" charset="0"/>
-                <a:cs typeface="Segoe UI" panose="020B0502040204020203" pitchFamily="34" charset="0"/>
-              </a:rPr>
-              <a:t>. será o futuro! Pois bem, mas você já refletiu como isso poderá refletir em nossas vidas?</a:t>
-            </a:r>
-          </a:p>
-          <a:p>
-            <a:endParaRPr lang="pt-BR" sz="2800" b="1" i="1" dirty="0">
+              <a:rPr lang="pt-BR" dirty="0">
+                <a:latin typeface="Segoe UI" panose="020B0502040204020203" pitchFamily="34" charset="0"/>
+                <a:cs typeface="Segoe UI" panose="020B0502040204020203" pitchFamily="34" charset="0"/>
+              </a:rPr>
+              <a:t>Os aplicativos nativos possuem inúmeras qualidades, além de performance, boa aparência, usabilidade.</a:t>
+            </a:r>
+          </a:p>
+          <a:p>
+            <a:endParaRPr lang="pt-BR" dirty="0">
               <a:latin typeface="Segoe UI" panose="020B0502040204020203" pitchFamily="34" charset="0"/>
               <a:cs typeface="Segoe UI" panose="020B0502040204020203" pitchFamily="34" charset="0"/>
             </a:endParaRPr>
           </a:p>
           <a:p>
             <a:r>
-              <a:rPr lang="pt-BR" sz="2800" b="1" i="1" dirty="0" err="1">
-                <a:latin typeface="Segoe UI" panose="020B0502040204020203" pitchFamily="34" charset="0"/>
-                <a:cs typeface="Segoe UI" panose="020B0502040204020203" pitchFamily="34" charset="0"/>
-              </a:rPr>
-              <a:t>Progressive</a:t>
-            </a:r>
-            <a:r>
-              <a:rPr lang="pt-BR" sz="2800" b="1" i="1" dirty="0">
-                <a:latin typeface="Segoe UI" panose="020B0502040204020203" pitchFamily="34" charset="0"/>
-                <a:cs typeface="Segoe UI" panose="020B0502040204020203" pitchFamily="34" charset="0"/>
-              </a:rPr>
-              <a:t> Web Apps </a:t>
-            </a:r>
-            <a:r>
-              <a:rPr lang="pt-BR" sz="2800" dirty="0">
-                <a:latin typeface="Segoe UI" panose="020B0502040204020203" pitchFamily="34" charset="0"/>
-                <a:cs typeface="Segoe UI" panose="020B0502040204020203" pitchFamily="34" charset="0"/>
-              </a:rPr>
-              <a:t>utiliza o que é de mais moderno na web para entregar uma experiência próxima de aplicativos.</a:t>
-            </a:r>
+              <a:rPr lang="pt-BR" dirty="0">
+                <a:latin typeface="Segoe UI" panose="020B0502040204020203" pitchFamily="34" charset="0"/>
+                <a:cs typeface="Segoe UI" panose="020B0502040204020203" pitchFamily="34" charset="0"/>
+              </a:rPr>
+              <a:t>Possuem grande documentação disponível em diversos idiomas.</a:t>
+            </a:r>
+          </a:p>
+          <a:p>
+            <a:endParaRPr lang="pt-BR" dirty="0">
+              <a:latin typeface="Segoe UI" panose="020B0502040204020203" pitchFamily="34" charset="0"/>
+              <a:cs typeface="Segoe UI" panose="020B0502040204020203" pitchFamily="34" charset="0"/>
+            </a:endParaRPr>
           </a:p>
         </p:txBody>
       </p:sp>
     </p:spTree>
     <p:extLst>
       <p:ext uri="{BB962C8B-B14F-4D97-AF65-F5344CB8AC3E}">
-        <p14:creationId xmlns:p14="http://schemas.microsoft.com/office/powerpoint/2010/main" val="2124073187"/>
+        <p14:creationId xmlns:p14="http://schemas.microsoft.com/office/powerpoint/2010/main" val="1337193757"/>
       </p:ext>
     </p:extLst>
   </p:cSld>
@@ -4831,7 +4812,7 @@
           <p:cNvPr id="2" name="Título 1">
             <a:extLst>
               <a:ext uri="{FF2B5EF4-FFF2-40B4-BE49-F238E27FC236}">
-                <a16:creationId xmlns:a16="http://schemas.microsoft.com/office/drawing/2014/main" id="{7C004CA9-2C46-43BE-8B5C-8073497D8458}"/>
+                <a16:creationId xmlns:a16="http://schemas.microsoft.com/office/drawing/2014/main" id="{B19728D3-1460-42D2-8D6D-FA0A3611E6CA}"/>
               </a:ext>
             </a:extLst>
           </p:cNvPr>
@@ -4842,21 +4823,22 @@
             <p:ph type="title"/>
           </p:nvPr>
         </p:nvSpPr>
-        <p:spPr>
-          <a:xfrm>
-            <a:off x="677334" y="609600"/>
-            <a:ext cx="8324776" cy="1320800"/>
-          </a:xfrm>
-        </p:spPr>
-        <p:txBody>
-          <a:bodyPr>
-            <a:normAutofit/>
-          </a:bodyPr>
+        <p:spPr/>
+        <p:txBody>
+          <a:bodyPr/>
           <a:lstStyle/>
           <a:p>
             <a:r>
               <a:rPr lang="pt-BR" dirty="0"/>
-              <a:t>Pilares</a:t>
+              <a:t>Não é a mesma coisa que o </a:t>
+            </a:r>
+            <a:r>
+              <a:rPr lang="pt-BR" dirty="0" err="1"/>
+              <a:t>Cordova</a:t>
+            </a:r>
+            <a:r>
+              <a:rPr lang="pt-BR" dirty="0"/>
+              <a:t>?</a:t>
             </a:r>
           </a:p>
         </p:txBody>
@@ -4866,7 +4848,7 @@
           <p:cNvPr id="3" name="Espaço Reservado para Conteúdo 2">
             <a:extLst>
               <a:ext uri="{FF2B5EF4-FFF2-40B4-BE49-F238E27FC236}">
-                <a16:creationId xmlns:a16="http://schemas.microsoft.com/office/drawing/2014/main" id="{89E0BFDC-6745-4981-8B6A-0B22A47108C8}"/>
+                <a16:creationId xmlns:a16="http://schemas.microsoft.com/office/drawing/2014/main" id="{14E8FBFC-2E5D-4C2F-8C5C-DBC1E5328FCE}"/>
               </a:ext>
             </a:extLst>
           </p:cNvPr>
@@ -4883,20 +4865,68 @@
           <a:lstStyle/>
           <a:p>
             <a:r>
-              <a:rPr lang="pt-BR" dirty="0"/>
-              <a:t>Confiável</a:t>
-            </a:r>
-          </a:p>
-          <a:p>
-            <a:r>
-              <a:rPr lang="pt-BR" dirty="0"/>
-              <a:t>Rápido</a:t>
-            </a:r>
-          </a:p>
-          <a:p>
-            <a:r>
-              <a:rPr lang="pt-BR" dirty="0"/>
-              <a:t>Atraente</a:t>
+              <a:rPr lang="pt-BR" dirty="0">
+                <a:latin typeface="Segoe UI" panose="020B0502040204020203" pitchFamily="34" charset="0"/>
+                <a:cs typeface="Segoe UI" panose="020B0502040204020203" pitchFamily="34" charset="0"/>
+              </a:rPr>
+              <a:t>Ué, se isso é </a:t>
+            </a:r>
+            <a:r>
+              <a:rPr lang="pt-BR" dirty="0" err="1">
+                <a:latin typeface="Segoe UI" panose="020B0502040204020203" pitchFamily="34" charset="0"/>
+                <a:cs typeface="Segoe UI" panose="020B0502040204020203" pitchFamily="34" charset="0"/>
+              </a:rPr>
+              <a:t>html</a:t>
+            </a:r>
+            <a:r>
+              <a:rPr lang="pt-BR" dirty="0">
+                <a:latin typeface="Segoe UI" panose="020B0502040204020203" pitchFamily="34" charset="0"/>
+                <a:cs typeface="Segoe UI" panose="020B0502040204020203" pitchFamily="34" charset="0"/>
+              </a:rPr>
+              <a:t> + </a:t>
+            </a:r>
+            <a:r>
+              <a:rPr lang="pt-BR" dirty="0" err="1">
+                <a:latin typeface="Segoe UI" panose="020B0502040204020203" pitchFamily="34" charset="0"/>
+                <a:cs typeface="Segoe UI" panose="020B0502040204020203" pitchFamily="34" charset="0"/>
+              </a:rPr>
+              <a:t>javascript</a:t>
+            </a:r>
+            <a:r>
+              <a:rPr lang="pt-BR" dirty="0">
+                <a:latin typeface="Segoe UI" panose="020B0502040204020203" pitchFamily="34" charset="0"/>
+                <a:cs typeface="Segoe UI" panose="020B0502040204020203" pitchFamily="34" charset="0"/>
+              </a:rPr>
+              <a:t> não dá na mesma?</a:t>
+            </a:r>
+          </a:p>
+          <a:p>
+            <a:endParaRPr lang="pt-BR" dirty="0">
+              <a:latin typeface="Segoe UI" panose="020B0502040204020203" pitchFamily="34" charset="0"/>
+              <a:cs typeface="Segoe UI" panose="020B0502040204020203" pitchFamily="34" charset="0"/>
+            </a:endParaRPr>
+          </a:p>
+          <a:p>
+            <a:r>
+              <a:rPr lang="pt-BR" dirty="0">
+                <a:latin typeface="Segoe UI" panose="020B0502040204020203" pitchFamily="34" charset="0"/>
+                <a:cs typeface="Segoe UI" panose="020B0502040204020203" pitchFamily="34" charset="0"/>
+              </a:rPr>
+              <a:t>De jeito nenhum, o </a:t>
+            </a:r>
+            <a:r>
+              <a:rPr lang="pt-BR" b="1" i="1" dirty="0" err="1">
+                <a:latin typeface="Segoe UI" panose="020B0502040204020203" pitchFamily="34" charset="0"/>
+                <a:cs typeface="Segoe UI" panose="020B0502040204020203" pitchFamily="34" charset="0"/>
+              </a:rPr>
+              <a:t>cordova</a:t>
+            </a:r>
+            <a:r>
+              <a:rPr lang="pt-BR" dirty="0">
+                <a:latin typeface="Segoe UI" panose="020B0502040204020203" pitchFamily="34" charset="0"/>
+                <a:cs typeface="Segoe UI" panose="020B0502040204020203" pitchFamily="34" charset="0"/>
+              </a:rPr>
+              <a:t> trabalha utilizando um container de HTML</a:t>
             </a:r>
           </a:p>
         </p:txBody>
@@ -4904,7 +4934,7 @@
     </p:spTree>
     <p:extLst>
       <p:ext uri="{BB962C8B-B14F-4D97-AF65-F5344CB8AC3E}">
-        <p14:creationId xmlns:p14="http://schemas.microsoft.com/office/powerpoint/2010/main" val="3233369574"/>
+        <p14:creationId xmlns:p14="http://schemas.microsoft.com/office/powerpoint/2010/main" val="1963135395"/>
       </p:ext>
     </p:extLst>
   </p:cSld>
@@ -4955,13 +4985,13 @@
         </p:spPr>
         <p:txBody>
           <a:bodyPr>
-            <a:normAutofit fontScale="90000"/>
+            <a:normAutofit/>
           </a:bodyPr>
           <a:lstStyle/>
           <a:p>
             <a:r>
               <a:rPr lang="pt-BR" dirty="0"/>
-              <a:t>Comparativo entre as tecnologias atuais</a:t>
+              <a:t>Sobre PWA</a:t>
             </a:r>
           </a:p>
         </p:txBody>
@@ -4984,17 +5014,68 @@
         </p:nvSpPr>
         <p:spPr/>
         <p:txBody>
-          <a:bodyPr/>
+          <a:bodyPr>
+            <a:normAutofit/>
+          </a:bodyPr>
           <a:lstStyle/>
           <a:p>
-            <a:endParaRPr lang="pt-BR" dirty="0"/>
+            <a:r>
+              <a:rPr lang="pt-BR" sz="2800" dirty="0">
+                <a:latin typeface="Segoe UI" panose="020B0502040204020203" pitchFamily="34" charset="0"/>
+                <a:cs typeface="Segoe UI" panose="020B0502040204020203" pitchFamily="34" charset="0"/>
+              </a:rPr>
+              <a:t>Você já deve ter ouvido que </a:t>
+            </a:r>
+            <a:r>
+              <a:rPr lang="pt-BR" sz="2800" b="1" i="1" dirty="0">
+                <a:latin typeface="Segoe UI" panose="020B0502040204020203" pitchFamily="34" charset="0"/>
+                <a:cs typeface="Segoe UI" panose="020B0502040204020203" pitchFamily="34" charset="0"/>
+              </a:rPr>
+              <a:t>P.W.A</a:t>
+            </a:r>
+            <a:r>
+              <a:rPr lang="pt-BR" sz="2800" dirty="0">
+                <a:latin typeface="Segoe UI" panose="020B0502040204020203" pitchFamily="34" charset="0"/>
+                <a:cs typeface="Segoe UI" panose="020B0502040204020203" pitchFamily="34" charset="0"/>
+              </a:rPr>
+              <a:t>. será o futuro! Pois bem, mas você já refletiu como isso poderá refletir em nossas vidas?</a:t>
+            </a:r>
+          </a:p>
+          <a:p>
+            <a:endParaRPr lang="pt-BR" sz="2800" b="1" i="1" dirty="0">
+              <a:latin typeface="Segoe UI" panose="020B0502040204020203" pitchFamily="34" charset="0"/>
+              <a:cs typeface="Segoe UI" panose="020B0502040204020203" pitchFamily="34" charset="0"/>
+            </a:endParaRPr>
+          </a:p>
+          <a:p>
+            <a:r>
+              <a:rPr lang="pt-BR" sz="2800" b="1" i="1" dirty="0" err="1">
+                <a:latin typeface="Segoe UI" panose="020B0502040204020203" pitchFamily="34" charset="0"/>
+                <a:cs typeface="Segoe UI" panose="020B0502040204020203" pitchFamily="34" charset="0"/>
+              </a:rPr>
+              <a:t>Progressive</a:t>
+            </a:r>
+            <a:r>
+              <a:rPr lang="pt-BR" sz="2800" b="1" i="1" dirty="0">
+                <a:latin typeface="Segoe UI" panose="020B0502040204020203" pitchFamily="34" charset="0"/>
+                <a:cs typeface="Segoe UI" panose="020B0502040204020203" pitchFamily="34" charset="0"/>
+              </a:rPr>
+              <a:t> Web Apps </a:t>
+            </a:r>
+            <a:r>
+              <a:rPr lang="pt-BR" sz="2800" dirty="0">
+                <a:latin typeface="Segoe UI" panose="020B0502040204020203" pitchFamily="34" charset="0"/>
+                <a:cs typeface="Segoe UI" panose="020B0502040204020203" pitchFamily="34" charset="0"/>
+              </a:rPr>
+              <a:t>utiliza o que é de mais moderno na web para entregar uma experiência próxima de aplicativos.</a:t>
+            </a:r>
           </a:p>
         </p:txBody>
       </p:sp>
     </p:spTree>
     <p:extLst>
       <p:ext uri="{BB962C8B-B14F-4D97-AF65-F5344CB8AC3E}">
-        <p14:creationId xmlns:p14="http://schemas.microsoft.com/office/powerpoint/2010/main" val="1202595525"/>
+        <p14:creationId xmlns:p14="http://schemas.microsoft.com/office/powerpoint/2010/main" val="2124073187"/>
       </p:ext>
     </p:extLst>
   </p:cSld>
@@ -5026,7 +5107,7 @@
           <p:cNvPr id="2" name="Título 1">
             <a:extLst>
               <a:ext uri="{FF2B5EF4-FFF2-40B4-BE49-F238E27FC236}">
-                <a16:creationId xmlns:a16="http://schemas.microsoft.com/office/drawing/2014/main" id="{B19728D3-1460-42D2-8D6D-FA0A3611E6CA}"/>
+                <a16:creationId xmlns:a16="http://schemas.microsoft.com/office/drawing/2014/main" id="{7C004CA9-2C46-43BE-8B5C-8073497D8458}"/>
               </a:ext>
             </a:extLst>
           </p:cNvPr>
@@ -5037,14 +5118,21 @@
             <p:ph type="title"/>
           </p:nvPr>
         </p:nvSpPr>
-        <p:spPr/>
-        <p:txBody>
-          <a:bodyPr/>
+        <p:spPr>
+          <a:xfrm>
+            <a:off x="677334" y="609600"/>
+            <a:ext cx="8324776" cy="1320800"/>
+          </a:xfrm>
+        </p:spPr>
+        <p:txBody>
+          <a:bodyPr>
+            <a:normAutofit/>
+          </a:bodyPr>
           <a:lstStyle/>
           <a:p>
             <a:r>
               <a:rPr lang="pt-BR" dirty="0"/>
-              <a:t>Quem usa?</a:t>
+              <a:t>Pilares</a:t>
             </a:r>
           </a:p>
         </p:txBody>
@@ -5054,7 +5142,7 @@
           <p:cNvPr id="3" name="Espaço Reservado para Conteúdo 2">
             <a:extLst>
               <a:ext uri="{FF2B5EF4-FFF2-40B4-BE49-F238E27FC236}">
-                <a16:creationId xmlns:a16="http://schemas.microsoft.com/office/drawing/2014/main" id="{14E8FBFC-2E5D-4C2F-8C5C-DBC1E5328FCE}"/>
+                <a16:creationId xmlns:a16="http://schemas.microsoft.com/office/drawing/2014/main" id="{89E0BFDC-6745-4981-8B6A-0B22A47108C8}"/>
               </a:ext>
             </a:extLst>
           </p:cNvPr>
@@ -5072,7 +5160,19 @@
           <a:p>
             <a:r>
               <a:rPr lang="pt-BR" dirty="0"/>
-              <a:t>O que é considerado PWA?</a:t>
+              <a:t>Confiável</a:t>
+            </a:r>
+          </a:p>
+          <a:p>
+            <a:r>
+              <a:rPr lang="pt-BR" dirty="0"/>
+              <a:t>Rápido</a:t>
+            </a:r>
+          </a:p>
+          <a:p>
+            <a:r>
+              <a:rPr lang="pt-BR" dirty="0"/>
+              <a:t>Atraente</a:t>
             </a:r>
           </a:p>
         </p:txBody>
@@ -5080,7 +5180,7 @@
     </p:spTree>
     <p:extLst>
       <p:ext uri="{BB962C8B-B14F-4D97-AF65-F5344CB8AC3E}">
-        <p14:creationId xmlns:p14="http://schemas.microsoft.com/office/powerpoint/2010/main" val="237772752"/>
+        <p14:creationId xmlns:p14="http://schemas.microsoft.com/office/powerpoint/2010/main" val="3233369574"/>
       </p:ext>
     </p:extLst>
   </p:cSld>
@@ -5112,7 +5212,7 @@
           <p:cNvPr id="2" name="Título 1">
             <a:extLst>
               <a:ext uri="{FF2B5EF4-FFF2-40B4-BE49-F238E27FC236}">
-                <a16:creationId xmlns:a16="http://schemas.microsoft.com/office/drawing/2014/main" id="{B19728D3-1460-42D2-8D6D-FA0A3611E6CA}"/>
+                <a16:creationId xmlns:a16="http://schemas.microsoft.com/office/drawing/2014/main" id="{7C004CA9-2C46-43BE-8B5C-8073497D8458}"/>
               </a:ext>
             </a:extLst>
           </p:cNvPr>
@@ -5123,14 +5223,21 @@
             <p:ph type="title"/>
           </p:nvPr>
         </p:nvSpPr>
-        <p:spPr/>
-        <p:txBody>
-          <a:bodyPr/>
+        <p:spPr>
+          <a:xfrm>
+            <a:off x="677334" y="609600"/>
+            <a:ext cx="8324776" cy="1320800"/>
+          </a:xfrm>
+        </p:spPr>
+        <p:txBody>
+          <a:bodyPr>
+            <a:normAutofit fontScale="90000"/>
+          </a:bodyPr>
           <a:lstStyle/>
           <a:p>
             <a:r>
               <a:rPr lang="pt-BR" dirty="0"/>
-              <a:t>Está acessível?</a:t>
+              <a:t>Comparativo entre as tecnologias atuais</a:t>
             </a:r>
           </a:p>
         </p:txBody>
@@ -5140,7 +5247,7 @@
           <p:cNvPr id="3" name="Espaço Reservado para Conteúdo 2">
             <a:extLst>
               <a:ext uri="{FF2B5EF4-FFF2-40B4-BE49-F238E27FC236}">
-                <a16:creationId xmlns:a16="http://schemas.microsoft.com/office/drawing/2014/main" id="{14E8FBFC-2E5D-4C2F-8C5C-DBC1E5328FCE}"/>
+                <a16:creationId xmlns:a16="http://schemas.microsoft.com/office/drawing/2014/main" id="{89E0BFDC-6745-4981-8B6A-0B22A47108C8}"/>
               </a:ext>
             </a:extLst>
           </p:cNvPr>
@@ -5156,17 +5263,14 @@
           <a:bodyPr/>
           <a:lstStyle/>
           <a:p>
-            <a:r>
-              <a:rPr lang="pt-BR" dirty="0"/>
-              <a:t>O que é considerado PWA?</a:t>
-            </a:r>
+            <a:endParaRPr lang="pt-BR" dirty="0"/>
           </a:p>
         </p:txBody>
       </p:sp>
     </p:spTree>
     <p:extLst>
       <p:ext uri="{BB962C8B-B14F-4D97-AF65-F5344CB8AC3E}">
-        <p14:creationId xmlns:p14="http://schemas.microsoft.com/office/powerpoint/2010/main" val="507841851"/>
+        <p14:creationId xmlns:p14="http://schemas.microsoft.com/office/powerpoint/2010/main" val="1202595525"/>
       </p:ext>
     </p:extLst>
   </p:cSld>
@@ -5215,6 +5319,178 @@
           <a:lstStyle/>
           <a:p>
             <a:r>
+              <a:rPr lang="pt-BR" dirty="0"/>
+              <a:t>Quem usa?</a:t>
+            </a:r>
+          </a:p>
+        </p:txBody>
+      </p:sp>
+      <p:sp>
+        <p:nvSpPr>
+          <p:cNvPr id="3" name="Espaço Reservado para Conteúdo 2">
+            <a:extLst>
+              <a:ext uri="{FF2B5EF4-FFF2-40B4-BE49-F238E27FC236}">
+                <a16:creationId xmlns:a16="http://schemas.microsoft.com/office/drawing/2014/main" id="{14E8FBFC-2E5D-4C2F-8C5C-DBC1E5328FCE}"/>
+              </a:ext>
+            </a:extLst>
+          </p:cNvPr>
+          <p:cNvSpPr>
+            <a:spLocks noGrp="1"/>
+          </p:cNvSpPr>
+          <p:nvPr>
+            <p:ph idx="1"/>
+          </p:nvPr>
+        </p:nvSpPr>
+        <p:spPr/>
+        <p:txBody>
+          <a:bodyPr/>
+          <a:lstStyle/>
+          <a:p>
+            <a:r>
+              <a:rPr lang="pt-BR" dirty="0"/>
+              <a:t>O que é considerado PWA?</a:t>
+            </a:r>
+          </a:p>
+        </p:txBody>
+      </p:sp>
+    </p:spTree>
+    <p:extLst>
+      <p:ext uri="{BB962C8B-B14F-4D97-AF65-F5344CB8AC3E}">
+        <p14:creationId xmlns:p14="http://schemas.microsoft.com/office/powerpoint/2010/main" val="237772752"/>
+      </p:ext>
+    </p:extLst>
+  </p:cSld>
+  <p:clrMapOvr>
+    <a:masterClrMapping/>
+  </p:clrMapOvr>
+</p:sld>
+</file>
+
+<file path=ppt/slides/slide16.xml><?xml version="1.0" encoding="utf-8"?>
+<p:sld xmlns:a="http://schemas.openxmlformats.org/drawingml/2006/main" xmlns:r="http://schemas.openxmlformats.org/officeDocument/2006/relationships" xmlns:p="http://schemas.openxmlformats.org/presentationml/2006/main">
+  <p:cSld>
+    <p:spTree>
+      <p:nvGrpSpPr>
+        <p:cNvPr id="1" name=""/>
+        <p:cNvGrpSpPr/>
+        <p:nvPr/>
+      </p:nvGrpSpPr>
+      <p:grpSpPr>
+        <a:xfrm>
+          <a:off x="0" y="0"/>
+          <a:ext cx="0" cy="0"/>
+          <a:chOff x="0" y="0"/>
+          <a:chExt cx="0" cy="0"/>
+        </a:xfrm>
+      </p:grpSpPr>
+      <p:sp>
+        <p:nvSpPr>
+          <p:cNvPr id="2" name="Título 1">
+            <a:extLst>
+              <a:ext uri="{FF2B5EF4-FFF2-40B4-BE49-F238E27FC236}">
+                <a16:creationId xmlns:a16="http://schemas.microsoft.com/office/drawing/2014/main" id="{B19728D3-1460-42D2-8D6D-FA0A3611E6CA}"/>
+              </a:ext>
+            </a:extLst>
+          </p:cNvPr>
+          <p:cNvSpPr>
+            <a:spLocks noGrp="1"/>
+          </p:cNvSpPr>
+          <p:nvPr>
+            <p:ph type="title"/>
+          </p:nvPr>
+        </p:nvSpPr>
+        <p:spPr/>
+        <p:txBody>
+          <a:bodyPr/>
+          <a:lstStyle/>
+          <a:p>
+            <a:r>
+              <a:rPr lang="pt-BR" dirty="0"/>
+              <a:t>Está acessível?</a:t>
+            </a:r>
+          </a:p>
+        </p:txBody>
+      </p:sp>
+      <p:sp>
+        <p:nvSpPr>
+          <p:cNvPr id="3" name="Espaço Reservado para Conteúdo 2">
+            <a:extLst>
+              <a:ext uri="{FF2B5EF4-FFF2-40B4-BE49-F238E27FC236}">
+                <a16:creationId xmlns:a16="http://schemas.microsoft.com/office/drawing/2014/main" id="{14E8FBFC-2E5D-4C2F-8C5C-DBC1E5328FCE}"/>
+              </a:ext>
+            </a:extLst>
+          </p:cNvPr>
+          <p:cNvSpPr>
+            <a:spLocks noGrp="1"/>
+          </p:cNvSpPr>
+          <p:nvPr>
+            <p:ph idx="1"/>
+          </p:nvPr>
+        </p:nvSpPr>
+        <p:spPr/>
+        <p:txBody>
+          <a:bodyPr/>
+          <a:lstStyle/>
+          <a:p>
+            <a:r>
+              <a:rPr lang="pt-BR" dirty="0"/>
+              <a:t>O que é considerado PWA?</a:t>
+            </a:r>
+          </a:p>
+        </p:txBody>
+      </p:sp>
+    </p:spTree>
+    <p:extLst>
+      <p:ext uri="{BB962C8B-B14F-4D97-AF65-F5344CB8AC3E}">
+        <p14:creationId xmlns:p14="http://schemas.microsoft.com/office/powerpoint/2010/main" val="507841851"/>
+      </p:ext>
+    </p:extLst>
+  </p:cSld>
+  <p:clrMapOvr>
+    <a:masterClrMapping/>
+  </p:clrMapOvr>
+</p:sld>
+</file>
+
+<file path=ppt/slides/slide17.xml><?xml version="1.0" encoding="utf-8"?>
+<p:sld xmlns:a="http://schemas.openxmlformats.org/drawingml/2006/main" xmlns:r="http://schemas.openxmlformats.org/officeDocument/2006/relationships" xmlns:p="http://schemas.openxmlformats.org/presentationml/2006/main">
+  <p:cSld>
+    <p:spTree>
+      <p:nvGrpSpPr>
+        <p:cNvPr id="1" name=""/>
+        <p:cNvGrpSpPr/>
+        <p:nvPr/>
+      </p:nvGrpSpPr>
+      <p:grpSpPr>
+        <a:xfrm>
+          <a:off x="0" y="0"/>
+          <a:ext cx="0" cy="0"/>
+          <a:chOff x="0" y="0"/>
+          <a:chExt cx="0" cy="0"/>
+        </a:xfrm>
+      </p:grpSpPr>
+      <p:sp>
+        <p:nvSpPr>
+          <p:cNvPr id="2" name="Título 1">
+            <a:extLst>
+              <a:ext uri="{FF2B5EF4-FFF2-40B4-BE49-F238E27FC236}">
+                <a16:creationId xmlns:a16="http://schemas.microsoft.com/office/drawing/2014/main" id="{B19728D3-1460-42D2-8D6D-FA0A3611E6CA}"/>
+              </a:ext>
+            </a:extLst>
+          </p:cNvPr>
+          <p:cNvSpPr>
+            <a:spLocks noGrp="1"/>
+          </p:cNvSpPr>
+          <p:nvPr>
+            <p:ph type="title"/>
+          </p:nvPr>
+        </p:nvSpPr>
+        <p:spPr/>
+        <p:txBody>
+          <a:bodyPr/>
+          <a:lstStyle/>
+          <a:p>
+            <a:r>
               <a:rPr lang="pt-BR" dirty="0" err="1"/>
               <a:t>Firebase</a:t>
             </a:r>
@@ -5280,7 +5556,7 @@
 </p:sld>
 </file>
 
-<file path=ppt/slides/slide16.xml><?xml version="1.0" encoding="utf-8"?>
+<file path=ppt/slides/slide18.xml><?xml version="1.0" encoding="utf-8"?>
 <p:sld xmlns:a="http://schemas.openxmlformats.org/drawingml/2006/main" xmlns:r="http://schemas.openxmlformats.org/officeDocument/2006/relationships" xmlns:p="http://schemas.openxmlformats.org/presentationml/2006/main">
   <p:cSld>
     <p:spTree>
@@ -7367,22 +7643,19 @@
             <p:ph type="title"/>
           </p:nvPr>
         </p:nvSpPr>
-        <p:spPr/>
+        <p:spPr>
+          <a:xfrm>
+            <a:off x="281353" y="484632"/>
+            <a:ext cx="11760591" cy="1609344"/>
+          </a:xfrm>
+        </p:spPr>
         <p:txBody>
           <a:bodyPr/>
           <a:lstStyle/>
           <a:p>
             <a:r>
               <a:rPr lang="pt-BR" dirty="0"/>
-              <a:t>Não é a mesma coisa que o </a:t>
-            </a:r>
-            <a:r>
-              <a:rPr lang="pt-BR" dirty="0" err="1"/>
-              <a:t>Cordova</a:t>
-            </a:r>
-            <a:r>
-              <a:rPr lang="pt-BR" dirty="0"/>
-              <a:t>?</a:t>
+              <a:t>Quais são os problemas mais comuns?</a:t>
             </a:r>
           </a:p>
         </p:txBody>
@@ -7413,35 +7686,21 @@
                 <a:latin typeface="Segoe UI" panose="020B0502040204020203" pitchFamily="34" charset="0"/>
                 <a:cs typeface="Segoe UI" panose="020B0502040204020203" pitchFamily="34" charset="0"/>
               </a:rPr>
-              <a:t>Ué, se isso é </a:t>
+              <a:t>Por serem aplicativos, são como programas de computador, podemos fazer a analogia entre ter o </a:t>
             </a:r>
             <a:r>
               <a:rPr lang="pt-BR" dirty="0" err="1">
                 <a:latin typeface="Segoe UI" panose="020B0502040204020203" pitchFamily="34" charset="0"/>
                 <a:cs typeface="Segoe UI" panose="020B0502040204020203" pitchFamily="34" charset="0"/>
               </a:rPr>
-              <a:t>html</a:t>
+              <a:t>Oficce</a:t>
             </a:r>
             <a:r>
               <a:rPr lang="pt-BR" dirty="0">
                 <a:latin typeface="Segoe UI" panose="020B0502040204020203" pitchFamily="34" charset="0"/>
                 <a:cs typeface="Segoe UI" panose="020B0502040204020203" pitchFamily="34" charset="0"/>
               </a:rPr>
-              <a:t> + </a:t>
-            </a:r>
-            <a:r>
-              <a:rPr lang="pt-BR" dirty="0" err="1">
-                <a:latin typeface="Segoe UI" panose="020B0502040204020203" pitchFamily="34" charset="0"/>
-                <a:cs typeface="Segoe UI" panose="020B0502040204020203" pitchFamily="34" charset="0"/>
-              </a:rPr>
-              <a:t>javascript</a:t>
-            </a:r>
-            <a:r>
-              <a:rPr lang="pt-BR" dirty="0">
-                <a:latin typeface="Segoe UI" panose="020B0502040204020203" pitchFamily="34" charset="0"/>
-                <a:cs typeface="Segoe UI" panose="020B0502040204020203" pitchFamily="34" charset="0"/>
-              </a:rPr>
-              <a:t> não dá na mesma?</a:t>
+              <a:t> instalado no computador. Temos um instalador e um executável.</a:t>
             </a:r>
           </a:p>
           <a:p>
@@ -7456,21 +7715,51 @@
                 <a:latin typeface="Segoe UI" panose="020B0502040204020203" pitchFamily="34" charset="0"/>
                 <a:cs typeface="Segoe UI" panose="020B0502040204020203" pitchFamily="34" charset="0"/>
               </a:rPr>
-              <a:t>De jeito nenhum, o </a:t>
-            </a:r>
-            <a:r>
-              <a:rPr lang="pt-BR" b="1" i="1" dirty="0" err="1">
-                <a:latin typeface="Segoe UI" panose="020B0502040204020203" pitchFamily="34" charset="0"/>
-                <a:cs typeface="Segoe UI" panose="020B0502040204020203" pitchFamily="34" charset="0"/>
-              </a:rPr>
-              <a:t>cordova</a:t>
+              <a:t>Porém, consomem muito espaço físico, por exemplo o </a:t>
+            </a:r>
+            <a:r>
+              <a:rPr lang="pt-BR" dirty="0" err="1">
+                <a:latin typeface="Segoe UI" panose="020B0502040204020203" pitchFamily="34" charset="0"/>
+                <a:cs typeface="Segoe UI" panose="020B0502040204020203" pitchFamily="34" charset="0"/>
+              </a:rPr>
+              <a:t>Whatsapp</a:t>
             </a:r>
             <a:r>
               <a:rPr lang="pt-BR" dirty="0">
                 <a:latin typeface="Segoe UI" panose="020B0502040204020203" pitchFamily="34" charset="0"/>
                 <a:cs typeface="Segoe UI" panose="020B0502040204020203" pitchFamily="34" charset="0"/>
               </a:rPr>
-              <a:t> trabalha utilizando um container de HTML</a:t>
+              <a:t> consome só de estar instalado 35.74 MB, um outro exemplo é o Facebook, ele consome 35.74 MB.</a:t>
+            </a:r>
+          </a:p>
+          <a:p>
+            <a:endParaRPr lang="pt-BR" dirty="0">
+              <a:latin typeface="Segoe UI" panose="020B0502040204020203" pitchFamily="34" charset="0"/>
+              <a:cs typeface="Segoe UI" panose="020B0502040204020203" pitchFamily="34" charset="0"/>
+            </a:endParaRPr>
+          </a:p>
+          <a:p>
+            <a:r>
+              <a:rPr lang="pt-BR" dirty="0">
+                <a:latin typeface="Segoe UI" panose="020B0502040204020203" pitchFamily="34" charset="0"/>
+                <a:cs typeface="Segoe UI" panose="020B0502040204020203" pitchFamily="34" charset="0"/>
+              </a:rPr>
+              <a:t>Quando as lojas disponibilizam novas versões, as atualizações não são instantâneas e as vezes até mesmo ao atualizarem, encerram do nada enquanto estamos utilizando.</a:t>
+            </a:r>
+          </a:p>
+          <a:p>
+            <a:endParaRPr lang="pt-BR" dirty="0">
+              <a:latin typeface="Segoe UI" panose="020B0502040204020203" pitchFamily="34" charset="0"/>
+              <a:cs typeface="Segoe UI" panose="020B0502040204020203" pitchFamily="34" charset="0"/>
+            </a:endParaRPr>
+          </a:p>
+          <a:p>
+            <a:r>
+              <a:rPr lang="pt-BR" dirty="0">
+                <a:latin typeface="Segoe UI" panose="020B0502040204020203" pitchFamily="34" charset="0"/>
+                <a:cs typeface="Segoe UI" panose="020B0502040204020203" pitchFamily="34" charset="0"/>
+              </a:rPr>
+              <a:t>Não é o mesmo App para cada plataforma, as vezes uma possui atualizações mais rápidas do que as outras.</a:t>
             </a:r>
           </a:p>
         </p:txBody>

--- a/apresentacao.pptx
+++ b/apresentacao.pptx
@@ -5,27 +5,33 @@
     <p:sldMasterId id="2147484056" r:id="rId1"/>
   </p:sldMasterIdLst>
   <p:notesMasterIdLst>
-    <p:notesMasterId r:id="rId20"/>
+    <p:notesMasterId r:id="rId26"/>
   </p:notesMasterIdLst>
   <p:sldIdLst>
     <p:sldId id="256" r:id="rId2"/>
     <p:sldId id="257" r:id="rId3"/>
     <p:sldId id="272" r:id="rId4"/>
-    <p:sldId id="258" r:id="rId5"/>
-    <p:sldId id="273" r:id="rId6"/>
-    <p:sldId id="276" r:id="rId7"/>
-    <p:sldId id="277" r:id="rId8"/>
-    <p:sldId id="275" r:id="rId9"/>
-    <p:sldId id="274" r:id="rId10"/>
-    <p:sldId id="279" r:id="rId11"/>
-    <p:sldId id="278" r:id="rId12"/>
-    <p:sldId id="263" r:id="rId13"/>
-    <p:sldId id="264" r:id="rId14"/>
-    <p:sldId id="265" r:id="rId15"/>
-    <p:sldId id="259" r:id="rId16"/>
-    <p:sldId id="260" r:id="rId17"/>
-    <p:sldId id="267" r:id="rId18"/>
-    <p:sldId id="266" r:id="rId19"/>
+    <p:sldId id="281" r:id="rId5"/>
+    <p:sldId id="258" r:id="rId6"/>
+    <p:sldId id="273" r:id="rId7"/>
+    <p:sldId id="276" r:id="rId8"/>
+    <p:sldId id="277" r:id="rId9"/>
+    <p:sldId id="280" r:id="rId10"/>
+    <p:sldId id="275" r:id="rId11"/>
+    <p:sldId id="274" r:id="rId12"/>
+    <p:sldId id="279" r:id="rId13"/>
+    <p:sldId id="284" r:id="rId14"/>
+    <p:sldId id="285" r:id="rId15"/>
+    <p:sldId id="286" r:id="rId16"/>
+    <p:sldId id="282" r:id="rId17"/>
+    <p:sldId id="263" r:id="rId18"/>
+    <p:sldId id="278" r:id="rId19"/>
+    <p:sldId id="288" r:id="rId20"/>
+    <p:sldId id="265" r:id="rId21"/>
+    <p:sldId id="259" r:id="rId22"/>
+    <p:sldId id="260" r:id="rId23"/>
+    <p:sldId id="267" r:id="rId24"/>
+    <p:sldId id="266" r:id="rId25"/>
   </p:sldIdLst>
   <p:sldSz cx="12192000" cy="6858000"/>
   <p:notesSz cx="6858000" cy="9144000"/>
@@ -214,7 +220,7 @@
           <a:p>
             <a:fld id="{0EFD01C0-F1CB-45EF-BE4E-0E8034D189E3}" type="datetimeFigureOut">
               <a:rPr lang="pt-BR" smtClean="0"/>
-              <a:t>18/04/2018</a:t>
+              <a:t>19/04/2018</a:t>
             </a:fld>
             <a:endParaRPr lang="pt-BR"/>
           </a:p>
@@ -546,7 +552,7 @@
           <a:p>
             <a:fld id="{E793B444-EEE7-4AE3-9AEA-3F0D047BDCDD}" type="slidenum">
               <a:rPr lang="pt-BR" smtClean="0"/>
-              <a:t>6</a:t>
+              <a:t>7</a:t>
             </a:fld>
             <a:endParaRPr lang="pt-BR"/>
           </a:p>
@@ -630,7 +636,7 @@
           <a:p>
             <a:fld id="{E793B444-EEE7-4AE3-9AEA-3F0D047BDCDD}" type="slidenum">
               <a:rPr lang="pt-BR" smtClean="0"/>
-              <a:t>7</a:t>
+              <a:t>8</a:t>
             </a:fld>
             <a:endParaRPr lang="pt-BR"/>
           </a:p>
@@ -640,6 +646,93 @@
     <p:extLst>
       <p:ext uri="{BB962C8B-B14F-4D97-AF65-F5344CB8AC3E}">
         <p14:creationId xmlns:p14="http://schemas.microsoft.com/office/powerpoint/2010/main" val="2617784637"/>
+      </p:ext>
+    </p:extLst>
+  </p:cSld>
+  <p:clrMapOvr>
+    <a:masterClrMapping/>
+  </p:clrMapOvr>
+</p:notes>
+</file>
+
+<file path=ppt/notesSlides/notesSlide3.xml><?xml version="1.0" encoding="utf-8"?>
+<p:notes xmlns:a="http://schemas.openxmlformats.org/drawingml/2006/main" xmlns:r="http://schemas.openxmlformats.org/officeDocument/2006/relationships" xmlns:p="http://schemas.openxmlformats.org/presentationml/2006/main">
+  <p:cSld>
+    <p:spTree>
+      <p:nvGrpSpPr>
+        <p:cNvPr id="1" name=""/>
+        <p:cNvGrpSpPr/>
+        <p:nvPr/>
+      </p:nvGrpSpPr>
+      <p:grpSpPr>
+        <a:xfrm>
+          <a:off x="0" y="0"/>
+          <a:ext cx="0" cy="0"/>
+          <a:chOff x="0" y="0"/>
+          <a:chExt cx="0" cy="0"/>
+        </a:xfrm>
+      </p:grpSpPr>
+      <p:sp>
+        <p:nvSpPr>
+          <p:cNvPr id="2" name="Espaço Reservado para Imagem de Slide 1"/>
+          <p:cNvSpPr>
+            <a:spLocks noGrp="1" noRot="1" noChangeAspect="1"/>
+          </p:cNvSpPr>
+          <p:nvPr>
+            <p:ph type="sldImg"/>
+          </p:nvPr>
+        </p:nvSpPr>
+        <p:spPr/>
+      </p:sp>
+      <p:sp>
+        <p:nvSpPr>
+          <p:cNvPr id="3" name="Espaço Reservado para Anotações 2"/>
+          <p:cNvSpPr>
+            <a:spLocks noGrp="1"/>
+          </p:cNvSpPr>
+          <p:nvPr>
+            <p:ph type="body" idx="1"/>
+          </p:nvPr>
+        </p:nvSpPr>
+        <p:spPr/>
+        <p:txBody>
+          <a:bodyPr/>
+          <a:lstStyle/>
+          <a:p>
+            <a:r>
+              <a:rPr lang="pt-BR" dirty="0"/>
+              <a:t>Definição da Google</a:t>
+            </a:r>
+          </a:p>
+        </p:txBody>
+      </p:sp>
+      <p:sp>
+        <p:nvSpPr>
+          <p:cNvPr id="4" name="Espaço Reservado para Número de Slide 3"/>
+          <p:cNvSpPr>
+            <a:spLocks noGrp="1"/>
+          </p:cNvSpPr>
+          <p:nvPr>
+            <p:ph type="sldNum" sz="quarter" idx="10"/>
+          </p:nvPr>
+        </p:nvSpPr>
+        <p:spPr/>
+        <p:txBody>
+          <a:bodyPr/>
+          <a:lstStyle/>
+          <a:p>
+            <a:fld id="{E793B444-EEE7-4AE3-9AEA-3F0D047BDCDD}" type="slidenum">
+              <a:rPr lang="pt-BR" smtClean="0"/>
+              <a:t>19</a:t>
+            </a:fld>
+            <a:endParaRPr lang="pt-BR"/>
+          </a:p>
+        </p:txBody>
+      </p:sp>
+    </p:spTree>
+    <p:extLst>
+      <p:ext uri="{BB962C8B-B14F-4D97-AF65-F5344CB8AC3E}">
+        <p14:creationId xmlns:p14="http://schemas.microsoft.com/office/powerpoint/2010/main" val="1074206506"/>
       </p:ext>
     </p:extLst>
   </p:cSld>
@@ -1054,7 +1147,7 @@
           <a:p>
             <a:fld id="{B618C737-F40F-42A7-9064-9951C5C3E5D1}" type="datetimeFigureOut">
               <a:rPr lang="pt-BR" smtClean="0"/>
-              <a:t>18/04/2018</a:t>
+              <a:t>19/04/2018</a:t>
             </a:fld>
             <a:endParaRPr lang="pt-BR"/>
           </a:p>
@@ -1233,7 +1326,7 @@
           <a:p>
             <a:fld id="{B618C737-F40F-42A7-9064-9951C5C3E5D1}" type="datetimeFigureOut">
               <a:rPr lang="pt-BR" smtClean="0"/>
-              <a:t>18/04/2018</a:t>
+              <a:t>19/04/2018</a:t>
             </a:fld>
             <a:endParaRPr lang="pt-BR"/>
           </a:p>
@@ -1413,7 +1506,7 @@
           <a:p>
             <a:fld id="{B618C737-F40F-42A7-9064-9951C5C3E5D1}" type="datetimeFigureOut">
               <a:rPr lang="pt-BR" smtClean="0"/>
-              <a:t>18/04/2018</a:t>
+              <a:t>19/04/2018</a:t>
             </a:fld>
             <a:endParaRPr lang="pt-BR"/>
           </a:p>
@@ -1583,7 +1676,7 @@
           <a:p>
             <a:fld id="{B618C737-F40F-42A7-9064-9951C5C3E5D1}" type="datetimeFigureOut">
               <a:rPr lang="pt-BR" smtClean="0"/>
-              <a:t>18/04/2018</a:t>
+              <a:t>19/04/2018</a:t>
             </a:fld>
             <a:endParaRPr lang="pt-BR"/>
           </a:p>
@@ -1908,7 +2001,7 @@
           <a:p>
             <a:fld id="{B618C737-F40F-42A7-9064-9951C5C3E5D1}" type="datetimeFigureOut">
               <a:rPr lang="pt-BR" smtClean="0"/>
-              <a:t>18/04/2018</a:t>
+              <a:t>19/04/2018</a:t>
             </a:fld>
             <a:endParaRPr lang="pt-BR"/>
           </a:p>
@@ -2304,7 +2397,7 @@
           <a:p>
             <a:fld id="{B618C737-F40F-42A7-9064-9951C5C3E5D1}" type="datetimeFigureOut">
               <a:rPr lang="pt-BR" smtClean="0"/>
-              <a:t>18/04/2018</a:t>
+              <a:t>19/04/2018</a:t>
             </a:fld>
             <a:endParaRPr lang="pt-BR"/>
           </a:p>
@@ -2738,7 +2831,7 @@
           <a:p>
             <a:fld id="{B618C737-F40F-42A7-9064-9951C5C3E5D1}" type="datetimeFigureOut">
               <a:rPr lang="pt-BR" smtClean="0"/>
-              <a:t>18/04/2018</a:t>
+              <a:t>19/04/2018</a:t>
             </a:fld>
             <a:endParaRPr lang="pt-BR"/>
           </a:p>
@@ -2856,7 +2949,7 @@
           <a:p>
             <a:fld id="{B618C737-F40F-42A7-9064-9951C5C3E5D1}" type="datetimeFigureOut">
               <a:rPr lang="pt-BR" smtClean="0"/>
-              <a:t>18/04/2018</a:t>
+              <a:t>19/04/2018</a:t>
             </a:fld>
             <a:endParaRPr lang="pt-BR"/>
           </a:p>
@@ -2951,7 +3044,7 @@
           <a:p>
             <a:fld id="{B618C737-F40F-42A7-9064-9951C5C3E5D1}" type="datetimeFigureOut">
               <a:rPr lang="pt-BR" smtClean="0"/>
-              <a:t>18/04/2018</a:t>
+              <a:t>19/04/2018</a:t>
             </a:fld>
             <a:endParaRPr lang="pt-BR"/>
           </a:p>
@@ -3301,7 +3394,7 @@
           <a:p>
             <a:fld id="{B618C737-F40F-42A7-9064-9951C5C3E5D1}" type="datetimeFigureOut">
               <a:rPr lang="pt-BR" smtClean="0"/>
-              <a:t>18/04/2018</a:t>
+              <a:t>19/04/2018</a:t>
             </a:fld>
             <a:endParaRPr lang="pt-BR"/>
           </a:p>
@@ -3736,7 +3829,7 @@
           <a:p>
             <a:fld id="{B618C737-F40F-42A7-9064-9951C5C3E5D1}" type="datetimeFigureOut">
               <a:rPr lang="pt-BR" smtClean="0"/>
-              <a:t>18/04/2018</a:t>
+              <a:t>19/04/2018</a:t>
             </a:fld>
             <a:endParaRPr lang="pt-BR"/>
           </a:p>
@@ -4019,7 +4112,7 @@
           <a:p>
             <a:fld id="{B618C737-F40F-42A7-9064-9951C5C3E5D1}" type="datetimeFigureOut">
               <a:rPr lang="pt-BR" smtClean="0"/>
-              <a:t>18/04/2018</a:t>
+              <a:t>19/04/2018</a:t>
             </a:fld>
             <a:endParaRPr lang="pt-BR"/>
           </a:p>
@@ -4639,13 +4732,18 @@
             <p:ph type="subTitle" idx="1"/>
           </p:nvPr>
         </p:nvSpPr>
-        <p:spPr/>
+        <p:spPr>
+          <a:xfrm>
+            <a:off x="1069848" y="4389120"/>
+            <a:ext cx="7891272" cy="1069848"/>
+          </a:xfrm>
+        </p:spPr>
         <p:txBody>
           <a:bodyPr/>
           <a:lstStyle/>
           <a:p>
             <a:r>
-              <a:rPr lang="pt-BR" dirty="0">
+              <a:rPr lang="pt-BR">
                 <a:solidFill>
                   <a:schemeClr val="tx1"/>
                 </a:solidFill>
@@ -4654,6 +4752,13 @@
               </a:rPr>
               <a:t>Conhecendo um pouco sobre o futuro</a:t>
             </a:r>
+            <a:endParaRPr lang="pt-BR" dirty="0">
+              <a:solidFill>
+                <a:schemeClr val="tx1"/>
+              </a:solidFill>
+              <a:latin typeface="Segoe UI" panose="020B0502040204020203" pitchFamily="34" charset="0"/>
+              <a:cs typeface="Segoe UI" panose="020B0502040204020203" pitchFamily="34" charset="0"/>
+            </a:endParaRPr>
           </a:p>
         </p:txBody>
       </p:sp>
@@ -4692,7 +4797,7 @@
           <p:cNvPr id="2" name="Título 1">
             <a:extLst>
               <a:ext uri="{FF2B5EF4-FFF2-40B4-BE49-F238E27FC236}">
-                <a16:creationId xmlns:a16="http://schemas.microsoft.com/office/drawing/2014/main" id="{B19728D3-1460-42D2-8D6D-FA0A3611E6CA}"/>
+                <a16:creationId xmlns:a16="http://schemas.microsoft.com/office/drawing/2014/main" id="{219CF138-001C-42C1-9C56-4D28A9C0718F}"/>
               </a:ext>
             </a:extLst>
           </p:cNvPr>
@@ -4705,8 +4810,8 @@
         </p:nvSpPr>
         <p:spPr>
           <a:xfrm>
-            <a:off x="801858" y="484632"/>
-            <a:ext cx="10326390" cy="1609344"/>
+            <a:off x="478302" y="484632"/>
+            <a:ext cx="11521440" cy="1006543"/>
           </a:xfrm>
         </p:spPr>
         <p:txBody>
@@ -4715,7 +4820,7 @@
           <a:p>
             <a:r>
               <a:rPr lang="pt-BR" dirty="0"/>
-              <a:t>Os benefícios dos apps</a:t>
+              <a:t>Como encontro apps atualmente?</a:t>
             </a:r>
           </a:p>
         </p:txBody>
@@ -4725,7 +4830,7 @@
           <p:cNvPr id="3" name="Espaço Reservado para Conteúdo 2">
             <a:extLst>
               <a:ext uri="{FF2B5EF4-FFF2-40B4-BE49-F238E27FC236}">
-                <a16:creationId xmlns:a16="http://schemas.microsoft.com/office/drawing/2014/main" id="{14E8FBFC-2E5D-4C2F-8C5C-DBC1E5328FCE}"/>
+                <a16:creationId xmlns:a16="http://schemas.microsoft.com/office/drawing/2014/main" id="{B70C8B0E-7B18-4790-BC25-C14CEF147824}"/>
               </a:ext>
             </a:extLst>
           </p:cNvPr>
@@ -4738,8 +4843,8 @@
         </p:nvSpPr>
         <p:spPr>
           <a:xfrm>
-            <a:off x="1069848" y="2067951"/>
-            <a:ext cx="10058400" cy="4104249"/>
+            <a:off x="1069848" y="1491175"/>
+            <a:ext cx="10058400" cy="1937825"/>
           </a:xfrm>
         </p:spPr>
         <p:txBody>
@@ -4751,36 +4856,138 @@
                 <a:latin typeface="Segoe UI" panose="020B0502040204020203" pitchFamily="34" charset="0"/>
                 <a:cs typeface="Segoe UI" panose="020B0502040204020203" pitchFamily="34" charset="0"/>
               </a:rPr>
-              <a:t>Os aplicativos nativos possuem inúmeras qualidades, além de performance, boa aparência, usabilidade.</a:t>
-            </a:r>
-          </a:p>
-          <a:p>
-            <a:endParaRPr lang="pt-BR" dirty="0">
-              <a:latin typeface="Segoe UI" panose="020B0502040204020203" pitchFamily="34" charset="0"/>
-              <a:cs typeface="Segoe UI" panose="020B0502040204020203" pitchFamily="34" charset="0"/>
-            </a:endParaRPr>
-          </a:p>
-          <a:p>
+              <a:t>Hoje em dia é fácil localizar um app dentro de uma loja, vamos exemplificar com a </a:t>
+            </a:r>
+            <a:r>
+              <a:rPr lang="pt-BR" b="1" i="1" dirty="0">
+                <a:latin typeface="Segoe UI" panose="020B0502040204020203" pitchFamily="34" charset="0"/>
+                <a:cs typeface="Segoe UI" panose="020B0502040204020203" pitchFamily="34" charset="0"/>
+              </a:rPr>
+              <a:t>Google Play </a:t>
+            </a:r>
+            <a:r>
+              <a:rPr lang="pt-BR" b="1" i="1" dirty="0" err="1">
+                <a:latin typeface="Segoe UI" panose="020B0502040204020203" pitchFamily="34" charset="0"/>
+                <a:cs typeface="Segoe UI" panose="020B0502040204020203" pitchFamily="34" charset="0"/>
+              </a:rPr>
+              <a:t>Store</a:t>
+            </a:r>
+            <a:r>
+              <a:rPr lang="pt-BR" b="1" i="1" dirty="0">
+                <a:latin typeface="Segoe UI" panose="020B0502040204020203" pitchFamily="34" charset="0"/>
+                <a:cs typeface="Segoe UI" panose="020B0502040204020203" pitchFamily="34" charset="0"/>
+              </a:rPr>
+              <a:t>. </a:t>
+            </a:r>
             <a:r>
               <a:rPr lang="pt-BR" dirty="0">
                 <a:latin typeface="Segoe UI" panose="020B0502040204020203" pitchFamily="34" charset="0"/>
                 <a:cs typeface="Segoe UI" panose="020B0502040204020203" pitchFamily="34" charset="0"/>
               </a:rPr>
-              <a:t>Possuem grande documentação disponível em diversos idiomas.</a:t>
-            </a:r>
-          </a:p>
-          <a:p>
-            <a:endParaRPr lang="pt-BR" dirty="0">
-              <a:latin typeface="Segoe UI" panose="020B0502040204020203" pitchFamily="34" charset="0"/>
-              <a:cs typeface="Segoe UI" panose="020B0502040204020203" pitchFamily="34" charset="0"/>
-            </a:endParaRPr>
-          </a:p>
-        </p:txBody>
-      </p:sp>
+              <a:t>Você pesquisa por </a:t>
+            </a:r>
+            <a:r>
+              <a:rPr lang="pt-BR" b="1" i="1" dirty="0" err="1">
+                <a:latin typeface="Segoe UI" panose="020B0502040204020203" pitchFamily="34" charset="0"/>
+                <a:cs typeface="Segoe UI" panose="020B0502040204020203" pitchFamily="34" charset="0"/>
+              </a:rPr>
+              <a:t>Whatsapp</a:t>
+            </a:r>
+            <a:r>
+              <a:rPr lang="pt-BR" dirty="0">
+                <a:latin typeface="Segoe UI" panose="020B0502040204020203" pitchFamily="34" charset="0"/>
+                <a:cs typeface="Segoe UI" panose="020B0502040204020203" pitchFamily="34" charset="0"/>
+              </a:rPr>
+              <a:t>, verifica os requisitos como versão do Android, espaço de armazenamento, permissões e etc...</a:t>
+            </a:r>
+          </a:p>
+          <a:p>
+            <a:r>
+              <a:rPr lang="pt-BR" dirty="0">
+                <a:latin typeface="Segoe UI" panose="020B0502040204020203" pitchFamily="34" charset="0"/>
+                <a:cs typeface="Segoe UI" panose="020B0502040204020203" pitchFamily="34" charset="0"/>
+              </a:rPr>
+              <a:t>Clica em instalar, sendo assim, é verificado se você está </a:t>
+            </a:r>
+            <a:r>
+              <a:rPr lang="pt-BR" dirty="0" err="1">
+                <a:latin typeface="Segoe UI" panose="020B0502040204020203" pitchFamily="34" charset="0"/>
+                <a:cs typeface="Segoe UI" panose="020B0502040204020203" pitchFamily="34" charset="0"/>
+              </a:rPr>
+              <a:t>logado</a:t>
+            </a:r>
+            <a:r>
+              <a:rPr lang="pt-BR" dirty="0">
+                <a:latin typeface="Segoe UI" panose="020B0502040204020203" pitchFamily="34" charset="0"/>
+                <a:cs typeface="Segoe UI" panose="020B0502040204020203" pitchFamily="34" charset="0"/>
+              </a:rPr>
+              <a:t>, começa a ser feito o download do </a:t>
+            </a:r>
+            <a:r>
+              <a:rPr lang="pt-BR" b="1" i="1" dirty="0">
+                <a:latin typeface="Segoe UI" panose="020B0502040204020203" pitchFamily="34" charset="0"/>
+                <a:cs typeface="Segoe UI" panose="020B0502040204020203" pitchFamily="34" charset="0"/>
+              </a:rPr>
+              <a:t>.</a:t>
+            </a:r>
+            <a:r>
+              <a:rPr lang="pt-BR" b="1" i="1" dirty="0" err="1">
+                <a:latin typeface="Segoe UI" panose="020B0502040204020203" pitchFamily="34" charset="0"/>
+                <a:cs typeface="Segoe UI" panose="020B0502040204020203" pitchFamily="34" charset="0"/>
+              </a:rPr>
+              <a:t>apk</a:t>
+            </a:r>
+            <a:r>
+              <a:rPr lang="pt-BR" b="1" i="1" dirty="0">
+                <a:latin typeface="Segoe UI" panose="020B0502040204020203" pitchFamily="34" charset="0"/>
+                <a:cs typeface="Segoe UI" panose="020B0502040204020203" pitchFamily="34" charset="0"/>
+              </a:rPr>
+              <a:t> </a:t>
+            </a:r>
+            <a:r>
+              <a:rPr lang="pt-BR" dirty="0">
+                <a:latin typeface="Segoe UI" panose="020B0502040204020203" pitchFamily="34" charset="0"/>
+                <a:cs typeface="Segoe UI" panose="020B0502040204020203" pitchFamily="34" charset="0"/>
+              </a:rPr>
+              <a:t>e em alguns minutos começa a ser instalado, confirma algumas permissões e só assim você poderá utilizar o app.</a:t>
+            </a:r>
+          </a:p>
+        </p:txBody>
+      </p:sp>
+      <p:pic>
+        <p:nvPicPr>
+          <p:cNvPr id="4" name="Imagem 3">
+            <a:extLst>
+              <a:ext uri="{FF2B5EF4-FFF2-40B4-BE49-F238E27FC236}">
+                <a16:creationId xmlns:a16="http://schemas.microsoft.com/office/drawing/2014/main" id="{65A36558-07B5-44A8-991C-5DD126995422}"/>
+              </a:ext>
+            </a:extLst>
+          </p:cNvPr>
+          <p:cNvPicPr>
+            <a:picLocks noChangeAspect="1"/>
+          </p:cNvPicPr>
+          <p:nvPr/>
+        </p:nvPicPr>
+        <p:blipFill>
+          <a:blip r:embed="rId2"/>
+          <a:stretch>
+            <a:fillRect/>
+          </a:stretch>
+        </p:blipFill>
+        <p:spPr>
+          <a:xfrm>
+            <a:off x="1828800" y="3804615"/>
+            <a:ext cx="8061959" cy="2765700"/>
+          </a:xfrm>
+          <a:prstGeom prst="rect">
+            <a:avLst/>
+          </a:prstGeom>
+        </p:spPr>
+      </p:pic>
     </p:spTree>
     <p:extLst>
       <p:ext uri="{BB962C8B-B14F-4D97-AF65-F5344CB8AC3E}">
-        <p14:creationId xmlns:p14="http://schemas.microsoft.com/office/powerpoint/2010/main" val="1337193757"/>
+        <p14:creationId xmlns:p14="http://schemas.microsoft.com/office/powerpoint/2010/main" val="3785985622"/>
       </p:ext>
     </p:extLst>
   </p:cSld>
@@ -4823,22 +5030,22 @@
             <p:ph type="title"/>
           </p:nvPr>
         </p:nvSpPr>
-        <p:spPr/>
-        <p:txBody>
-          <a:bodyPr/>
+        <p:spPr>
+          <a:xfrm>
+            <a:off x="281353" y="484632"/>
+            <a:ext cx="11760591" cy="1609344"/>
+          </a:xfrm>
+        </p:spPr>
+        <p:txBody>
+          <a:bodyPr>
+            <a:normAutofit/>
+          </a:bodyPr>
           <a:lstStyle/>
           <a:p>
-            <a:r>
-              <a:rPr lang="pt-BR" dirty="0"/>
-              <a:t>Não é a mesma coisa que o </a:t>
-            </a:r>
-            <a:r>
-              <a:rPr lang="pt-BR" dirty="0" err="1"/>
-              <a:t>Cordova</a:t>
-            </a:r>
-            <a:r>
-              <a:rPr lang="pt-BR" dirty="0"/>
-              <a:t>?</a:t>
+            <a:pPr algn="ctr"/>
+            <a:r>
+              <a:rPr lang="pt-BR" sz="4000" dirty="0"/>
+              <a:t>Quais são os problemas mais comuns?</a:t>
             </a:r>
           </a:p>
         </p:txBody>
@@ -4859,7 +5066,12 @@
             <p:ph idx="1"/>
           </p:nvPr>
         </p:nvSpPr>
-        <p:spPr/>
+        <p:spPr>
+          <a:xfrm>
+            <a:off x="1069848" y="1617785"/>
+            <a:ext cx="10058400" cy="5240215"/>
+          </a:xfrm>
+        </p:spPr>
         <p:txBody>
           <a:bodyPr/>
           <a:lstStyle/>
@@ -4869,35 +5081,21 @@
                 <a:latin typeface="Segoe UI" panose="020B0502040204020203" pitchFamily="34" charset="0"/>
                 <a:cs typeface="Segoe UI" panose="020B0502040204020203" pitchFamily="34" charset="0"/>
               </a:rPr>
-              <a:t>Ué, se isso é </a:t>
+              <a:t>Por serem aplicativos, são como programas de computador, podemos fazer a analogia como ter o pacote Office instalado no computador. E isso consome muito espaço físico, por exemplo o </a:t>
             </a:r>
             <a:r>
               <a:rPr lang="pt-BR" dirty="0" err="1">
                 <a:latin typeface="Segoe UI" panose="020B0502040204020203" pitchFamily="34" charset="0"/>
                 <a:cs typeface="Segoe UI" panose="020B0502040204020203" pitchFamily="34" charset="0"/>
               </a:rPr>
-              <a:t>html</a:t>
+              <a:t>Whatsapp</a:t>
             </a:r>
             <a:r>
               <a:rPr lang="pt-BR" dirty="0">
                 <a:latin typeface="Segoe UI" panose="020B0502040204020203" pitchFamily="34" charset="0"/>
                 <a:cs typeface="Segoe UI" panose="020B0502040204020203" pitchFamily="34" charset="0"/>
               </a:rPr>
-              <a:t> + </a:t>
-            </a:r>
-            <a:r>
-              <a:rPr lang="pt-BR" dirty="0" err="1">
-                <a:latin typeface="Segoe UI" panose="020B0502040204020203" pitchFamily="34" charset="0"/>
-                <a:cs typeface="Segoe UI" panose="020B0502040204020203" pitchFamily="34" charset="0"/>
-              </a:rPr>
-              <a:t>javascript</a:t>
-            </a:r>
-            <a:r>
-              <a:rPr lang="pt-BR" dirty="0">
-                <a:latin typeface="Segoe UI" panose="020B0502040204020203" pitchFamily="34" charset="0"/>
-                <a:cs typeface="Segoe UI" panose="020B0502040204020203" pitchFamily="34" charset="0"/>
-              </a:rPr>
-              <a:t> não dá na mesma?</a:t>
+              <a:t> consome só de estar instalado 35.74 MB, um outro exemplo é o Facebook, ele consome 35.74 MB.</a:t>
             </a:r>
           </a:p>
           <a:p>
@@ -4912,21 +5110,37 @@
                 <a:latin typeface="Segoe UI" panose="020B0502040204020203" pitchFamily="34" charset="0"/>
                 <a:cs typeface="Segoe UI" panose="020B0502040204020203" pitchFamily="34" charset="0"/>
               </a:rPr>
-              <a:t>De jeito nenhum, o </a:t>
-            </a:r>
-            <a:r>
-              <a:rPr lang="pt-BR" b="1" i="1" dirty="0" err="1">
-                <a:latin typeface="Segoe UI" panose="020B0502040204020203" pitchFamily="34" charset="0"/>
-                <a:cs typeface="Segoe UI" panose="020B0502040204020203" pitchFamily="34" charset="0"/>
-              </a:rPr>
-              <a:t>cordova</a:t>
-            </a:r>
+              <a:t>Quando as lojas disponibilizam novas versões, as atualizações não são instantâneas e as vezes até encerram do nada enquanto estamos utilizando para atualizar.</a:t>
+            </a:r>
+          </a:p>
+          <a:p>
+            <a:endParaRPr lang="pt-BR" dirty="0">
+              <a:latin typeface="Segoe UI" panose="020B0502040204020203" pitchFamily="34" charset="0"/>
+              <a:cs typeface="Segoe UI" panose="020B0502040204020203" pitchFamily="34" charset="0"/>
+            </a:endParaRPr>
+          </a:p>
+          <a:p>
             <a:r>
               <a:rPr lang="pt-BR" dirty="0">
                 <a:latin typeface="Segoe UI" panose="020B0502040204020203" pitchFamily="34" charset="0"/>
                 <a:cs typeface="Segoe UI" panose="020B0502040204020203" pitchFamily="34" charset="0"/>
               </a:rPr>
-              <a:t> trabalha utilizando um container de HTML</a:t>
+              <a:t>Não é o mesmo App para cada plataforma, as vezes uma possui atualizações mais rápidas do que as outras.</a:t>
+            </a:r>
+          </a:p>
+          <a:p>
+            <a:endParaRPr lang="pt-BR" dirty="0">
+              <a:latin typeface="Segoe UI" panose="020B0502040204020203" pitchFamily="34" charset="0"/>
+              <a:cs typeface="Segoe UI" panose="020B0502040204020203" pitchFamily="34" charset="0"/>
+            </a:endParaRPr>
+          </a:p>
+          <a:p>
+            <a:r>
+              <a:rPr lang="pt-BR" dirty="0">
+                <a:latin typeface="Segoe UI" panose="020B0502040204020203" pitchFamily="34" charset="0"/>
+                <a:cs typeface="Segoe UI" panose="020B0502040204020203" pitchFamily="34" charset="0"/>
+              </a:rPr>
+              <a:t>Aplicativos gratuitos podem possuir muitas propagandas.</a:t>
             </a:r>
           </a:p>
         </p:txBody>
@@ -4934,7 +5148,7 @@
     </p:spTree>
     <p:extLst>
       <p:ext uri="{BB962C8B-B14F-4D97-AF65-F5344CB8AC3E}">
-        <p14:creationId xmlns:p14="http://schemas.microsoft.com/office/powerpoint/2010/main" val="1963135395"/>
+        <p14:creationId xmlns:p14="http://schemas.microsoft.com/office/powerpoint/2010/main" val="1097559854"/>
       </p:ext>
     </p:extLst>
   </p:cSld>
@@ -4966,7 +5180,7 @@
           <p:cNvPr id="2" name="Título 1">
             <a:extLst>
               <a:ext uri="{FF2B5EF4-FFF2-40B4-BE49-F238E27FC236}">
-                <a16:creationId xmlns:a16="http://schemas.microsoft.com/office/drawing/2014/main" id="{7C004CA9-2C46-43BE-8B5C-8073497D8458}"/>
+                <a16:creationId xmlns:a16="http://schemas.microsoft.com/office/drawing/2014/main" id="{B19728D3-1460-42D2-8D6D-FA0A3611E6CA}"/>
               </a:ext>
             </a:extLst>
           </p:cNvPr>
@@ -4979,19 +5193,17 @@
         </p:nvSpPr>
         <p:spPr>
           <a:xfrm>
-            <a:off x="677334" y="609600"/>
-            <a:ext cx="8324776" cy="1320800"/>
+            <a:off x="801858" y="484632"/>
+            <a:ext cx="10326390" cy="1609344"/>
           </a:xfrm>
         </p:spPr>
         <p:txBody>
-          <a:bodyPr>
-            <a:normAutofit/>
-          </a:bodyPr>
+          <a:bodyPr/>
           <a:lstStyle/>
           <a:p>
             <a:r>
               <a:rPr lang="pt-BR" dirty="0"/>
-              <a:t>Sobre PWA</a:t>
+              <a:t>Os benefícios dos apps</a:t>
             </a:r>
           </a:p>
         </p:txBody>
@@ -5001,7 +5213,7 @@
           <p:cNvPr id="3" name="Espaço Reservado para Conteúdo 2">
             <a:extLst>
               <a:ext uri="{FF2B5EF4-FFF2-40B4-BE49-F238E27FC236}">
-                <a16:creationId xmlns:a16="http://schemas.microsoft.com/office/drawing/2014/main" id="{89E0BFDC-6745-4981-8B6A-0B22A47108C8}"/>
+                <a16:creationId xmlns:a16="http://schemas.microsoft.com/office/drawing/2014/main" id="{14E8FBFC-2E5D-4C2F-8C5C-DBC1E5328FCE}"/>
               </a:ext>
             </a:extLst>
           </p:cNvPr>
@@ -5012,70 +5224,80 @@
             <p:ph idx="1"/>
           </p:nvPr>
         </p:nvSpPr>
-        <p:spPr/>
-        <p:txBody>
-          <a:bodyPr>
-            <a:normAutofit/>
-          </a:bodyPr>
+        <p:spPr>
+          <a:xfrm>
+            <a:off x="1069848" y="2067951"/>
+            <a:ext cx="10058400" cy="4104249"/>
+          </a:xfrm>
+        </p:spPr>
+        <p:txBody>
+          <a:bodyPr/>
           <a:lstStyle/>
           <a:p>
             <a:r>
-              <a:rPr lang="pt-BR" sz="2800" dirty="0">
-                <a:latin typeface="Segoe UI" panose="020B0502040204020203" pitchFamily="34" charset="0"/>
-                <a:cs typeface="Segoe UI" panose="020B0502040204020203" pitchFamily="34" charset="0"/>
-              </a:rPr>
-              <a:t>Você já deve ter ouvido que </a:t>
-            </a:r>
-            <a:r>
-              <a:rPr lang="pt-BR" sz="2800" b="1" i="1" dirty="0">
-                <a:latin typeface="Segoe UI" panose="020B0502040204020203" pitchFamily="34" charset="0"/>
-                <a:cs typeface="Segoe UI" panose="020B0502040204020203" pitchFamily="34" charset="0"/>
-              </a:rPr>
-              <a:t>P.W.A</a:t>
-            </a:r>
-            <a:r>
-              <a:rPr lang="pt-BR" sz="2800" dirty="0">
-                <a:latin typeface="Segoe UI" panose="020B0502040204020203" pitchFamily="34" charset="0"/>
-                <a:cs typeface="Segoe UI" panose="020B0502040204020203" pitchFamily="34" charset="0"/>
-              </a:rPr>
-              <a:t>. será o futuro! Pois bem, mas você já refletiu como isso poderá refletir em nossas vidas?</a:t>
-            </a:r>
-          </a:p>
-          <a:p>
-            <a:endParaRPr lang="pt-BR" sz="2800" b="1" i="1" dirty="0">
+              <a:rPr lang="pt-BR" dirty="0">
+                <a:latin typeface="Segoe UI" panose="020B0502040204020203" pitchFamily="34" charset="0"/>
+                <a:cs typeface="Segoe UI" panose="020B0502040204020203" pitchFamily="34" charset="0"/>
+              </a:rPr>
+              <a:t>Os aplicativos nativos possuem inúmeras qualidades, além de performance, boa aparência, usabilidade.</a:t>
+            </a:r>
+          </a:p>
+          <a:p>
+            <a:endParaRPr lang="pt-BR" dirty="0">
               <a:latin typeface="Segoe UI" panose="020B0502040204020203" pitchFamily="34" charset="0"/>
               <a:cs typeface="Segoe UI" panose="020B0502040204020203" pitchFamily="34" charset="0"/>
             </a:endParaRPr>
           </a:p>
           <a:p>
             <a:r>
-              <a:rPr lang="pt-BR" sz="2800" b="1" i="1" dirty="0" err="1">
-                <a:latin typeface="Segoe UI" panose="020B0502040204020203" pitchFamily="34" charset="0"/>
-                <a:cs typeface="Segoe UI" panose="020B0502040204020203" pitchFamily="34" charset="0"/>
-              </a:rPr>
-              <a:t>Progressive</a:t>
-            </a:r>
-            <a:r>
-              <a:rPr lang="pt-BR" sz="2800" b="1" i="1" dirty="0">
-                <a:latin typeface="Segoe UI" panose="020B0502040204020203" pitchFamily="34" charset="0"/>
-                <a:cs typeface="Segoe UI" panose="020B0502040204020203" pitchFamily="34" charset="0"/>
-              </a:rPr>
-              <a:t> Web Apps </a:t>
-            </a:r>
-            <a:r>
-              <a:rPr lang="pt-BR" sz="2800" dirty="0">
-                <a:latin typeface="Segoe UI" panose="020B0502040204020203" pitchFamily="34" charset="0"/>
-                <a:cs typeface="Segoe UI" panose="020B0502040204020203" pitchFamily="34" charset="0"/>
-              </a:rPr>
-              <a:t>utiliza o que é de mais moderno na web para entregar uma experiência próxima de aplicativos.</a:t>
-            </a:r>
+              <a:rPr lang="pt-BR" dirty="0">
+                <a:latin typeface="Segoe UI" panose="020B0502040204020203" pitchFamily="34" charset="0"/>
+                <a:cs typeface="Segoe UI" panose="020B0502040204020203" pitchFamily="34" charset="0"/>
+              </a:rPr>
+              <a:t>Possuem uma acessibilidade enorme, hoje em dia é praticamente cultural, você facilmente encontra um app, alguns já fazem parte até do dialeto das pessoas, ganhando até versões adaptadas carinhosas como `</a:t>
+            </a:r>
+            <a:r>
+              <a:rPr lang="pt-BR" dirty="0" err="1">
+                <a:latin typeface="Segoe UI" panose="020B0502040204020203" pitchFamily="34" charset="0"/>
+                <a:cs typeface="Segoe UI" panose="020B0502040204020203" pitchFamily="34" charset="0"/>
+              </a:rPr>
+              <a:t>zapzap</a:t>
+            </a:r>
+            <a:r>
+              <a:rPr lang="pt-BR" dirty="0">
+                <a:latin typeface="Segoe UI" panose="020B0502040204020203" pitchFamily="34" charset="0"/>
+                <a:cs typeface="Segoe UI" panose="020B0502040204020203" pitchFamily="34" charset="0"/>
+              </a:rPr>
+              <a:t>`.</a:t>
+            </a:r>
+          </a:p>
+          <a:p>
+            <a:endParaRPr lang="pt-BR" dirty="0">
+              <a:latin typeface="Segoe UI" panose="020B0502040204020203" pitchFamily="34" charset="0"/>
+              <a:cs typeface="Segoe UI" panose="020B0502040204020203" pitchFamily="34" charset="0"/>
+            </a:endParaRPr>
+          </a:p>
+          <a:p>
+            <a:r>
+              <a:rPr lang="pt-BR" dirty="0">
+                <a:latin typeface="Segoe UI" panose="020B0502040204020203" pitchFamily="34" charset="0"/>
+                <a:cs typeface="Segoe UI" panose="020B0502040204020203" pitchFamily="34" charset="0"/>
+              </a:rPr>
+              <a:t>É possível acessar todos os recursos do seu dispositivo móvel, garantindo uma gama de possibilidades muito maior.</a:t>
+            </a:r>
+          </a:p>
+          <a:p>
+            <a:endParaRPr lang="pt-BR" dirty="0">
+              <a:latin typeface="Segoe UI" panose="020B0502040204020203" pitchFamily="34" charset="0"/>
+              <a:cs typeface="Segoe UI" panose="020B0502040204020203" pitchFamily="34" charset="0"/>
+            </a:endParaRPr>
           </a:p>
         </p:txBody>
       </p:sp>
     </p:spTree>
     <p:extLst>
       <p:ext uri="{BB962C8B-B14F-4D97-AF65-F5344CB8AC3E}">
-        <p14:creationId xmlns:p14="http://schemas.microsoft.com/office/powerpoint/2010/main" val="2124073187"/>
+        <p14:creationId xmlns:p14="http://schemas.microsoft.com/office/powerpoint/2010/main" val="1337193757"/>
       </p:ext>
     </p:extLst>
   </p:cSld>
@@ -5107,7 +5329,7 @@
           <p:cNvPr id="2" name="Título 1">
             <a:extLst>
               <a:ext uri="{FF2B5EF4-FFF2-40B4-BE49-F238E27FC236}">
-                <a16:creationId xmlns:a16="http://schemas.microsoft.com/office/drawing/2014/main" id="{7C004CA9-2C46-43BE-8B5C-8073497D8458}"/>
+                <a16:creationId xmlns:a16="http://schemas.microsoft.com/office/drawing/2014/main" id="{392A665F-70FA-4C79-A7EC-047D0A15C711}"/>
               </a:ext>
             </a:extLst>
           </p:cNvPr>
@@ -5120,67 +5342,60 @@
         </p:nvSpPr>
         <p:spPr>
           <a:xfrm>
-            <a:off x="677334" y="609600"/>
-            <a:ext cx="8324776" cy="1320800"/>
+            <a:off x="1069848" y="484632"/>
+            <a:ext cx="10058400" cy="1133217"/>
           </a:xfrm>
         </p:spPr>
         <p:txBody>
-          <a:bodyPr>
-            <a:normAutofit/>
-          </a:bodyPr>
+          <a:bodyPr/>
           <a:lstStyle/>
           <a:p>
             <a:r>
               <a:rPr lang="pt-BR" dirty="0"/>
-              <a:t>Pilares</a:t>
-            </a:r>
-          </a:p>
-        </p:txBody>
-      </p:sp>
-      <p:sp>
-        <p:nvSpPr>
-          <p:cNvPr id="3" name="Espaço Reservado para Conteúdo 2">
+              <a:t>Na visão do desenvolvedor</a:t>
+            </a:r>
+          </a:p>
+        </p:txBody>
+      </p:sp>
+      <p:pic>
+        <p:nvPicPr>
+          <p:cNvPr id="7" name="Espaço Reservado para Conteúdo 6" descr="Uma imagem contendo pessoa, mantendo, interior&#10;&#10;Descrição gerada com muito alta confiança">
             <a:extLst>
               <a:ext uri="{FF2B5EF4-FFF2-40B4-BE49-F238E27FC236}">
-                <a16:creationId xmlns:a16="http://schemas.microsoft.com/office/drawing/2014/main" id="{89E0BFDC-6745-4981-8B6A-0B22A47108C8}"/>
+                <a16:creationId xmlns:a16="http://schemas.microsoft.com/office/drawing/2014/main" id="{FA4F0558-8218-4E9B-A60E-6501E31D13EE}"/>
               </a:ext>
             </a:extLst>
           </p:cNvPr>
-          <p:cNvSpPr>
-            <a:spLocks noGrp="1"/>
-          </p:cNvSpPr>
+          <p:cNvPicPr>
+            <a:picLocks noGrp="1" noChangeAspect="1"/>
+          </p:cNvPicPr>
           <p:nvPr>
             <p:ph idx="1"/>
           </p:nvPr>
-        </p:nvSpPr>
-        <p:spPr/>
-        <p:txBody>
-          <a:bodyPr/>
-          <a:lstStyle/>
-          <a:p>
-            <a:r>
-              <a:rPr lang="pt-BR" dirty="0"/>
-              <a:t>Confiável</a:t>
-            </a:r>
-          </a:p>
-          <a:p>
-            <a:r>
-              <a:rPr lang="pt-BR" dirty="0"/>
-              <a:t>Rápido</a:t>
-            </a:r>
-          </a:p>
-          <a:p>
-            <a:r>
-              <a:rPr lang="pt-BR" dirty="0"/>
-              <a:t>Atraente</a:t>
-            </a:r>
-          </a:p>
-        </p:txBody>
-      </p:sp>
+        </p:nvPicPr>
+        <p:blipFill>
+          <a:blip r:embed="rId2">
+            <a:extLst>
+              <a:ext uri="{28A0092B-C50C-407E-A947-70E740481C1C}">
+                <a14:useLocalDpi xmlns:a14="http://schemas.microsoft.com/office/drawing/2010/main" val="0"/>
+              </a:ext>
+            </a:extLst>
+          </a:blip>
+          <a:stretch>
+            <a:fillRect/>
+          </a:stretch>
+        </p:blipFill>
+        <p:spPr>
+          <a:xfrm>
+            <a:off x="1622013" y="1477108"/>
+            <a:ext cx="8947973" cy="5039122"/>
+          </a:xfrm>
+        </p:spPr>
+      </p:pic>
     </p:spTree>
     <p:extLst>
       <p:ext uri="{BB962C8B-B14F-4D97-AF65-F5344CB8AC3E}">
-        <p14:creationId xmlns:p14="http://schemas.microsoft.com/office/powerpoint/2010/main" val="3233369574"/>
+        <p14:creationId xmlns:p14="http://schemas.microsoft.com/office/powerpoint/2010/main" val="2783199996"/>
       </p:ext>
     </p:extLst>
   </p:cSld>
@@ -5212,7 +5427,7 @@
           <p:cNvPr id="2" name="Título 1">
             <a:extLst>
               <a:ext uri="{FF2B5EF4-FFF2-40B4-BE49-F238E27FC236}">
-                <a16:creationId xmlns:a16="http://schemas.microsoft.com/office/drawing/2014/main" id="{7C004CA9-2C46-43BE-8B5C-8073497D8458}"/>
+                <a16:creationId xmlns:a16="http://schemas.microsoft.com/office/drawing/2014/main" id="{B19728D3-1460-42D2-8D6D-FA0A3611E6CA}"/>
               </a:ext>
             </a:extLst>
           </p:cNvPr>
@@ -5225,19 +5440,20 @@
         </p:nvSpPr>
         <p:spPr>
           <a:xfrm>
-            <a:off x="677334" y="609600"/>
-            <a:ext cx="8324776" cy="1320800"/>
+            <a:off x="281353" y="484632"/>
+            <a:ext cx="11760591" cy="1133153"/>
           </a:xfrm>
         </p:spPr>
         <p:txBody>
           <a:bodyPr>
-            <a:normAutofit fontScale="90000"/>
+            <a:normAutofit/>
           </a:bodyPr>
           <a:lstStyle/>
           <a:p>
-            <a:r>
-              <a:rPr lang="pt-BR" dirty="0"/>
-              <a:t>Comparativo entre as tecnologias atuais</a:t>
+            <a:pPr algn="ctr"/>
+            <a:r>
+              <a:rPr lang="pt-BR" sz="4000" dirty="0"/>
+              <a:t>Quais são os problemas mais comuns?</a:t>
             </a:r>
           </a:p>
         </p:txBody>
@@ -5247,7 +5463,7 @@
           <p:cNvPr id="3" name="Espaço Reservado para Conteúdo 2">
             <a:extLst>
               <a:ext uri="{FF2B5EF4-FFF2-40B4-BE49-F238E27FC236}">
-                <a16:creationId xmlns:a16="http://schemas.microsoft.com/office/drawing/2014/main" id="{89E0BFDC-6745-4981-8B6A-0B22A47108C8}"/>
+                <a16:creationId xmlns:a16="http://schemas.microsoft.com/office/drawing/2014/main" id="{14E8FBFC-2E5D-4C2F-8C5C-DBC1E5328FCE}"/>
               </a:ext>
             </a:extLst>
           </p:cNvPr>
@@ -5258,19 +5474,92 @@
             <p:ph idx="1"/>
           </p:nvPr>
         </p:nvSpPr>
-        <p:spPr/>
-        <p:txBody>
-          <a:bodyPr/>
+        <p:spPr>
+          <a:xfrm>
+            <a:off x="1069848" y="1617785"/>
+            <a:ext cx="10058400" cy="5064369"/>
+          </a:xfrm>
+        </p:spPr>
+        <p:txBody>
+          <a:bodyPr>
+            <a:normAutofit/>
+          </a:bodyPr>
           <a:lstStyle/>
           <a:p>
-            <a:endParaRPr lang="pt-BR" dirty="0"/>
+            <a:r>
+              <a:rPr lang="pt-BR" dirty="0">
+                <a:latin typeface="Segoe UI" panose="020B0502040204020203" pitchFamily="34" charset="0"/>
+                <a:cs typeface="Segoe UI" panose="020B0502040204020203" pitchFamily="34" charset="0"/>
+              </a:rPr>
+              <a:t>Normalmente o desenvolvedor é cobrado para desenvolver o app nas plataformas mais utilizadas, logo, no mínimo, terá que desenvolver para ‘Android’ e ‘iOS’.</a:t>
+            </a:r>
+          </a:p>
+          <a:p>
+            <a:endParaRPr lang="pt-BR" dirty="0">
+              <a:latin typeface="Segoe UI" panose="020B0502040204020203" pitchFamily="34" charset="0"/>
+              <a:cs typeface="Segoe UI" panose="020B0502040204020203" pitchFamily="34" charset="0"/>
+            </a:endParaRPr>
+          </a:p>
+          <a:p>
+            <a:r>
+              <a:rPr lang="pt-BR" dirty="0">
+                <a:latin typeface="Segoe UI" panose="020B0502040204020203" pitchFamily="34" charset="0"/>
+                <a:cs typeface="Segoe UI" panose="020B0502040204020203" pitchFamily="34" charset="0"/>
+              </a:rPr>
+              <a:t>O desenvolvimento não é tão simples, por exemplo, os códigos são muito verbosos, processos de build demorados (nativos).</a:t>
+            </a:r>
+          </a:p>
+          <a:p>
+            <a:endParaRPr lang="pt-BR" dirty="0">
+              <a:latin typeface="Segoe UI" panose="020B0502040204020203" pitchFamily="34" charset="0"/>
+              <a:cs typeface="Segoe UI" panose="020B0502040204020203" pitchFamily="34" charset="0"/>
+            </a:endParaRPr>
+          </a:p>
+          <a:p>
+            <a:r>
+              <a:rPr lang="pt-BR" dirty="0">
+                <a:latin typeface="Segoe UI" panose="020B0502040204020203" pitchFamily="34" charset="0"/>
+                <a:cs typeface="Segoe UI" panose="020B0502040204020203" pitchFamily="34" charset="0"/>
+              </a:rPr>
+              <a:t>Necessita de uma equipe mais experimente e mais volumosa (nativos).</a:t>
+            </a:r>
+          </a:p>
+          <a:p>
+            <a:endParaRPr lang="pt-BR" dirty="0">
+              <a:latin typeface="Segoe UI" panose="020B0502040204020203" pitchFamily="34" charset="0"/>
+              <a:cs typeface="Segoe UI" panose="020B0502040204020203" pitchFamily="34" charset="0"/>
+            </a:endParaRPr>
+          </a:p>
+          <a:p>
+            <a:r>
+              <a:rPr lang="pt-BR" dirty="0">
+                <a:latin typeface="Segoe UI" panose="020B0502040204020203" pitchFamily="34" charset="0"/>
+                <a:cs typeface="Segoe UI" panose="020B0502040204020203" pitchFamily="34" charset="0"/>
+              </a:rPr>
+              <a:t>É necessário possuir máquinas mais potentes para conseguir executar programas (ide) de desenvolvimento. (nativos) </a:t>
+            </a:r>
+          </a:p>
+          <a:p>
+            <a:endParaRPr lang="pt-BR" dirty="0">
+              <a:latin typeface="Segoe UI" panose="020B0502040204020203" pitchFamily="34" charset="0"/>
+              <a:cs typeface="Segoe UI" panose="020B0502040204020203" pitchFamily="34" charset="0"/>
+            </a:endParaRPr>
+          </a:p>
+          <a:p>
+            <a:r>
+              <a:rPr lang="pt-BR" dirty="0">
+                <a:latin typeface="Segoe UI" panose="020B0502040204020203" pitchFamily="34" charset="0"/>
+                <a:cs typeface="Segoe UI" panose="020B0502040204020203" pitchFamily="34" charset="0"/>
+              </a:rPr>
+              <a:t>Aplicativos híbridos podem não garantir a performance equivalente a nativa.</a:t>
+            </a:r>
           </a:p>
         </p:txBody>
       </p:sp>
     </p:spTree>
     <p:extLst>
       <p:ext uri="{BB962C8B-B14F-4D97-AF65-F5344CB8AC3E}">
-        <p14:creationId xmlns:p14="http://schemas.microsoft.com/office/powerpoint/2010/main" val="1202595525"/>
+        <p14:creationId xmlns:p14="http://schemas.microsoft.com/office/powerpoint/2010/main" val="860088795"/>
       </p:ext>
     </p:extLst>
   </p:cSld>
@@ -5313,14 +5602,19 @@
             <p:ph type="title"/>
           </p:nvPr>
         </p:nvSpPr>
-        <p:spPr/>
+        <p:spPr>
+          <a:xfrm>
+            <a:off x="801858" y="484632"/>
+            <a:ext cx="10326390" cy="1609344"/>
+          </a:xfrm>
+        </p:spPr>
         <p:txBody>
           <a:bodyPr/>
           <a:lstStyle/>
           <a:p>
             <a:r>
               <a:rPr lang="pt-BR" dirty="0"/>
-              <a:t>Quem usa?</a:t>
+              <a:t>Os benefícios dos apps</a:t>
             </a:r>
           </a:p>
         </p:txBody>
@@ -5341,22 +5635,126 @@
             <p:ph idx="1"/>
           </p:nvPr>
         </p:nvSpPr>
-        <p:spPr/>
+        <p:spPr>
+          <a:xfrm>
+            <a:off x="1069848" y="2067951"/>
+            <a:ext cx="10058400" cy="4104249"/>
+          </a:xfrm>
+        </p:spPr>
         <p:txBody>
           <a:bodyPr/>
           <a:lstStyle/>
           <a:p>
             <a:r>
-              <a:rPr lang="pt-BR" dirty="0"/>
-              <a:t>O que é considerado PWA?</a:t>
-            </a:r>
+              <a:rPr lang="pt-BR" dirty="0">
+                <a:latin typeface="Segoe UI" panose="020B0502040204020203" pitchFamily="34" charset="0"/>
+                <a:cs typeface="Segoe UI" panose="020B0502040204020203" pitchFamily="34" charset="0"/>
+              </a:rPr>
+              <a:t>Existe muita documentação oficial, dúvidas resolvidas no ‘</a:t>
+            </a:r>
+            <a:r>
+              <a:rPr lang="pt-BR" dirty="0" err="1">
+                <a:latin typeface="Segoe UI" panose="020B0502040204020203" pitchFamily="34" charset="0"/>
+                <a:cs typeface="Segoe UI" panose="020B0502040204020203" pitchFamily="34" charset="0"/>
+              </a:rPr>
+              <a:t>stackoverflow</a:t>
+            </a:r>
+            <a:r>
+              <a:rPr lang="pt-BR" dirty="0">
+                <a:latin typeface="Segoe UI" panose="020B0502040204020203" pitchFamily="34" charset="0"/>
+                <a:cs typeface="Segoe UI" panose="020B0502040204020203" pitchFamily="34" charset="0"/>
+              </a:rPr>
+              <a:t>’, tecnologias já possuem maturidade suficiente para uso em produção.</a:t>
+            </a:r>
+          </a:p>
+          <a:p>
+            <a:pPr marL="0" indent="0">
+              <a:buNone/>
+            </a:pPr>
+            <a:endParaRPr lang="pt-BR" dirty="0">
+              <a:latin typeface="Segoe UI" panose="020B0502040204020203" pitchFamily="34" charset="0"/>
+              <a:cs typeface="Segoe UI" panose="020B0502040204020203" pitchFamily="34" charset="0"/>
+            </a:endParaRPr>
+          </a:p>
+          <a:p>
+            <a:r>
+              <a:rPr lang="pt-BR" dirty="0">
+                <a:latin typeface="Segoe UI" panose="020B0502040204020203" pitchFamily="34" charset="0"/>
+                <a:cs typeface="Segoe UI" panose="020B0502040204020203" pitchFamily="34" charset="0"/>
+              </a:rPr>
+              <a:t>As linguagens estão se sofisticando, Java está sendo substituído por </a:t>
+            </a:r>
+            <a:r>
+              <a:rPr lang="pt-BR" dirty="0" err="1">
+                <a:latin typeface="Segoe UI" panose="020B0502040204020203" pitchFamily="34" charset="0"/>
+                <a:cs typeface="Segoe UI" panose="020B0502040204020203" pitchFamily="34" charset="0"/>
+              </a:rPr>
+              <a:t>Kotlin</a:t>
+            </a:r>
+            <a:r>
+              <a:rPr lang="pt-BR" dirty="0">
+                <a:latin typeface="Segoe UI" panose="020B0502040204020203" pitchFamily="34" charset="0"/>
+                <a:cs typeface="Segoe UI" panose="020B0502040204020203" pitchFamily="34" charset="0"/>
+              </a:rPr>
+              <a:t>, </a:t>
+            </a:r>
+            <a:r>
+              <a:rPr lang="pt-BR" dirty="0" err="1">
+                <a:latin typeface="Segoe UI" panose="020B0502040204020203" pitchFamily="34" charset="0"/>
+                <a:cs typeface="Segoe UI" panose="020B0502040204020203" pitchFamily="34" charset="0"/>
+              </a:rPr>
+              <a:t>Object</a:t>
+            </a:r>
+            <a:r>
+              <a:rPr lang="pt-BR" dirty="0">
+                <a:latin typeface="Segoe UI" panose="020B0502040204020203" pitchFamily="34" charset="0"/>
+                <a:cs typeface="Segoe UI" panose="020B0502040204020203" pitchFamily="34" charset="0"/>
+              </a:rPr>
+              <a:t> C está sendo substituído por Swift.</a:t>
+            </a:r>
+          </a:p>
+          <a:p>
+            <a:endParaRPr lang="pt-BR" dirty="0">
+              <a:latin typeface="Segoe UI" panose="020B0502040204020203" pitchFamily="34" charset="0"/>
+              <a:cs typeface="Segoe UI" panose="020B0502040204020203" pitchFamily="34" charset="0"/>
+            </a:endParaRPr>
+          </a:p>
+          <a:p>
+            <a:r>
+              <a:rPr lang="pt-BR" dirty="0">
+                <a:latin typeface="Segoe UI" panose="020B0502040204020203" pitchFamily="34" charset="0"/>
+                <a:cs typeface="Segoe UI" panose="020B0502040204020203" pitchFamily="34" charset="0"/>
+              </a:rPr>
+              <a:t>Todo dia surgem novas ideias que podem se tornar grandes produtos.</a:t>
+            </a:r>
+          </a:p>
+          <a:p>
+            <a:endParaRPr lang="pt-BR" dirty="0">
+              <a:latin typeface="Segoe UI" panose="020B0502040204020203" pitchFamily="34" charset="0"/>
+              <a:cs typeface="Segoe UI" panose="020B0502040204020203" pitchFamily="34" charset="0"/>
+            </a:endParaRPr>
+          </a:p>
+          <a:p>
+            <a:r>
+              <a:rPr lang="pt-BR" dirty="0">
+                <a:latin typeface="Segoe UI" panose="020B0502040204020203" pitchFamily="34" charset="0"/>
+                <a:cs typeface="Segoe UI" panose="020B0502040204020203" pitchFamily="34" charset="0"/>
+              </a:rPr>
+              <a:t>Existem outras formas de desenvolver além das formas nativas</a:t>
+            </a:r>
+          </a:p>
+          <a:p>
+            <a:endParaRPr lang="pt-BR" dirty="0">
+              <a:latin typeface="Segoe UI" panose="020B0502040204020203" pitchFamily="34" charset="0"/>
+              <a:cs typeface="Segoe UI" panose="020B0502040204020203" pitchFamily="34" charset="0"/>
+            </a:endParaRPr>
           </a:p>
         </p:txBody>
       </p:sp>
     </p:spTree>
     <p:extLst>
       <p:ext uri="{BB962C8B-B14F-4D97-AF65-F5344CB8AC3E}">
-        <p14:creationId xmlns:p14="http://schemas.microsoft.com/office/powerpoint/2010/main" val="237772752"/>
+        <p14:creationId xmlns:p14="http://schemas.microsoft.com/office/powerpoint/2010/main" val="2657887031"/>
       </p:ext>
     </p:extLst>
   </p:cSld>
@@ -5388,7 +5786,7 @@
           <p:cNvPr id="2" name="Título 1">
             <a:extLst>
               <a:ext uri="{FF2B5EF4-FFF2-40B4-BE49-F238E27FC236}">
-                <a16:creationId xmlns:a16="http://schemas.microsoft.com/office/drawing/2014/main" id="{B19728D3-1460-42D2-8D6D-FA0A3611E6CA}"/>
+                <a16:creationId xmlns:a16="http://schemas.microsoft.com/office/drawing/2014/main" id="{D3AA9FFD-759A-41CB-B17C-5A63C3F9B787}"/>
               </a:ext>
             </a:extLst>
           </p:cNvPr>
@@ -5406,7 +5804,7 @@
           <a:p>
             <a:r>
               <a:rPr lang="pt-BR" dirty="0"/>
-              <a:t>Está acessível?</a:t>
+              <a:t>Existem outros tipos de app?</a:t>
             </a:r>
           </a:p>
         </p:txBody>
@@ -5416,7 +5814,7 @@
           <p:cNvPr id="3" name="Espaço Reservado para Conteúdo 2">
             <a:extLst>
               <a:ext uri="{FF2B5EF4-FFF2-40B4-BE49-F238E27FC236}">
-                <a16:creationId xmlns:a16="http://schemas.microsoft.com/office/drawing/2014/main" id="{14E8FBFC-2E5D-4C2F-8C5C-DBC1E5328FCE}"/>
+                <a16:creationId xmlns:a16="http://schemas.microsoft.com/office/drawing/2014/main" id="{15C4330C-0A60-4F98-9A3D-0958687C6B1D}"/>
               </a:ext>
             </a:extLst>
           </p:cNvPr>
@@ -5433,8 +5831,124 @@
           <a:lstStyle/>
           <a:p>
             <a:r>
-              <a:rPr lang="pt-BR" dirty="0"/>
-              <a:t>O que é considerado PWA?</a:t>
+              <a:rPr lang="pt-BR" dirty="0">
+                <a:latin typeface="Segoe UI" panose="020B0502040204020203" pitchFamily="34" charset="0"/>
+                <a:cs typeface="Segoe UI" panose="020B0502040204020203" pitchFamily="34" charset="0"/>
+              </a:rPr>
+              <a:t>Sim! Existem por exemplo tecnologias que interpretam uma linguagem X, convertendo para código nativo, podemos citar como exemplo </a:t>
+            </a:r>
+            <a:r>
+              <a:rPr lang="pt-BR" dirty="0" err="1">
+                <a:latin typeface="Segoe UI" panose="020B0502040204020203" pitchFamily="34" charset="0"/>
+                <a:cs typeface="Segoe UI" panose="020B0502040204020203" pitchFamily="34" charset="0"/>
+              </a:rPr>
+              <a:t>React</a:t>
+            </a:r>
+            <a:r>
+              <a:rPr lang="pt-BR" dirty="0">
+                <a:latin typeface="Segoe UI" panose="020B0502040204020203" pitchFamily="34" charset="0"/>
+                <a:cs typeface="Segoe UI" panose="020B0502040204020203" pitchFamily="34" charset="0"/>
+              </a:rPr>
+              <a:t> </a:t>
+            </a:r>
+            <a:r>
+              <a:rPr lang="pt-BR" dirty="0" err="1">
+                <a:latin typeface="Segoe UI" panose="020B0502040204020203" pitchFamily="34" charset="0"/>
+                <a:cs typeface="Segoe UI" panose="020B0502040204020203" pitchFamily="34" charset="0"/>
+              </a:rPr>
+              <a:t>Native</a:t>
+            </a:r>
+            <a:r>
+              <a:rPr lang="pt-BR" dirty="0">
+                <a:latin typeface="Segoe UI" panose="020B0502040204020203" pitchFamily="34" charset="0"/>
+                <a:cs typeface="Segoe UI" panose="020B0502040204020203" pitchFamily="34" charset="0"/>
+              </a:rPr>
+              <a:t>, </a:t>
+            </a:r>
+            <a:r>
+              <a:rPr lang="pt-BR" dirty="0" err="1">
+                <a:latin typeface="Segoe UI" panose="020B0502040204020203" pitchFamily="34" charset="0"/>
+                <a:cs typeface="Segoe UI" panose="020B0502040204020203" pitchFamily="34" charset="0"/>
+              </a:rPr>
+              <a:t>Flutter</a:t>
+            </a:r>
+            <a:r>
+              <a:rPr lang="pt-BR" dirty="0">
+                <a:latin typeface="Segoe UI" panose="020B0502040204020203" pitchFamily="34" charset="0"/>
+                <a:cs typeface="Segoe UI" panose="020B0502040204020203" pitchFamily="34" charset="0"/>
+              </a:rPr>
+              <a:t>, </a:t>
+            </a:r>
+            <a:r>
+              <a:rPr lang="pt-BR" dirty="0" err="1">
+                <a:latin typeface="Segoe UI" panose="020B0502040204020203" pitchFamily="34" charset="0"/>
+                <a:cs typeface="Segoe UI" panose="020B0502040204020203" pitchFamily="34" charset="0"/>
+              </a:rPr>
+              <a:t>Nativescript</a:t>
+            </a:r>
+            <a:r>
+              <a:rPr lang="pt-BR" dirty="0">
+                <a:latin typeface="Segoe UI" panose="020B0502040204020203" pitchFamily="34" charset="0"/>
+                <a:cs typeface="Segoe UI" panose="020B0502040204020203" pitchFamily="34" charset="0"/>
+              </a:rPr>
+              <a:t>... Etc.</a:t>
+            </a:r>
+          </a:p>
+          <a:p>
+            <a:endParaRPr lang="pt-BR" dirty="0">
+              <a:latin typeface="Segoe UI" panose="020B0502040204020203" pitchFamily="34" charset="0"/>
+              <a:cs typeface="Segoe UI" panose="020B0502040204020203" pitchFamily="34" charset="0"/>
+            </a:endParaRPr>
+          </a:p>
+          <a:p>
+            <a:r>
+              <a:rPr lang="pt-BR" dirty="0">
+                <a:latin typeface="Segoe UI" panose="020B0502040204020203" pitchFamily="34" charset="0"/>
+                <a:cs typeface="Segoe UI" panose="020B0502040204020203" pitchFamily="34" charset="0"/>
+              </a:rPr>
+              <a:t>Também existe o que é chamado Apache </a:t>
+            </a:r>
+            <a:r>
+              <a:rPr lang="pt-BR" dirty="0" err="1">
+                <a:latin typeface="Segoe UI" panose="020B0502040204020203" pitchFamily="34" charset="0"/>
+                <a:cs typeface="Segoe UI" panose="020B0502040204020203" pitchFamily="34" charset="0"/>
+              </a:rPr>
+              <a:t>Cordova</a:t>
+            </a:r>
+            <a:r>
+              <a:rPr lang="pt-BR" dirty="0">
+                <a:latin typeface="Segoe UI" panose="020B0502040204020203" pitchFamily="34" charset="0"/>
+                <a:cs typeface="Segoe UI" panose="020B0502040204020203" pitchFamily="34" charset="0"/>
+              </a:rPr>
+              <a:t> (</a:t>
+            </a:r>
+            <a:r>
+              <a:rPr lang="pt-BR" dirty="0" err="1">
+                <a:latin typeface="Segoe UI" panose="020B0502040204020203" pitchFamily="34" charset="0"/>
+                <a:cs typeface="Segoe UI" panose="020B0502040204020203" pitchFamily="34" charset="0"/>
+              </a:rPr>
+              <a:t>Phonegap</a:t>
+            </a:r>
+            <a:r>
+              <a:rPr lang="pt-BR" dirty="0">
+                <a:latin typeface="Segoe UI" panose="020B0502040204020203" pitchFamily="34" charset="0"/>
+                <a:cs typeface="Segoe UI" panose="020B0502040204020203" pitchFamily="34" charset="0"/>
+              </a:rPr>
+              <a:t>), permite que desenvolvedores utilizem HTML 5 + </a:t>
+            </a:r>
+            <a:r>
+              <a:rPr lang="pt-BR" dirty="0" err="1">
+                <a:latin typeface="Segoe UI" panose="020B0502040204020203" pitchFamily="34" charset="0"/>
+                <a:cs typeface="Segoe UI" panose="020B0502040204020203" pitchFamily="34" charset="0"/>
+              </a:rPr>
+              <a:t>Javascript</a:t>
+            </a:r>
+            <a:r>
+              <a:rPr lang="pt-BR" dirty="0">
+                <a:latin typeface="Segoe UI" panose="020B0502040204020203" pitchFamily="34" charset="0"/>
+                <a:cs typeface="Segoe UI" panose="020B0502040204020203" pitchFamily="34" charset="0"/>
+              </a:rPr>
+              <a:t> para transformar em aplicativos.</a:t>
             </a:r>
           </a:p>
         </p:txBody>
@@ -5442,7 +5956,7 @@
     </p:spTree>
     <p:extLst>
       <p:ext uri="{BB962C8B-B14F-4D97-AF65-F5344CB8AC3E}">
-        <p14:creationId xmlns:p14="http://schemas.microsoft.com/office/powerpoint/2010/main" val="507841851"/>
+        <p14:creationId xmlns:p14="http://schemas.microsoft.com/office/powerpoint/2010/main" val="1178022153"/>
       </p:ext>
     </p:extLst>
   </p:cSld>
@@ -5474,7 +5988,7 @@
           <p:cNvPr id="2" name="Título 1">
             <a:extLst>
               <a:ext uri="{FF2B5EF4-FFF2-40B4-BE49-F238E27FC236}">
-                <a16:creationId xmlns:a16="http://schemas.microsoft.com/office/drawing/2014/main" id="{B19728D3-1460-42D2-8D6D-FA0A3611E6CA}"/>
+                <a16:creationId xmlns:a16="http://schemas.microsoft.com/office/drawing/2014/main" id="{7C004CA9-2C46-43BE-8B5C-8073497D8458}"/>
               </a:ext>
             </a:extLst>
           </p:cNvPr>
@@ -5485,16 +5999,22 @@
             <p:ph type="title"/>
           </p:nvPr>
         </p:nvSpPr>
-        <p:spPr/>
-        <p:txBody>
-          <a:bodyPr/>
+        <p:spPr>
+          <a:xfrm>
+            <a:off x="677334" y="609600"/>
+            <a:ext cx="8324776" cy="1320800"/>
+          </a:xfrm>
+        </p:spPr>
+        <p:txBody>
+          <a:bodyPr>
+            <a:normAutofit/>
+          </a:bodyPr>
           <a:lstStyle/>
           <a:p>
             <a:r>
-              <a:rPr lang="pt-BR" dirty="0" err="1"/>
-              <a:t>Firebase</a:t>
-            </a:r>
-            <a:endParaRPr lang="pt-BR" dirty="0"/>
+              <a:rPr lang="pt-BR" dirty="0"/>
+              <a:t>Sobre PWA</a:t>
+            </a:r>
           </a:p>
         </p:txBody>
       </p:sp>
@@ -5503,7 +6023,7 @@
           <p:cNvPr id="3" name="Espaço Reservado para Conteúdo 2">
             <a:extLst>
               <a:ext uri="{FF2B5EF4-FFF2-40B4-BE49-F238E27FC236}">
-                <a16:creationId xmlns:a16="http://schemas.microsoft.com/office/drawing/2014/main" id="{14E8FBFC-2E5D-4C2F-8C5C-DBC1E5328FCE}"/>
+                <a16:creationId xmlns:a16="http://schemas.microsoft.com/office/drawing/2014/main" id="{89E0BFDC-6745-4981-8B6A-0B22A47108C8}"/>
               </a:ext>
             </a:extLst>
           </p:cNvPr>
@@ -5516,37 +6036,94 @@
         </p:nvSpPr>
         <p:spPr/>
         <p:txBody>
-          <a:bodyPr/>
+          <a:bodyPr>
+            <a:normAutofit/>
+          </a:bodyPr>
           <a:lstStyle/>
           <a:p>
             <a:r>
-              <a:rPr lang="pt-BR" dirty="0">
-                <a:hlinkClick r:id="rId2"/>
-              </a:rPr>
-              <a:t>https://firebase.google.com/?hl=pt-br</a:t>
-            </a:r>
-            <a:endParaRPr lang="pt-BR" dirty="0"/>
-          </a:p>
-          <a:p>
-            <a:r>
-              <a:rPr lang="pt-BR" dirty="0"/>
-              <a:t>O </a:t>
-            </a:r>
-            <a:r>
-              <a:rPr lang="pt-BR" dirty="0" err="1"/>
-              <a:t>Firebase</a:t>
-            </a:r>
-            <a:r>
-              <a:rPr lang="pt-BR" dirty="0"/>
-              <a:t> ajuda você a criar apps melhores e desenvolver sua empresa.</a:t>
-            </a:r>
+              <a:rPr lang="pt-BR" sz="2800" dirty="0">
+                <a:latin typeface="Segoe UI" panose="020B0502040204020203" pitchFamily="34" charset="0"/>
+                <a:cs typeface="Segoe UI" panose="020B0502040204020203" pitchFamily="34" charset="0"/>
+              </a:rPr>
+              <a:t>Você já deve ter ouvido que </a:t>
+            </a:r>
+            <a:r>
+              <a:rPr lang="pt-BR" sz="2800" b="1" i="1" dirty="0">
+                <a:latin typeface="Segoe UI" panose="020B0502040204020203" pitchFamily="34" charset="0"/>
+                <a:cs typeface="Segoe UI" panose="020B0502040204020203" pitchFamily="34" charset="0"/>
+              </a:rPr>
+              <a:t>P.W.A</a:t>
+            </a:r>
+            <a:r>
+              <a:rPr lang="pt-BR" sz="2800" dirty="0">
+                <a:latin typeface="Segoe UI" panose="020B0502040204020203" pitchFamily="34" charset="0"/>
+                <a:cs typeface="Segoe UI" panose="020B0502040204020203" pitchFamily="34" charset="0"/>
+              </a:rPr>
+              <a:t>. será o futuro! Pois bem, mas você já refletiu como isso poderá refletir em nossas vidas?</a:t>
+            </a:r>
+          </a:p>
+          <a:p>
+            <a:endParaRPr lang="pt-BR" sz="2800" b="1" i="1" dirty="0">
+              <a:latin typeface="Segoe UI" panose="020B0502040204020203" pitchFamily="34" charset="0"/>
+              <a:cs typeface="Segoe UI" panose="020B0502040204020203" pitchFamily="34" charset="0"/>
+            </a:endParaRPr>
+          </a:p>
+          <a:p>
+            <a:r>
+              <a:rPr lang="pt-BR" sz="2800" b="1" i="1" dirty="0" err="1">
+                <a:latin typeface="Segoe UI" panose="020B0502040204020203" pitchFamily="34" charset="0"/>
+                <a:cs typeface="Segoe UI" panose="020B0502040204020203" pitchFamily="34" charset="0"/>
+              </a:rPr>
+              <a:t>Progressive</a:t>
+            </a:r>
+            <a:r>
+              <a:rPr lang="pt-BR" sz="2800" b="1" i="1" dirty="0">
+                <a:latin typeface="Segoe UI" panose="020B0502040204020203" pitchFamily="34" charset="0"/>
+                <a:cs typeface="Segoe UI" panose="020B0502040204020203" pitchFamily="34" charset="0"/>
+              </a:rPr>
+              <a:t> Web Apps </a:t>
+            </a:r>
+            <a:r>
+              <a:rPr lang="pt-BR" sz="2800" dirty="0">
+                <a:latin typeface="Segoe UI" panose="020B0502040204020203" pitchFamily="34" charset="0"/>
+                <a:cs typeface="Segoe UI" panose="020B0502040204020203" pitchFamily="34" charset="0"/>
+              </a:rPr>
+              <a:t>utiliza o que é de mais moderno na web para entregar uma experiência próxima de aplicativos.</a:t>
+            </a:r>
+          </a:p>
+          <a:p>
+            <a:endParaRPr lang="pt-BR" sz="2800" dirty="0">
+              <a:latin typeface="Segoe UI" panose="020B0502040204020203" pitchFamily="34" charset="0"/>
+              <a:cs typeface="Segoe UI" panose="020B0502040204020203" pitchFamily="34" charset="0"/>
+            </a:endParaRPr>
+          </a:p>
+          <a:p>
+            <a:r>
+              <a:rPr lang="pt-BR" sz="2800" dirty="0">
+                <a:latin typeface="Segoe UI" panose="020B0502040204020203" pitchFamily="34" charset="0"/>
+                <a:cs typeface="Segoe UI" panose="020B0502040204020203" pitchFamily="34" charset="0"/>
+              </a:rPr>
+              <a:t>Podemos dizer que sua base é HTML  5 + </a:t>
+            </a:r>
+            <a:r>
+              <a:rPr lang="pt-BR" sz="2800" dirty="0" err="1">
+                <a:latin typeface="Segoe UI" panose="020B0502040204020203" pitchFamily="34" charset="0"/>
+                <a:cs typeface="Segoe UI" panose="020B0502040204020203" pitchFamily="34" charset="0"/>
+              </a:rPr>
+              <a:t>Javascript</a:t>
+            </a:r>
+            <a:endParaRPr lang="pt-BR" sz="2800" dirty="0">
+              <a:latin typeface="Segoe UI" panose="020B0502040204020203" pitchFamily="34" charset="0"/>
+              <a:cs typeface="Segoe UI" panose="020B0502040204020203" pitchFamily="34" charset="0"/>
+            </a:endParaRPr>
           </a:p>
         </p:txBody>
       </p:sp>
     </p:spTree>
     <p:extLst>
       <p:ext uri="{BB962C8B-B14F-4D97-AF65-F5344CB8AC3E}">
-        <p14:creationId xmlns:p14="http://schemas.microsoft.com/office/powerpoint/2010/main" val="995832646"/>
+        <p14:creationId xmlns:p14="http://schemas.microsoft.com/office/powerpoint/2010/main" val="2124073187"/>
       </p:ext>
     </p:extLst>
   </p:cSld>
@@ -5557,6 +6134,255 @@
 </file>
 
 <file path=ppt/slides/slide18.xml><?xml version="1.0" encoding="utf-8"?>
+<p:sld xmlns:a="http://schemas.openxmlformats.org/drawingml/2006/main" xmlns:r="http://schemas.openxmlformats.org/officeDocument/2006/relationships" xmlns:p="http://schemas.openxmlformats.org/presentationml/2006/main">
+  <p:cSld>
+    <p:bg>
+      <p:bgPr>
+        <a:solidFill>
+          <a:schemeClr val="bg1"/>
+        </a:solidFill>
+        <a:effectLst/>
+      </p:bgPr>
+    </p:bg>
+    <p:spTree>
+      <p:nvGrpSpPr>
+        <p:cNvPr id="1" name=""/>
+        <p:cNvGrpSpPr/>
+        <p:nvPr/>
+      </p:nvGrpSpPr>
+      <p:grpSpPr>
+        <a:xfrm>
+          <a:off x="0" y="0"/>
+          <a:ext cx="0" cy="0"/>
+          <a:chOff x="0" y="0"/>
+          <a:chExt cx="0" cy="0"/>
+        </a:xfrm>
+      </p:grpSpPr>
+      <p:pic>
+        <p:nvPicPr>
+          <p:cNvPr id="5" name="Imagem 4" descr="Uma imagem contendo homem, pessoa, jogador&#10;&#10;Descrição gerada com muito alta confiança">
+            <a:extLst>
+              <a:ext uri="{FF2B5EF4-FFF2-40B4-BE49-F238E27FC236}">
+                <a16:creationId xmlns:a16="http://schemas.microsoft.com/office/drawing/2014/main" id="{7744B3C3-3A7E-4761-BB02-6124CD2B6707}"/>
+              </a:ext>
+            </a:extLst>
+          </p:cNvPr>
+          <p:cNvPicPr>
+            <a:picLocks noChangeAspect="1"/>
+          </p:cNvPicPr>
+          <p:nvPr/>
+        </p:nvPicPr>
+        <p:blipFill rotWithShape="1">
+          <a:blip r:embed="rId2">
+            <a:extLst>
+              <a:ext uri="{28A0092B-C50C-407E-A947-70E740481C1C}">
+                <a14:useLocalDpi xmlns:a14="http://schemas.microsoft.com/office/drawing/2010/main" val="0"/>
+              </a:ext>
+            </a:extLst>
+          </a:blip>
+          <a:srcRect b="14486"/>
+          <a:stretch/>
+        </p:blipFill>
+        <p:spPr>
+          <a:xfrm>
+            <a:off x="782588" y="2018899"/>
+            <a:ext cx="5054333" cy="2820202"/>
+          </a:xfrm>
+          <a:prstGeom prst="rect">
+            <a:avLst/>
+          </a:prstGeom>
+        </p:spPr>
+      </p:pic>
+      <p:sp>
+        <p:nvSpPr>
+          <p:cNvPr id="2" name="Título 1">
+            <a:extLst>
+              <a:ext uri="{FF2B5EF4-FFF2-40B4-BE49-F238E27FC236}">
+                <a16:creationId xmlns:a16="http://schemas.microsoft.com/office/drawing/2014/main" id="{B19728D3-1460-42D2-8D6D-FA0A3611E6CA}"/>
+              </a:ext>
+            </a:extLst>
+          </p:cNvPr>
+          <p:cNvSpPr>
+            <a:spLocks noGrp="1"/>
+          </p:cNvSpPr>
+          <p:nvPr>
+            <p:ph type="title"/>
+          </p:nvPr>
+        </p:nvSpPr>
+        <p:spPr>
+          <a:xfrm>
+            <a:off x="267287" y="484632"/>
+            <a:ext cx="11774658" cy="1609344"/>
+          </a:xfrm>
+        </p:spPr>
+        <p:txBody>
+          <a:bodyPr>
+            <a:normAutofit/>
+          </a:bodyPr>
+          <a:lstStyle/>
+          <a:p>
+            <a:pPr algn="ctr"/>
+            <a:r>
+              <a:rPr lang="pt-BR" sz="4000" dirty="0"/>
+              <a:t>Não é a mesma coisa que o </a:t>
+            </a:r>
+            <a:r>
+              <a:rPr lang="pt-BR" sz="4000" dirty="0" err="1"/>
+              <a:t>Cordova</a:t>
+            </a:r>
+            <a:r>
+              <a:rPr lang="pt-BR" sz="4000" dirty="0"/>
+              <a:t>?</a:t>
+            </a:r>
+          </a:p>
+        </p:txBody>
+      </p:sp>
+      <p:sp>
+        <p:nvSpPr>
+          <p:cNvPr id="3" name="Espaço Reservado para Conteúdo 2">
+            <a:extLst>
+              <a:ext uri="{FF2B5EF4-FFF2-40B4-BE49-F238E27FC236}">
+                <a16:creationId xmlns:a16="http://schemas.microsoft.com/office/drawing/2014/main" id="{14E8FBFC-2E5D-4C2F-8C5C-DBC1E5328FCE}"/>
+              </a:ext>
+            </a:extLst>
+          </p:cNvPr>
+          <p:cNvSpPr>
+            <a:spLocks noGrp="1"/>
+          </p:cNvSpPr>
+          <p:nvPr>
+            <p:ph idx="1"/>
+          </p:nvPr>
+        </p:nvSpPr>
+        <p:spPr>
+          <a:xfrm>
+            <a:off x="6355080" y="2121408"/>
+            <a:ext cx="4773168" cy="4050792"/>
+          </a:xfrm>
+        </p:spPr>
+        <p:txBody>
+          <a:bodyPr>
+            <a:normAutofit/>
+          </a:bodyPr>
+          <a:lstStyle/>
+          <a:p>
+            <a:r>
+              <a:rPr lang="pt-BR" dirty="0">
+                <a:latin typeface="Segoe UI" panose="020B0502040204020203" pitchFamily="34" charset="0"/>
+                <a:cs typeface="Segoe UI" panose="020B0502040204020203" pitchFamily="34" charset="0"/>
+              </a:rPr>
+              <a:t>Ué, se isso é HTML + </a:t>
+            </a:r>
+            <a:r>
+              <a:rPr lang="pt-BR" dirty="0" err="1">
+                <a:latin typeface="Segoe UI" panose="020B0502040204020203" pitchFamily="34" charset="0"/>
+                <a:cs typeface="Segoe UI" panose="020B0502040204020203" pitchFamily="34" charset="0"/>
+              </a:rPr>
+              <a:t>Javascript</a:t>
+            </a:r>
+            <a:r>
+              <a:rPr lang="pt-BR" dirty="0">
+                <a:latin typeface="Segoe UI" panose="020B0502040204020203" pitchFamily="34" charset="0"/>
+                <a:cs typeface="Segoe UI" panose="020B0502040204020203" pitchFamily="34" charset="0"/>
+              </a:rPr>
+              <a:t> não dá na mesma?</a:t>
+            </a:r>
+          </a:p>
+          <a:p>
+            <a:endParaRPr lang="pt-BR" dirty="0">
+              <a:latin typeface="Segoe UI" panose="020B0502040204020203" pitchFamily="34" charset="0"/>
+              <a:cs typeface="Segoe UI" panose="020B0502040204020203" pitchFamily="34" charset="0"/>
+            </a:endParaRPr>
+          </a:p>
+          <a:p>
+            <a:r>
+              <a:rPr lang="pt-BR" dirty="0" err="1">
+                <a:latin typeface="Segoe UI" panose="020B0502040204020203" pitchFamily="34" charset="0"/>
+                <a:cs typeface="Segoe UI" panose="020B0502040204020203" pitchFamily="34" charset="0"/>
+              </a:rPr>
+              <a:t>Ehhhhhh</a:t>
+            </a:r>
+            <a:r>
+              <a:rPr lang="pt-BR" dirty="0">
+                <a:latin typeface="Segoe UI" panose="020B0502040204020203" pitchFamily="34" charset="0"/>
+                <a:cs typeface="Segoe UI" panose="020B0502040204020203" pitchFamily="34" charset="0"/>
+              </a:rPr>
+              <a:t>....</a:t>
+            </a:r>
+          </a:p>
+          <a:p>
+            <a:endParaRPr lang="pt-BR" dirty="0">
+              <a:latin typeface="Segoe UI" panose="020B0502040204020203" pitchFamily="34" charset="0"/>
+              <a:cs typeface="Segoe UI" panose="020B0502040204020203" pitchFamily="34" charset="0"/>
+            </a:endParaRPr>
+          </a:p>
+          <a:p>
+            <a:r>
+              <a:rPr lang="pt-BR" dirty="0">
+                <a:latin typeface="Segoe UI" panose="020B0502040204020203" pitchFamily="34" charset="0"/>
+                <a:cs typeface="Segoe UI" panose="020B0502040204020203" pitchFamily="34" charset="0"/>
+              </a:rPr>
+              <a:t>De jeito nenhum, o </a:t>
+            </a:r>
+            <a:r>
+              <a:rPr lang="pt-BR" b="1" i="1" dirty="0" err="1">
+                <a:latin typeface="Segoe UI" panose="020B0502040204020203" pitchFamily="34" charset="0"/>
+                <a:cs typeface="Segoe UI" panose="020B0502040204020203" pitchFamily="34" charset="0"/>
+              </a:rPr>
+              <a:t>cordova</a:t>
+            </a:r>
+            <a:r>
+              <a:rPr lang="pt-BR" dirty="0">
+                <a:latin typeface="Segoe UI" panose="020B0502040204020203" pitchFamily="34" charset="0"/>
+                <a:cs typeface="Segoe UI" panose="020B0502040204020203" pitchFamily="34" charset="0"/>
+              </a:rPr>
+              <a:t> trabalha utilizando um container de HTML.</a:t>
+            </a:r>
+          </a:p>
+          <a:p>
+            <a:endParaRPr lang="pt-BR" dirty="0">
+              <a:latin typeface="Segoe UI" panose="020B0502040204020203" pitchFamily="34" charset="0"/>
+              <a:cs typeface="Segoe UI" panose="020B0502040204020203" pitchFamily="34" charset="0"/>
+            </a:endParaRPr>
+          </a:p>
+          <a:p>
+            <a:r>
+              <a:rPr lang="pt-BR" dirty="0">
+                <a:latin typeface="Segoe UI" panose="020B0502040204020203" pitchFamily="34" charset="0"/>
+                <a:cs typeface="Segoe UI" panose="020B0502040204020203" pitchFamily="34" charset="0"/>
+              </a:rPr>
+              <a:t>Agora o PWA é totalmente isento, ele acessa diretamente as </a:t>
+            </a:r>
+            <a:r>
+              <a:rPr lang="pt-BR" dirty="0" err="1">
+                <a:latin typeface="Segoe UI" panose="020B0502040204020203" pitchFamily="34" charset="0"/>
+                <a:cs typeface="Segoe UI" panose="020B0502040204020203" pitchFamily="34" charset="0"/>
+              </a:rPr>
+              <a:t>apis</a:t>
+            </a:r>
+            <a:r>
+              <a:rPr lang="pt-BR" dirty="0">
+                <a:latin typeface="Segoe UI" panose="020B0502040204020203" pitchFamily="34" charset="0"/>
+                <a:cs typeface="Segoe UI" panose="020B0502040204020203" pitchFamily="34" charset="0"/>
+              </a:rPr>
+              <a:t>.</a:t>
+            </a:r>
+          </a:p>
+        </p:txBody>
+      </p:sp>
+    </p:spTree>
+    <p:extLst>
+      <p:ext uri="{BB962C8B-B14F-4D97-AF65-F5344CB8AC3E}">
+        <p14:creationId xmlns:p14="http://schemas.microsoft.com/office/powerpoint/2010/main" val="1963135395"/>
+      </p:ext>
+    </p:extLst>
+  </p:cSld>
+  <p:clrMapOvr>
+    <a:masterClrMapping/>
+  </p:clrMapOvr>
+</p:sld>
+</file>
+
+<file path=ppt/slides/slide19.xml><?xml version="1.0" encoding="utf-8"?>
 <p:sld xmlns:a="http://schemas.openxmlformats.org/drawingml/2006/main" xmlns:r="http://schemas.openxmlformats.org/officeDocument/2006/relationships" xmlns:p="http://schemas.openxmlformats.org/presentationml/2006/main">
   <p:cSld>
     <p:spTree>
@@ -5578,7 +6404,7 @@
           <p:cNvPr id="2" name="Título 1">
             <a:extLst>
               <a:ext uri="{FF2B5EF4-FFF2-40B4-BE49-F238E27FC236}">
-                <a16:creationId xmlns:a16="http://schemas.microsoft.com/office/drawing/2014/main" id="{B19728D3-1460-42D2-8D6D-FA0A3611E6CA}"/>
+                <a16:creationId xmlns:a16="http://schemas.microsoft.com/office/drawing/2014/main" id="{7C004CA9-2C46-43BE-8B5C-8073497D8458}"/>
               </a:ext>
             </a:extLst>
           </p:cNvPr>
@@ -5589,35 +6415,12 @@
             <p:ph type="title"/>
           </p:nvPr>
         </p:nvSpPr>
-        <p:spPr/>
-        <p:txBody>
-          <a:bodyPr/>
-          <a:lstStyle/>
-          <a:p>
-            <a:r>
-              <a:rPr lang="pt-BR" dirty="0"/>
-              <a:t>Mais conhecimento</a:t>
-            </a:r>
-          </a:p>
-        </p:txBody>
-      </p:sp>
-      <p:sp>
-        <p:nvSpPr>
-          <p:cNvPr id="3" name="Espaço Reservado para Conteúdo 2">
-            <a:extLst>
-              <a:ext uri="{FF2B5EF4-FFF2-40B4-BE49-F238E27FC236}">
-                <a16:creationId xmlns:a16="http://schemas.microsoft.com/office/drawing/2014/main" id="{14E8FBFC-2E5D-4C2F-8C5C-DBC1E5328FCE}"/>
-              </a:ext>
-            </a:extLst>
-          </p:cNvPr>
-          <p:cNvSpPr>
-            <a:spLocks noGrp="1"/>
-          </p:cNvSpPr>
-          <p:nvPr>
-            <p:ph idx="1"/>
-          </p:nvPr>
-        </p:nvSpPr>
-        <p:spPr/>
+        <p:spPr>
+          <a:xfrm>
+            <a:off x="663267" y="294249"/>
+            <a:ext cx="8324776" cy="783102"/>
+          </a:xfrm>
+        </p:spPr>
         <p:txBody>
           <a:bodyPr>
             <a:normAutofit/>
@@ -5625,61 +6428,158 @@
           <a:lstStyle/>
           <a:p>
             <a:r>
-              <a:rPr lang="pt-BR" dirty="0">
-                <a:hlinkClick r:id="rId2"/>
-              </a:rPr>
-              <a:t>https://blog.minnisell.com/mas-afinal-de-contas-o-que-%C3%A9-um-progressive-web-app-8cd727a8fe46</a:t>
-            </a:r>
-            <a:endParaRPr lang="pt-BR" dirty="0"/>
-          </a:p>
-          <a:p>
-            <a:r>
-              <a:rPr lang="pt-BR" dirty="0">
-                <a:hlinkClick r:id="rId3"/>
-              </a:rPr>
-              <a:t>https://pwa.rocks/</a:t>
-            </a:r>
-            <a:endParaRPr lang="pt-BR" dirty="0"/>
-          </a:p>
-          <a:p>
-            <a:r>
-              <a:rPr lang="pt-BR" dirty="0">
-                <a:hlinkClick r:id="rId4"/>
-              </a:rPr>
-              <a:t>https://vizir.com.br/2017/08/o-que-e-pwa-progressive-web-app-porque-isso-pode-aumentar-seus-resultados-mobile/</a:t>
-            </a:r>
-            <a:endParaRPr lang="pt-BR" dirty="0"/>
-          </a:p>
-          <a:p>
-            <a:r>
-              <a:rPr lang="pt-BR" dirty="0">
-                <a:hlinkClick r:id="rId5"/>
-              </a:rPr>
-              <a:t>https://blog.ionicframework.com/what-is-a-progressive-web-app/</a:t>
-            </a:r>
-            <a:endParaRPr lang="pt-BR" dirty="0"/>
-          </a:p>
-          <a:p>
-            <a:r>
-              <a:rPr lang="pt-BR" dirty="0">
-                <a:hlinkClick r:id="rId6"/>
-              </a:rPr>
-              <a:t>https://www.recode.net/2016/6/8/11883518/app-boom-over-snapchat-uber</a:t>
-            </a:r>
-            <a:endParaRPr lang="pt-BR" dirty="0"/>
-          </a:p>
-          <a:p>
-            <a:r>
               <a:rPr lang="pt-BR" dirty="0"/>
-              <a:t>https://tableless.com.br/introducao-aos-progressive-web-apps/</a:t>
-            </a:r>
+              <a:t>O que é um P.W.A?</a:t>
+            </a:r>
+          </a:p>
+        </p:txBody>
+      </p:sp>
+      <p:sp>
+        <p:nvSpPr>
+          <p:cNvPr id="3" name="Espaço Reservado para Conteúdo 2">
+            <a:extLst>
+              <a:ext uri="{FF2B5EF4-FFF2-40B4-BE49-F238E27FC236}">
+                <a16:creationId xmlns:a16="http://schemas.microsoft.com/office/drawing/2014/main" id="{89E0BFDC-6745-4981-8B6A-0B22A47108C8}"/>
+              </a:ext>
+            </a:extLst>
+          </p:cNvPr>
+          <p:cNvSpPr>
+            <a:spLocks noGrp="1"/>
+          </p:cNvSpPr>
+          <p:nvPr>
+            <p:ph idx="1"/>
+          </p:nvPr>
+        </p:nvSpPr>
+        <p:spPr>
+          <a:xfrm>
+            <a:off x="663267" y="1237957"/>
+            <a:ext cx="10956647" cy="5325794"/>
+          </a:xfrm>
+        </p:spPr>
+        <p:txBody>
+          <a:bodyPr>
+            <a:normAutofit lnSpcReduction="10000"/>
+          </a:bodyPr>
+          <a:lstStyle/>
+          <a:p>
+            <a:r>
+              <a:rPr lang="pt-BR" sz="2800" dirty="0">
+                <a:latin typeface="Segoe UI" panose="020B0502040204020203" pitchFamily="34" charset="0"/>
+                <a:cs typeface="Segoe UI" panose="020B0502040204020203" pitchFamily="34" charset="0"/>
+              </a:rPr>
+              <a:t>Progressivo: para qualquer usuário, independente do browser.</a:t>
+            </a:r>
+          </a:p>
+          <a:p>
+            <a:r>
+              <a:rPr lang="pt-BR" sz="2800" dirty="0">
+                <a:latin typeface="Segoe UI" panose="020B0502040204020203" pitchFamily="34" charset="0"/>
+                <a:cs typeface="Segoe UI" panose="020B0502040204020203" pitchFamily="34" charset="0"/>
+              </a:rPr>
+              <a:t>Responsivo: feito para qualquer dispositivo: desktop, tablet e mobile.</a:t>
+            </a:r>
+          </a:p>
+          <a:p>
+            <a:r>
+              <a:rPr lang="pt-BR" sz="2800" dirty="0">
+                <a:latin typeface="Segoe UI" panose="020B0502040204020203" pitchFamily="34" charset="0"/>
+                <a:cs typeface="Segoe UI" panose="020B0502040204020203" pitchFamily="34" charset="0"/>
+              </a:rPr>
+              <a:t>Conexão: funciona mesmo se o usuário estiver offline.</a:t>
+            </a:r>
+          </a:p>
+          <a:p>
+            <a:r>
+              <a:rPr lang="pt-BR" sz="2800" dirty="0">
+                <a:latin typeface="Segoe UI" panose="020B0502040204020203" pitchFamily="34" charset="0"/>
+                <a:cs typeface="Segoe UI" panose="020B0502040204020203" pitchFamily="34" charset="0"/>
+              </a:rPr>
+              <a:t>Aparência: o usuário se sente em um aplicativo nativo.</a:t>
+            </a:r>
+          </a:p>
+          <a:p>
+            <a:r>
+              <a:rPr lang="pt-BR" sz="2800" dirty="0">
+                <a:latin typeface="Segoe UI" panose="020B0502040204020203" pitchFamily="34" charset="0"/>
+                <a:cs typeface="Segoe UI" panose="020B0502040204020203" pitchFamily="34" charset="0"/>
+              </a:rPr>
+              <a:t>Atualização: Não é necessário baixar atualizações do aplicativo, ele sempre se mantem atualizado.</a:t>
+            </a:r>
+          </a:p>
+          <a:p>
+            <a:r>
+              <a:rPr lang="pt-BR" sz="2800" dirty="0">
+                <a:latin typeface="Segoe UI" panose="020B0502040204020203" pitchFamily="34" charset="0"/>
+                <a:cs typeface="Segoe UI" panose="020B0502040204020203" pitchFamily="34" charset="0"/>
+              </a:rPr>
+              <a:t>Seguro: Somente com https.</a:t>
+            </a:r>
+          </a:p>
+          <a:p>
+            <a:r>
+              <a:rPr lang="pt-BR" sz="2800" dirty="0" err="1">
+                <a:latin typeface="Segoe UI" panose="020B0502040204020203" pitchFamily="34" charset="0"/>
+                <a:cs typeface="Segoe UI" panose="020B0502040204020203" pitchFamily="34" charset="0"/>
+              </a:rPr>
+              <a:t>Engajável</a:t>
+            </a:r>
+            <a:r>
+              <a:rPr lang="pt-BR" sz="2800" dirty="0">
+                <a:latin typeface="Segoe UI" panose="020B0502040204020203" pitchFamily="34" charset="0"/>
+                <a:cs typeface="Segoe UI" panose="020B0502040204020203" pitchFamily="34" charset="0"/>
+              </a:rPr>
+              <a:t>: Através de </a:t>
+            </a:r>
+            <a:r>
+              <a:rPr lang="pt-BR" sz="2800" dirty="0" err="1">
+                <a:latin typeface="Segoe UI" panose="020B0502040204020203" pitchFamily="34" charset="0"/>
+                <a:cs typeface="Segoe UI" panose="020B0502040204020203" pitchFamily="34" charset="0"/>
+              </a:rPr>
+              <a:t>push</a:t>
+            </a:r>
+            <a:r>
+              <a:rPr lang="pt-BR" sz="2800" dirty="0">
+                <a:latin typeface="Segoe UI" panose="020B0502040204020203" pitchFamily="34" charset="0"/>
+                <a:cs typeface="Segoe UI" panose="020B0502040204020203" pitchFamily="34" charset="0"/>
+              </a:rPr>
+              <a:t> </a:t>
+            </a:r>
+            <a:r>
+              <a:rPr lang="pt-BR" sz="2800" dirty="0" err="1">
+                <a:latin typeface="Segoe UI" panose="020B0502040204020203" pitchFamily="34" charset="0"/>
+                <a:cs typeface="Segoe UI" panose="020B0502040204020203" pitchFamily="34" charset="0"/>
+              </a:rPr>
+              <a:t>notifications</a:t>
+            </a:r>
+            <a:r>
+              <a:rPr lang="pt-BR" sz="2800" dirty="0">
+                <a:latin typeface="Segoe UI" panose="020B0502040204020203" pitchFamily="34" charset="0"/>
+                <a:cs typeface="Segoe UI" panose="020B0502040204020203" pitchFamily="34" charset="0"/>
+              </a:rPr>
+              <a:t>, o usuário pode ser constantemente engajado.</a:t>
+            </a:r>
+          </a:p>
+          <a:p>
+            <a:r>
+              <a:rPr lang="pt-BR" sz="2800" dirty="0">
+                <a:latin typeface="Segoe UI" panose="020B0502040204020203" pitchFamily="34" charset="0"/>
+                <a:cs typeface="Segoe UI" panose="020B0502040204020203" pitchFamily="34" charset="0"/>
+              </a:rPr>
+              <a:t>Instalável: é possível adicionar um ícone na tela principal do *smartphone *com apenas um clique.</a:t>
+            </a:r>
+          </a:p>
+          <a:p>
+            <a:endParaRPr lang="pt-BR" sz="2800" dirty="0">
+              <a:latin typeface="Segoe UI" panose="020B0502040204020203" pitchFamily="34" charset="0"/>
+              <a:cs typeface="Segoe UI" panose="020B0502040204020203" pitchFamily="34" charset="0"/>
+            </a:endParaRPr>
           </a:p>
         </p:txBody>
       </p:sp>
     </p:spTree>
     <p:extLst>
       <p:ext uri="{BB962C8B-B14F-4D97-AF65-F5344CB8AC3E}">
-        <p14:creationId xmlns:p14="http://schemas.microsoft.com/office/powerpoint/2010/main" val="2093457419"/>
+        <p14:creationId xmlns:p14="http://schemas.microsoft.com/office/powerpoint/2010/main" val="1251875061"/>
       </p:ext>
     </p:extLst>
   </p:cSld>
@@ -6113,6 +7013,1668 @@
 </p:sld>
 </file>
 
+<file path=ppt/slides/slide20.xml><?xml version="1.0" encoding="utf-8"?>
+<p:sld xmlns:a="http://schemas.openxmlformats.org/drawingml/2006/main" xmlns:r="http://schemas.openxmlformats.org/officeDocument/2006/relationships" xmlns:p="http://schemas.openxmlformats.org/presentationml/2006/main">
+  <p:cSld>
+    <p:spTree>
+      <p:nvGrpSpPr>
+        <p:cNvPr id="1" name=""/>
+        <p:cNvGrpSpPr/>
+        <p:nvPr/>
+      </p:nvGrpSpPr>
+      <p:grpSpPr>
+        <a:xfrm>
+          <a:off x="0" y="0"/>
+          <a:ext cx="0" cy="0"/>
+          <a:chOff x="0" y="0"/>
+          <a:chExt cx="0" cy="0"/>
+        </a:xfrm>
+      </p:grpSpPr>
+      <p:sp>
+        <p:nvSpPr>
+          <p:cNvPr id="2" name="Título 1">
+            <a:extLst>
+              <a:ext uri="{FF2B5EF4-FFF2-40B4-BE49-F238E27FC236}">
+                <a16:creationId xmlns:a16="http://schemas.microsoft.com/office/drawing/2014/main" id="{7C004CA9-2C46-43BE-8B5C-8073497D8458}"/>
+              </a:ext>
+            </a:extLst>
+          </p:cNvPr>
+          <p:cNvSpPr>
+            <a:spLocks noGrp="1"/>
+          </p:cNvSpPr>
+          <p:nvPr>
+            <p:ph type="title"/>
+          </p:nvPr>
+        </p:nvSpPr>
+        <p:spPr>
+          <a:xfrm>
+            <a:off x="677334" y="609600"/>
+            <a:ext cx="11026984" cy="1320800"/>
+          </a:xfrm>
+        </p:spPr>
+        <p:txBody>
+          <a:bodyPr>
+            <a:normAutofit fontScale="90000"/>
+          </a:bodyPr>
+          <a:lstStyle/>
+          <a:p>
+            <a:r>
+              <a:rPr lang="pt-BR" dirty="0"/>
+              <a:t>Comparativo entre as tecnologias atuais</a:t>
+            </a:r>
+          </a:p>
+        </p:txBody>
+      </p:sp>
+      <p:graphicFrame>
+        <p:nvGraphicFramePr>
+          <p:cNvPr id="4" name="Espaço Reservado para Conteúdo 3">
+            <a:extLst>
+              <a:ext uri="{FF2B5EF4-FFF2-40B4-BE49-F238E27FC236}">
+                <a16:creationId xmlns:a16="http://schemas.microsoft.com/office/drawing/2014/main" id="{752ABC24-68C5-4548-8D15-06298C7DF373}"/>
+              </a:ext>
+            </a:extLst>
+          </p:cNvPr>
+          <p:cNvGraphicFramePr>
+            <a:graphicFrameLocks noGrp="1"/>
+          </p:cNvGraphicFramePr>
+          <p:nvPr>
+            <p:ph idx="1"/>
+            <p:extLst>
+              <p:ext uri="{D42A27DB-BD31-4B8C-83A1-F6EECF244321}">
+                <p14:modId xmlns:p14="http://schemas.microsoft.com/office/powerpoint/2010/main" val="1277875924"/>
+              </p:ext>
+            </p:extLst>
+          </p:nvPr>
+        </p:nvGraphicFramePr>
+        <p:xfrm>
+          <a:off x="663266" y="2120900"/>
+          <a:ext cx="11026985" cy="3708400"/>
+        </p:xfrm>
+        <a:graphic>
+          <a:graphicData uri="http://schemas.openxmlformats.org/drawingml/2006/table">
+            <a:tbl>
+              <a:tblPr firstRow="1" bandRow="1">
+                <a:tableStyleId>{5C22544A-7EE6-4342-B048-85BDC9FD1C3A}</a:tableStyleId>
+              </a:tblPr>
+              <a:tblGrid>
+                <a:gridCol w="2205397">
+                  <a:extLst>
+                    <a:ext uri="{9D8B030D-6E8A-4147-A177-3AD203B41FA5}">
+                      <a16:colId xmlns:a16="http://schemas.microsoft.com/office/drawing/2014/main" val="1770728572"/>
+                    </a:ext>
+                  </a:extLst>
+                </a:gridCol>
+                <a:gridCol w="2205397">
+                  <a:extLst>
+                    <a:ext uri="{9D8B030D-6E8A-4147-A177-3AD203B41FA5}">
+                      <a16:colId xmlns:a16="http://schemas.microsoft.com/office/drawing/2014/main" val="478940193"/>
+                    </a:ext>
+                  </a:extLst>
+                </a:gridCol>
+                <a:gridCol w="2205397">
+                  <a:extLst>
+                    <a:ext uri="{9D8B030D-6E8A-4147-A177-3AD203B41FA5}">
+                      <a16:colId xmlns:a16="http://schemas.microsoft.com/office/drawing/2014/main" val="2312249660"/>
+                    </a:ext>
+                  </a:extLst>
+                </a:gridCol>
+                <a:gridCol w="2205397">
+                  <a:extLst>
+                    <a:ext uri="{9D8B030D-6E8A-4147-A177-3AD203B41FA5}">
+                      <a16:colId xmlns:a16="http://schemas.microsoft.com/office/drawing/2014/main" val="190194902"/>
+                    </a:ext>
+                  </a:extLst>
+                </a:gridCol>
+                <a:gridCol w="2205397">
+                  <a:extLst>
+                    <a:ext uri="{9D8B030D-6E8A-4147-A177-3AD203B41FA5}">
+                      <a16:colId xmlns:a16="http://schemas.microsoft.com/office/drawing/2014/main" val="423341824"/>
+                    </a:ext>
+                  </a:extLst>
+                </a:gridCol>
+              </a:tblGrid>
+              <a:tr h="370840">
+                <a:tc>
+                  <a:txBody>
+                    <a:bodyPr/>
+                    <a:lstStyle/>
+                    <a:p>
+                      <a:pPr algn="ctr"/>
+                      <a:r>
+                        <a:rPr lang="pt-BR" b="0" dirty="0">
+                          <a:latin typeface="Segoe UI" panose="020B0502040204020203" pitchFamily="34" charset="0"/>
+                          <a:cs typeface="Segoe UI" panose="020B0502040204020203" pitchFamily="34" charset="0"/>
+                        </a:rPr>
+                        <a:t>Tecnologia</a:t>
+                      </a:r>
+                    </a:p>
+                  </a:txBody>
+                  <a:tcPr/>
+                </a:tc>
+                <a:tc>
+                  <a:txBody>
+                    <a:bodyPr/>
+                    <a:lstStyle/>
+                    <a:p>
+                      <a:pPr algn="ctr"/>
+                      <a:r>
+                        <a:rPr lang="pt-BR" b="0" dirty="0">
+                          <a:latin typeface="Segoe UI" panose="020B0502040204020203" pitchFamily="34" charset="0"/>
+                          <a:cs typeface="Segoe UI" panose="020B0502040204020203" pitchFamily="34" charset="0"/>
+                        </a:rPr>
+                        <a:t>Performance</a:t>
+                      </a:r>
+                    </a:p>
+                  </a:txBody>
+                  <a:tcPr/>
+                </a:tc>
+                <a:tc>
+                  <a:txBody>
+                    <a:bodyPr/>
+                    <a:lstStyle/>
+                    <a:p>
+                      <a:pPr algn="ctr"/>
+                      <a:r>
+                        <a:rPr lang="pt-BR" b="0" dirty="0">
+                          <a:latin typeface="Segoe UI" panose="020B0502040204020203" pitchFamily="34" charset="0"/>
+                          <a:cs typeface="Segoe UI" panose="020B0502040204020203" pitchFamily="34" charset="0"/>
+                        </a:rPr>
+                        <a:t>Custo</a:t>
+                      </a:r>
+                    </a:p>
+                  </a:txBody>
+                  <a:tcPr/>
+                </a:tc>
+                <a:tc>
+                  <a:txBody>
+                    <a:bodyPr/>
+                    <a:lstStyle/>
+                    <a:p>
+                      <a:pPr algn="ctr"/>
+                      <a:r>
+                        <a:rPr lang="pt-BR" b="0" dirty="0">
+                          <a:latin typeface="Segoe UI" panose="020B0502040204020203" pitchFamily="34" charset="0"/>
+                          <a:cs typeface="Segoe UI" panose="020B0502040204020203" pitchFamily="34" charset="0"/>
+                        </a:rPr>
+                        <a:t>Comunidade</a:t>
+                      </a:r>
+                    </a:p>
+                  </a:txBody>
+                  <a:tcPr/>
+                </a:tc>
+                <a:tc>
+                  <a:txBody>
+                    <a:bodyPr/>
+                    <a:lstStyle/>
+                    <a:p>
+                      <a:pPr algn="ctr"/>
+                      <a:r>
+                        <a:rPr lang="pt-BR" b="0" dirty="0">
+                          <a:latin typeface="Segoe UI" panose="020B0502040204020203" pitchFamily="34" charset="0"/>
+                          <a:cs typeface="Segoe UI" panose="020B0502040204020203" pitchFamily="34" charset="0"/>
+                        </a:rPr>
+                        <a:t>Amada</a:t>
+                      </a:r>
+                    </a:p>
+                  </a:txBody>
+                  <a:tcPr/>
+                </a:tc>
+                <a:extLst>
+                  <a:ext uri="{0D108BD9-81ED-4DB2-BD59-A6C34878D82A}">
+                    <a16:rowId xmlns:a16="http://schemas.microsoft.com/office/drawing/2014/main" val="691664449"/>
+                  </a:ext>
+                </a:extLst>
+              </a:tr>
+              <a:tr h="370840">
+                <a:tc>
+                  <a:txBody>
+                    <a:bodyPr/>
+                    <a:lstStyle/>
+                    <a:p>
+                      <a:r>
+                        <a:rPr lang="pt-BR" b="0" dirty="0" err="1">
+                          <a:latin typeface="Segoe UI" panose="020B0502040204020203" pitchFamily="34" charset="0"/>
+                          <a:cs typeface="Segoe UI" panose="020B0502040204020203" pitchFamily="34" charset="0"/>
+                        </a:rPr>
+                        <a:t>Cordova</a:t>
+                      </a:r>
+                      <a:endParaRPr lang="pt-BR" b="0" dirty="0">
+                        <a:latin typeface="Segoe UI" panose="020B0502040204020203" pitchFamily="34" charset="0"/>
+                        <a:cs typeface="Segoe UI" panose="020B0502040204020203" pitchFamily="34" charset="0"/>
+                      </a:endParaRPr>
+                    </a:p>
+                  </a:txBody>
+                  <a:tcPr/>
+                </a:tc>
+                <a:tc>
+                  <a:txBody>
+                    <a:bodyPr/>
+                    <a:lstStyle/>
+                    <a:p>
+                      <a:r>
+                        <a:rPr lang="pt-BR" b="0" dirty="0">
+                          <a:latin typeface="Segoe UI" panose="020B0502040204020203" pitchFamily="34" charset="0"/>
+                          <a:cs typeface="Segoe UI" panose="020B0502040204020203" pitchFamily="34" charset="0"/>
+                        </a:rPr>
+                        <a:t>6</a:t>
+                      </a:r>
+                    </a:p>
+                  </a:txBody>
+                  <a:tcPr/>
+                </a:tc>
+                <a:tc>
+                  <a:txBody>
+                    <a:bodyPr/>
+                    <a:lstStyle/>
+                    <a:p>
+                      <a:r>
+                        <a:rPr lang="pt-BR" b="0" dirty="0">
+                          <a:latin typeface="Segoe UI" panose="020B0502040204020203" pitchFamily="34" charset="0"/>
+                          <a:cs typeface="Segoe UI" panose="020B0502040204020203" pitchFamily="34" charset="0"/>
+                        </a:rPr>
+                        <a:t>6</a:t>
+                      </a:r>
+                    </a:p>
+                  </a:txBody>
+                  <a:tcPr/>
+                </a:tc>
+                <a:tc>
+                  <a:txBody>
+                    <a:bodyPr/>
+                    <a:lstStyle/>
+                    <a:p>
+                      <a:r>
+                        <a:rPr lang="pt-BR" b="0" dirty="0">
+                          <a:latin typeface="Segoe UI" panose="020B0502040204020203" pitchFamily="34" charset="0"/>
+                          <a:cs typeface="Segoe UI" panose="020B0502040204020203" pitchFamily="34" charset="0"/>
+                        </a:rPr>
+                        <a:t>8</a:t>
+                      </a:r>
+                    </a:p>
+                  </a:txBody>
+                  <a:tcPr/>
+                </a:tc>
+                <a:tc>
+                  <a:txBody>
+                    <a:bodyPr/>
+                    <a:lstStyle/>
+                    <a:p>
+                      <a:r>
+                        <a:rPr lang="pt-BR" b="0" dirty="0">
+                          <a:latin typeface="Segoe UI" panose="020B0502040204020203" pitchFamily="34" charset="0"/>
+                          <a:cs typeface="Segoe UI" panose="020B0502040204020203" pitchFamily="34" charset="0"/>
+                        </a:rPr>
+                        <a:t>3</a:t>
+                      </a:r>
+                    </a:p>
+                  </a:txBody>
+                  <a:tcPr/>
+                </a:tc>
+                <a:extLst>
+                  <a:ext uri="{0D108BD9-81ED-4DB2-BD59-A6C34878D82A}">
+                    <a16:rowId xmlns:a16="http://schemas.microsoft.com/office/drawing/2014/main" val="2192493732"/>
+                  </a:ext>
+                </a:extLst>
+              </a:tr>
+              <a:tr h="370840">
+                <a:tc>
+                  <a:txBody>
+                    <a:bodyPr/>
+                    <a:lstStyle/>
+                    <a:p>
+                      <a:r>
+                        <a:rPr lang="pt-BR" b="0" dirty="0">
+                          <a:latin typeface="Segoe UI" panose="020B0502040204020203" pitchFamily="34" charset="0"/>
+                          <a:cs typeface="Segoe UI" panose="020B0502040204020203" pitchFamily="34" charset="0"/>
+                        </a:rPr>
+                        <a:t>Java</a:t>
+                      </a:r>
+                    </a:p>
+                  </a:txBody>
+                  <a:tcPr/>
+                </a:tc>
+                <a:tc>
+                  <a:txBody>
+                    <a:bodyPr/>
+                    <a:lstStyle/>
+                    <a:p>
+                      <a:r>
+                        <a:rPr lang="pt-BR" b="0" dirty="0">
+                          <a:latin typeface="Segoe UI" panose="020B0502040204020203" pitchFamily="34" charset="0"/>
+                          <a:cs typeface="Segoe UI" panose="020B0502040204020203" pitchFamily="34" charset="0"/>
+                        </a:rPr>
+                        <a:t>10</a:t>
+                      </a:r>
+                    </a:p>
+                  </a:txBody>
+                  <a:tcPr/>
+                </a:tc>
+                <a:tc>
+                  <a:txBody>
+                    <a:bodyPr/>
+                    <a:lstStyle/>
+                    <a:p>
+                      <a:r>
+                        <a:rPr lang="pt-BR" b="0">
+                          <a:latin typeface="Segoe UI" panose="020B0502040204020203" pitchFamily="34" charset="0"/>
+                          <a:cs typeface="Segoe UI" panose="020B0502040204020203" pitchFamily="34" charset="0"/>
+                        </a:rPr>
+                        <a:t>8</a:t>
+                      </a:r>
+                      <a:endParaRPr lang="pt-BR" b="0" dirty="0">
+                        <a:latin typeface="Segoe UI" panose="020B0502040204020203" pitchFamily="34" charset="0"/>
+                        <a:cs typeface="Segoe UI" panose="020B0502040204020203" pitchFamily="34" charset="0"/>
+                      </a:endParaRPr>
+                    </a:p>
+                  </a:txBody>
+                  <a:tcPr/>
+                </a:tc>
+                <a:tc>
+                  <a:txBody>
+                    <a:bodyPr/>
+                    <a:lstStyle/>
+                    <a:p>
+                      <a:r>
+                        <a:rPr lang="pt-BR" b="0" dirty="0">
+                          <a:latin typeface="Segoe UI" panose="020B0502040204020203" pitchFamily="34" charset="0"/>
+                          <a:cs typeface="Segoe UI" panose="020B0502040204020203" pitchFamily="34" charset="0"/>
+                        </a:rPr>
+                        <a:t>8</a:t>
+                      </a:r>
+                    </a:p>
+                  </a:txBody>
+                  <a:tcPr/>
+                </a:tc>
+                <a:tc>
+                  <a:txBody>
+                    <a:bodyPr/>
+                    <a:lstStyle/>
+                    <a:p>
+                      <a:r>
+                        <a:rPr lang="pt-BR" b="0" dirty="0">
+                          <a:latin typeface="Segoe UI" panose="020B0502040204020203" pitchFamily="34" charset="0"/>
+                          <a:cs typeface="Segoe UI" panose="020B0502040204020203" pitchFamily="34" charset="0"/>
+                        </a:rPr>
+                        <a:t>6</a:t>
+                      </a:r>
+                    </a:p>
+                  </a:txBody>
+                  <a:tcPr/>
+                </a:tc>
+                <a:extLst>
+                  <a:ext uri="{0D108BD9-81ED-4DB2-BD59-A6C34878D82A}">
+                    <a16:rowId xmlns:a16="http://schemas.microsoft.com/office/drawing/2014/main" val="1708372168"/>
+                  </a:ext>
+                </a:extLst>
+              </a:tr>
+              <a:tr h="370840">
+                <a:tc>
+                  <a:txBody>
+                    <a:bodyPr/>
+                    <a:lstStyle/>
+                    <a:p>
+                      <a:r>
+                        <a:rPr lang="pt-BR" b="0" dirty="0" err="1">
+                          <a:solidFill>
+                            <a:schemeClr val="bg1">
+                              <a:lumMod val="95000"/>
+                            </a:schemeClr>
+                          </a:solidFill>
+                          <a:latin typeface="Segoe UI" panose="020B0502040204020203" pitchFamily="34" charset="0"/>
+                          <a:cs typeface="Segoe UI" panose="020B0502040204020203" pitchFamily="34" charset="0"/>
+                        </a:rPr>
+                        <a:t>Kotlin</a:t>
+                      </a:r>
+                      <a:endParaRPr lang="pt-BR" b="0" dirty="0">
+                        <a:solidFill>
+                          <a:schemeClr val="bg1">
+                            <a:lumMod val="95000"/>
+                          </a:schemeClr>
+                        </a:solidFill>
+                        <a:latin typeface="Segoe UI" panose="020B0502040204020203" pitchFamily="34" charset="0"/>
+                        <a:cs typeface="Segoe UI" panose="020B0502040204020203" pitchFamily="34" charset="0"/>
+                      </a:endParaRPr>
+                    </a:p>
+                  </a:txBody>
+                  <a:tcPr>
+                    <a:solidFill>
+                      <a:srgbClr val="002060"/>
+                    </a:solidFill>
+                  </a:tcPr>
+                </a:tc>
+                <a:tc>
+                  <a:txBody>
+                    <a:bodyPr/>
+                    <a:lstStyle/>
+                    <a:p>
+                      <a:r>
+                        <a:rPr lang="pt-BR" b="0" dirty="0">
+                          <a:solidFill>
+                            <a:schemeClr val="bg1">
+                              <a:lumMod val="95000"/>
+                            </a:schemeClr>
+                          </a:solidFill>
+                          <a:latin typeface="Segoe UI" panose="020B0502040204020203" pitchFamily="34" charset="0"/>
+                          <a:cs typeface="Segoe UI" panose="020B0502040204020203" pitchFamily="34" charset="0"/>
+                        </a:rPr>
+                        <a:t>10</a:t>
+                      </a:r>
+                    </a:p>
+                  </a:txBody>
+                  <a:tcPr>
+                    <a:solidFill>
+                      <a:srgbClr val="002060"/>
+                    </a:solidFill>
+                  </a:tcPr>
+                </a:tc>
+                <a:tc>
+                  <a:txBody>
+                    <a:bodyPr/>
+                    <a:lstStyle/>
+                    <a:p>
+                      <a:r>
+                        <a:rPr lang="pt-BR" b="0" dirty="0">
+                          <a:solidFill>
+                            <a:schemeClr val="bg1">
+                              <a:lumMod val="95000"/>
+                            </a:schemeClr>
+                          </a:solidFill>
+                          <a:latin typeface="Segoe UI" panose="020B0502040204020203" pitchFamily="34" charset="0"/>
+                          <a:cs typeface="Segoe UI" panose="020B0502040204020203" pitchFamily="34" charset="0"/>
+                        </a:rPr>
+                        <a:t>8</a:t>
+                      </a:r>
+                    </a:p>
+                  </a:txBody>
+                  <a:tcPr>
+                    <a:solidFill>
+                      <a:srgbClr val="002060"/>
+                    </a:solidFill>
+                  </a:tcPr>
+                </a:tc>
+                <a:tc>
+                  <a:txBody>
+                    <a:bodyPr/>
+                    <a:lstStyle/>
+                    <a:p>
+                      <a:r>
+                        <a:rPr lang="pt-BR" b="0" dirty="0">
+                          <a:solidFill>
+                            <a:schemeClr val="bg1">
+                              <a:lumMod val="95000"/>
+                            </a:schemeClr>
+                          </a:solidFill>
+                          <a:latin typeface="Segoe UI" panose="020B0502040204020203" pitchFamily="34" charset="0"/>
+                          <a:cs typeface="Segoe UI" panose="020B0502040204020203" pitchFamily="34" charset="0"/>
+                        </a:rPr>
+                        <a:t>7</a:t>
+                      </a:r>
+                    </a:p>
+                  </a:txBody>
+                  <a:tcPr>
+                    <a:solidFill>
+                      <a:srgbClr val="002060"/>
+                    </a:solidFill>
+                  </a:tcPr>
+                </a:tc>
+                <a:tc>
+                  <a:txBody>
+                    <a:bodyPr/>
+                    <a:lstStyle/>
+                    <a:p>
+                      <a:r>
+                        <a:rPr lang="pt-BR" b="0" dirty="0">
+                          <a:solidFill>
+                            <a:schemeClr val="bg1">
+                              <a:lumMod val="95000"/>
+                            </a:schemeClr>
+                          </a:solidFill>
+                          <a:latin typeface="Segoe UI" panose="020B0502040204020203" pitchFamily="34" charset="0"/>
+                          <a:cs typeface="Segoe UI" panose="020B0502040204020203" pitchFamily="34" charset="0"/>
+                        </a:rPr>
+                        <a:t>9</a:t>
+                      </a:r>
+                    </a:p>
+                  </a:txBody>
+                  <a:tcPr>
+                    <a:solidFill>
+                      <a:srgbClr val="002060"/>
+                    </a:solidFill>
+                  </a:tcPr>
+                </a:tc>
+                <a:extLst>
+                  <a:ext uri="{0D108BD9-81ED-4DB2-BD59-A6C34878D82A}">
+                    <a16:rowId xmlns:a16="http://schemas.microsoft.com/office/drawing/2014/main" val="186619989"/>
+                  </a:ext>
+                </a:extLst>
+              </a:tr>
+              <a:tr h="370840">
+                <a:tc>
+                  <a:txBody>
+                    <a:bodyPr/>
+                    <a:lstStyle/>
+                    <a:p>
+                      <a:r>
+                        <a:rPr lang="pt-BR" b="0" dirty="0" err="1">
+                          <a:latin typeface="Segoe UI" panose="020B0502040204020203" pitchFamily="34" charset="0"/>
+                          <a:cs typeface="Segoe UI" panose="020B0502040204020203" pitchFamily="34" charset="0"/>
+                        </a:rPr>
+                        <a:t>Futtler</a:t>
+                      </a:r>
+                      <a:endParaRPr lang="pt-BR" b="0" dirty="0">
+                        <a:latin typeface="Segoe UI" panose="020B0502040204020203" pitchFamily="34" charset="0"/>
+                        <a:cs typeface="Segoe UI" panose="020B0502040204020203" pitchFamily="34" charset="0"/>
+                      </a:endParaRPr>
+                    </a:p>
+                  </a:txBody>
+                  <a:tcPr/>
+                </a:tc>
+                <a:tc>
+                  <a:txBody>
+                    <a:bodyPr/>
+                    <a:lstStyle/>
+                    <a:p>
+                      <a:r>
+                        <a:rPr lang="pt-BR" b="0" dirty="0">
+                          <a:latin typeface="Segoe UI" panose="020B0502040204020203" pitchFamily="34" charset="0"/>
+                          <a:cs typeface="Segoe UI" panose="020B0502040204020203" pitchFamily="34" charset="0"/>
+                        </a:rPr>
+                        <a:t>9</a:t>
+                      </a:r>
+                    </a:p>
+                  </a:txBody>
+                  <a:tcPr/>
+                </a:tc>
+                <a:tc>
+                  <a:txBody>
+                    <a:bodyPr/>
+                    <a:lstStyle/>
+                    <a:p>
+                      <a:r>
+                        <a:rPr lang="pt-BR" b="0" dirty="0">
+                          <a:latin typeface="Segoe UI" panose="020B0502040204020203" pitchFamily="34" charset="0"/>
+                          <a:cs typeface="Segoe UI" panose="020B0502040204020203" pitchFamily="34" charset="0"/>
+                        </a:rPr>
+                        <a:t>7</a:t>
+                      </a:r>
+                    </a:p>
+                  </a:txBody>
+                  <a:tcPr/>
+                </a:tc>
+                <a:tc>
+                  <a:txBody>
+                    <a:bodyPr/>
+                    <a:lstStyle/>
+                    <a:p>
+                      <a:r>
+                        <a:rPr lang="pt-BR" b="0" dirty="0">
+                          <a:latin typeface="Segoe UI" panose="020B0502040204020203" pitchFamily="34" charset="0"/>
+                          <a:cs typeface="Segoe UI" panose="020B0502040204020203" pitchFamily="34" charset="0"/>
+                        </a:rPr>
+                        <a:t>6</a:t>
+                      </a:r>
+                    </a:p>
+                  </a:txBody>
+                  <a:tcPr/>
+                </a:tc>
+                <a:tc>
+                  <a:txBody>
+                    <a:bodyPr/>
+                    <a:lstStyle/>
+                    <a:p>
+                      <a:r>
+                        <a:rPr lang="pt-BR" b="0" dirty="0">
+                          <a:latin typeface="Segoe UI" panose="020B0502040204020203" pitchFamily="34" charset="0"/>
+                          <a:cs typeface="Segoe UI" panose="020B0502040204020203" pitchFamily="34" charset="0"/>
+                        </a:rPr>
+                        <a:t>6</a:t>
+                      </a:r>
+                    </a:p>
+                  </a:txBody>
+                  <a:tcPr/>
+                </a:tc>
+                <a:extLst>
+                  <a:ext uri="{0D108BD9-81ED-4DB2-BD59-A6C34878D82A}">
+                    <a16:rowId xmlns:a16="http://schemas.microsoft.com/office/drawing/2014/main" val="2361564766"/>
+                  </a:ext>
+                </a:extLst>
+              </a:tr>
+              <a:tr h="370840">
+                <a:tc>
+                  <a:txBody>
+                    <a:bodyPr/>
+                    <a:lstStyle/>
+                    <a:p>
+                      <a:r>
+                        <a:rPr lang="pt-BR" b="0" dirty="0" err="1">
+                          <a:solidFill>
+                            <a:schemeClr val="bg1">
+                              <a:lumMod val="95000"/>
+                            </a:schemeClr>
+                          </a:solidFill>
+                          <a:latin typeface="Segoe UI" panose="020B0502040204020203" pitchFamily="34" charset="0"/>
+                          <a:cs typeface="Segoe UI" panose="020B0502040204020203" pitchFamily="34" charset="0"/>
+                        </a:rPr>
+                        <a:t>React</a:t>
+                      </a:r>
+                      <a:r>
+                        <a:rPr lang="pt-BR" b="0" dirty="0">
+                          <a:solidFill>
+                            <a:schemeClr val="bg1">
+                              <a:lumMod val="95000"/>
+                            </a:schemeClr>
+                          </a:solidFill>
+                          <a:latin typeface="Segoe UI" panose="020B0502040204020203" pitchFamily="34" charset="0"/>
+                          <a:cs typeface="Segoe UI" panose="020B0502040204020203" pitchFamily="34" charset="0"/>
+                        </a:rPr>
+                        <a:t> </a:t>
+                      </a:r>
+                      <a:r>
+                        <a:rPr lang="pt-BR" b="0" dirty="0" err="1">
+                          <a:solidFill>
+                            <a:schemeClr val="bg1">
+                              <a:lumMod val="95000"/>
+                            </a:schemeClr>
+                          </a:solidFill>
+                          <a:latin typeface="Segoe UI" panose="020B0502040204020203" pitchFamily="34" charset="0"/>
+                          <a:cs typeface="Segoe UI" panose="020B0502040204020203" pitchFamily="34" charset="0"/>
+                        </a:rPr>
+                        <a:t>Native</a:t>
+                      </a:r>
+                      <a:endParaRPr lang="pt-BR" b="0" dirty="0">
+                        <a:solidFill>
+                          <a:schemeClr val="bg1">
+                            <a:lumMod val="95000"/>
+                          </a:schemeClr>
+                        </a:solidFill>
+                        <a:latin typeface="Segoe UI" panose="020B0502040204020203" pitchFamily="34" charset="0"/>
+                        <a:cs typeface="Segoe UI" panose="020B0502040204020203" pitchFamily="34" charset="0"/>
+                      </a:endParaRPr>
+                    </a:p>
+                  </a:txBody>
+                  <a:tcPr>
+                    <a:solidFill>
+                      <a:srgbClr val="002060"/>
+                    </a:solidFill>
+                  </a:tcPr>
+                </a:tc>
+                <a:tc>
+                  <a:txBody>
+                    <a:bodyPr/>
+                    <a:lstStyle/>
+                    <a:p>
+                      <a:r>
+                        <a:rPr lang="pt-BR" b="0" dirty="0">
+                          <a:solidFill>
+                            <a:schemeClr val="bg1">
+                              <a:lumMod val="95000"/>
+                            </a:schemeClr>
+                          </a:solidFill>
+                          <a:latin typeface="Segoe UI" panose="020B0502040204020203" pitchFamily="34" charset="0"/>
+                          <a:cs typeface="Segoe UI" panose="020B0502040204020203" pitchFamily="34" charset="0"/>
+                        </a:rPr>
+                        <a:t>9</a:t>
+                      </a:r>
+                    </a:p>
+                  </a:txBody>
+                  <a:tcPr>
+                    <a:solidFill>
+                      <a:srgbClr val="002060"/>
+                    </a:solidFill>
+                  </a:tcPr>
+                </a:tc>
+                <a:tc>
+                  <a:txBody>
+                    <a:bodyPr/>
+                    <a:lstStyle/>
+                    <a:p>
+                      <a:r>
+                        <a:rPr lang="pt-BR" b="0" dirty="0">
+                          <a:solidFill>
+                            <a:schemeClr val="bg1">
+                              <a:lumMod val="95000"/>
+                            </a:schemeClr>
+                          </a:solidFill>
+                          <a:latin typeface="Segoe UI" panose="020B0502040204020203" pitchFamily="34" charset="0"/>
+                          <a:cs typeface="Segoe UI" panose="020B0502040204020203" pitchFamily="34" charset="0"/>
+                        </a:rPr>
+                        <a:t>7</a:t>
+                      </a:r>
+                    </a:p>
+                  </a:txBody>
+                  <a:tcPr>
+                    <a:solidFill>
+                      <a:srgbClr val="002060"/>
+                    </a:solidFill>
+                  </a:tcPr>
+                </a:tc>
+                <a:tc>
+                  <a:txBody>
+                    <a:bodyPr/>
+                    <a:lstStyle/>
+                    <a:p>
+                      <a:r>
+                        <a:rPr lang="pt-BR" b="0" dirty="0">
+                          <a:solidFill>
+                            <a:schemeClr val="bg1">
+                              <a:lumMod val="95000"/>
+                            </a:schemeClr>
+                          </a:solidFill>
+                          <a:latin typeface="Segoe UI" panose="020B0502040204020203" pitchFamily="34" charset="0"/>
+                          <a:cs typeface="Segoe UI" panose="020B0502040204020203" pitchFamily="34" charset="0"/>
+                        </a:rPr>
+                        <a:t>9</a:t>
+                      </a:r>
+                    </a:p>
+                  </a:txBody>
+                  <a:tcPr>
+                    <a:solidFill>
+                      <a:srgbClr val="002060"/>
+                    </a:solidFill>
+                  </a:tcPr>
+                </a:tc>
+                <a:tc>
+                  <a:txBody>
+                    <a:bodyPr/>
+                    <a:lstStyle/>
+                    <a:p>
+                      <a:r>
+                        <a:rPr lang="pt-BR" b="0" dirty="0">
+                          <a:solidFill>
+                            <a:schemeClr val="bg1">
+                              <a:lumMod val="95000"/>
+                            </a:schemeClr>
+                          </a:solidFill>
+                          <a:latin typeface="Segoe UI" panose="020B0502040204020203" pitchFamily="34" charset="0"/>
+                          <a:cs typeface="Segoe UI" panose="020B0502040204020203" pitchFamily="34" charset="0"/>
+                        </a:rPr>
+                        <a:t>10</a:t>
+                      </a:r>
+                    </a:p>
+                  </a:txBody>
+                  <a:tcPr>
+                    <a:solidFill>
+                      <a:srgbClr val="002060"/>
+                    </a:solidFill>
+                  </a:tcPr>
+                </a:tc>
+                <a:extLst>
+                  <a:ext uri="{0D108BD9-81ED-4DB2-BD59-A6C34878D82A}">
+                    <a16:rowId xmlns:a16="http://schemas.microsoft.com/office/drawing/2014/main" val="1467027046"/>
+                  </a:ext>
+                </a:extLst>
+              </a:tr>
+              <a:tr h="370840">
+                <a:tc>
+                  <a:txBody>
+                    <a:bodyPr/>
+                    <a:lstStyle/>
+                    <a:p>
+                      <a:r>
+                        <a:rPr lang="pt-BR" b="0" dirty="0" err="1">
+                          <a:latin typeface="Segoe UI" panose="020B0502040204020203" pitchFamily="34" charset="0"/>
+                          <a:cs typeface="Segoe UI" panose="020B0502040204020203" pitchFamily="34" charset="0"/>
+                        </a:rPr>
+                        <a:t>Object</a:t>
+                      </a:r>
+                      <a:r>
+                        <a:rPr lang="pt-BR" b="0" dirty="0">
+                          <a:latin typeface="Segoe UI" panose="020B0502040204020203" pitchFamily="34" charset="0"/>
+                          <a:cs typeface="Segoe UI" panose="020B0502040204020203" pitchFamily="34" charset="0"/>
+                        </a:rPr>
+                        <a:t> C</a:t>
+                      </a:r>
+                    </a:p>
+                  </a:txBody>
+                  <a:tcPr/>
+                </a:tc>
+                <a:tc>
+                  <a:txBody>
+                    <a:bodyPr/>
+                    <a:lstStyle/>
+                    <a:p>
+                      <a:r>
+                        <a:rPr lang="pt-BR" b="0" dirty="0">
+                          <a:latin typeface="Segoe UI" panose="020B0502040204020203" pitchFamily="34" charset="0"/>
+                          <a:cs typeface="Segoe UI" panose="020B0502040204020203" pitchFamily="34" charset="0"/>
+                        </a:rPr>
+                        <a:t>8</a:t>
+                      </a:r>
+                    </a:p>
+                  </a:txBody>
+                  <a:tcPr/>
+                </a:tc>
+                <a:tc>
+                  <a:txBody>
+                    <a:bodyPr/>
+                    <a:lstStyle/>
+                    <a:p>
+                      <a:r>
+                        <a:rPr lang="pt-BR" b="0" dirty="0">
+                          <a:latin typeface="Segoe UI" panose="020B0502040204020203" pitchFamily="34" charset="0"/>
+                          <a:cs typeface="Segoe UI" panose="020B0502040204020203" pitchFamily="34" charset="0"/>
+                        </a:rPr>
+                        <a:t>9</a:t>
+                      </a:r>
+                    </a:p>
+                  </a:txBody>
+                  <a:tcPr/>
+                </a:tc>
+                <a:tc>
+                  <a:txBody>
+                    <a:bodyPr/>
+                    <a:lstStyle/>
+                    <a:p>
+                      <a:r>
+                        <a:rPr lang="pt-BR" b="0" dirty="0">
+                          <a:latin typeface="Segoe UI" panose="020B0502040204020203" pitchFamily="34" charset="0"/>
+                          <a:cs typeface="Segoe UI" panose="020B0502040204020203" pitchFamily="34" charset="0"/>
+                        </a:rPr>
+                        <a:t>6</a:t>
+                      </a:r>
+                    </a:p>
+                  </a:txBody>
+                  <a:tcPr/>
+                </a:tc>
+                <a:tc>
+                  <a:txBody>
+                    <a:bodyPr/>
+                    <a:lstStyle/>
+                    <a:p>
+                      <a:r>
+                        <a:rPr lang="pt-BR" b="0" dirty="0">
+                          <a:latin typeface="Segoe UI" panose="020B0502040204020203" pitchFamily="34" charset="0"/>
+                          <a:cs typeface="Segoe UI" panose="020B0502040204020203" pitchFamily="34" charset="0"/>
+                        </a:rPr>
+                        <a:t>4</a:t>
+                      </a:r>
+                    </a:p>
+                  </a:txBody>
+                  <a:tcPr/>
+                </a:tc>
+                <a:extLst>
+                  <a:ext uri="{0D108BD9-81ED-4DB2-BD59-A6C34878D82A}">
+                    <a16:rowId xmlns:a16="http://schemas.microsoft.com/office/drawing/2014/main" val="2956730186"/>
+                  </a:ext>
+                </a:extLst>
+              </a:tr>
+              <a:tr h="370840">
+                <a:tc>
+                  <a:txBody>
+                    <a:bodyPr/>
+                    <a:lstStyle/>
+                    <a:p>
+                      <a:r>
+                        <a:rPr lang="pt-BR" b="0" dirty="0">
+                          <a:latin typeface="Segoe UI" panose="020B0502040204020203" pitchFamily="34" charset="0"/>
+                          <a:cs typeface="Segoe UI" panose="020B0502040204020203" pitchFamily="34" charset="0"/>
+                        </a:rPr>
+                        <a:t>Swift</a:t>
+                      </a:r>
+                    </a:p>
+                  </a:txBody>
+                  <a:tcPr/>
+                </a:tc>
+                <a:tc>
+                  <a:txBody>
+                    <a:bodyPr/>
+                    <a:lstStyle/>
+                    <a:p>
+                      <a:r>
+                        <a:rPr lang="pt-BR" b="0" dirty="0">
+                          <a:latin typeface="Segoe UI" panose="020B0502040204020203" pitchFamily="34" charset="0"/>
+                          <a:cs typeface="Segoe UI" panose="020B0502040204020203" pitchFamily="34" charset="0"/>
+                        </a:rPr>
+                        <a:t>10</a:t>
+                      </a:r>
+                    </a:p>
+                  </a:txBody>
+                  <a:tcPr/>
+                </a:tc>
+                <a:tc>
+                  <a:txBody>
+                    <a:bodyPr/>
+                    <a:lstStyle/>
+                    <a:p>
+                      <a:r>
+                        <a:rPr lang="pt-BR" b="0" dirty="0">
+                          <a:latin typeface="Segoe UI" panose="020B0502040204020203" pitchFamily="34" charset="0"/>
+                          <a:cs typeface="Segoe UI" panose="020B0502040204020203" pitchFamily="34" charset="0"/>
+                        </a:rPr>
+                        <a:t>8</a:t>
+                      </a:r>
+                    </a:p>
+                  </a:txBody>
+                  <a:tcPr/>
+                </a:tc>
+                <a:tc>
+                  <a:txBody>
+                    <a:bodyPr/>
+                    <a:lstStyle/>
+                    <a:p>
+                      <a:r>
+                        <a:rPr lang="pt-BR" b="0" dirty="0">
+                          <a:latin typeface="Segoe UI" panose="020B0502040204020203" pitchFamily="34" charset="0"/>
+                          <a:cs typeface="Segoe UI" panose="020B0502040204020203" pitchFamily="34" charset="0"/>
+                        </a:rPr>
+                        <a:t>7</a:t>
+                      </a:r>
+                    </a:p>
+                  </a:txBody>
+                  <a:tcPr/>
+                </a:tc>
+                <a:tc>
+                  <a:txBody>
+                    <a:bodyPr/>
+                    <a:lstStyle/>
+                    <a:p>
+                      <a:r>
+                        <a:rPr lang="pt-BR" b="0" dirty="0">
+                          <a:latin typeface="Segoe UI" panose="020B0502040204020203" pitchFamily="34" charset="0"/>
+                          <a:cs typeface="Segoe UI" panose="020B0502040204020203" pitchFamily="34" charset="0"/>
+                        </a:rPr>
+                        <a:t>8</a:t>
+                      </a:r>
+                    </a:p>
+                  </a:txBody>
+                  <a:tcPr/>
+                </a:tc>
+                <a:extLst>
+                  <a:ext uri="{0D108BD9-81ED-4DB2-BD59-A6C34878D82A}">
+                    <a16:rowId xmlns:a16="http://schemas.microsoft.com/office/drawing/2014/main" val="3757527509"/>
+                  </a:ext>
+                </a:extLst>
+              </a:tr>
+              <a:tr h="370840">
+                <a:tc>
+                  <a:txBody>
+                    <a:bodyPr/>
+                    <a:lstStyle/>
+                    <a:p>
+                      <a:r>
+                        <a:rPr lang="pt-BR" b="0" dirty="0" err="1">
+                          <a:latin typeface="Segoe UI" panose="020B0502040204020203" pitchFamily="34" charset="0"/>
+                          <a:cs typeface="Segoe UI" panose="020B0502040204020203" pitchFamily="34" charset="0"/>
+                        </a:rPr>
+                        <a:t>Native</a:t>
+                      </a:r>
+                      <a:r>
+                        <a:rPr lang="pt-BR" b="0" dirty="0">
+                          <a:latin typeface="Segoe UI" panose="020B0502040204020203" pitchFamily="34" charset="0"/>
+                          <a:cs typeface="Segoe UI" panose="020B0502040204020203" pitchFamily="34" charset="0"/>
+                        </a:rPr>
+                        <a:t> Script</a:t>
+                      </a:r>
+                    </a:p>
+                  </a:txBody>
+                  <a:tcPr/>
+                </a:tc>
+                <a:tc>
+                  <a:txBody>
+                    <a:bodyPr/>
+                    <a:lstStyle/>
+                    <a:p>
+                      <a:r>
+                        <a:rPr lang="pt-BR" b="0" dirty="0">
+                          <a:latin typeface="Segoe UI" panose="020B0502040204020203" pitchFamily="34" charset="0"/>
+                          <a:cs typeface="Segoe UI" panose="020B0502040204020203" pitchFamily="34" charset="0"/>
+                        </a:rPr>
+                        <a:t>9</a:t>
+                      </a:r>
+                    </a:p>
+                  </a:txBody>
+                  <a:tcPr/>
+                </a:tc>
+                <a:tc>
+                  <a:txBody>
+                    <a:bodyPr/>
+                    <a:lstStyle/>
+                    <a:p>
+                      <a:r>
+                        <a:rPr lang="pt-BR" b="0" dirty="0">
+                          <a:latin typeface="Segoe UI" panose="020B0502040204020203" pitchFamily="34" charset="0"/>
+                          <a:cs typeface="Segoe UI" panose="020B0502040204020203" pitchFamily="34" charset="0"/>
+                        </a:rPr>
+                        <a:t>8</a:t>
+                      </a:r>
+                    </a:p>
+                  </a:txBody>
+                  <a:tcPr/>
+                </a:tc>
+                <a:tc>
+                  <a:txBody>
+                    <a:bodyPr/>
+                    <a:lstStyle/>
+                    <a:p>
+                      <a:r>
+                        <a:rPr lang="pt-BR" b="0" dirty="0">
+                          <a:latin typeface="Segoe UI" panose="020B0502040204020203" pitchFamily="34" charset="0"/>
+                          <a:cs typeface="Segoe UI" panose="020B0502040204020203" pitchFamily="34" charset="0"/>
+                        </a:rPr>
+                        <a:t>6</a:t>
+                      </a:r>
+                    </a:p>
+                  </a:txBody>
+                  <a:tcPr/>
+                </a:tc>
+                <a:tc>
+                  <a:txBody>
+                    <a:bodyPr/>
+                    <a:lstStyle/>
+                    <a:p>
+                      <a:r>
+                        <a:rPr lang="pt-BR" b="0" dirty="0">
+                          <a:latin typeface="Segoe UI" panose="020B0502040204020203" pitchFamily="34" charset="0"/>
+                          <a:cs typeface="Segoe UI" panose="020B0502040204020203" pitchFamily="34" charset="0"/>
+                        </a:rPr>
+                        <a:t>5</a:t>
+                      </a:r>
+                    </a:p>
+                  </a:txBody>
+                  <a:tcPr/>
+                </a:tc>
+                <a:extLst>
+                  <a:ext uri="{0D108BD9-81ED-4DB2-BD59-A6C34878D82A}">
+                    <a16:rowId xmlns:a16="http://schemas.microsoft.com/office/drawing/2014/main" val="1010572357"/>
+                  </a:ext>
+                </a:extLst>
+              </a:tr>
+              <a:tr h="370840">
+                <a:tc>
+                  <a:txBody>
+                    <a:bodyPr/>
+                    <a:lstStyle/>
+                    <a:p>
+                      <a:r>
+                        <a:rPr lang="pt-BR" b="0" dirty="0">
+                          <a:solidFill>
+                            <a:schemeClr val="bg1">
+                              <a:lumMod val="95000"/>
+                            </a:schemeClr>
+                          </a:solidFill>
+                          <a:latin typeface="Segoe UI" panose="020B0502040204020203" pitchFamily="34" charset="0"/>
+                          <a:cs typeface="Segoe UI" panose="020B0502040204020203" pitchFamily="34" charset="0"/>
+                        </a:rPr>
+                        <a:t>P.W.A.</a:t>
+                      </a:r>
+                    </a:p>
+                  </a:txBody>
+                  <a:tcPr>
+                    <a:solidFill>
+                      <a:srgbClr val="002060"/>
+                    </a:solidFill>
+                  </a:tcPr>
+                </a:tc>
+                <a:tc>
+                  <a:txBody>
+                    <a:bodyPr/>
+                    <a:lstStyle/>
+                    <a:p>
+                      <a:r>
+                        <a:rPr lang="pt-BR" b="0" dirty="0">
+                          <a:solidFill>
+                            <a:schemeClr val="bg1">
+                              <a:lumMod val="95000"/>
+                            </a:schemeClr>
+                          </a:solidFill>
+                          <a:latin typeface="Segoe UI" panose="020B0502040204020203" pitchFamily="34" charset="0"/>
+                          <a:cs typeface="Segoe UI" panose="020B0502040204020203" pitchFamily="34" charset="0"/>
+                        </a:rPr>
+                        <a:t>10</a:t>
+                      </a:r>
+                    </a:p>
+                  </a:txBody>
+                  <a:tcPr>
+                    <a:solidFill>
+                      <a:srgbClr val="002060"/>
+                    </a:solidFill>
+                  </a:tcPr>
+                </a:tc>
+                <a:tc>
+                  <a:txBody>
+                    <a:bodyPr/>
+                    <a:lstStyle/>
+                    <a:p>
+                      <a:r>
+                        <a:rPr lang="pt-BR" b="0" dirty="0">
+                          <a:solidFill>
+                            <a:schemeClr val="bg1">
+                              <a:lumMod val="95000"/>
+                            </a:schemeClr>
+                          </a:solidFill>
+                          <a:latin typeface="Segoe UI" panose="020B0502040204020203" pitchFamily="34" charset="0"/>
+                          <a:cs typeface="Segoe UI" panose="020B0502040204020203" pitchFamily="34" charset="0"/>
+                        </a:rPr>
+                        <a:t>6</a:t>
+                      </a:r>
+                    </a:p>
+                  </a:txBody>
+                  <a:tcPr>
+                    <a:solidFill>
+                      <a:srgbClr val="002060"/>
+                    </a:solidFill>
+                  </a:tcPr>
+                </a:tc>
+                <a:tc>
+                  <a:txBody>
+                    <a:bodyPr/>
+                    <a:lstStyle/>
+                    <a:p>
+                      <a:r>
+                        <a:rPr lang="pt-BR" b="0" dirty="0">
+                          <a:solidFill>
+                            <a:schemeClr val="bg1">
+                              <a:lumMod val="95000"/>
+                            </a:schemeClr>
+                          </a:solidFill>
+                          <a:latin typeface="Segoe UI" panose="020B0502040204020203" pitchFamily="34" charset="0"/>
+                          <a:cs typeface="Segoe UI" panose="020B0502040204020203" pitchFamily="34" charset="0"/>
+                        </a:rPr>
+                        <a:t>9</a:t>
+                      </a:r>
+                    </a:p>
+                  </a:txBody>
+                  <a:tcPr>
+                    <a:solidFill>
+                      <a:srgbClr val="002060"/>
+                    </a:solidFill>
+                  </a:tcPr>
+                </a:tc>
+                <a:tc>
+                  <a:txBody>
+                    <a:bodyPr/>
+                    <a:lstStyle/>
+                    <a:p>
+                      <a:r>
+                        <a:rPr lang="pt-BR" b="0" dirty="0">
+                          <a:solidFill>
+                            <a:schemeClr val="bg1">
+                              <a:lumMod val="95000"/>
+                            </a:schemeClr>
+                          </a:solidFill>
+                          <a:latin typeface="Segoe UI" panose="020B0502040204020203" pitchFamily="34" charset="0"/>
+                          <a:cs typeface="Segoe UI" panose="020B0502040204020203" pitchFamily="34" charset="0"/>
+                        </a:rPr>
+                        <a:t>10</a:t>
+                      </a:r>
+                    </a:p>
+                  </a:txBody>
+                  <a:tcPr>
+                    <a:solidFill>
+                      <a:srgbClr val="002060"/>
+                    </a:solidFill>
+                  </a:tcPr>
+                </a:tc>
+                <a:extLst>
+                  <a:ext uri="{0D108BD9-81ED-4DB2-BD59-A6C34878D82A}">
+                    <a16:rowId xmlns:a16="http://schemas.microsoft.com/office/drawing/2014/main" val="2016666411"/>
+                  </a:ext>
+                </a:extLst>
+              </a:tr>
+            </a:tbl>
+          </a:graphicData>
+        </a:graphic>
+      </p:graphicFrame>
+      <p:sp>
+        <p:nvSpPr>
+          <p:cNvPr id="5" name="CaixaDeTexto 4">
+            <a:extLst>
+              <a:ext uri="{FF2B5EF4-FFF2-40B4-BE49-F238E27FC236}">
+                <a16:creationId xmlns:a16="http://schemas.microsoft.com/office/drawing/2014/main" id="{8C3BF896-C49F-4A87-8D81-C490996174AC}"/>
+              </a:ext>
+            </a:extLst>
+          </p:cNvPr>
+          <p:cNvSpPr txBox="1"/>
+          <p:nvPr/>
+        </p:nvSpPr>
+        <p:spPr>
+          <a:xfrm>
+            <a:off x="9973993" y="6234332"/>
+            <a:ext cx="1146468" cy="369332"/>
+          </a:xfrm>
+          <a:prstGeom prst="rect">
+            <a:avLst/>
+          </a:prstGeom>
+          <a:noFill/>
+        </p:spPr>
+        <p:txBody>
+          <a:bodyPr wrap="none" rtlCol="0">
+            <a:spAutoFit/>
+          </a:bodyPr>
+          <a:lstStyle/>
+          <a:p>
+            <a:r>
+              <a:rPr lang="pt-BR" dirty="0">
+                <a:latin typeface="Segoe UI" panose="020B0502040204020203" pitchFamily="34" charset="0"/>
+                <a:cs typeface="Segoe UI" panose="020B0502040204020203" pitchFamily="34" charset="0"/>
+              </a:rPr>
+              <a:t>De 0 a 10</a:t>
+            </a:r>
+          </a:p>
+        </p:txBody>
+      </p:sp>
+    </p:spTree>
+    <p:extLst>
+      <p:ext uri="{BB962C8B-B14F-4D97-AF65-F5344CB8AC3E}">
+        <p14:creationId xmlns:p14="http://schemas.microsoft.com/office/powerpoint/2010/main" val="1202595525"/>
+      </p:ext>
+    </p:extLst>
+  </p:cSld>
+  <p:clrMapOvr>
+    <a:masterClrMapping/>
+  </p:clrMapOvr>
+</p:sld>
+</file>
+
+<file path=ppt/slides/slide21.xml><?xml version="1.0" encoding="utf-8"?>
+<p:sld xmlns:a="http://schemas.openxmlformats.org/drawingml/2006/main" xmlns:r="http://schemas.openxmlformats.org/officeDocument/2006/relationships" xmlns:p="http://schemas.openxmlformats.org/presentationml/2006/main">
+  <p:cSld>
+    <p:spTree>
+      <p:nvGrpSpPr>
+        <p:cNvPr id="1" name=""/>
+        <p:cNvGrpSpPr/>
+        <p:nvPr/>
+      </p:nvGrpSpPr>
+      <p:grpSpPr>
+        <a:xfrm>
+          <a:off x="0" y="0"/>
+          <a:ext cx="0" cy="0"/>
+          <a:chOff x="0" y="0"/>
+          <a:chExt cx="0" cy="0"/>
+        </a:xfrm>
+      </p:grpSpPr>
+      <p:sp>
+        <p:nvSpPr>
+          <p:cNvPr id="2" name="Título 1">
+            <a:extLst>
+              <a:ext uri="{FF2B5EF4-FFF2-40B4-BE49-F238E27FC236}">
+                <a16:creationId xmlns:a16="http://schemas.microsoft.com/office/drawing/2014/main" id="{B19728D3-1460-42D2-8D6D-FA0A3611E6CA}"/>
+              </a:ext>
+            </a:extLst>
+          </p:cNvPr>
+          <p:cNvSpPr>
+            <a:spLocks noGrp="1"/>
+          </p:cNvSpPr>
+          <p:nvPr>
+            <p:ph type="title"/>
+          </p:nvPr>
+        </p:nvSpPr>
+        <p:spPr/>
+        <p:txBody>
+          <a:bodyPr/>
+          <a:lstStyle/>
+          <a:p>
+            <a:r>
+              <a:rPr lang="pt-BR" dirty="0"/>
+              <a:t>Quem usa?</a:t>
+            </a:r>
+          </a:p>
+        </p:txBody>
+      </p:sp>
+      <p:sp>
+        <p:nvSpPr>
+          <p:cNvPr id="3" name="Espaço Reservado para Conteúdo 2">
+            <a:extLst>
+              <a:ext uri="{FF2B5EF4-FFF2-40B4-BE49-F238E27FC236}">
+                <a16:creationId xmlns:a16="http://schemas.microsoft.com/office/drawing/2014/main" id="{14E8FBFC-2E5D-4C2F-8C5C-DBC1E5328FCE}"/>
+              </a:ext>
+            </a:extLst>
+          </p:cNvPr>
+          <p:cNvSpPr>
+            <a:spLocks noGrp="1"/>
+          </p:cNvSpPr>
+          <p:nvPr>
+            <p:ph idx="1"/>
+          </p:nvPr>
+        </p:nvSpPr>
+        <p:spPr/>
+        <p:txBody>
+          <a:bodyPr/>
+          <a:lstStyle/>
+          <a:p>
+            <a:r>
+              <a:rPr lang="pt-BR" dirty="0"/>
+              <a:t>O que é considerado PWA?</a:t>
+            </a:r>
+          </a:p>
+        </p:txBody>
+      </p:sp>
+    </p:spTree>
+    <p:extLst>
+      <p:ext uri="{BB962C8B-B14F-4D97-AF65-F5344CB8AC3E}">
+        <p14:creationId xmlns:p14="http://schemas.microsoft.com/office/powerpoint/2010/main" val="237772752"/>
+      </p:ext>
+    </p:extLst>
+  </p:cSld>
+  <p:clrMapOvr>
+    <a:masterClrMapping/>
+  </p:clrMapOvr>
+</p:sld>
+</file>
+
+<file path=ppt/slides/slide22.xml><?xml version="1.0" encoding="utf-8"?>
+<p:sld xmlns:a="http://schemas.openxmlformats.org/drawingml/2006/main" xmlns:r="http://schemas.openxmlformats.org/officeDocument/2006/relationships" xmlns:p="http://schemas.openxmlformats.org/presentationml/2006/main">
+  <p:cSld>
+    <p:spTree>
+      <p:nvGrpSpPr>
+        <p:cNvPr id="1" name=""/>
+        <p:cNvGrpSpPr/>
+        <p:nvPr/>
+      </p:nvGrpSpPr>
+      <p:grpSpPr>
+        <a:xfrm>
+          <a:off x="0" y="0"/>
+          <a:ext cx="0" cy="0"/>
+          <a:chOff x="0" y="0"/>
+          <a:chExt cx="0" cy="0"/>
+        </a:xfrm>
+      </p:grpSpPr>
+      <p:sp>
+        <p:nvSpPr>
+          <p:cNvPr id="2" name="Título 1">
+            <a:extLst>
+              <a:ext uri="{FF2B5EF4-FFF2-40B4-BE49-F238E27FC236}">
+                <a16:creationId xmlns:a16="http://schemas.microsoft.com/office/drawing/2014/main" id="{B19728D3-1460-42D2-8D6D-FA0A3611E6CA}"/>
+              </a:ext>
+            </a:extLst>
+          </p:cNvPr>
+          <p:cNvSpPr>
+            <a:spLocks noGrp="1"/>
+          </p:cNvSpPr>
+          <p:nvPr>
+            <p:ph type="title"/>
+          </p:nvPr>
+        </p:nvSpPr>
+        <p:spPr/>
+        <p:txBody>
+          <a:bodyPr/>
+          <a:lstStyle/>
+          <a:p>
+            <a:r>
+              <a:rPr lang="pt-BR" dirty="0"/>
+              <a:t>Está acessível?</a:t>
+            </a:r>
+          </a:p>
+        </p:txBody>
+      </p:sp>
+      <p:sp>
+        <p:nvSpPr>
+          <p:cNvPr id="3" name="Espaço Reservado para Conteúdo 2">
+            <a:extLst>
+              <a:ext uri="{FF2B5EF4-FFF2-40B4-BE49-F238E27FC236}">
+                <a16:creationId xmlns:a16="http://schemas.microsoft.com/office/drawing/2014/main" id="{14E8FBFC-2E5D-4C2F-8C5C-DBC1E5328FCE}"/>
+              </a:ext>
+            </a:extLst>
+          </p:cNvPr>
+          <p:cNvSpPr>
+            <a:spLocks noGrp="1"/>
+          </p:cNvSpPr>
+          <p:nvPr>
+            <p:ph idx="1"/>
+          </p:nvPr>
+        </p:nvSpPr>
+        <p:spPr/>
+        <p:txBody>
+          <a:bodyPr/>
+          <a:lstStyle/>
+          <a:p>
+            <a:r>
+              <a:rPr lang="pt-BR" dirty="0"/>
+              <a:t>O que é considerado PWA?</a:t>
+            </a:r>
+          </a:p>
+        </p:txBody>
+      </p:sp>
+    </p:spTree>
+    <p:extLst>
+      <p:ext uri="{BB962C8B-B14F-4D97-AF65-F5344CB8AC3E}">
+        <p14:creationId xmlns:p14="http://schemas.microsoft.com/office/powerpoint/2010/main" val="507841851"/>
+      </p:ext>
+    </p:extLst>
+  </p:cSld>
+  <p:clrMapOvr>
+    <a:masterClrMapping/>
+  </p:clrMapOvr>
+</p:sld>
+</file>
+
+<file path=ppt/slides/slide23.xml><?xml version="1.0" encoding="utf-8"?>
+<p:sld xmlns:a="http://schemas.openxmlformats.org/drawingml/2006/main" xmlns:r="http://schemas.openxmlformats.org/officeDocument/2006/relationships" xmlns:p="http://schemas.openxmlformats.org/presentationml/2006/main">
+  <p:cSld>
+    <p:spTree>
+      <p:nvGrpSpPr>
+        <p:cNvPr id="1" name=""/>
+        <p:cNvGrpSpPr/>
+        <p:nvPr/>
+      </p:nvGrpSpPr>
+      <p:grpSpPr>
+        <a:xfrm>
+          <a:off x="0" y="0"/>
+          <a:ext cx="0" cy="0"/>
+          <a:chOff x="0" y="0"/>
+          <a:chExt cx="0" cy="0"/>
+        </a:xfrm>
+      </p:grpSpPr>
+      <p:sp>
+        <p:nvSpPr>
+          <p:cNvPr id="2" name="Título 1">
+            <a:extLst>
+              <a:ext uri="{FF2B5EF4-FFF2-40B4-BE49-F238E27FC236}">
+                <a16:creationId xmlns:a16="http://schemas.microsoft.com/office/drawing/2014/main" id="{B19728D3-1460-42D2-8D6D-FA0A3611E6CA}"/>
+              </a:ext>
+            </a:extLst>
+          </p:cNvPr>
+          <p:cNvSpPr>
+            <a:spLocks noGrp="1"/>
+          </p:cNvSpPr>
+          <p:nvPr>
+            <p:ph type="title"/>
+          </p:nvPr>
+        </p:nvSpPr>
+        <p:spPr/>
+        <p:txBody>
+          <a:bodyPr/>
+          <a:lstStyle/>
+          <a:p>
+            <a:r>
+              <a:rPr lang="pt-BR" dirty="0" err="1"/>
+              <a:t>Firebase</a:t>
+            </a:r>
+            <a:endParaRPr lang="pt-BR" dirty="0"/>
+          </a:p>
+        </p:txBody>
+      </p:sp>
+      <p:sp>
+        <p:nvSpPr>
+          <p:cNvPr id="3" name="Espaço Reservado para Conteúdo 2">
+            <a:extLst>
+              <a:ext uri="{FF2B5EF4-FFF2-40B4-BE49-F238E27FC236}">
+                <a16:creationId xmlns:a16="http://schemas.microsoft.com/office/drawing/2014/main" id="{14E8FBFC-2E5D-4C2F-8C5C-DBC1E5328FCE}"/>
+              </a:ext>
+            </a:extLst>
+          </p:cNvPr>
+          <p:cNvSpPr>
+            <a:spLocks noGrp="1"/>
+          </p:cNvSpPr>
+          <p:nvPr>
+            <p:ph idx="1"/>
+          </p:nvPr>
+        </p:nvSpPr>
+        <p:spPr/>
+        <p:txBody>
+          <a:bodyPr/>
+          <a:lstStyle/>
+          <a:p>
+            <a:r>
+              <a:rPr lang="pt-BR" dirty="0">
+                <a:hlinkClick r:id="rId2"/>
+              </a:rPr>
+              <a:t>https://firebase.google.com/?hl=pt-br</a:t>
+            </a:r>
+            <a:endParaRPr lang="pt-BR" dirty="0"/>
+          </a:p>
+          <a:p>
+            <a:r>
+              <a:rPr lang="pt-BR" dirty="0"/>
+              <a:t>O </a:t>
+            </a:r>
+            <a:r>
+              <a:rPr lang="pt-BR" dirty="0" err="1"/>
+              <a:t>Firebase</a:t>
+            </a:r>
+            <a:r>
+              <a:rPr lang="pt-BR" dirty="0"/>
+              <a:t> ajuda você a criar apps melhores e desenvolver sua empresa.</a:t>
+            </a:r>
+          </a:p>
+        </p:txBody>
+      </p:sp>
+    </p:spTree>
+    <p:extLst>
+      <p:ext uri="{BB962C8B-B14F-4D97-AF65-F5344CB8AC3E}">
+        <p14:creationId xmlns:p14="http://schemas.microsoft.com/office/powerpoint/2010/main" val="995832646"/>
+      </p:ext>
+    </p:extLst>
+  </p:cSld>
+  <p:clrMapOvr>
+    <a:masterClrMapping/>
+  </p:clrMapOvr>
+</p:sld>
+</file>
+
+<file path=ppt/slides/slide24.xml><?xml version="1.0" encoding="utf-8"?>
+<p:sld xmlns:a="http://schemas.openxmlformats.org/drawingml/2006/main" xmlns:r="http://schemas.openxmlformats.org/officeDocument/2006/relationships" xmlns:p="http://schemas.openxmlformats.org/presentationml/2006/main">
+  <p:cSld>
+    <p:spTree>
+      <p:nvGrpSpPr>
+        <p:cNvPr id="1" name=""/>
+        <p:cNvGrpSpPr/>
+        <p:nvPr/>
+      </p:nvGrpSpPr>
+      <p:grpSpPr>
+        <a:xfrm>
+          <a:off x="0" y="0"/>
+          <a:ext cx="0" cy="0"/>
+          <a:chOff x="0" y="0"/>
+          <a:chExt cx="0" cy="0"/>
+        </a:xfrm>
+      </p:grpSpPr>
+      <p:sp>
+        <p:nvSpPr>
+          <p:cNvPr id="2" name="Título 1">
+            <a:extLst>
+              <a:ext uri="{FF2B5EF4-FFF2-40B4-BE49-F238E27FC236}">
+                <a16:creationId xmlns:a16="http://schemas.microsoft.com/office/drawing/2014/main" id="{B19728D3-1460-42D2-8D6D-FA0A3611E6CA}"/>
+              </a:ext>
+            </a:extLst>
+          </p:cNvPr>
+          <p:cNvSpPr>
+            <a:spLocks noGrp="1"/>
+          </p:cNvSpPr>
+          <p:nvPr>
+            <p:ph type="title"/>
+          </p:nvPr>
+        </p:nvSpPr>
+        <p:spPr/>
+        <p:txBody>
+          <a:bodyPr/>
+          <a:lstStyle/>
+          <a:p>
+            <a:r>
+              <a:rPr lang="pt-BR" dirty="0"/>
+              <a:t>Mais conhecimento</a:t>
+            </a:r>
+          </a:p>
+        </p:txBody>
+      </p:sp>
+      <p:sp>
+        <p:nvSpPr>
+          <p:cNvPr id="3" name="Espaço Reservado para Conteúdo 2">
+            <a:extLst>
+              <a:ext uri="{FF2B5EF4-FFF2-40B4-BE49-F238E27FC236}">
+                <a16:creationId xmlns:a16="http://schemas.microsoft.com/office/drawing/2014/main" id="{14E8FBFC-2E5D-4C2F-8C5C-DBC1E5328FCE}"/>
+              </a:ext>
+            </a:extLst>
+          </p:cNvPr>
+          <p:cNvSpPr>
+            <a:spLocks noGrp="1"/>
+          </p:cNvSpPr>
+          <p:nvPr>
+            <p:ph idx="1"/>
+          </p:nvPr>
+        </p:nvSpPr>
+        <p:spPr/>
+        <p:txBody>
+          <a:bodyPr>
+            <a:normAutofit/>
+          </a:bodyPr>
+          <a:lstStyle/>
+          <a:p>
+            <a:r>
+              <a:rPr lang="pt-BR" dirty="0">
+                <a:hlinkClick r:id="rId2"/>
+              </a:rPr>
+              <a:t>https://blog.minnisell.com/mas-afinal-de-contas-o-que-%C3%A9-um-progressive-web-app-8cd727a8fe46</a:t>
+            </a:r>
+            <a:endParaRPr lang="pt-BR" dirty="0"/>
+          </a:p>
+          <a:p>
+            <a:r>
+              <a:rPr lang="pt-BR" dirty="0">
+                <a:hlinkClick r:id="rId3"/>
+              </a:rPr>
+              <a:t>https://pwa.rocks/</a:t>
+            </a:r>
+            <a:endParaRPr lang="pt-BR" dirty="0"/>
+          </a:p>
+          <a:p>
+            <a:r>
+              <a:rPr lang="pt-BR" dirty="0">
+                <a:hlinkClick r:id="rId4"/>
+              </a:rPr>
+              <a:t>https://vizir.com.br/2017/08/o-que-e-pwa-progressive-web-app-porque-isso-pode-aumentar-seus-resultados-mobile/</a:t>
+            </a:r>
+            <a:endParaRPr lang="pt-BR" dirty="0"/>
+          </a:p>
+          <a:p>
+            <a:r>
+              <a:rPr lang="pt-BR" dirty="0">
+                <a:hlinkClick r:id="rId5"/>
+              </a:rPr>
+              <a:t>https://blog.ionicframework.com/what-is-a-progressive-web-app/</a:t>
+            </a:r>
+            <a:endParaRPr lang="pt-BR" dirty="0"/>
+          </a:p>
+          <a:p>
+            <a:r>
+              <a:rPr lang="pt-BR" dirty="0">
+                <a:hlinkClick r:id="rId6"/>
+              </a:rPr>
+              <a:t>https://www.recode.net/2016/6/8/11883518/app-boom-over-snapchat-uber</a:t>
+            </a:r>
+            <a:endParaRPr lang="pt-BR" dirty="0"/>
+          </a:p>
+          <a:p>
+            <a:r>
+              <a:rPr lang="pt-BR" dirty="0"/>
+              <a:t>https://tableless.com.br/introducao-aos-progressive-web-apps/</a:t>
+            </a:r>
+          </a:p>
+        </p:txBody>
+      </p:sp>
+    </p:spTree>
+    <p:extLst>
+      <p:ext uri="{BB962C8B-B14F-4D97-AF65-F5344CB8AC3E}">
+        <p14:creationId xmlns:p14="http://schemas.microsoft.com/office/powerpoint/2010/main" val="2093457419"/>
+      </p:ext>
+    </p:extLst>
+  </p:cSld>
+  <p:clrMapOvr>
+    <a:masterClrMapping/>
+  </p:clrMapOvr>
+</p:sld>
+</file>
+
 <file path=ppt/slides/slide3.xml><?xml version="1.0" encoding="utf-8"?>
 <p:sld xmlns:a="http://schemas.openxmlformats.org/drawingml/2006/main" xmlns:r="http://schemas.openxmlformats.org/officeDocument/2006/relationships" xmlns:p="http://schemas.openxmlformats.org/presentationml/2006/main">
   <p:cSld>
@@ -6271,6 +8833,71 @@
 <file path=ppt/slides/slide4.xml><?xml version="1.0" encoding="utf-8"?>
 <p:sld xmlns:a="http://schemas.openxmlformats.org/drawingml/2006/main" xmlns:r="http://schemas.openxmlformats.org/officeDocument/2006/relationships" xmlns:p="http://schemas.openxmlformats.org/presentationml/2006/main">
   <p:cSld>
+    <p:spTree>
+      <p:nvGrpSpPr>
+        <p:cNvPr id="1" name=""/>
+        <p:cNvGrpSpPr/>
+        <p:nvPr/>
+      </p:nvGrpSpPr>
+      <p:grpSpPr>
+        <a:xfrm>
+          <a:off x="0" y="0"/>
+          <a:ext cx="0" cy="0"/>
+          <a:chOff x="0" y="0"/>
+          <a:chExt cx="0" cy="0"/>
+        </a:xfrm>
+      </p:grpSpPr>
+      <p:pic>
+        <p:nvPicPr>
+          <p:cNvPr id="5" name="Espaço Reservado para Conteúdo 4" descr="Uma imagem contendo homem&#10;&#10;Descrição gerada com muito alta confiança">
+            <a:extLst>
+              <a:ext uri="{FF2B5EF4-FFF2-40B4-BE49-F238E27FC236}">
+                <a16:creationId xmlns:a16="http://schemas.microsoft.com/office/drawing/2014/main" id="{6BF74239-2361-4BFD-8FF8-A2479E6F6315}"/>
+              </a:ext>
+            </a:extLst>
+          </p:cNvPr>
+          <p:cNvPicPr>
+            <a:picLocks noGrp="1" noChangeAspect="1"/>
+          </p:cNvPicPr>
+          <p:nvPr>
+            <p:ph idx="1"/>
+          </p:nvPr>
+        </p:nvPicPr>
+        <p:blipFill>
+          <a:blip r:embed="rId2">
+            <a:extLst>
+              <a:ext uri="{28A0092B-C50C-407E-A947-70E740481C1C}">
+                <a14:useLocalDpi xmlns:a14="http://schemas.microsoft.com/office/drawing/2010/main" val="0"/>
+              </a:ext>
+            </a:extLst>
+          </a:blip>
+          <a:stretch>
+            <a:fillRect/>
+          </a:stretch>
+        </p:blipFill>
+        <p:spPr>
+          <a:xfrm>
+            <a:off x="1348298" y="200616"/>
+            <a:ext cx="9807382" cy="6456767"/>
+          </a:xfrm>
+        </p:spPr>
+      </p:pic>
+    </p:spTree>
+    <p:extLst>
+      <p:ext uri="{BB962C8B-B14F-4D97-AF65-F5344CB8AC3E}">
+        <p14:creationId xmlns:p14="http://schemas.microsoft.com/office/powerpoint/2010/main" val="784912916"/>
+      </p:ext>
+    </p:extLst>
+  </p:cSld>
+  <p:clrMapOvr>
+    <a:masterClrMapping/>
+  </p:clrMapOvr>
+</p:sld>
+</file>
+
+<file path=ppt/slides/slide5.xml><?xml version="1.0" encoding="utf-8"?>
+<p:sld xmlns:a="http://schemas.openxmlformats.org/drawingml/2006/main" xmlns:r="http://schemas.openxmlformats.org/officeDocument/2006/relationships" xmlns:p="http://schemas.openxmlformats.org/presentationml/2006/main">
+  <p:cSld>
     <p:bg>
       <p:bgPr>
         <a:solidFill>
@@ -6437,7 +9064,7 @@
 </p:sld>
 </file>
 
-<file path=ppt/slides/slide5.xml><?xml version="1.0" encoding="utf-8"?>
+<file path=ppt/slides/slide6.xml><?xml version="1.0" encoding="utf-8"?>
 <p:sld xmlns:a="http://schemas.openxmlformats.org/drawingml/2006/main" xmlns:r="http://schemas.openxmlformats.org/officeDocument/2006/relationships" xmlns:p="http://schemas.openxmlformats.org/presentationml/2006/main">
   <p:cSld>
     <p:bg>
@@ -6843,7 +9470,7 @@
 </p:sld>
 </file>
 
-<file path=ppt/slides/slide6.xml><?xml version="1.0" encoding="utf-8"?>
+<file path=ppt/slides/slide7.xml><?xml version="1.0" encoding="utf-8"?>
 <p:sld xmlns:a="http://schemas.openxmlformats.org/drawingml/2006/main" xmlns:r="http://schemas.openxmlformats.org/officeDocument/2006/relationships" xmlns:p="http://schemas.openxmlformats.org/presentationml/2006/main">
   <p:cSld>
     <p:bg>
@@ -7104,7 +9731,7 @@
 </p:sld>
 </file>
 
-<file path=ppt/slides/slide7.xml><?xml version="1.0" encoding="utf-8"?>
+<file path=ppt/slides/slide8.xml><?xml version="1.0" encoding="utf-8"?>
 <p:sld xmlns:a="http://schemas.openxmlformats.org/drawingml/2006/main" xmlns:r="http://schemas.openxmlformats.org/officeDocument/2006/relationships" xmlns:p="http://schemas.openxmlformats.org/presentationml/2006/main">
   <p:cSld>
     <p:bg>
@@ -7388,228 +10015,6 @@
 </p:sld>
 </file>
 
-<file path=ppt/slides/slide8.xml><?xml version="1.0" encoding="utf-8"?>
-<p:sld xmlns:a="http://schemas.openxmlformats.org/drawingml/2006/main" xmlns:r="http://schemas.openxmlformats.org/officeDocument/2006/relationships" xmlns:p="http://schemas.openxmlformats.org/presentationml/2006/main">
-  <p:cSld>
-    <p:spTree>
-      <p:nvGrpSpPr>
-        <p:cNvPr id="1" name=""/>
-        <p:cNvGrpSpPr/>
-        <p:nvPr/>
-      </p:nvGrpSpPr>
-      <p:grpSpPr>
-        <a:xfrm>
-          <a:off x="0" y="0"/>
-          <a:ext cx="0" cy="0"/>
-          <a:chOff x="0" y="0"/>
-          <a:chExt cx="0" cy="0"/>
-        </a:xfrm>
-      </p:grpSpPr>
-      <p:sp>
-        <p:nvSpPr>
-          <p:cNvPr id="2" name="Título 1">
-            <a:extLst>
-              <a:ext uri="{FF2B5EF4-FFF2-40B4-BE49-F238E27FC236}">
-                <a16:creationId xmlns:a16="http://schemas.microsoft.com/office/drawing/2014/main" id="{219CF138-001C-42C1-9C56-4D28A9C0718F}"/>
-              </a:ext>
-            </a:extLst>
-          </p:cNvPr>
-          <p:cNvSpPr>
-            <a:spLocks noGrp="1"/>
-          </p:cNvSpPr>
-          <p:nvPr>
-            <p:ph type="title"/>
-          </p:nvPr>
-        </p:nvSpPr>
-        <p:spPr>
-          <a:xfrm>
-            <a:off x="478302" y="484632"/>
-            <a:ext cx="11521440" cy="1006543"/>
-          </a:xfrm>
-        </p:spPr>
-        <p:txBody>
-          <a:bodyPr/>
-          <a:lstStyle/>
-          <a:p>
-            <a:r>
-              <a:rPr lang="pt-BR" dirty="0"/>
-              <a:t>Como são os aplicativos atualmente?</a:t>
-            </a:r>
-          </a:p>
-        </p:txBody>
-      </p:sp>
-      <p:sp>
-        <p:nvSpPr>
-          <p:cNvPr id="3" name="Espaço Reservado para Conteúdo 2">
-            <a:extLst>
-              <a:ext uri="{FF2B5EF4-FFF2-40B4-BE49-F238E27FC236}">
-                <a16:creationId xmlns:a16="http://schemas.microsoft.com/office/drawing/2014/main" id="{B70C8B0E-7B18-4790-BC25-C14CEF147824}"/>
-              </a:ext>
-            </a:extLst>
-          </p:cNvPr>
-          <p:cNvSpPr>
-            <a:spLocks noGrp="1"/>
-          </p:cNvSpPr>
-          <p:nvPr>
-            <p:ph idx="1"/>
-          </p:nvPr>
-        </p:nvSpPr>
-        <p:spPr>
-          <a:xfrm>
-            <a:off x="1069848" y="1491175"/>
-            <a:ext cx="10058400" cy="1937825"/>
-          </a:xfrm>
-        </p:spPr>
-        <p:txBody>
-          <a:bodyPr/>
-          <a:lstStyle/>
-          <a:p>
-            <a:r>
-              <a:rPr lang="pt-BR" dirty="0">
-                <a:latin typeface="Segoe UI" panose="020B0502040204020203" pitchFamily="34" charset="0"/>
-                <a:cs typeface="Segoe UI" panose="020B0502040204020203" pitchFamily="34" charset="0"/>
-              </a:rPr>
-              <a:t>Hoje em dia é fácil localizar um app dentro de uma loja, vamos exemplificar com a </a:t>
-            </a:r>
-            <a:r>
-              <a:rPr lang="pt-BR" b="1" i="1" dirty="0">
-                <a:latin typeface="Segoe UI" panose="020B0502040204020203" pitchFamily="34" charset="0"/>
-                <a:cs typeface="Segoe UI" panose="020B0502040204020203" pitchFamily="34" charset="0"/>
-              </a:rPr>
-              <a:t>Google Play </a:t>
-            </a:r>
-            <a:r>
-              <a:rPr lang="pt-BR" b="1" i="1" dirty="0" err="1">
-                <a:latin typeface="Segoe UI" panose="020B0502040204020203" pitchFamily="34" charset="0"/>
-                <a:cs typeface="Segoe UI" panose="020B0502040204020203" pitchFamily="34" charset="0"/>
-              </a:rPr>
-              <a:t>Store</a:t>
-            </a:r>
-            <a:r>
-              <a:rPr lang="pt-BR" b="1" i="1" dirty="0">
-                <a:latin typeface="Segoe UI" panose="020B0502040204020203" pitchFamily="34" charset="0"/>
-                <a:cs typeface="Segoe UI" panose="020B0502040204020203" pitchFamily="34" charset="0"/>
-              </a:rPr>
-              <a:t>. </a:t>
-            </a:r>
-            <a:r>
-              <a:rPr lang="pt-BR" dirty="0">
-                <a:latin typeface="Segoe UI" panose="020B0502040204020203" pitchFamily="34" charset="0"/>
-                <a:cs typeface="Segoe UI" panose="020B0502040204020203" pitchFamily="34" charset="0"/>
-              </a:rPr>
-              <a:t>Você pesquisa por </a:t>
-            </a:r>
-            <a:r>
-              <a:rPr lang="pt-BR" b="1" i="1" dirty="0" err="1">
-                <a:latin typeface="Segoe UI" panose="020B0502040204020203" pitchFamily="34" charset="0"/>
-                <a:cs typeface="Segoe UI" panose="020B0502040204020203" pitchFamily="34" charset="0"/>
-              </a:rPr>
-              <a:t>Whatsapp</a:t>
-            </a:r>
-            <a:r>
-              <a:rPr lang="pt-BR" dirty="0">
-                <a:latin typeface="Segoe UI" panose="020B0502040204020203" pitchFamily="34" charset="0"/>
-                <a:cs typeface="Segoe UI" panose="020B0502040204020203" pitchFamily="34" charset="0"/>
-              </a:rPr>
-              <a:t>, verifica os requisitos como versão do Android, espaço de armazenamento, permissões e etc...</a:t>
-            </a:r>
-          </a:p>
-          <a:p>
-            <a:r>
-              <a:rPr lang="pt-BR" dirty="0">
-                <a:latin typeface="Segoe UI" panose="020B0502040204020203" pitchFamily="34" charset="0"/>
-                <a:cs typeface="Segoe UI" panose="020B0502040204020203" pitchFamily="34" charset="0"/>
-              </a:rPr>
-              <a:t>Clica em instalar, sendo assim, é verificado se você está </a:t>
-            </a:r>
-            <a:r>
-              <a:rPr lang="pt-BR" dirty="0" err="1">
-                <a:latin typeface="Segoe UI" panose="020B0502040204020203" pitchFamily="34" charset="0"/>
-                <a:cs typeface="Segoe UI" panose="020B0502040204020203" pitchFamily="34" charset="0"/>
-              </a:rPr>
-              <a:t>logado</a:t>
-            </a:r>
-            <a:r>
-              <a:rPr lang="pt-BR" dirty="0">
-                <a:latin typeface="Segoe UI" panose="020B0502040204020203" pitchFamily="34" charset="0"/>
-                <a:cs typeface="Segoe UI" panose="020B0502040204020203" pitchFamily="34" charset="0"/>
-              </a:rPr>
-              <a:t>, começa a ser feito o download do </a:t>
-            </a:r>
-            <a:r>
-              <a:rPr lang="pt-BR" b="1" i="1" dirty="0">
-                <a:latin typeface="Segoe UI" panose="020B0502040204020203" pitchFamily="34" charset="0"/>
-                <a:cs typeface="Segoe UI" panose="020B0502040204020203" pitchFamily="34" charset="0"/>
-              </a:rPr>
-              <a:t>.</a:t>
-            </a:r>
-            <a:r>
-              <a:rPr lang="pt-BR" b="1" i="1" dirty="0" err="1">
-                <a:latin typeface="Segoe UI" panose="020B0502040204020203" pitchFamily="34" charset="0"/>
-                <a:cs typeface="Segoe UI" panose="020B0502040204020203" pitchFamily="34" charset="0"/>
-              </a:rPr>
-              <a:t>apk</a:t>
-            </a:r>
-            <a:r>
-              <a:rPr lang="pt-BR" b="1" i="1" dirty="0">
-                <a:latin typeface="Segoe UI" panose="020B0502040204020203" pitchFamily="34" charset="0"/>
-                <a:cs typeface="Segoe UI" panose="020B0502040204020203" pitchFamily="34" charset="0"/>
-              </a:rPr>
-              <a:t> </a:t>
-            </a:r>
-            <a:r>
-              <a:rPr lang="pt-BR" dirty="0">
-                <a:latin typeface="Segoe UI" panose="020B0502040204020203" pitchFamily="34" charset="0"/>
-                <a:cs typeface="Segoe UI" panose="020B0502040204020203" pitchFamily="34" charset="0"/>
-              </a:rPr>
-              <a:t>e em alguns minutos começa a ser instalado, confirma algumas permissões e só assim você poderá utilizar o app.</a:t>
-            </a:r>
-          </a:p>
-        </p:txBody>
-      </p:sp>
-      <p:pic>
-        <p:nvPicPr>
-          <p:cNvPr id="4" name="Imagem 3">
-            <a:extLst>
-              <a:ext uri="{FF2B5EF4-FFF2-40B4-BE49-F238E27FC236}">
-                <a16:creationId xmlns:a16="http://schemas.microsoft.com/office/drawing/2014/main" id="{65A36558-07B5-44A8-991C-5DD126995422}"/>
-              </a:ext>
-            </a:extLst>
-          </p:cNvPr>
-          <p:cNvPicPr>
-            <a:picLocks noChangeAspect="1"/>
-          </p:cNvPicPr>
-          <p:nvPr/>
-        </p:nvPicPr>
-        <p:blipFill>
-          <a:blip r:embed="rId2"/>
-          <a:stretch>
-            <a:fillRect/>
-          </a:stretch>
-        </p:blipFill>
-        <p:spPr>
-          <a:xfrm>
-            <a:off x="1828800" y="3804615"/>
-            <a:ext cx="8061959" cy="2765700"/>
-          </a:xfrm>
-          <a:prstGeom prst="rect">
-            <a:avLst/>
-          </a:prstGeom>
-        </p:spPr>
-      </p:pic>
-    </p:spTree>
-    <p:extLst>
-      <p:ext uri="{BB962C8B-B14F-4D97-AF65-F5344CB8AC3E}">
-        <p14:creationId xmlns:p14="http://schemas.microsoft.com/office/powerpoint/2010/main" val="3785985622"/>
-      </p:ext>
-    </p:extLst>
-  </p:cSld>
-  <p:clrMapOvr>
-    <a:masterClrMapping/>
-  </p:clrMapOvr>
-</p:sld>
-</file>
-
 <file path=ppt/slides/slide9.xml><?xml version="1.0" encoding="utf-8"?>
 <p:sld xmlns:a="http://schemas.openxmlformats.org/drawingml/2006/main" xmlns:r="http://schemas.openxmlformats.org/officeDocument/2006/relationships" xmlns:p="http://schemas.openxmlformats.org/presentationml/2006/main">
   <p:cSld>
@@ -7632,7 +10037,7 @@
           <p:cNvPr id="2" name="Título 1">
             <a:extLst>
               <a:ext uri="{FF2B5EF4-FFF2-40B4-BE49-F238E27FC236}">
-                <a16:creationId xmlns:a16="http://schemas.microsoft.com/office/drawing/2014/main" id="{B19728D3-1460-42D2-8D6D-FA0A3611E6CA}"/>
+                <a16:creationId xmlns:a16="http://schemas.microsoft.com/office/drawing/2014/main" id="{392A665F-70FA-4C79-A7EC-047D0A15C711}"/>
               </a:ext>
             </a:extLst>
           </p:cNvPr>
@@ -7645,8 +10050,8 @@
         </p:nvSpPr>
         <p:spPr>
           <a:xfrm>
-            <a:off x="281353" y="484632"/>
-            <a:ext cx="11760591" cy="1609344"/>
+            <a:off x="1069848" y="484632"/>
+            <a:ext cx="10058400" cy="1133217"/>
           </a:xfrm>
         </p:spPr>
         <p:txBody>
@@ -7655,119 +10060,50 @@
           <a:p>
             <a:r>
               <a:rPr lang="pt-BR" dirty="0"/>
-              <a:t>Quais são os problemas mais comuns?</a:t>
-            </a:r>
-          </a:p>
-        </p:txBody>
-      </p:sp>
-      <p:sp>
-        <p:nvSpPr>
-          <p:cNvPr id="3" name="Espaço Reservado para Conteúdo 2">
+              <a:t>Na visão do usuário</a:t>
+            </a:r>
+          </a:p>
+        </p:txBody>
+      </p:sp>
+      <p:pic>
+        <p:nvPicPr>
+          <p:cNvPr id="5" name="Espaço Reservado para Conteúdo 4">
             <a:extLst>
               <a:ext uri="{FF2B5EF4-FFF2-40B4-BE49-F238E27FC236}">
-                <a16:creationId xmlns:a16="http://schemas.microsoft.com/office/drawing/2014/main" id="{14E8FBFC-2E5D-4C2F-8C5C-DBC1E5328FCE}"/>
+                <a16:creationId xmlns:a16="http://schemas.microsoft.com/office/drawing/2014/main" id="{BC207786-592B-4CFD-A3AE-A942518488FA}"/>
               </a:ext>
             </a:extLst>
           </p:cNvPr>
-          <p:cNvSpPr>
-            <a:spLocks noGrp="1"/>
-          </p:cNvSpPr>
+          <p:cNvPicPr>
+            <a:picLocks noGrp="1" noChangeAspect="1"/>
+          </p:cNvPicPr>
           <p:nvPr>
             <p:ph idx="1"/>
           </p:nvPr>
-        </p:nvSpPr>
-        <p:spPr/>
-        <p:txBody>
-          <a:bodyPr/>
-          <a:lstStyle/>
-          <a:p>
-            <a:r>
-              <a:rPr lang="pt-BR" dirty="0">
-                <a:latin typeface="Segoe UI" panose="020B0502040204020203" pitchFamily="34" charset="0"/>
-                <a:cs typeface="Segoe UI" panose="020B0502040204020203" pitchFamily="34" charset="0"/>
-              </a:rPr>
-              <a:t>Por serem aplicativos, são como programas de computador, podemos fazer a analogia entre ter o </a:t>
-            </a:r>
-            <a:r>
-              <a:rPr lang="pt-BR" dirty="0" err="1">
-                <a:latin typeface="Segoe UI" panose="020B0502040204020203" pitchFamily="34" charset="0"/>
-                <a:cs typeface="Segoe UI" panose="020B0502040204020203" pitchFamily="34" charset="0"/>
-              </a:rPr>
-              <a:t>Oficce</a:t>
-            </a:r>
-            <a:r>
-              <a:rPr lang="pt-BR" dirty="0">
-                <a:latin typeface="Segoe UI" panose="020B0502040204020203" pitchFamily="34" charset="0"/>
-                <a:cs typeface="Segoe UI" panose="020B0502040204020203" pitchFamily="34" charset="0"/>
-              </a:rPr>
-              <a:t> instalado no computador. Temos um instalador e um executável.</a:t>
-            </a:r>
-          </a:p>
-          <a:p>
-            <a:endParaRPr lang="pt-BR" dirty="0">
-              <a:latin typeface="Segoe UI" panose="020B0502040204020203" pitchFamily="34" charset="0"/>
-              <a:cs typeface="Segoe UI" panose="020B0502040204020203" pitchFamily="34" charset="0"/>
-            </a:endParaRPr>
-          </a:p>
-          <a:p>
-            <a:r>
-              <a:rPr lang="pt-BR" dirty="0">
-                <a:latin typeface="Segoe UI" panose="020B0502040204020203" pitchFamily="34" charset="0"/>
-                <a:cs typeface="Segoe UI" panose="020B0502040204020203" pitchFamily="34" charset="0"/>
-              </a:rPr>
-              <a:t>Porém, consomem muito espaço físico, por exemplo o </a:t>
-            </a:r>
-            <a:r>
-              <a:rPr lang="pt-BR" dirty="0" err="1">
-                <a:latin typeface="Segoe UI" panose="020B0502040204020203" pitchFamily="34" charset="0"/>
-                <a:cs typeface="Segoe UI" panose="020B0502040204020203" pitchFamily="34" charset="0"/>
-              </a:rPr>
-              <a:t>Whatsapp</a:t>
-            </a:r>
-            <a:r>
-              <a:rPr lang="pt-BR" dirty="0">
-                <a:latin typeface="Segoe UI" panose="020B0502040204020203" pitchFamily="34" charset="0"/>
-                <a:cs typeface="Segoe UI" panose="020B0502040204020203" pitchFamily="34" charset="0"/>
-              </a:rPr>
-              <a:t> consome só de estar instalado 35.74 MB, um outro exemplo é o Facebook, ele consome 35.74 MB.</a:t>
-            </a:r>
-          </a:p>
-          <a:p>
-            <a:endParaRPr lang="pt-BR" dirty="0">
-              <a:latin typeface="Segoe UI" panose="020B0502040204020203" pitchFamily="34" charset="0"/>
-              <a:cs typeface="Segoe UI" panose="020B0502040204020203" pitchFamily="34" charset="0"/>
-            </a:endParaRPr>
-          </a:p>
-          <a:p>
-            <a:r>
-              <a:rPr lang="pt-BR" dirty="0">
-                <a:latin typeface="Segoe UI" panose="020B0502040204020203" pitchFamily="34" charset="0"/>
-                <a:cs typeface="Segoe UI" panose="020B0502040204020203" pitchFamily="34" charset="0"/>
-              </a:rPr>
-              <a:t>Quando as lojas disponibilizam novas versões, as atualizações não são instantâneas e as vezes até mesmo ao atualizarem, encerram do nada enquanto estamos utilizando.</a:t>
-            </a:r>
-          </a:p>
-          <a:p>
-            <a:endParaRPr lang="pt-BR" dirty="0">
-              <a:latin typeface="Segoe UI" panose="020B0502040204020203" pitchFamily="34" charset="0"/>
-              <a:cs typeface="Segoe UI" panose="020B0502040204020203" pitchFamily="34" charset="0"/>
-            </a:endParaRPr>
-          </a:p>
-          <a:p>
-            <a:r>
-              <a:rPr lang="pt-BR" dirty="0">
-                <a:latin typeface="Segoe UI" panose="020B0502040204020203" pitchFamily="34" charset="0"/>
-                <a:cs typeface="Segoe UI" panose="020B0502040204020203" pitchFamily="34" charset="0"/>
-              </a:rPr>
-              <a:t>Não é o mesmo App para cada plataforma, as vezes uma possui atualizações mais rápidas do que as outras.</a:t>
-            </a:r>
-          </a:p>
-        </p:txBody>
-      </p:sp>
+        </p:nvPicPr>
+        <p:blipFill>
+          <a:blip r:embed="rId2">
+            <a:extLst>
+              <a:ext uri="{28A0092B-C50C-407E-A947-70E740481C1C}">
+                <a14:useLocalDpi xmlns:a14="http://schemas.microsoft.com/office/drawing/2010/main" val="0"/>
+              </a:ext>
+            </a:extLst>
+          </a:blip>
+          <a:stretch>
+            <a:fillRect/>
+          </a:stretch>
+        </p:blipFill>
+        <p:spPr>
+          <a:xfrm>
+            <a:off x="1645920" y="1617849"/>
+            <a:ext cx="8623495" cy="4896698"/>
+          </a:xfrm>
+        </p:spPr>
+      </p:pic>
     </p:spTree>
     <p:extLst>
       <p:ext uri="{BB962C8B-B14F-4D97-AF65-F5344CB8AC3E}">
-        <p14:creationId xmlns:p14="http://schemas.microsoft.com/office/powerpoint/2010/main" val="1097559854"/>
+        <p14:creationId xmlns:p14="http://schemas.microsoft.com/office/powerpoint/2010/main" val="2155268076"/>
       </p:ext>
     </p:extLst>
   </p:cSld>

--- a/apresentacao.pptx
+++ b/apresentacao.pptx
@@ -5,7 +5,7 @@
     <p:sldMasterId id="2147484056" r:id="rId1"/>
   </p:sldMasterIdLst>
   <p:notesMasterIdLst>
-    <p:notesMasterId r:id="rId26"/>
+    <p:notesMasterId r:id="rId36"/>
   </p:notesMasterIdLst>
   <p:sldIdLst>
     <p:sldId id="256" r:id="rId2"/>
@@ -27,11 +27,21 @@
     <p:sldId id="263" r:id="rId18"/>
     <p:sldId id="278" r:id="rId19"/>
     <p:sldId id="288" r:id="rId20"/>
-    <p:sldId id="265" r:id="rId21"/>
-    <p:sldId id="259" r:id="rId22"/>
-    <p:sldId id="260" r:id="rId23"/>
-    <p:sldId id="267" r:id="rId24"/>
-    <p:sldId id="266" r:id="rId25"/>
+    <p:sldId id="290" r:id="rId21"/>
+    <p:sldId id="289" r:id="rId22"/>
+    <p:sldId id="291" r:id="rId23"/>
+    <p:sldId id="292" r:id="rId24"/>
+    <p:sldId id="293" r:id="rId25"/>
+    <p:sldId id="294" r:id="rId26"/>
+    <p:sldId id="297" r:id="rId27"/>
+    <p:sldId id="295" r:id="rId28"/>
+    <p:sldId id="299" r:id="rId29"/>
+    <p:sldId id="265" r:id="rId30"/>
+    <p:sldId id="259" r:id="rId31"/>
+    <p:sldId id="298" r:id="rId32"/>
+    <p:sldId id="260" r:id="rId33"/>
+    <p:sldId id="267" r:id="rId34"/>
+    <p:sldId id="266" r:id="rId35"/>
   </p:sldIdLst>
   <p:sldSz cx="12192000" cy="6858000"/>
   <p:notesSz cx="6858000" cy="9144000"/>
@@ -220,7 +230,7 @@
           <a:p>
             <a:fld id="{0EFD01C0-F1CB-45EF-BE4E-0E8034D189E3}" type="datetimeFigureOut">
               <a:rPr lang="pt-BR" smtClean="0"/>
-              <a:t>19/04/2018</a:t>
+              <a:t>23/04/2018</a:t>
             </a:fld>
             <a:endParaRPr lang="pt-BR"/>
           </a:p>
@@ -571,6 +581,354 @@
 </p:notes>
 </file>
 
+<file path=ppt/notesSlides/notesSlide10.xml><?xml version="1.0" encoding="utf-8"?>
+<p:notes xmlns:a="http://schemas.openxmlformats.org/drawingml/2006/main" xmlns:r="http://schemas.openxmlformats.org/officeDocument/2006/relationships" xmlns:p="http://schemas.openxmlformats.org/presentationml/2006/main">
+  <p:cSld>
+    <p:spTree>
+      <p:nvGrpSpPr>
+        <p:cNvPr id="1" name=""/>
+        <p:cNvGrpSpPr/>
+        <p:nvPr/>
+      </p:nvGrpSpPr>
+      <p:grpSpPr>
+        <a:xfrm>
+          <a:off x="0" y="0"/>
+          <a:ext cx="0" cy="0"/>
+          <a:chOff x="0" y="0"/>
+          <a:chExt cx="0" cy="0"/>
+        </a:xfrm>
+      </p:grpSpPr>
+      <p:sp>
+        <p:nvSpPr>
+          <p:cNvPr id="2" name="Espaço Reservado para Imagem de Slide 1"/>
+          <p:cNvSpPr>
+            <a:spLocks noGrp="1" noRot="1" noChangeAspect="1"/>
+          </p:cNvSpPr>
+          <p:nvPr>
+            <p:ph type="sldImg"/>
+          </p:nvPr>
+        </p:nvSpPr>
+        <p:spPr/>
+      </p:sp>
+      <p:sp>
+        <p:nvSpPr>
+          <p:cNvPr id="3" name="Espaço Reservado para Anotações 2"/>
+          <p:cNvSpPr>
+            <a:spLocks noGrp="1"/>
+          </p:cNvSpPr>
+          <p:nvPr>
+            <p:ph type="body" idx="1"/>
+          </p:nvPr>
+        </p:nvSpPr>
+        <p:spPr/>
+        <p:txBody>
+          <a:bodyPr/>
+          <a:lstStyle/>
+          <a:p>
+            <a:r>
+              <a:rPr lang="pt-BR" dirty="0"/>
+              <a:t>Definição da Google</a:t>
+            </a:r>
+          </a:p>
+        </p:txBody>
+      </p:sp>
+      <p:sp>
+        <p:nvSpPr>
+          <p:cNvPr id="4" name="Espaço Reservado para Número de Slide 3"/>
+          <p:cNvSpPr>
+            <a:spLocks noGrp="1"/>
+          </p:cNvSpPr>
+          <p:nvPr>
+            <p:ph type="sldNum" sz="quarter" idx="10"/>
+          </p:nvPr>
+        </p:nvSpPr>
+        <p:spPr/>
+        <p:txBody>
+          <a:bodyPr/>
+          <a:lstStyle/>
+          <a:p>
+            <a:fld id="{E793B444-EEE7-4AE3-9AEA-3F0D047BDCDD}" type="slidenum">
+              <a:rPr lang="pt-BR" smtClean="0"/>
+              <a:t>25</a:t>
+            </a:fld>
+            <a:endParaRPr lang="pt-BR"/>
+          </a:p>
+        </p:txBody>
+      </p:sp>
+    </p:spTree>
+    <p:extLst>
+      <p:ext uri="{BB962C8B-B14F-4D97-AF65-F5344CB8AC3E}">
+        <p14:creationId xmlns:p14="http://schemas.microsoft.com/office/powerpoint/2010/main" val="1511511768"/>
+      </p:ext>
+    </p:extLst>
+  </p:cSld>
+  <p:clrMapOvr>
+    <a:masterClrMapping/>
+  </p:clrMapOvr>
+</p:notes>
+</file>
+
+<file path=ppt/notesSlides/notesSlide11.xml><?xml version="1.0" encoding="utf-8"?>
+<p:notes xmlns:a="http://schemas.openxmlformats.org/drawingml/2006/main" xmlns:r="http://schemas.openxmlformats.org/officeDocument/2006/relationships" xmlns:p="http://schemas.openxmlformats.org/presentationml/2006/main">
+  <p:cSld>
+    <p:spTree>
+      <p:nvGrpSpPr>
+        <p:cNvPr id="1" name=""/>
+        <p:cNvGrpSpPr/>
+        <p:nvPr/>
+      </p:nvGrpSpPr>
+      <p:grpSpPr>
+        <a:xfrm>
+          <a:off x="0" y="0"/>
+          <a:ext cx="0" cy="0"/>
+          <a:chOff x="0" y="0"/>
+          <a:chExt cx="0" cy="0"/>
+        </a:xfrm>
+      </p:grpSpPr>
+      <p:sp>
+        <p:nvSpPr>
+          <p:cNvPr id="2" name="Espaço Reservado para Imagem de Slide 1"/>
+          <p:cNvSpPr>
+            <a:spLocks noGrp="1" noRot="1" noChangeAspect="1"/>
+          </p:cNvSpPr>
+          <p:nvPr>
+            <p:ph type="sldImg"/>
+          </p:nvPr>
+        </p:nvSpPr>
+        <p:spPr/>
+      </p:sp>
+      <p:sp>
+        <p:nvSpPr>
+          <p:cNvPr id="3" name="Espaço Reservado para Anotações 2"/>
+          <p:cNvSpPr>
+            <a:spLocks noGrp="1"/>
+          </p:cNvSpPr>
+          <p:nvPr>
+            <p:ph type="body" idx="1"/>
+          </p:nvPr>
+        </p:nvSpPr>
+        <p:spPr/>
+        <p:txBody>
+          <a:bodyPr/>
+          <a:lstStyle/>
+          <a:p>
+            <a:r>
+              <a:rPr lang="pt-BR" dirty="0"/>
+              <a:t>Definição da Google</a:t>
+            </a:r>
+          </a:p>
+        </p:txBody>
+      </p:sp>
+      <p:sp>
+        <p:nvSpPr>
+          <p:cNvPr id="4" name="Espaço Reservado para Número de Slide 3"/>
+          <p:cNvSpPr>
+            <a:spLocks noGrp="1"/>
+          </p:cNvSpPr>
+          <p:nvPr>
+            <p:ph type="sldNum" sz="quarter" idx="10"/>
+          </p:nvPr>
+        </p:nvSpPr>
+        <p:spPr/>
+        <p:txBody>
+          <a:bodyPr/>
+          <a:lstStyle/>
+          <a:p>
+            <a:fld id="{E793B444-EEE7-4AE3-9AEA-3F0D047BDCDD}" type="slidenum">
+              <a:rPr lang="pt-BR" smtClean="0"/>
+              <a:t>26</a:t>
+            </a:fld>
+            <a:endParaRPr lang="pt-BR"/>
+          </a:p>
+        </p:txBody>
+      </p:sp>
+    </p:spTree>
+    <p:extLst>
+      <p:ext uri="{BB962C8B-B14F-4D97-AF65-F5344CB8AC3E}">
+        <p14:creationId xmlns:p14="http://schemas.microsoft.com/office/powerpoint/2010/main" val="1040046892"/>
+      </p:ext>
+    </p:extLst>
+  </p:cSld>
+  <p:clrMapOvr>
+    <a:masterClrMapping/>
+  </p:clrMapOvr>
+</p:notes>
+</file>
+
+<file path=ppt/notesSlides/notesSlide12.xml><?xml version="1.0" encoding="utf-8"?>
+<p:notes xmlns:a="http://schemas.openxmlformats.org/drawingml/2006/main" xmlns:r="http://schemas.openxmlformats.org/officeDocument/2006/relationships" xmlns:p="http://schemas.openxmlformats.org/presentationml/2006/main">
+  <p:cSld>
+    <p:spTree>
+      <p:nvGrpSpPr>
+        <p:cNvPr id="1" name=""/>
+        <p:cNvGrpSpPr/>
+        <p:nvPr/>
+      </p:nvGrpSpPr>
+      <p:grpSpPr>
+        <a:xfrm>
+          <a:off x="0" y="0"/>
+          <a:ext cx="0" cy="0"/>
+          <a:chOff x="0" y="0"/>
+          <a:chExt cx="0" cy="0"/>
+        </a:xfrm>
+      </p:grpSpPr>
+      <p:sp>
+        <p:nvSpPr>
+          <p:cNvPr id="2" name="Espaço Reservado para Imagem de Slide 1"/>
+          <p:cNvSpPr>
+            <a:spLocks noGrp="1" noRot="1" noChangeAspect="1"/>
+          </p:cNvSpPr>
+          <p:nvPr>
+            <p:ph type="sldImg"/>
+          </p:nvPr>
+        </p:nvSpPr>
+        <p:spPr/>
+      </p:sp>
+      <p:sp>
+        <p:nvSpPr>
+          <p:cNvPr id="3" name="Espaço Reservado para Anotações 2"/>
+          <p:cNvSpPr>
+            <a:spLocks noGrp="1"/>
+          </p:cNvSpPr>
+          <p:nvPr>
+            <p:ph type="body" idx="1"/>
+          </p:nvPr>
+        </p:nvSpPr>
+        <p:spPr/>
+        <p:txBody>
+          <a:bodyPr/>
+          <a:lstStyle/>
+          <a:p>
+            <a:r>
+              <a:rPr lang="pt-BR" dirty="0"/>
+              <a:t>Definição da Google</a:t>
+            </a:r>
+          </a:p>
+        </p:txBody>
+      </p:sp>
+      <p:sp>
+        <p:nvSpPr>
+          <p:cNvPr id="4" name="Espaço Reservado para Número de Slide 3"/>
+          <p:cNvSpPr>
+            <a:spLocks noGrp="1"/>
+          </p:cNvSpPr>
+          <p:nvPr>
+            <p:ph type="sldNum" sz="quarter" idx="10"/>
+          </p:nvPr>
+        </p:nvSpPr>
+        <p:spPr/>
+        <p:txBody>
+          <a:bodyPr/>
+          <a:lstStyle/>
+          <a:p>
+            <a:fld id="{E793B444-EEE7-4AE3-9AEA-3F0D047BDCDD}" type="slidenum">
+              <a:rPr lang="pt-BR" smtClean="0"/>
+              <a:t>27</a:t>
+            </a:fld>
+            <a:endParaRPr lang="pt-BR"/>
+          </a:p>
+        </p:txBody>
+      </p:sp>
+    </p:spTree>
+    <p:extLst>
+      <p:ext uri="{BB962C8B-B14F-4D97-AF65-F5344CB8AC3E}">
+        <p14:creationId xmlns:p14="http://schemas.microsoft.com/office/powerpoint/2010/main" val="619589030"/>
+      </p:ext>
+    </p:extLst>
+  </p:cSld>
+  <p:clrMapOvr>
+    <a:masterClrMapping/>
+  </p:clrMapOvr>
+</p:notes>
+</file>
+
+<file path=ppt/notesSlides/notesSlide13.xml><?xml version="1.0" encoding="utf-8"?>
+<p:notes xmlns:a="http://schemas.openxmlformats.org/drawingml/2006/main" xmlns:r="http://schemas.openxmlformats.org/officeDocument/2006/relationships" xmlns:p="http://schemas.openxmlformats.org/presentationml/2006/main">
+  <p:cSld>
+    <p:spTree>
+      <p:nvGrpSpPr>
+        <p:cNvPr id="1" name=""/>
+        <p:cNvGrpSpPr/>
+        <p:nvPr/>
+      </p:nvGrpSpPr>
+      <p:grpSpPr>
+        <a:xfrm>
+          <a:off x="0" y="0"/>
+          <a:ext cx="0" cy="0"/>
+          <a:chOff x="0" y="0"/>
+          <a:chExt cx="0" cy="0"/>
+        </a:xfrm>
+      </p:grpSpPr>
+      <p:sp>
+        <p:nvSpPr>
+          <p:cNvPr id="2" name="Espaço Reservado para Imagem de Slide 1"/>
+          <p:cNvSpPr>
+            <a:spLocks noGrp="1" noRot="1" noChangeAspect="1"/>
+          </p:cNvSpPr>
+          <p:nvPr>
+            <p:ph type="sldImg"/>
+          </p:nvPr>
+        </p:nvSpPr>
+        <p:spPr/>
+      </p:sp>
+      <p:sp>
+        <p:nvSpPr>
+          <p:cNvPr id="3" name="Espaço Reservado para Anotações 2"/>
+          <p:cNvSpPr>
+            <a:spLocks noGrp="1"/>
+          </p:cNvSpPr>
+          <p:nvPr>
+            <p:ph type="body" idx="1"/>
+          </p:nvPr>
+        </p:nvSpPr>
+        <p:spPr/>
+        <p:txBody>
+          <a:bodyPr/>
+          <a:lstStyle/>
+          <a:p>
+            <a:r>
+              <a:rPr lang="pt-BR" dirty="0"/>
+              <a:t>Definição da Google</a:t>
+            </a:r>
+          </a:p>
+        </p:txBody>
+      </p:sp>
+      <p:sp>
+        <p:nvSpPr>
+          <p:cNvPr id="4" name="Espaço Reservado para Número de Slide 3"/>
+          <p:cNvSpPr>
+            <a:spLocks noGrp="1"/>
+          </p:cNvSpPr>
+          <p:nvPr>
+            <p:ph type="sldNum" sz="quarter" idx="10"/>
+          </p:nvPr>
+        </p:nvSpPr>
+        <p:spPr/>
+        <p:txBody>
+          <a:bodyPr/>
+          <a:lstStyle/>
+          <a:p>
+            <a:fld id="{E793B444-EEE7-4AE3-9AEA-3F0D047BDCDD}" type="slidenum">
+              <a:rPr lang="pt-BR" smtClean="0"/>
+              <a:t>28</a:t>
+            </a:fld>
+            <a:endParaRPr lang="pt-BR"/>
+          </a:p>
+        </p:txBody>
+      </p:sp>
+    </p:spTree>
+    <p:extLst>
+      <p:ext uri="{BB962C8B-B14F-4D97-AF65-F5344CB8AC3E}">
+        <p14:creationId xmlns:p14="http://schemas.microsoft.com/office/powerpoint/2010/main" val="3468939739"/>
+      </p:ext>
+    </p:extLst>
+  </p:cSld>
+  <p:clrMapOvr>
+    <a:masterClrMapping/>
+  </p:clrMapOvr>
+</p:notes>
+</file>
+
 <file path=ppt/notesSlides/notesSlide2.xml><?xml version="1.0" encoding="utf-8"?>
 <p:notes xmlns:a="http://schemas.openxmlformats.org/drawingml/2006/main" xmlns:r="http://schemas.openxmlformats.org/officeDocument/2006/relationships" xmlns:p="http://schemas.openxmlformats.org/presentationml/2006/main">
   <p:cSld>
@@ -699,6 +1057,90 @@
           <a:bodyPr/>
           <a:lstStyle/>
           <a:p>
+            <a:endParaRPr lang="pt-BR" dirty="0"/>
+          </a:p>
+        </p:txBody>
+      </p:sp>
+      <p:sp>
+        <p:nvSpPr>
+          <p:cNvPr id="4" name="Espaço Reservado para Número de Slide 3"/>
+          <p:cNvSpPr>
+            <a:spLocks noGrp="1"/>
+          </p:cNvSpPr>
+          <p:nvPr>
+            <p:ph type="sldNum" sz="quarter" idx="10"/>
+          </p:nvPr>
+        </p:nvSpPr>
+        <p:spPr/>
+        <p:txBody>
+          <a:bodyPr/>
+          <a:lstStyle/>
+          <a:p>
+            <a:fld id="{E793B444-EEE7-4AE3-9AEA-3F0D047BDCDD}" type="slidenum">
+              <a:rPr lang="pt-BR" smtClean="0"/>
+              <a:t>11</a:t>
+            </a:fld>
+            <a:endParaRPr lang="pt-BR"/>
+          </a:p>
+        </p:txBody>
+      </p:sp>
+    </p:spTree>
+    <p:extLst>
+      <p:ext uri="{BB962C8B-B14F-4D97-AF65-F5344CB8AC3E}">
+        <p14:creationId xmlns:p14="http://schemas.microsoft.com/office/powerpoint/2010/main" val="2834397424"/>
+      </p:ext>
+    </p:extLst>
+  </p:cSld>
+  <p:clrMapOvr>
+    <a:masterClrMapping/>
+  </p:clrMapOvr>
+</p:notes>
+</file>
+
+<file path=ppt/notesSlides/notesSlide4.xml><?xml version="1.0" encoding="utf-8"?>
+<p:notes xmlns:a="http://schemas.openxmlformats.org/drawingml/2006/main" xmlns:r="http://schemas.openxmlformats.org/officeDocument/2006/relationships" xmlns:p="http://schemas.openxmlformats.org/presentationml/2006/main">
+  <p:cSld>
+    <p:spTree>
+      <p:nvGrpSpPr>
+        <p:cNvPr id="1" name=""/>
+        <p:cNvGrpSpPr/>
+        <p:nvPr/>
+      </p:nvGrpSpPr>
+      <p:grpSpPr>
+        <a:xfrm>
+          <a:off x="0" y="0"/>
+          <a:ext cx="0" cy="0"/>
+          <a:chOff x="0" y="0"/>
+          <a:chExt cx="0" cy="0"/>
+        </a:xfrm>
+      </p:grpSpPr>
+      <p:sp>
+        <p:nvSpPr>
+          <p:cNvPr id="2" name="Espaço Reservado para Imagem de Slide 1"/>
+          <p:cNvSpPr>
+            <a:spLocks noGrp="1" noRot="1" noChangeAspect="1"/>
+          </p:cNvSpPr>
+          <p:nvPr>
+            <p:ph type="sldImg"/>
+          </p:nvPr>
+        </p:nvSpPr>
+        <p:spPr/>
+      </p:sp>
+      <p:sp>
+        <p:nvSpPr>
+          <p:cNvPr id="3" name="Espaço Reservado para Anotações 2"/>
+          <p:cNvSpPr>
+            <a:spLocks noGrp="1"/>
+          </p:cNvSpPr>
+          <p:nvPr>
+            <p:ph type="body" idx="1"/>
+          </p:nvPr>
+        </p:nvSpPr>
+        <p:spPr/>
+        <p:txBody>
+          <a:bodyPr/>
+          <a:lstStyle/>
+          <a:p>
             <a:r>
               <a:rPr lang="pt-BR" dirty="0"/>
               <a:t>Definição da Google</a:t>
@@ -733,6 +1175,441 @@
     <p:extLst>
       <p:ext uri="{BB962C8B-B14F-4D97-AF65-F5344CB8AC3E}">
         <p14:creationId xmlns:p14="http://schemas.microsoft.com/office/powerpoint/2010/main" val="1074206506"/>
+      </p:ext>
+    </p:extLst>
+  </p:cSld>
+  <p:clrMapOvr>
+    <a:masterClrMapping/>
+  </p:clrMapOvr>
+</p:notes>
+</file>
+
+<file path=ppt/notesSlides/notesSlide5.xml><?xml version="1.0" encoding="utf-8"?>
+<p:notes xmlns:a="http://schemas.openxmlformats.org/drawingml/2006/main" xmlns:r="http://schemas.openxmlformats.org/officeDocument/2006/relationships" xmlns:p="http://schemas.openxmlformats.org/presentationml/2006/main">
+  <p:cSld>
+    <p:spTree>
+      <p:nvGrpSpPr>
+        <p:cNvPr id="1" name=""/>
+        <p:cNvGrpSpPr/>
+        <p:nvPr/>
+      </p:nvGrpSpPr>
+      <p:grpSpPr>
+        <a:xfrm>
+          <a:off x="0" y="0"/>
+          <a:ext cx="0" cy="0"/>
+          <a:chOff x="0" y="0"/>
+          <a:chExt cx="0" cy="0"/>
+        </a:xfrm>
+      </p:grpSpPr>
+      <p:sp>
+        <p:nvSpPr>
+          <p:cNvPr id="2" name="Espaço Reservado para Imagem de Slide 1"/>
+          <p:cNvSpPr>
+            <a:spLocks noGrp="1" noRot="1" noChangeAspect="1"/>
+          </p:cNvSpPr>
+          <p:nvPr>
+            <p:ph type="sldImg"/>
+          </p:nvPr>
+        </p:nvSpPr>
+        <p:spPr/>
+      </p:sp>
+      <p:sp>
+        <p:nvSpPr>
+          <p:cNvPr id="3" name="Espaço Reservado para Anotações 2"/>
+          <p:cNvSpPr>
+            <a:spLocks noGrp="1"/>
+          </p:cNvSpPr>
+          <p:nvPr>
+            <p:ph type="body" idx="1"/>
+          </p:nvPr>
+        </p:nvSpPr>
+        <p:spPr/>
+        <p:txBody>
+          <a:bodyPr/>
+          <a:lstStyle/>
+          <a:p>
+            <a:r>
+              <a:rPr lang="pt-BR" dirty="0"/>
+              <a:t>Definição da Google</a:t>
+            </a:r>
+          </a:p>
+        </p:txBody>
+      </p:sp>
+      <p:sp>
+        <p:nvSpPr>
+          <p:cNvPr id="4" name="Espaço Reservado para Número de Slide 3"/>
+          <p:cNvSpPr>
+            <a:spLocks noGrp="1"/>
+          </p:cNvSpPr>
+          <p:nvPr>
+            <p:ph type="sldNum" sz="quarter" idx="10"/>
+          </p:nvPr>
+        </p:nvSpPr>
+        <p:spPr/>
+        <p:txBody>
+          <a:bodyPr/>
+          <a:lstStyle/>
+          <a:p>
+            <a:fld id="{E793B444-EEE7-4AE3-9AEA-3F0D047BDCDD}" type="slidenum">
+              <a:rPr lang="pt-BR" smtClean="0"/>
+              <a:t>20</a:t>
+            </a:fld>
+            <a:endParaRPr lang="pt-BR"/>
+          </a:p>
+        </p:txBody>
+      </p:sp>
+    </p:spTree>
+    <p:extLst>
+      <p:ext uri="{BB962C8B-B14F-4D97-AF65-F5344CB8AC3E}">
+        <p14:creationId xmlns:p14="http://schemas.microsoft.com/office/powerpoint/2010/main" val="1513498889"/>
+      </p:ext>
+    </p:extLst>
+  </p:cSld>
+  <p:clrMapOvr>
+    <a:masterClrMapping/>
+  </p:clrMapOvr>
+</p:notes>
+</file>
+
+<file path=ppt/notesSlides/notesSlide6.xml><?xml version="1.0" encoding="utf-8"?>
+<p:notes xmlns:a="http://schemas.openxmlformats.org/drawingml/2006/main" xmlns:r="http://schemas.openxmlformats.org/officeDocument/2006/relationships" xmlns:p="http://schemas.openxmlformats.org/presentationml/2006/main">
+  <p:cSld>
+    <p:spTree>
+      <p:nvGrpSpPr>
+        <p:cNvPr id="1" name=""/>
+        <p:cNvGrpSpPr/>
+        <p:nvPr/>
+      </p:nvGrpSpPr>
+      <p:grpSpPr>
+        <a:xfrm>
+          <a:off x="0" y="0"/>
+          <a:ext cx="0" cy="0"/>
+          <a:chOff x="0" y="0"/>
+          <a:chExt cx="0" cy="0"/>
+        </a:xfrm>
+      </p:grpSpPr>
+      <p:sp>
+        <p:nvSpPr>
+          <p:cNvPr id="2" name="Espaço Reservado para Imagem de Slide 1"/>
+          <p:cNvSpPr>
+            <a:spLocks noGrp="1" noRot="1" noChangeAspect="1"/>
+          </p:cNvSpPr>
+          <p:nvPr>
+            <p:ph type="sldImg"/>
+          </p:nvPr>
+        </p:nvSpPr>
+        <p:spPr/>
+      </p:sp>
+      <p:sp>
+        <p:nvSpPr>
+          <p:cNvPr id="3" name="Espaço Reservado para Anotações 2"/>
+          <p:cNvSpPr>
+            <a:spLocks noGrp="1"/>
+          </p:cNvSpPr>
+          <p:nvPr>
+            <p:ph type="body" idx="1"/>
+          </p:nvPr>
+        </p:nvSpPr>
+        <p:spPr/>
+        <p:txBody>
+          <a:bodyPr/>
+          <a:lstStyle/>
+          <a:p>
+            <a:r>
+              <a:rPr lang="pt-BR" dirty="0"/>
+              <a:t>Definição da Google</a:t>
+            </a:r>
+          </a:p>
+        </p:txBody>
+      </p:sp>
+      <p:sp>
+        <p:nvSpPr>
+          <p:cNvPr id="4" name="Espaço Reservado para Número de Slide 3"/>
+          <p:cNvSpPr>
+            <a:spLocks noGrp="1"/>
+          </p:cNvSpPr>
+          <p:nvPr>
+            <p:ph type="sldNum" sz="quarter" idx="10"/>
+          </p:nvPr>
+        </p:nvSpPr>
+        <p:spPr/>
+        <p:txBody>
+          <a:bodyPr/>
+          <a:lstStyle/>
+          <a:p>
+            <a:fld id="{E793B444-EEE7-4AE3-9AEA-3F0D047BDCDD}" type="slidenum">
+              <a:rPr lang="pt-BR" smtClean="0"/>
+              <a:t>21</a:t>
+            </a:fld>
+            <a:endParaRPr lang="pt-BR"/>
+          </a:p>
+        </p:txBody>
+      </p:sp>
+    </p:spTree>
+    <p:extLst>
+      <p:ext uri="{BB962C8B-B14F-4D97-AF65-F5344CB8AC3E}">
+        <p14:creationId xmlns:p14="http://schemas.microsoft.com/office/powerpoint/2010/main" val="3058435774"/>
+      </p:ext>
+    </p:extLst>
+  </p:cSld>
+  <p:clrMapOvr>
+    <a:masterClrMapping/>
+  </p:clrMapOvr>
+</p:notes>
+</file>
+
+<file path=ppt/notesSlides/notesSlide7.xml><?xml version="1.0" encoding="utf-8"?>
+<p:notes xmlns:a="http://schemas.openxmlformats.org/drawingml/2006/main" xmlns:r="http://schemas.openxmlformats.org/officeDocument/2006/relationships" xmlns:p="http://schemas.openxmlformats.org/presentationml/2006/main">
+  <p:cSld>
+    <p:spTree>
+      <p:nvGrpSpPr>
+        <p:cNvPr id="1" name=""/>
+        <p:cNvGrpSpPr/>
+        <p:nvPr/>
+      </p:nvGrpSpPr>
+      <p:grpSpPr>
+        <a:xfrm>
+          <a:off x="0" y="0"/>
+          <a:ext cx="0" cy="0"/>
+          <a:chOff x="0" y="0"/>
+          <a:chExt cx="0" cy="0"/>
+        </a:xfrm>
+      </p:grpSpPr>
+      <p:sp>
+        <p:nvSpPr>
+          <p:cNvPr id="2" name="Espaço Reservado para Imagem de Slide 1"/>
+          <p:cNvSpPr>
+            <a:spLocks noGrp="1" noRot="1" noChangeAspect="1"/>
+          </p:cNvSpPr>
+          <p:nvPr>
+            <p:ph type="sldImg"/>
+          </p:nvPr>
+        </p:nvSpPr>
+        <p:spPr/>
+      </p:sp>
+      <p:sp>
+        <p:nvSpPr>
+          <p:cNvPr id="3" name="Espaço Reservado para Anotações 2"/>
+          <p:cNvSpPr>
+            <a:spLocks noGrp="1"/>
+          </p:cNvSpPr>
+          <p:nvPr>
+            <p:ph type="body" idx="1"/>
+          </p:nvPr>
+        </p:nvSpPr>
+        <p:spPr/>
+        <p:txBody>
+          <a:bodyPr/>
+          <a:lstStyle/>
+          <a:p>
+            <a:r>
+              <a:rPr lang="pt-BR" dirty="0"/>
+              <a:t>Definição da Google</a:t>
+            </a:r>
+          </a:p>
+        </p:txBody>
+      </p:sp>
+      <p:sp>
+        <p:nvSpPr>
+          <p:cNvPr id="4" name="Espaço Reservado para Número de Slide 3"/>
+          <p:cNvSpPr>
+            <a:spLocks noGrp="1"/>
+          </p:cNvSpPr>
+          <p:nvPr>
+            <p:ph type="sldNum" sz="quarter" idx="10"/>
+          </p:nvPr>
+        </p:nvSpPr>
+        <p:spPr/>
+        <p:txBody>
+          <a:bodyPr/>
+          <a:lstStyle/>
+          <a:p>
+            <a:fld id="{E793B444-EEE7-4AE3-9AEA-3F0D047BDCDD}" type="slidenum">
+              <a:rPr lang="pt-BR" smtClean="0"/>
+              <a:t>22</a:t>
+            </a:fld>
+            <a:endParaRPr lang="pt-BR"/>
+          </a:p>
+        </p:txBody>
+      </p:sp>
+    </p:spTree>
+    <p:extLst>
+      <p:ext uri="{BB962C8B-B14F-4D97-AF65-F5344CB8AC3E}">
+        <p14:creationId xmlns:p14="http://schemas.microsoft.com/office/powerpoint/2010/main" val="1306360555"/>
+      </p:ext>
+    </p:extLst>
+  </p:cSld>
+  <p:clrMapOvr>
+    <a:masterClrMapping/>
+  </p:clrMapOvr>
+</p:notes>
+</file>
+
+<file path=ppt/notesSlides/notesSlide8.xml><?xml version="1.0" encoding="utf-8"?>
+<p:notes xmlns:a="http://schemas.openxmlformats.org/drawingml/2006/main" xmlns:r="http://schemas.openxmlformats.org/officeDocument/2006/relationships" xmlns:p="http://schemas.openxmlformats.org/presentationml/2006/main">
+  <p:cSld>
+    <p:spTree>
+      <p:nvGrpSpPr>
+        <p:cNvPr id="1" name=""/>
+        <p:cNvGrpSpPr/>
+        <p:nvPr/>
+      </p:nvGrpSpPr>
+      <p:grpSpPr>
+        <a:xfrm>
+          <a:off x="0" y="0"/>
+          <a:ext cx="0" cy="0"/>
+          <a:chOff x="0" y="0"/>
+          <a:chExt cx="0" cy="0"/>
+        </a:xfrm>
+      </p:grpSpPr>
+      <p:sp>
+        <p:nvSpPr>
+          <p:cNvPr id="2" name="Espaço Reservado para Imagem de Slide 1"/>
+          <p:cNvSpPr>
+            <a:spLocks noGrp="1" noRot="1" noChangeAspect="1"/>
+          </p:cNvSpPr>
+          <p:nvPr>
+            <p:ph type="sldImg"/>
+          </p:nvPr>
+        </p:nvSpPr>
+        <p:spPr/>
+      </p:sp>
+      <p:sp>
+        <p:nvSpPr>
+          <p:cNvPr id="3" name="Espaço Reservado para Anotações 2"/>
+          <p:cNvSpPr>
+            <a:spLocks noGrp="1"/>
+          </p:cNvSpPr>
+          <p:nvPr>
+            <p:ph type="body" idx="1"/>
+          </p:nvPr>
+        </p:nvSpPr>
+        <p:spPr/>
+        <p:txBody>
+          <a:bodyPr/>
+          <a:lstStyle/>
+          <a:p>
+            <a:r>
+              <a:rPr lang="pt-BR" dirty="0"/>
+              <a:t>Definição da Google</a:t>
+            </a:r>
+          </a:p>
+        </p:txBody>
+      </p:sp>
+      <p:sp>
+        <p:nvSpPr>
+          <p:cNvPr id="4" name="Espaço Reservado para Número de Slide 3"/>
+          <p:cNvSpPr>
+            <a:spLocks noGrp="1"/>
+          </p:cNvSpPr>
+          <p:nvPr>
+            <p:ph type="sldNum" sz="quarter" idx="10"/>
+          </p:nvPr>
+        </p:nvSpPr>
+        <p:spPr/>
+        <p:txBody>
+          <a:bodyPr/>
+          <a:lstStyle/>
+          <a:p>
+            <a:fld id="{E793B444-EEE7-4AE3-9AEA-3F0D047BDCDD}" type="slidenum">
+              <a:rPr lang="pt-BR" smtClean="0"/>
+              <a:t>23</a:t>
+            </a:fld>
+            <a:endParaRPr lang="pt-BR"/>
+          </a:p>
+        </p:txBody>
+      </p:sp>
+    </p:spTree>
+    <p:extLst>
+      <p:ext uri="{BB962C8B-B14F-4D97-AF65-F5344CB8AC3E}">
+        <p14:creationId xmlns:p14="http://schemas.microsoft.com/office/powerpoint/2010/main" val="1022011245"/>
+      </p:ext>
+    </p:extLst>
+  </p:cSld>
+  <p:clrMapOvr>
+    <a:masterClrMapping/>
+  </p:clrMapOvr>
+</p:notes>
+</file>
+
+<file path=ppt/notesSlides/notesSlide9.xml><?xml version="1.0" encoding="utf-8"?>
+<p:notes xmlns:a="http://schemas.openxmlformats.org/drawingml/2006/main" xmlns:r="http://schemas.openxmlformats.org/officeDocument/2006/relationships" xmlns:p="http://schemas.openxmlformats.org/presentationml/2006/main">
+  <p:cSld>
+    <p:spTree>
+      <p:nvGrpSpPr>
+        <p:cNvPr id="1" name=""/>
+        <p:cNvGrpSpPr/>
+        <p:nvPr/>
+      </p:nvGrpSpPr>
+      <p:grpSpPr>
+        <a:xfrm>
+          <a:off x="0" y="0"/>
+          <a:ext cx="0" cy="0"/>
+          <a:chOff x="0" y="0"/>
+          <a:chExt cx="0" cy="0"/>
+        </a:xfrm>
+      </p:grpSpPr>
+      <p:sp>
+        <p:nvSpPr>
+          <p:cNvPr id="2" name="Espaço Reservado para Imagem de Slide 1"/>
+          <p:cNvSpPr>
+            <a:spLocks noGrp="1" noRot="1" noChangeAspect="1"/>
+          </p:cNvSpPr>
+          <p:nvPr>
+            <p:ph type="sldImg"/>
+          </p:nvPr>
+        </p:nvSpPr>
+        <p:spPr/>
+      </p:sp>
+      <p:sp>
+        <p:nvSpPr>
+          <p:cNvPr id="3" name="Espaço Reservado para Anotações 2"/>
+          <p:cNvSpPr>
+            <a:spLocks noGrp="1"/>
+          </p:cNvSpPr>
+          <p:nvPr>
+            <p:ph type="body" idx="1"/>
+          </p:nvPr>
+        </p:nvSpPr>
+        <p:spPr/>
+        <p:txBody>
+          <a:bodyPr/>
+          <a:lstStyle/>
+          <a:p>
+            <a:r>
+              <a:rPr lang="pt-BR" dirty="0"/>
+              <a:t>Definição da Google</a:t>
+            </a:r>
+          </a:p>
+        </p:txBody>
+      </p:sp>
+      <p:sp>
+        <p:nvSpPr>
+          <p:cNvPr id="4" name="Espaço Reservado para Número de Slide 3"/>
+          <p:cNvSpPr>
+            <a:spLocks noGrp="1"/>
+          </p:cNvSpPr>
+          <p:nvPr>
+            <p:ph type="sldNum" sz="quarter" idx="10"/>
+          </p:nvPr>
+        </p:nvSpPr>
+        <p:spPr/>
+        <p:txBody>
+          <a:bodyPr/>
+          <a:lstStyle/>
+          <a:p>
+            <a:fld id="{E793B444-EEE7-4AE3-9AEA-3F0D047BDCDD}" type="slidenum">
+              <a:rPr lang="pt-BR" smtClean="0"/>
+              <a:t>24</a:t>
+            </a:fld>
+            <a:endParaRPr lang="pt-BR"/>
+          </a:p>
+        </p:txBody>
+      </p:sp>
+    </p:spTree>
+    <p:extLst>
+      <p:ext uri="{BB962C8B-B14F-4D97-AF65-F5344CB8AC3E}">
+        <p14:creationId xmlns:p14="http://schemas.microsoft.com/office/powerpoint/2010/main" val="4101361248"/>
       </p:ext>
     </p:extLst>
   </p:cSld>
@@ -1147,7 +2024,7 @@
           <a:p>
             <a:fld id="{B618C737-F40F-42A7-9064-9951C5C3E5D1}" type="datetimeFigureOut">
               <a:rPr lang="pt-BR" smtClean="0"/>
-              <a:t>19/04/2018</a:t>
+              <a:t>23/04/2018</a:t>
             </a:fld>
             <a:endParaRPr lang="pt-BR"/>
           </a:p>
@@ -1326,7 +2203,7 @@
           <a:p>
             <a:fld id="{B618C737-F40F-42A7-9064-9951C5C3E5D1}" type="datetimeFigureOut">
               <a:rPr lang="pt-BR" smtClean="0"/>
-              <a:t>19/04/2018</a:t>
+              <a:t>23/04/2018</a:t>
             </a:fld>
             <a:endParaRPr lang="pt-BR"/>
           </a:p>
@@ -1506,7 +2383,7 @@
           <a:p>
             <a:fld id="{B618C737-F40F-42A7-9064-9951C5C3E5D1}" type="datetimeFigureOut">
               <a:rPr lang="pt-BR" smtClean="0"/>
-              <a:t>19/04/2018</a:t>
+              <a:t>23/04/2018</a:t>
             </a:fld>
             <a:endParaRPr lang="pt-BR"/>
           </a:p>
@@ -1676,7 +2553,7 @@
           <a:p>
             <a:fld id="{B618C737-F40F-42A7-9064-9951C5C3E5D1}" type="datetimeFigureOut">
               <a:rPr lang="pt-BR" smtClean="0"/>
-              <a:t>19/04/2018</a:t>
+              <a:t>23/04/2018</a:t>
             </a:fld>
             <a:endParaRPr lang="pt-BR"/>
           </a:p>
@@ -2001,7 +2878,7 @@
           <a:p>
             <a:fld id="{B618C737-F40F-42A7-9064-9951C5C3E5D1}" type="datetimeFigureOut">
               <a:rPr lang="pt-BR" smtClean="0"/>
-              <a:t>19/04/2018</a:t>
+              <a:t>23/04/2018</a:t>
             </a:fld>
             <a:endParaRPr lang="pt-BR"/>
           </a:p>
@@ -2397,7 +3274,7 @@
           <a:p>
             <a:fld id="{B618C737-F40F-42A7-9064-9951C5C3E5D1}" type="datetimeFigureOut">
               <a:rPr lang="pt-BR" smtClean="0"/>
-              <a:t>19/04/2018</a:t>
+              <a:t>23/04/2018</a:t>
             </a:fld>
             <a:endParaRPr lang="pt-BR"/>
           </a:p>
@@ -2831,7 +3708,7 @@
           <a:p>
             <a:fld id="{B618C737-F40F-42A7-9064-9951C5C3E5D1}" type="datetimeFigureOut">
               <a:rPr lang="pt-BR" smtClean="0"/>
-              <a:t>19/04/2018</a:t>
+              <a:t>23/04/2018</a:t>
             </a:fld>
             <a:endParaRPr lang="pt-BR"/>
           </a:p>
@@ -2949,7 +3826,7 @@
           <a:p>
             <a:fld id="{B618C737-F40F-42A7-9064-9951C5C3E5D1}" type="datetimeFigureOut">
               <a:rPr lang="pt-BR" smtClean="0"/>
-              <a:t>19/04/2018</a:t>
+              <a:t>23/04/2018</a:t>
             </a:fld>
             <a:endParaRPr lang="pt-BR"/>
           </a:p>
@@ -3044,7 +3921,7 @@
           <a:p>
             <a:fld id="{B618C737-F40F-42A7-9064-9951C5C3E5D1}" type="datetimeFigureOut">
               <a:rPr lang="pt-BR" smtClean="0"/>
-              <a:t>19/04/2018</a:t>
+              <a:t>23/04/2018</a:t>
             </a:fld>
             <a:endParaRPr lang="pt-BR"/>
           </a:p>
@@ -3394,7 +4271,7 @@
           <a:p>
             <a:fld id="{B618C737-F40F-42A7-9064-9951C5C3E5D1}" type="datetimeFigureOut">
               <a:rPr lang="pt-BR" smtClean="0"/>
-              <a:t>19/04/2018</a:t>
+              <a:t>23/04/2018</a:t>
             </a:fld>
             <a:endParaRPr lang="pt-BR"/>
           </a:p>
@@ -3829,7 +4706,7 @@
           <a:p>
             <a:fld id="{B618C737-F40F-42A7-9064-9951C5C3E5D1}" type="datetimeFigureOut">
               <a:rPr lang="pt-BR" smtClean="0"/>
-              <a:t>19/04/2018</a:t>
+              <a:t>23/04/2018</a:t>
             </a:fld>
             <a:endParaRPr lang="pt-BR"/>
           </a:p>
@@ -4112,7 +4989,7 @@
           <a:p>
             <a:fld id="{B618C737-F40F-42A7-9064-9951C5C3E5D1}" type="datetimeFigureOut">
               <a:rPr lang="pt-BR" smtClean="0"/>
-              <a:t>19/04/2018</a:t>
+              <a:t>23/04/2018</a:t>
             </a:fld>
             <a:endParaRPr lang="pt-BR"/>
           </a:p>
@@ -5069,7 +5946,7 @@
         <p:spPr>
           <a:xfrm>
             <a:off x="1069848" y="1617785"/>
-            <a:ext cx="10058400" cy="5240215"/>
+            <a:ext cx="10058400" cy="4996079"/>
           </a:xfrm>
         </p:spPr>
         <p:txBody>
@@ -5095,10 +5972,27 @@
                 <a:latin typeface="Segoe UI" panose="020B0502040204020203" pitchFamily="34" charset="0"/>
                 <a:cs typeface="Segoe UI" panose="020B0502040204020203" pitchFamily="34" charset="0"/>
               </a:rPr>
-              <a:t> consome só de estar instalado 35.74 MB, um outro exemplo é o Facebook, ele consome 35.74 MB.</a:t>
-            </a:r>
-          </a:p>
-          <a:p>
+              <a:t> consome só de estar instalado 35.74 MB, um outro exemplo é o Facebook, ele consome 35.74 MB (sem contar o </a:t>
+            </a:r>
+            <a:r>
+              <a:rPr lang="pt-BR" b="1" i="1" dirty="0">
+                <a:latin typeface="Segoe UI" panose="020B0502040204020203" pitchFamily="34" charset="0"/>
+                <a:cs typeface="Segoe UI" panose="020B0502040204020203" pitchFamily="34" charset="0"/>
+              </a:rPr>
+              <a:t>cache</a:t>
+            </a:r>
+            <a:r>
+              <a:rPr lang="pt-BR" dirty="0">
+                <a:latin typeface="Segoe UI" panose="020B0502040204020203" pitchFamily="34" charset="0"/>
+                <a:cs typeface="Segoe UI" panose="020B0502040204020203" pitchFamily="34" charset="0"/>
+              </a:rPr>
+              <a:t>, podendo ultrapassar facilmente os 150 MB).</a:t>
+            </a:r>
+          </a:p>
+          <a:p>
+            <a:pPr marL="0" indent="0">
+              <a:buNone/>
+            </a:pPr>
             <a:endParaRPr lang="pt-BR" dirty="0">
               <a:latin typeface="Segoe UI" panose="020B0502040204020203" pitchFamily="34" charset="0"/>
               <a:cs typeface="Segoe UI" panose="020B0502040204020203" pitchFamily="34" charset="0"/>
@@ -5257,7 +6151,7 @@
               <a:t>Possuem uma acessibilidade enorme, hoje em dia é praticamente cultural, você facilmente encontra um app, alguns já fazem parte até do dialeto das pessoas, ganhando até versões adaptadas carinhosas como `</a:t>
             </a:r>
             <a:r>
-              <a:rPr lang="pt-BR" dirty="0" err="1">
+              <a:rPr lang="pt-BR" b="1" i="1" dirty="0" err="1">
                 <a:latin typeface="Segoe UI" panose="020B0502040204020203" pitchFamily="34" charset="0"/>
                 <a:cs typeface="Segoe UI" panose="020B0502040204020203" pitchFamily="34" charset="0"/>
               </a:rPr>
@@ -5838,25 +6732,39 @@
               <a:t>Sim! Existem por exemplo tecnologias que interpretam uma linguagem X, convertendo para código nativo, podemos citar como exemplo </a:t>
             </a:r>
             <a:r>
-              <a:rPr lang="pt-BR" dirty="0" err="1">
+              <a:rPr lang="pt-BR" b="1" i="1" dirty="0" err="1">
                 <a:latin typeface="Segoe UI" panose="020B0502040204020203" pitchFamily="34" charset="0"/>
                 <a:cs typeface="Segoe UI" panose="020B0502040204020203" pitchFamily="34" charset="0"/>
               </a:rPr>
               <a:t>React</a:t>
             </a:r>
             <a:r>
+              <a:rPr lang="pt-BR" b="1" i="1" dirty="0">
+                <a:latin typeface="Segoe UI" panose="020B0502040204020203" pitchFamily="34" charset="0"/>
+                <a:cs typeface="Segoe UI" panose="020B0502040204020203" pitchFamily="34" charset="0"/>
+              </a:rPr>
+              <a:t> </a:t>
+            </a:r>
+            <a:r>
+              <a:rPr lang="pt-BR" b="1" i="1" dirty="0" err="1">
+                <a:latin typeface="Segoe UI" panose="020B0502040204020203" pitchFamily="34" charset="0"/>
+                <a:cs typeface="Segoe UI" panose="020B0502040204020203" pitchFamily="34" charset="0"/>
+              </a:rPr>
+              <a:t>Native</a:t>
+            </a:r>
+            <a:r>
               <a:rPr lang="pt-BR" dirty="0">
                 <a:latin typeface="Segoe UI" panose="020B0502040204020203" pitchFamily="34" charset="0"/>
                 <a:cs typeface="Segoe UI" panose="020B0502040204020203" pitchFamily="34" charset="0"/>
               </a:rPr>
-              <a:t> </a:t>
-            </a:r>
-            <a:r>
-              <a:rPr lang="pt-BR" dirty="0" err="1">
-                <a:latin typeface="Segoe UI" panose="020B0502040204020203" pitchFamily="34" charset="0"/>
-                <a:cs typeface="Segoe UI" panose="020B0502040204020203" pitchFamily="34" charset="0"/>
-              </a:rPr>
-              <a:t>Native</a:t>
+              <a:t>, </a:t>
+            </a:r>
+            <a:r>
+              <a:rPr lang="pt-BR" b="1" i="1" dirty="0" err="1">
+                <a:latin typeface="Segoe UI" panose="020B0502040204020203" pitchFamily="34" charset="0"/>
+                <a:cs typeface="Segoe UI" panose="020B0502040204020203" pitchFamily="34" charset="0"/>
+              </a:rPr>
+              <a:t>Flutter</a:t>
             </a:r>
             <a:r>
               <a:rPr lang="pt-BR" dirty="0">
@@ -5866,21 +6774,7 @@
               <a:t>, </a:t>
             </a:r>
             <a:r>
-              <a:rPr lang="pt-BR" dirty="0" err="1">
-                <a:latin typeface="Segoe UI" panose="020B0502040204020203" pitchFamily="34" charset="0"/>
-                <a:cs typeface="Segoe UI" panose="020B0502040204020203" pitchFamily="34" charset="0"/>
-              </a:rPr>
-              <a:t>Flutter</a:t>
-            </a:r>
-            <a:r>
-              <a:rPr lang="pt-BR" dirty="0">
-                <a:latin typeface="Segoe UI" panose="020B0502040204020203" pitchFamily="34" charset="0"/>
-                <a:cs typeface="Segoe UI" panose="020B0502040204020203" pitchFamily="34" charset="0"/>
-              </a:rPr>
-              <a:t>, </a:t>
-            </a:r>
-            <a:r>
-              <a:rPr lang="pt-BR" dirty="0" err="1">
+              <a:rPr lang="pt-BR" b="1" i="1" dirty="0" err="1">
                 <a:latin typeface="Segoe UI" panose="020B0502040204020203" pitchFamily="34" charset="0"/>
                 <a:cs typeface="Segoe UI" panose="020B0502040204020203" pitchFamily="34" charset="0"/>
               </a:rPr>
@@ -5906,24 +6800,38 @@
                 <a:latin typeface="Segoe UI" panose="020B0502040204020203" pitchFamily="34" charset="0"/>
                 <a:cs typeface="Segoe UI" panose="020B0502040204020203" pitchFamily="34" charset="0"/>
               </a:rPr>
-              <a:t>Também existe o que é chamado Apache </a:t>
-            </a:r>
-            <a:r>
-              <a:rPr lang="pt-BR" dirty="0" err="1">
+              <a:t>Também existe o que é chamado </a:t>
+            </a:r>
+            <a:r>
+              <a:rPr lang="pt-BR" b="1" i="1" dirty="0">
+                <a:latin typeface="Segoe UI" panose="020B0502040204020203" pitchFamily="34" charset="0"/>
+                <a:cs typeface="Segoe UI" panose="020B0502040204020203" pitchFamily="34" charset="0"/>
+              </a:rPr>
+              <a:t>Apache </a:t>
+            </a:r>
+            <a:r>
+              <a:rPr lang="pt-BR" b="1" i="1" dirty="0" err="1">
                 <a:latin typeface="Segoe UI" panose="020B0502040204020203" pitchFamily="34" charset="0"/>
                 <a:cs typeface="Segoe UI" panose="020B0502040204020203" pitchFamily="34" charset="0"/>
               </a:rPr>
               <a:t>Cordova</a:t>
             </a:r>
             <a:r>
+              <a:rPr lang="pt-BR" b="1" i="1" dirty="0">
+                <a:latin typeface="Segoe UI" panose="020B0502040204020203" pitchFamily="34" charset="0"/>
+                <a:cs typeface="Segoe UI" panose="020B0502040204020203" pitchFamily="34" charset="0"/>
+              </a:rPr>
+              <a:t> </a:t>
+            </a:r>
+            <a:r>
               <a:rPr lang="pt-BR" dirty="0">
                 <a:latin typeface="Segoe UI" panose="020B0502040204020203" pitchFamily="34" charset="0"/>
                 <a:cs typeface="Segoe UI" panose="020B0502040204020203" pitchFamily="34" charset="0"/>
               </a:rPr>
-              <a:t> (</a:t>
-            </a:r>
-            <a:r>
-              <a:rPr lang="pt-BR" dirty="0" err="1">
+              <a:t>(</a:t>
+            </a:r>
+            <a:r>
+              <a:rPr lang="pt-BR" b="1" i="1" dirty="0" err="1">
                 <a:latin typeface="Segoe UI" panose="020B0502040204020203" pitchFamily="34" charset="0"/>
                 <a:cs typeface="Segoe UI" panose="020B0502040204020203" pitchFamily="34" charset="0"/>
               </a:rPr>
@@ -6256,7 +7164,7 @@
         <p:spPr>
           <a:xfrm>
             <a:off x="6355080" y="2121408"/>
-            <a:ext cx="4773168" cy="4050792"/>
+            <a:ext cx="4773168" cy="4527967"/>
           </a:xfrm>
         </p:spPr>
         <p:txBody>
@@ -6350,14 +7258,14 @@
                 <a:latin typeface="Segoe UI" panose="020B0502040204020203" pitchFamily="34" charset="0"/>
                 <a:cs typeface="Segoe UI" panose="020B0502040204020203" pitchFamily="34" charset="0"/>
               </a:rPr>
-              <a:t>Agora o PWA é totalmente isento, ele acessa diretamente as </a:t>
+              <a:t>Agora o PWA é totalmente isento, ele acessa diretamente as APIS nativas do dispositivo móvel usando apenas </a:t>
             </a:r>
             <a:r>
               <a:rPr lang="pt-BR" dirty="0" err="1">
                 <a:latin typeface="Segoe UI" panose="020B0502040204020203" pitchFamily="34" charset="0"/>
                 <a:cs typeface="Segoe UI" panose="020B0502040204020203" pitchFamily="34" charset="0"/>
               </a:rPr>
-              <a:t>apis</a:t>
+              <a:t>Javascript</a:t>
             </a:r>
             <a:r>
               <a:rPr lang="pt-BR" dirty="0">
@@ -6385,6 +7293,14 @@
 <file path=ppt/slides/slide19.xml><?xml version="1.0" encoding="utf-8"?>
 <p:sld xmlns:a="http://schemas.openxmlformats.org/drawingml/2006/main" xmlns:r="http://schemas.openxmlformats.org/officeDocument/2006/relationships" xmlns:p="http://schemas.openxmlformats.org/presentationml/2006/main">
   <p:cSld>
+    <p:bg>
+      <p:bgPr>
+        <a:solidFill>
+          <a:schemeClr val="bg1"/>
+        </a:solidFill>
+        <a:effectLst/>
+      </p:bgPr>
+    </p:bg>
     <p:spTree>
       <p:nvGrpSpPr>
         <p:cNvPr id="1" name=""/>
@@ -6401,6 +7317,1053 @@
       </p:grpSpPr>
       <p:sp>
         <p:nvSpPr>
+          <p:cNvPr id="43" name="Rectangle 42">
+            <a:extLst>
+              <a:ext uri="{FF2B5EF4-FFF2-40B4-BE49-F238E27FC236}">
+                <a16:creationId xmlns:a16="http://schemas.microsoft.com/office/drawing/2014/main" id="{AAAE712D-310C-44EF-8BFF-B36FD8EC11EF}"/>
+              </a:ext>
+            </a:extLst>
+          </p:cNvPr>
+          <p:cNvSpPr>
+            <a:spLocks noGrp="1" noRot="1" noChangeAspect="1" noMove="1" noResize="1" noEditPoints="1" noAdjustHandles="1" noChangeArrowheads="1" noChangeShapeType="1" noTextEdit="1"/>
+          </p:cNvSpPr>
+          <p:nvPr>
+            <p:extLst>
+              <p:ext uri="{386F3935-93C4-4BCD-93E2-E3B085C9AB24}">
+                <p16:designElem xmlns:p16="http://schemas.microsoft.com/office/powerpoint/2015/main" val="1"/>
+              </p:ext>
+            </p:extLst>
+          </p:nvPr>
+        </p:nvSpPr>
+        <p:spPr>
+          <a:xfrm>
+            <a:off x="920834" y="1346946"/>
+            <a:ext cx="10222992" cy="80683"/>
+          </a:xfrm>
+          <a:prstGeom prst="rect">
+            <a:avLst/>
+          </a:prstGeom>
+          <a:blipFill dpi="0" rotWithShape="1">
+            <a:blip r:embed="rId3">
+              <a:alphaModFix amt="80000"/>
+              <a:lum bright="70000" contrast="-70000"/>
+              <a:extLst>
+                <a:ext uri="{BEBA8EAE-BF5A-486C-A8C5-ECC9F3942E4B}">
+                  <a14:imgProps xmlns:a14="http://schemas.microsoft.com/office/drawing/2010/main">
+                    <a14:imgLayer r:embed="rId4">
+                      <a14:imgEffect>
+                        <a14:sharpenSoften amount="61000"/>
+                      </a14:imgEffect>
+                    </a14:imgLayer>
+                  </a14:imgProps>
+                </a:ext>
+                <a:ext uri="{28A0092B-C50C-407E-A947-70E740481C1C}">
+                  <a14:useLocalDpi xmlns:a14="http://schemas.microsoft.com/office/drawing/2010/main" val="0"/>
+                </a:ext>
+              </a:extLst>
+            </a:blip>
+            <a:srcRect/>
+            <a:tile tx="0" ty="-762000" sx="92000" sy="89000" flip="xy" algn="ctr"/>
+          </a:blipFill>
+          <a:ln>
+            <a:noFill/>
+          </a:ln>
+        </p:spPr>
+        <p:style>
+          <a:lnRef idx="2">
+            <a:schemeClr val="accent1">
+              <a:shade val="50000"/>
+            </a:schemeClr>
+          </a:lnRef>
+          <a:fillRef idx="1">
+            <a:schemeClr val="accent1"/>
+          </a:fillRef>
+          <a:effectRef idx="0">
+            <a:schemeClr val="accent1"/>
+          </a:effectRef>
+          <a:fontRef idx="minor">
+            <a:schemeClr val="lt1"/>
+          </a:fontRef>
+        </p:style>
+      </p:sp>
+      <p:sp>
+        <p:nvSpPr>
+          <p:cNvPr id="45" name="Rectangle 44">
+            <a:extLst>
+              <a:ext uri="{FF2B5EF4-FFF2-40B4-BE49-F238E27FC236}">
+                <a16:creationId xmlns:a16="http://schemas.microsoft.com/office/drawing/2014/main" id="{DC3EAD1A-B027-4B9A-A24A-89A37D87AB6B}"/>
+              </a:ext>
+            </a:extLst>
+          </p:cNvPr>
+          <p:cNvSpPr>
+            <a:spLocks noGrp="1" noRot="1" noChangeAspect="1" noMove="1" noResize="1" noEditPoints="1" noAdjustHandles="1" noChangeArrowheads="1" noChangeShapeType="1" noTextEdit="1"/>
+          </p:cNvSpPr>
+          <p:nvPr>
+            <p:extLst>
+              <p:ext uri="{386F3935-93C4-4BCD-93E2-E3B085C9AB24}">
+                <p16:designElem xmlns:p16="http://schemas.microsoft.com/office/powerpoint/2015/main" val="1"/>
+              </p:ext>
+            </p:extLst>
+          </p:nvPr>
+        </p:nvSpPr>
+        <p:spPr>
+          <a:xfrm>
+            <a:off x="920834" y="4282762"/>
+            <a:ext cx="10222992" cy="80683"/>
+          </a:xfrm>
+          <a:prstGeom prst="rect">
+            <a:avLst/>
+          </a:prstGeom>
+          <a:blipFill dpi="0" rotWithShape="1">
+            <a:blip r:embed="rId3">
+              <a:alphaModFix amt="80000"/>
+              <a:lum bright="70000" contrast="-70000"/>
+              <a:extLst>
+                <a:ext uri="{BEBA8EAE-BF5A-486C-A8C5-ECC9F3942E4B}">
+                  <a14:imgProps xmlns:a14="http://schemas.microsoft.com/office/drawing/2010/main">
+                    <a14:imgLayer r:embed="rId4">
+                      <a14:imgEffect>
+                        <a14:sharpenSoften amount="61000"/>
+                      </a14:imgEffect>
+                    </a14:imgLayer>
+                  </a14:imgProps>
+                </a:ext>
+                <a:ext uri="{28A0092B-C50C-407E-A947-70E740481C1C}">
+                  <a14:useLocalDpi xmlns:a14="http://schemas.microsoft.com/office/drawing/2010/main" val="0"/>
+                </a:ext>
+              </a:extLst>
+            </a:blip>
+            <a:srcRect/>
+            <a:tile tx="0" ty="-717550" sx="92000" sy="89000" flip="xy" algn="ctr"/>
+          </a:blipFill>
+          <a:ln>
+            <a:noFill/>
+          </a:ln>
+        </p:spPr>
+        <p:style>
+          <a:lnRef idx="2">
+            <a:schemeClr val="accent1">
+              <a:shade val="50000"/>
+            </a:schemeClr>
+          </a:lnRef>
+          <a:fillRef idx="1">
+            <a:schemeClr val="accent1"/>
+          </a:fillRef>
+          <a:effectRef idx="0">
+            <a:schemeClr val="accent1"/>
+          </a:effectRef>
+          <a:fontRef idx="minor">
+            <a:schemeClr val="lt1"/>
+          </a:fontRef>
+        </p:style>
+      </p:sp>
+      <p:sp>
+        <p:nvSpPr>
+          <p:cNvPr id="47" name="Rectangle 46">
+            <a:extLst>
+              <a:ext uri="{FF2B5EF4-FFF2-40B4-BE49-F238E27FC236}">
+                <a16:creationId xmlns:a16="http://schemas.microsoft.com/office/drawing/2014/main" id="{D3682928-914B-4805-ADFF-96BEED05AE36}"/>
+              </a:ext>
+            </a:extLst>
+          </p:cNvPr>
+          <p:cNvSpPr>
+            <a:spLocks noGrp="1" noRot="1" noChangeAspect="1" noMove="1" noResize="1" noEditPoints="1" noAdjustHandles="1" noChangeArrowheads="1" noChangeShapeType="1" noTextEdit="1"/>
+          </p:cNvSpPr>
+          <p:nvPr>
+            <p:extLst>
+              <p:ext uri="{386F3935-93C4-4BCD-93E2-E3B085C9AB24}">
+                <p16:designElem xmlns:p16="http://schemas.microsoft.com/office/powerpoint/2015/main" val="1"/>
+              </p:ext>
+            </p:extLst>
+          </p:nvPr>
+        </p:nvSpPr>
+        <p:spPr>
+          <a:xfrm>
+            <a:off x="920834" y="1484779"/>
+            <a:ext cx="10222992" cy="2743200"/>
+          </a:xfrm>
+          <a:prstGeom prst="rect">
+            <a:avLst/>
+          </a:prstGeom>
+          <a:blipFill dpi="0" rotWithShape="1">
+            <a:blip r:embed="rId3">
+              <a:alphaModFix amt="80000"/>
+              <a:lum bright="70000" contrast="-70000"/>
+              <a:extLst>
+                <a:ext uri="{BEBA8EAE-BF5A-486C-A8C5-ECC9F3942E4B}">
+                  <a14:imgProps xmlns:a14="http://schemas.microsoft.com/office/drawing/2010/main">
+                    <a14:imgLayer r:embed="rId4">
+                      <a14:imgEffect>
+                        <a14:sharpenSoften amount="61000"/>
+                      </a14:imgEffect>
+                    </a14:imgLayer>
+                  </a14:imgProps>
+                </a:ext>
+                <a:ext uri="{28A0092B-C50C-407E-A947-70E740481C1C}">
+                  <a14:useLocalDpi xmlns:a14="http://schemas.microsoft.com/office/drawing/2010/main" val="0"/>
+                </a:ext>
+              </a:extLst>
+            </a:blip>
+            <a:srcRect/>
+            <a:tile tx="0" ty="-704850" sx="92000" sy="89000" flip="xy" algn="ctr"/>
+          </a:blipFill>
+          <a:ln>
+            <a:noFill/>
+          </a:ln>
+        </p:spPr>
+        <p:style>
+          <a:lnRef idx="2">
+            <a:schemeClr val="accent1">
+              <a:shade val="50000"/>
+            </a:schemeClr>
+          </a:lnRef>
+          <a:fillRef idx="1">
+            <a:schemeClr val="accent1"/>
+          </a:fillRef>
+          <a:effectRef idx="0">
+            <a:schemeClr val="accent1"/>
+          </a:effectRef>
+          <a:fontRef idx="minor">
+            <a:schemeClr val="lt1"/>
+          </a:fontRef>
+        </p:style>
+      </p:sp>
+      <p:grpSp>
+        <p:nvGrpSpPr>
+          <p:cNvPr id="49" name="Group 48">
+            <a:extLst>
+              <a:ext uri="{FF2B5EF4-FFF2-40B4-BE49-F238E27FC236}">
+                <a16:creationId xmlns:a16="http://schemas.microsoft.com/office/drawing/2014/main" id="{304F2F8D-5ED2-45AD-9D95-F658D371F949}"/>
+              </a:ext>
+            </a:extLst>
+          </p:cNvPr>
+          <p:cNvGrpSpPr>
+            <a:grpSpLocks noGrp="1" noUngrp="1" noRot="1" noChangeAspect="1" noMove="1" noResize="1"/>
+          </p:cNvGrpSpPr>
+          <p:nvPr>
+            <p:extLst>
+              <p:ext uri="{386F3935-93C4-4BCD-93E2-E3B085C9AB24}">
+                <p16:designElem xmlns:p16="http://schemas.microsoft.com/office/powerpoint/2015/main" val="1"/>
+              </p:ext>
+            </p:extLst>
+          </p:nvPr>
+        </p:nvGrpSpPr>
+        <p:grpSpPr>
+          <a:xfrm>
+            <a:off x="9649215" y="4068923"/>
+            <a:ext cx="1080904" cy="1080902"/>
+            <a:chOff x="9685338" y="4460675"/>
+            <a:chExt cx="1080904" cy="1080902"/>
+          </a:xfrm>
+        </p:grpSpPr>
+        <p:sp>
+          <p:nvSpPr>
+            <p:cNvPr id="50" name="Oval 49">
+              <a:extLst>
+                <a:ext uri="{FF2B5EF4-FFF2-40B4-BE49-F238E27FC236}">
+                  <a16:creationId xmlns:a16="http://schemas.microsoft.com/office/drawing/2014/main" id="{9D7D6E82-EF4C-4C68-A720-4D319C114CD0}"/>
+                </a:ext>
+              </a:extLst>
+            </p:cNvPr>
+            <p:cNvSpPr/>
+            <p:nvPr>
+              <p:extLst>
+                <p:ext uri="{386F3935-93C4-4BCD-93E2-E3B085C9AB24}">
+                  <p16:designElem xmlns:p16="http://schemas.microsoft.com/office/powerpoint/2015/main" val="1"/>
+                </p:ext>
+              </p:extLst>
+            </p:nvPr>
+          </p:nvSpPr>
+          <p:spPr>
+            <a:xfrm>
+              <a:off x="9685338" y="4460675"/>
+              <a:ext cx="1080904" cy="1080902"/>
+            </a:xfrm>
+            <a:prstGeom prst="ellipse">
+              <a:avLst/>
+            </a:prstGeom>
+            <a:blipFill dpi="0" rotWithShape="1">
+              <a:blip r:embed="rId5">
+                <a:duotone>
+                  <a:schemeClr val="accent2">
+                    <a:shade val="45000"/>
+                    <a:satMod val="135000"/>
+                  </a:schemeClr>
+                  <a:prstClr val="white"/>
+                </a:duotone>
+                <a:extLst>
+                  <a:ext uri="{BEBA8EAE-BF5A-486C-A8C5-ECC9F3942E4B}">
+                    <a14:imgProps xmlns:a14="http://schemas.microsoft.com/office/drawing/2010/main">
+                      <a14:imgLayer r:embed="rId6">
+                        <a14:imgEffect>
+                          <a14:saturation sat="95000"/>
+                        </a14:imgEffect>
+                      </a14:imgLayer>
+                    </a14:imgProps>
+                  </a:ext>
+                </a:extLst>
+              </a:blip>
+              <a:srcRect/>
+              <a:tile tx="0" ty="0" sx="85000" sy="85000" flip="none" algn="tl"/>
+            </a:blipFill>
+            <a:ln w="25400" cap="flat" cmpd="sng" algn="ctr">
+              <a:noFill/>
+              <a:prstDash val="solid"/>
+            </a:ln>
+            <a:effectLst/>
+          </p:spPr>
+        </p:sp>
+        <p:sp>
+          <p:nvSpPr>
+            <p:cNvPr id="51" name="Oval 50">
+              <a:extLst>
+                <a:ext uri="{FF2B5EF4-FFF2-40B4-BE49-F238E27FC236}">
+                  <a16:creationId xmlns:a16="http://schemas.microsoft.com/office/drawing/2014/main" id="{817B5F2D-49B3-40B6-AE99-D0FE877D5154}"/>
+                </a:ext>
+              </a:extLst>
+            </p:cNvPr>
+            <p:cNvSpPr/>
+            <p:nvPr>
+              <p:extLst>
+                <p:ext uri="{386F3935-93C4-4BCD-93E2-E3B085C9AB24}">
+                  <p16:designElem xmlns:p16="http://schemas.microsoft.com/office/powerpoint/2015/main" val="1"/>
+                </p:ext>
+              </p:extLst>
+            </p:nvPr>
+          </p:nvSpPr>
+          <p:spPr>
+            <a:xfrm>
+              <a:off x="9793429" y="4568765"/>
+              <a:ext cx="864723" cy="864722"/>
+            </a:xfrm>
+            <a:prstGeom prst="ellipse">
+              <a:avLst/>
+            </a:prstGeom>
+            <a:noFill/>
+            <a:ln w="25400" cap="flat" cmpd="sng" algn="ctr">
+              <a:solidFill>
+                <a:sysClr val="window" lastClr="FFFFFF"/>
+              </a:solidFill>
+              <a:prstDash val="solid"/>
+            </a:ln>
+            <a:effectLst/>
+          </p:spPr>
+        </p:sp>
+      </p:grpSp>
+      <p:sp>
+        <p:nvSpPr>
+          <p:cNvPr id="53" name="Rectangle 52">
+            <a:extLst>
+              <a:ext uri="{FF2B5EF4-FFF2-40B4-BE49-F238E27FC236}">
+                <a16:creationId xmlns:a16="http://schemas.microsoft.com/office/drawing/2014/main" id="{B7449383-5E0D-4B52-9C5D-0A10DA801D02}"/>
+              </a:ext>
+            </a:extLst>
+          </p:cNvPr>
+          <p:cNvSpPr>
+            <a:spLocks noGrp="1" noRot="1" noChangeAspect="1" noMove="1" noResize="1" noEditPoints="1" noAdjustHandles="1" noChangeArrowheads="1" noChangeShapeType="1" noTextEdit="1"/>
+          </p:cNvSpPr>
+          <p:nvPr>
+            <p:extLst>
+              <p:ext uri="{386F3935-93C4-4BCD-93E2-E3B085C9AB24}">
+                <p16:designElem xmlns:p16="http://schemas.microsoft.com/office/powerpoint/2015/main" val="1"/>
+              </p:ext>
+            </p:extLst>
+          </p:nvPr>
+        </p:nvSpPr>
+        <p:spPr bwMode="white">
+          <a:xfrm>
+            <a:off x="0" y="0"/>
+            <a:ext cx="12188952" cy="6858001"/>
+          </a:xfrm>
+          <a:prstGeom prst="rect">
+            <a:avLst/>
+          </a:prstGeom>
+          <a:solidFill>
+            <a:schemeClr val="bg1"/>
+          </a:solidFill>
+          <a:ln>
+            <a:noFill/>
+          </a:ln>
+        </p:spPr>
+        <p:style>
+          <a:lnRef idx="2">
+            <a:schemeClr val="accent1">
+              <a:shade val="50000"/>
+            </a:schemeClr>
+          </a:lnRef>
+          <a:fillRef idx="1">
+            <a:schemeClr val="accent1"/>
+          </a:fillRef>
+          <a:effectRef idx="0">
+            <a:schemeClr val="accent1"/>
+          </a:effectRef>
+          <a:fontRef idx="minor">
+            <a:schemeClr val="lt1"/>
+          </a:fontRef>
+        </p:style>
+        <p:txBody>
+          <a:bodyPr rot="0" spcFirstLastPara="0" vert="horz" wrap="square" lIns="91440" tIns="45720" rIns="91440" bIns="45720" numCol="1" spcCol="0" rtlCol="0" fromWordArt="0" anchor="ctr" anchorCtr="0" forceAA="0" compatLnSpc="1">
+            <a:prstTxWarp prst="textNoShape">
+              <a:avLst/>
+            </a:prstTxWarp>
+            <a:noAutofit/>
+          </a:bodyPr>
+          <a:lstStyle>
+            <a:defPPr>
+              <a:defRPr lang="en-US"/>
+            </a:defPPr>
+            <a:lvl1pPr marL="0" algn="l" defTabSz="914400" rtl="0" eaLnBrk="1" latinLnBrk="0" hangingPunct="1">
+              <a:defRPr sz="1800" kern="1200">
+                <a:solidFill>
+                  <a:schemeClr val="lt1"/>
+                </a:solidFill>
+                <a:latin typeface="+mn-lt"/>
+                <a:ea typeface="+mn-ea"/>
+                <a:cs typeface="+mn-cs"/>
+              </a:defRPr>
+            </a:lvl1pPr>
+            <a:lvl2pPr marL="457200" algn="l" defTabSz="914400" rtl="0" eaLnBrk="1" latinLnBrk="0" hangingPunct="1">
+              <a:defRPr sz="1800" kern="1200">
+                <a:solidFill>
+                  <a:schemeClr val="lt1"/>
+                </a:solidFill>
+                <a:latin typeface="+mn-lt"/>
+                <a:ea typeface="+mn-ea"/>
+                <a:cs typeface="+mn-cs"/>
+              </a:defRPr>
+            </a:lvl2pPr>
+            <a:lvl3pPr marL="914400" algn="l" defTabSz="914400" rtl="0" eaLnBrk="1" latinLnBrk="0" hangingPunct="1">
+              <a:defRPr sz="1800" kern="1200">
+                <a:solidFill>
+                  <a:schemeClr val="lt1"/>
+                </a:solidFill>
+                <a:latin typeface="+mn-lt"/>
+                <a:ea typeface="+mn-ea"/>
+                <a:cs typeface="+mn-cs"/>
+              </a:defRPr>
+            </a:lvl3pPr>
+            <a:lvl4pPr marL="1371600" algn="l" defTabSz="914400" rtl="0" eaLnBrk="1" latinLnBrk="0" hangingPunct="1">
+              <a:defRPr sz="1800" kern="1200">
+                <a:solidFill>
+                  <a:schemeClr val="lt1"/>
+                </a:solidFill>
+                <a:latin typeface="+mn-lt"/>
+                <a:ea typeface="+mn-ea"/>
+                <a:cs typeface="+mn-cs"/>
+              </a:defRPr>
+            </a:lvl4pPr>
+            <a:lvl5pPr marL="1828800" algn="l" defTabSz="914400" rtl="0" eaLnBrk="1" latinLnBrk="0" hangingPunct="1">
+              <a:defRPr sz="1800" kern="1200">
+                <a:solidFill>
+                  <a:schemeClr val="lt1"/>
+                </a:solidFill>
+                <a:latin typeface="+mn-lt"/>
+                <a:ea typeface="+mn-ea"/>
+                <a:cs typeface="+mn-cs"/>
+              </a:defRPr>
+            </a:lvl5pPr>
+            <a:lvl6pPr marL="2286000" algn="l" defTabSz="914400" rtl="0" eaLnBrk="1" latinLnBrk="0" hangingPunct="1">
+              <a:defRPr sz="1800" kern="1200">
+                <a:solidFill>
+                  <a:schemeClr val="lt1"/>
+                </a:solidFill>
+                <a:latin typeface="+mn-lt"/>
+                <a:ea typeface="+mn-ea"/>
+                <a:cs typeface="+mn-cs"/>
+              </a:defRPr>
+            </a:lvl6pPr>
+            <a:lvl7pPr marL="2743200" algn="l" defTabSz="914400" rtl="0" eaLnBrk="1" latinLnBrk="0" hangingPunct="1">
+              <a:defRPr sz="1800" kern="1200">
+                <a:solidFill>
+                  <a:schemeClr val="lt1"/>
+                </a:solidFill>
+                <a:latin typeface="+mn-lt"/>
+                <a:ea typeface="+mn-ea"/>
+                <a:cs typeface="+mn-cs"/>
+              </a:defRPr>
+            </a:lvl7pPr>
+            <a:lvl8pPr marL="3200400" algn="l" defTabSz="914400" rtl="0" eaLnBrk="1" latinLnBrk="0" hangingPunct="1">
+              <a:defRPr sz="1800" kern="1200">
+                <a:solidFill>
+                  <a:schemeClr val="lt1"/>
+                </a:solidFill>
+                <a:latin typeface="+mn-lt"/>
+                <a:ea typeface="+mn-ea"/>
+                <a:cs typeface="+mn-cs"/>
+              </a:defRPr>
+            </a:lvl8pPr>
+            <a:lvl9pPr marL="3657600" algn="l" defTabSz="914400" rtl="0" eaLnBrk="1" latinLnBrk="0" hangingPunct="1">
+              <a:defRPr sz="1800" kern="1200">
+                <a:solidFill>
+                  <a:schemeClr val="lt1"/>
+                </a:solidFill>
+                <a:latin typeface="+mn-lt"/>
+                <a:ea typeface="+mn-ea"/>
+                <a:cs typeface="+mn-cs"/>
+              </a:defRPr>
+            </a:lvl9pPr>
+          </a:lstStyle>
+          <a:p>
+            <a:pPr algn="ctr"/>
+            <a:endParaRPr lang="en-US"/>
+          </a:p>
+        </p:txBody>
+      </p:sp>
+      <p:sp>
+        <p:nvSpPr>
+          <p:cNvPr id="55" name="Rectangle 54">
+            <a:extLst>
+              <a:ext uri="{FF2B5EF4-FFF2-40B4-BE49-F238E27FC236}">
+                <a16:creationId xmlns:a16="http://schemas.microsoft.com/office/drawing/2014/main" id="{7476D5DE-D2F6-4BA9-BBCD-19633CDDB139}"/>
+              </a:ext>
+            </a:extLst>
+          </p:cNvPr>
+          <p:cNvSpPr>
+            <a:spLocks noGrp="1" noRot="1" noChangeAspect="1" noMove="1" noResize="1" noEditPoints="1" noAdjustHandles="1" noChangeArrowheads="1" noChangeShapeType="1" noTextEdit="1"/>
+          </p:cNvSpPr>
+          <p:nvPr>
+            <p:extLst>
+              <p:ext uri="{386F3935-93C4-4BCD-93E2-E3B085C9AB24}">
+                <p16:designElem xmlns:p16="http://schemas.microsoft.com/office/powerpoint/2015/main" val="1"/>
+              </p:ext>
+            </p:extLst>
+          </p:nvPr>
+        </p:nvSpPr>
+        <p:spPr>
+          <a:xfrm>
+            <a:off x="920834" y="928117"/>
+            <a:ext cx="10351008" cy="80683"/>
+          </a:xfrm>
+          <a:prstGeom prst="rect">
+            <a:avLst/>
+          </a:prstGeom>
+          <a:blipFill dpi="0" rotWithShape="1">
+            <a:blip r:embed="rId3">
+              <a:alphaModFix amt="85000"/>
+              <a:lum bright="70000" contrast="-70000"/>
+              <a:extLst>
+                <a:ext uri="{28A0092B-C50C-407E-A947-70E740481C1C}">
+                  <a14:useLocalDpi xmlns:a14="http://schemas.microsoft.com/office/drawing/2010/main" val="0"/>
+                </a:ext>
+              </a:extLst>
+            </a:blip>
+            <a:srcRect/>
+            <a:tile tx="0" ty="-762000" sx="92000" sy="89000" flip="xy" algn="ctr"/>
+          </a:blipFill>
+          <a:ln>
+            <a:noFill/>
+          </a:ln>
+        </p:spPr>
+        <p:style>
+          <a:lnRef idx="2">
+            <a:schemeClr val="accent1">
+              <a:shade val="50000"/>
+            </a:schemeClr>
+          </a:lnRef>
+          <a:fillRef idx="1">
+            <a:schemeClr val="accent1"/>
+          </a:fillRef>
+          <a:effectRef idx="0">
+            <a:schemeClr val="accent1"/>
+          </a:effectRef>
+          <a:fontRef idx="minor">
+            <a:schemeClr val="lt1"/>
+          </a:fontRef>
+        </p:style>
+        <p:txBody>
+          <a:bodyPr rtlCol="0" anchor="ctr"/>
+          <a:lstStyle/>
+          <a:p>
+            <a:pPr algn="ctr"/>
+            <a:endParaRPr lang="en-US"/>
+          </a:p>
+        </p:txBody>
+      </p:sp>
+      <p:sp>
+        <p:nvSpPr>
+          <p:cNvPr id="57" name="Rectangle 56">
+            <a:extLst>
+              <a:ext uri="{FF2B5EF4-FFF2-40B4-BE49-F238E27FC236}">
+                <a16:creationId xmlns:a16="http://schemas.microsoft.com/office/drawing/2014/main" id="{3F0AE980-BBE8-4470-A863-4F76EF7F95D5}"/>
+              </a:ext>
+            </a:extLst>
+          </p:cNvPr>
+          <p:cNvSpPr>
+            <a:spLocks noGrp="1" noRot="1" noChangeAspect="1" noMove="1" noResize="1" noEditPoints="1" noAdjustHandles="1" noChangeArrowheads="1" noChangeShapeType="1" noTextEdit="1"/>
+          </p:cNvSpPr>
+          <p:nvPr>
+            <p:extLst>
+              <p:ext uri="{386F3935-93C4-4BCD-93E2-E3B085C9AB24}">
+                <p16:designElem xmlns:p16="http://schemas.microsoft.com/office/powerpoint/2015/main" val="1"/>
+              </p:ext>
+            </p:extLst>
+          </p:nvPr>
+        </p:nvSpPr>
+        <p:spPr>
+          <a:xfrm>
+            <a:off x="920834" y="5780565"/>
+            <a:ext cx="10351008" cy="80683"/>
+          </a:xfrm>
+          <a:prstGeom prst="rect">
+            <a:avLst/>
+          </a:prstGeom>
+          <a:blipFill dpi="0" rotWithShape="1">
+            <a:blip r:embed="rId3">
+              <a:alphaModFix amt="85000"/>
+              <a:lum bright="70000" contrast="-70000"/>
+              <a:extLst>
+                <a:ext uri="{28A0092B-C50C-407E-A947-70E740481C1C}">
+                  <a14:useLocalDpi xmlns:a14="http://schemas.microsoft.com/office/drawing/2010/main" val="0"/>
+                </a:ext>
+              </a:extLst>
+            </a:blip>
+            <a:srcRect/>
+            <a:tile tx="0" ty="-717550" sx="92000" sy="89000" flip="xy" algn="ctr"/>
+          </a:blipFill>
+          <a:ln>
+            <a:noFill/>
+          </a:ln>
+        </p:spPr>
+        <p:style>
+          <a:lnRef idx="2">
+            <a:schemeClr val="accent1">
+              <a:shade val="50000"/>
+            </a:schemeClr>
+          </a:lnRef>
+          <a:fillRef idx="1">
+            <a:schemeClr val="accent1"/>
+          </a:fillRef>
+          <a:effectRef idx="0">
+            <a:schemeClr val="accent1"/>
+          </a:effectRef>
+          <a:fontRef idx="minor">
+            <a:schemeClr val="lt1"/>
+          </a:fontRef>
+        </p:style>
+        <p:txBody>
+          <a:bodyPr rtlCol="0" anchor="ctr"/>
+          <a:lstStyle/>
+          <a:p>
+            <a:pPr algn="ctr"/>
+            <a:endParaRPr lang="en-US"/>
+          </a:p>
+        </p:txBody>
+      </p:sp>
+      <p:sp>
+        <p:nvSpPr>
+          <p:cNvPr id="59" name="Rectangle 58">
+            <a:extLst>
+              <a:ext uri="{FF2B5EF4-FFF2-40B4-BE49-F238E27FC236}">
+                <a16:creationId xmlns:a16="http://schemas.microsoft.com/office/drawing/2014/main" id="{BF4CDE4A-E060-42C0-A8FD-A50B23D83E29}"/>
+              </a:ext>
+            </a:extLst>
+          </p:cNvPr>
+          <p:cNvSpPr>
+            <a:spLocks noGrp="1" noRot="1" noChangeAspect="1" noMove="1" noResize="1" noEditPoints="1" noAdjustHandles="1" noChangeArrowheads="1" noChangeShapeType="1" noTextEdit="1"/>
+          </p:cNvSpPr>
+          <p:nvPr>
+            <p:extLst>
+              <p:ext uri="{386F3935-93C4-4BCD-93E2-E3B085C9AB24}">
+                <p16:designElem xmlns:p16="http://schemas.microsoft.com/office/powerpoint/2015/main" val="1"/>
+              </p:ext>
+            </p:extLst>
+          </p:nvPr>
+        </p:nvSpPr>
+        <p:spPr>
+          <a:xfrm>
+            <a:off x="7885470" y="1110053"/>
+            <a:ext cx="3386371" cy="4580301"/>
+          </a:xfrm>
+          <a:prstGeom prst="rect">
+            <a:avLst/>
+          </a:prstGeom>
+          <a:blipFill dpi="0" rotWithShape="1">
+            <a:blip r:embed="rId3">
+              <a:alphaModFix amt="85000"/>
+              <a:lum bright="70000" contrast="-70000"/>
+              <a:extLst>
+                <a:ext uri="{28A0092B-C50C-407E-A947-70E740481C1C}">
+                  <a14:useLocalDpi xmlns:a14="http://schemas.microsoft.com/office/drawing/2010/main" val="0"/>
+                </a:ext>
+              </a:extLst>
+            </a:blip>
+            <a:srcRect/>
+            <a:tile tx="0" ty="-704850" sx="92000" sy="89000" flip="xy" algn="ctr"/>
+          </a:blipFill>
+          <a:ln>
+            <a:noFill/>
+          </a:ln>
+        </p:spPr>
+        <p:style>
+          <a:lnRef idx="2">
+            <a:schemeClr val="accent1">
+              <a:shade val="50000"/>
+            </a:schemeClr>
+          </a:lnRef>
+          <a:fillRef idx="1">
+            <a:schemeClr val="accent1"/>
+          </a:fillRef>
+          <a:effectRef idx="0">
+            <a:schemeClr val="accent1"/>
+          </a:effectRef>
+          <a:fontRef idx="minor">
+            <a:schemeClr val="lt1"/>
+          </a:fontRef>
+        </p:style>
+        <p:txBody>
+          <a:bodyPr rtlCol="0" anchor="ctr"/>
+          <a:lstStyle/>
+          <a:p>
+            <a:pPr algn="ctr"/>
+            <a:endParaRPr lang="en-US"/>
+          </a:p>
+        </p:txBody>
+      </p:sp>
+      <p:sp>
+        <p:nvSpPr>
+          <p:cNvPr id="61" name="Oval 60">
+            <a:extLst>
+              <a:ext uri="{FF2B5EF4-FFF2-40B4-BE49-F238E27FC236}">
+                <a16:creationId xmlns:a16="http://schemas.microsoft.com/office/drawing/2014/main" id="{AF886B6C-7A18-4E7D-A525-E95385CEC297}"/>
+              </a:ext>
+            </a:extLst>
+          </p:cNvPr>
+          <p:cNvSpPr>
+            <a:spLocks noGrp="1" noRot="1" noChangeAspect="1" noMove="1" noResize="1" noEditPoints="1" noAdjustHandles="1" noChangeArrowheads="1" noChangeShapeType="1" noTextEdit="1"/>
+          </p:cNvSpPr>
+          <p:nvPr>
+            <p:extLst>
+              <p:ext uri="{386F3935-93C4-4BCD-93E2-E3B085C9AB24}">
+                <p16:designElem xmlns:p16="http://schemas.microsoft.com/office/powerpoint/2015/main" val="1"/>
+              </p:ext>
+            </p:extLst>
+          </p:nvPr>
+        </p:nvSpPr>
+        <p:spPr>
+          <a:xfrm>
+            <a:off x="9810545" y="5257800"/>
+            <a:ext cx="1080904" cy="1080902"/>
+          </a:xfrm>
+          <a:prstGeom prst="ellipse">
+            <a:avLst/>
+          </a:prstGeom>
+          <a:blipFill dpi="0" rotWithShape="1">
+            <a:blip r:embed="rId5">
+              <a:duotone>
+                <a:schemeClr val="accent2">
+                  <a:shade val="45000"/>
+                  <a:satMod val="135000"/>
+                </a:schemeClr>
+                <a:prstClr val="white"/>
+              </a:duotone>
+              <a:extLst/>
+            </a:blip>
+            <a:srcRect/>
+            <a:tile tx="0" ty="0" sx="85000" sy="85000" flip="none" algn="tl"/>
+          </a:blipFill>
+          <a:ln w="25400" cap="flat" cmpd="sng" algn="ctr">
+            <a:noFill/>
+            <a:prstDash val="solid"/>
+          </a:ln>
+          <a:effectLst/>
+        </p:spPr>
+        <p:txBody>
+          <a:bodyPr lIns="0" tIns="0" rIns="0" bIns="0" rtlCol="0" anchor="ctr"/>
+          <a:lstStyle/>
+          <a:p>
+            <a:pPr marL="0" marR="0" lvl="0" indent="0" algn="ctr" defTabSz="914400" eaLnBrk="1" fontAlgn="auto" latinLnBrk="0" hangingPunct="1">
+              <a:lnSpc>
+                <a:spcPct val="100000"/>
+              </a:lnSpc>
+              <a:spcBef>
+                <a:spcPts val="0"/>
+              </a:spcBef>
+              <a:spcAft>
+                <a:spcPts val="0"/>
+              </a:spcAft>
+              <a:buClrTx/>
+              <a:buSzTx/>
+              <a:buFontTx/>
+              <a:buNone/>
+              <a:tabLst/>
+              <a:defRPr/>
+            </a:pPr>
+            <a:endParaRPr kumimoji="0" lang="en-US" sz="2000" b="0" i="0" u="none" strike="noStrike" kern="0" cap="none" spc="0" normalizeH="0" baseline="0" noProof="0" dirty="0">
+              <a:ln>
+                <a:noFill/>
+              </a:ln>
+              <a:solidFill>
+                <a:prstClr val="white"/>
+              </a:solidFill>
+              <a:effectLst/>
+              <a:uLnTx/>
+              <a:uFillTx/>
+              <a:latin typeface="Rockwell Extra Bold" pitchFamily="18" charset="0"/>
+              <a:ea typeface="+mn-ea"/>
+              <a:cs typeface="+mn-cs"/>
+            </a:endParaRPr>
+          </a:p>
+        </p:txBody>
+      </p:sp>
+      <p:sp>
+        <p:nvSpPr>
+          <p:cNvPr id="63" name="Oval 62">
+            <a:extLst>
+              <a:ext uri="{FF2B5EF4-FFF2-40B4-BE49-F238E27FC236}">
+                <a16:creationId xmlns:a16="http://schemas.microsoft.com/office/drawing/2014/main" id="{26952603-7F9B-487D-AE20-CAECCB0E7173}"/>
+              </a:ext>
+            </a:extLst>
+          </p:cNvPr>
+          <p:cNvSpPr>
+            <a:spLocks noGrp="1" noRot="1" noChangeAspect="1" noMove="1" noResize="1" noEditPoints="1" noAdjustHandles="1" noChangeArrowheads="1" noChangeShapeType="1" noTextEdit="1"/>
+          </p:cNvSpPr>
+          <p:nvPr>
+            <p:extLst>
+              <p:ext uri="{386F3935-93C4-4BCD-93E2-E3B085C9AB24}">
+                <p16:designElem xmlns:p16="http://schemas.microsoft.com/office/powerpoint/2015/main" val="1"/>
+              </p:ext>
+            </p:extLst>
+          </p:nvPr>
+        </p:nvSpPr>
+        <p:spPr>
+          <a:xfrm>
+            <a:off x="9918636" y="5365890"/>
+            <a:ext cx="864723" cy="864722"/>
+          </a:xfrm>
+          <a:prstGeom prst="ellipse">
+            <a:avLst/>
+          </a:prstGeom>
+          <a:noFill/>
+          <a:ln w="25400" cap="flat" cmpd="sng" algn="ctr">
+            <a:solidFill>
+              <a:sysClr val="window" lastClr="FFFFFF"/>
+            </a:solidFill>
+            <a:prstDash val="solid"/>
+          </a:ln>
+          <a:effectLst/>
+        </p:spPr>
+        <p:txBody>
+          <a:bodyPr rtlCol="0" anchor="ctr"/>
+          <a:lstStyle/>
+          <a:p>
+            <a:pPr marL="0" marR="0" lvl="0" indent="0" algn="ctr" defTabSz="914400" eaLnBrk="1" fontAlgn="auto" latinLnBrk="0" hangingPunct="1">
+              <a:lnSpc>
+                <a:spcPct val="100000"/>
+              </a:lnSpc>
+              <a:spcBef>
+                <a:spcPts val="0"/>
+              </a:spcBef>
+              <a:spcAft>
+                <a:spcPts val="0"/>
+              </a:spcAft>
+              <a:buClrTx/>
+              <a:buSzTx/>
+              <a:buFontTx/>
+              <a:buNone/>
+              <a:tabLst/>
+              <a:defRPr/>
+            </a:pPr>
+            <a:endParaRPr kumimoji="0" lang="en-US" sz="1800" b="0" i="0" u="none" strike="noStrike" kern="0" cap="none" spc="0" normalizeH="0" baseline="0" noProof="0" dirty="0">
+              <a:ln>
+                <a:noFill/>
+              </a:ln>
+              <a:solidFill>
+                <a:prstClr val="white"/>
+              </a:solidFill>
+              <a:effectLst/>
+              <a:uLnTx/>
+              <a:uFillTx/>
+              <a:latin typeface="Calibri"/>
+              <a:ea typeface="+mn-ea"/>
+              <a:cs typeface="+mn-cs"/>
+            </a:endParaRPr>
+          </a:p>
+        </p:txBody>
+      </p:sp>
+      <p:pic>
+        <p:nvPicPr>
+          <p:cNvPr id="7" name="Imagem 6">
+            <a:extLst>
+              <a:ext uri="{FF2B5EF4-FFF2-40B4-BE49-F238E27FC236}">
+                <a16:creationId xmlns:a16="http://schemas.microsoft.com/office/drawing/2014/main" id="{6F3E0647-8117-49A1-8275-C26206DD3DC6}"/>
+              </a:ext>
+            </a:extLst>
+          </p:cNvPr>
+          <p:cNvPicPr>
+            <a:picLocks noChangeAspect="1"/>
+          </p:cNvPicPr>
+          <p:nvPr/>
+        </p:nvPicPr>
+        <p:blipFill rotWithShape="1">
+          <a:blip r:embed="rId7"/>
+          <a:srcRect l="27916" r="-1" b="-1"/>
+          <a:stretch/>
+        </p:blipFill>
+        <p:spPr>
+          <a:xfrm>
+            <a:off x="920837" y="1110053"/>
+            <a:ext cx="4161302" cy="2742097"/>
+          </a:xfrm>
+          <a:prstGeom prst="rect">
+            <a:avLst/>
+          </a:prstGeom>
+        </p:spPr>
+      </p:pic>
+      <p:pic>
+        <p:nvPicPr>
+          <p:cNvPr id="6" name="Imagem 5" descr="Uma imagem contendo chão, pessoa, homem, ao ar livre&#10;&#10;Descrição gerada com muito alta confiança">
+            <a:extLst>
+              <a:ext uri="{FF2B5EF4-FFF2-40B4-BE49-F238E27FC236}">
+                <a16:creationId xmlns:a16="http://schemas.microsoft.com/office/drawing/2014/main" id="{B23F784E-F1C0-4D82-ACC7-729A6902BE09}"/>
+              </a:ext>
+            </a:extLst>
+          </p:cNvPr>
+          <p:cNvPicPr>
+            <a:picLocks noChangeAspect="1"/>
+          </p:cNvPicPr>
+          <p:nvPr/>
+        </p:nvPicPr>
+        <p:blipFill rotWithShape="1">
+          <a:blip r:embed="rId8"/>
+          <a:srcRect l="24487" r="22988" b="2"/>
+          <a:stretch/>
+        </p:blipFill>
+        <p:spPr>
+          <a:xfrm>
+            <a:off x="5236124" y="3292249"/>
+            <a:ext cx="2494292" cy="2398104"/>
+          </a:xfrm>
+          <a:prstGeom prst="rect">
+            <a:avLst/>
+          </a:prstGeom>
+        </p:spPr>
+      </p:pic>
+      <p:sp>
+        <p:nvSpPr>
+          <p:cNvPr id="65" name="Rectangle 64">
+            <a:extLst>
+              <a:ext uri="{FF2B5EF4-FFF2-40B4-BE49-F238E27FC236}">
+                <a16:creationId xmlns:a16="http://schemas.microsoft.com/office/drawing/2014/main" id="{8B2A3A64-9F3B-4A5D-BB4E-5D59A9FFEAAE}"/>
+              </a:ext>
+            </a:extLst>
+          </p:cNvPr>
+          <p:cNvSpPr>
+            <a:spLocks noGrp="1" noRot="1" noChangeAspect="1" noMove="1" noResize="1" noEditPoints="1" noAdjustHandles="1" noChangeArrowheads="1" noChangeShapeType="1" noTextEdit="1"/>
+          </p:cNvSpPr>
+          <p:nvPr>
+            <p:extLst>
+              <p:ext uri="{386F3935-93C4-4BCD-93E2-E3B085C9AB24}">
+                <p16:designElem xmlns:p16="http://schemas.microsoft.com/office/powerpoint/2015/main" val="1"/>
+              </p:ext>
+            </p:extLst>
+          </p:nvPr>
+        </p:nvSpPr>
+        <p:spPr>
+          <a:xfrm>
+            <a:off x="5236125" y="1110053"/>
+            <a:ext cx="2494292" cy="2027394"/>
+          </a:xfrm>
+          <a:prstGeom prst="rect">
+            <a:avLst/>
+          </a:prstGeom>
+          <a:blipFill dpi="0" rotWithShape="1">
+            <a:blip r:embed="rId5">
+              <a:duotone>
+                <a:schemeClr val="accent2">
+                  <a:shade val="45000"/>
+                  <a:satMod val="135000"/>
+                </a:schemeClr>
+                <a:prstClr val="white"/>
+              </a:duotone>
+              <a:extLst/>
+            </a:blip>
+            <a:srcRect/>
+            <a:tile tx="0" ty="0" sx="92000" sy="89000" flip="xy" algn="ctr"/>
+          </a:blipFill>
+          <a:ln w="25400" cap="flat" cmpd="sng" algn="ctr">
+            <a:noFill/>
+            <a:prstDash val="solid"/>
+          </a:ln>
+          <a:effectLst/>
+        </p:spPr>
+        <p:txBody>
+          <a:bodyPr lIns="0" tIns="0" rIns="0" bIns="0" rtlCol="0" anchor="ctr"/>
+          <a:lstStyle/>
+          <a:p>
+            <a:pPr algn="ctr"/>
+            <a:endParaRPr lang="en-US" sz="2000" kern="0">
+              <a:solidFill>
+                <a:prstClr val="white"/>
+              </a:solidFill>
+              <a:latin typeface="Rockwell Extra Bold" pitchFamily="18" charset="0"/>
+            </a:endParaRPr>
+          </a:p>
+        </p:txBody>
+      </p:sp>
+      <p:sp>
+        <p:nvSpPr>
+          <p:cNvPr id="67" name="Rectangle 66">
+            <a:extLst>
+              <a:ext uri="{FF2B5EF4-FFF2-40B4-BE49-F238E27FC236}">
+                <a16:creationId xmlns:a16="http://schemas.microsoft.com/office/drawing/2014/main" id="{4ACCBAB9-728F-4D75-8F2E-87DAD10F0114}"/>
+              </a:ext>
+            </a:extLst>
+          </p:cNvPr>
+          <p:cNvSpPr>
+            <a:spLocks noGrp="1" noRot="1" noChangeAspect="1" noMove="1" noResize="1" noEditPoints="1" noAdjustHandles="1" noChangeArrowheads="1" noChangeShapeType="1" noTextEdit="1"/>
+          </p:cNvSpPr>
+          <p:nvPr>
+            <p:extLst>
+              <p:ext uri="{386F3935-93C4-4BCD-93E2-E3B085C9AB24}">
+                <p16:designElem xmlns:p16="http://schemas.microsoft.com/office/powerpoint/2015/main" val="1"/>
+              </p:ext>
+            </p:extLst>
+          </p:nvPr>
+        </p:nvSpPr>
+        <p:spPr>
+          <a:xfrm>
+            <a:off x="920835" y="4007514"/>
+            <a:ext cx="4157330" cy="1682840"/>
+          </a:xfrm>
+          <a:prstGeom prst="rect">
+            <a:avLst/>
+          </a:prstGeom>
+          <a:blipFill dpi="0" rotWithShape="1">
+            <a:blip r:embed="rId5">
+              <a:duotone>
+                <a:schemeClr val="bg2">
+                  <a:shade val="45000"/>
+                  <a:satMod val="135000"/>
+                </a:schemeClr>
+                <a:prstClr val="white"/>
+              </a:duotone>
+              <a:extLst/>
+            </a:blip>
+            <a:srcRect/>
+            <a:tile tx="0" ty="0" sx="92000" sy="89000" flip="xy" algn="ctr"/>
+          </a:blipFill>
+          <a:ln w="25400" cap="flat" cmpd="sng" algn="ctr">
+            <a:noFill/>
+            <a:prstDash val="solid"/>
+          </a:ln>
+          <a:effectLst/>
+        </p:spPr>
+        <p:txBody>
+          <a:bodyPr lIns="0" tIns="0" rIns="0" bIns="0" rtlCol="0" anchor="ctr"/>
+          <a:lstStyle/>
+          <a:p>
+            <a:pPr algn="ctr"/>
+            <a:endParaRPr lang="en-US" sz="2000" kern="0">
+              <a:solidFill>
+                <a:prstClr val="white"/>
+              </a:solidFill>
+              <a:latin typeface="Rockwell Extra Bold" pitchFamily="18" charset="0"/>
+            </a:endParaRPr>
+          </a:p>
+        </p:txBody>
+      </p:sp>
+      <p:sp>
+        <p:nvSpPr>
           <p:cNvPr id="2" name="Título 1">
             <a:extLst>
               <a:ext uri="{FF2B5EF4-FFF2-40B4-BE49-F238E27FC236}">
@@ -6417,162 +8380,33 @@
         </p:nvSpPr>
         <p:spPr>
           <a:xfrm>
-            <a:off x="663267" y="294249"/>
-            <a:ext cx="8324776" cy="783102"/>
+            <a:off x="8123722" y="1432223"/>
+            <a:ext cx="2894797" cy="3357976"/>
           </a:xfrm>
         </p:spPr>
         <p:txBody>
-          <a:bodyPr>
+          <a:bodyPr vert="horz" lIns="91440" tIns="45720" rIns="91440" bIns="45720" rtlCol="0" anchor="ctr">
             <a:normAutofit/>
           </a:bodyPr>
           <a:lstStyle/>
           <a:p>
-            <a:r>
-              <a:rPr lang="pt-BR" dirty="0"/>
+            <a:pPr>
+              <a:lnSpc>
+                <a:spcPct val="85000"/>
+              </a:lnSpc>
+            </a:pPr>
+            <a:r>
+              <a:rPr lang="en-US" sz="6100">
+                <a:blipFill dpi="0" rotWithShape="1">
+                  <a:blip r:embed="rId5">
+                    <a:extLst/>
+                  </a:blip>
+                  <a:srcRect/>
+                  <a:tile tx="6350" ty="-127000" sx="65000" sy="64000" flip="none" algn="tl"/>
+                </a:blipFill>
+              </a:rPr>
               <a:t>O que é um P.W.A?</a:t>
             </a:r>
-          </a:p>
-        </p:txBody>
-      </p:sp>
-      <p:sp>
-        <p:nvSpPr>
-          <p:cNvPr id="3" name="Espaço Reservado para Conteúdo 2">
-            <a:extLst>
-              <a:ext uri="{FF2B5EF4-FFF2-40B4-BE49-F238E27FC236}">
-                <a16:creationId xmlns:a16="http://schemas.microsoft.com/office/drawing/2014/main" id="{89E0BFDC-6745-4981-8B6A-0B22A47108C8}"/>
-              </a:ext>
-            </a:extLst>
-          </p:cNvPr>
-          <p:cNvSpPr>
-            <a:spLocks noGrp="1"/>
-          </p:cNvSpPr>
-          <p:nvPr>
-            <p:ph idx="1"/>
-          </p:nvPr>
-        </p:nvSpPr>
-        <p:spPr>
-          <a:xfrm>
-            <a:off x="663267" y="1237957"/>
-            <a:ext cx="10956647" cy="5325794"/>
-          </a:xfrm>
-        </p:spPr>
-        <p:txBody>
-          <a:bodyPr>
-            <a:normAutofit lnSpcReduction="10000"/>
-          </a:bodyPr>
-          <a:lstStyle/>
-          <a:p>
-            <a:r>
-              <a:rPr lang="pt-BR" sz="2800" dirty="0">
-                <a:latin typeface="Segoe UI" panose="020B0502040204020203" pitchFamily="34" charset="0"/>
-                <a:cs typeface="Segoe UI" panose="020B0502040204020203" pitchFamily="34" charset="0"/>
-              </a:rPr>
-              <a:t>Progressivo: para qualquer usuário, independente do browser.</a:t>
-            </a:r>
-          </a:p>
-          <a:p>
-            <a:r>
-              <a:rPr lang="pt-BR" sz="2800" dirty="0">
-                <a:latin typeface="Segoe UI" panose="020B0502040204020203" pitchFamily="34" charset="0"/>
-                <a:cs typeface="Segoe UI" panose="020B0502040204020203" pitchFamily="34" charset="0"/>
-              </a:rPr>
-              <a:t>Responsivo: feito para qualquer dispositivo: desktop, tablet e mobile.</a:t>
-            </a:r>
-          </a:p>
-          <a:p>
-            <a:r>
-              <a:rPr lang="pt-BR" sz="2800" dirty="0">
-                <a:latin typeface="Segoe UI" panose="020B0502040204020203" pitchFamily="34" charset="0"/>
-                <a:cs typeface="Segoe UI" panose="020B0502040204020203" pitchFamily="34" charset="0"/>
-              </a:rPr>
-              <a:t>Conexão: funciona mesmo se o usuário estiver offline.</a:t>
-            </a:r>
-          </a:p>
-          <a:p>
-            <a:r>
-              <a:rPr lang="pt-BR" sz="2800" dirty="0">
-                <a:latin typeface="Segoe UI" panose="020B0502040204020203" pitchFamily="34" charset="0"/>
-                <a:cs typeface="Segoe UI" panose="020B0502040204020203" pitchFamily="34" charset="0"/>
-              </a:rPr>
-              <a:t>Aparência: o usuário se sente em um aplicativo nativo.</a:t>
-            </a:r>
-          </a:p>
-          <a:p>
-            <a:r>
-              <a:rPr lang="pt-BR" sz="2800" dirty="0">
-                <a:latin typeface="Segoe UI" panose="020B0502040204020203" pitchFamily="34" charset="0"/>
-                <a:cs typeface="Segoe UI" panose="020B0502040204020203" pitchFamily="34" charset="0"/>
-              </a:rPr>
-              <a:t>Atualização: Não é necessário baixar atualizações do aplicativo, ele sempre se mantem atualizado.</a:t>
-            </a:r>
-          </a:p>
-          <a:p>
-            <a:r>
-              <a:rPr lang="pt-BR" sz="2800" dirty="0">
-                <a:latin typeface="Segoe UI" panose="020B0502040204020203" pitchFamily="34" charset="0"/>
-                <a:cs typeface="Segoe UI" panose="020B0502040204020203" pitchFamily="34" charset="0"/>
-              </a:rPr>
-              <a:t>Seguro: Somente com https.</a:t>
-            </a:r>
-          </a:p>
-          <a:p>
-            <a:r>
-              <a:rPr lang="pt-BR" sz="2800" dirty="0" err="1">
-                <a:latin typeface="Segoe UI" panose="020B0502040204020203" pitchFamily="34" charset="0"/>
-                <a:cs typeface="Segoe UI" panose="020B0502040204020203" pitchFamily="34" charset="0"/>
-              </a:rPr>
-              <a:t>Engajável</a:t>
-            </a:r>
-            <a:r>
-              <a:rPr lang="pt-BR" sz="2800" dirty="0">
-                <a:latin typeface="Segoe UI" panose="020B0502040204020203" pitchFamily="34" charset="0"/>
-                <a:cs typeface="Segoe UI" panose="020B0502040204020203" pitchFamily="34" charset="0"/>
-              </a:rPr>
-              <a:t>: Através de </a:t>
-            </a:r>
-            <a:r>
-              <a:rPr lang="pt-BR" sz="2800" dirty="0" err="1">
-                <a:latin typeface="Segoe UI" panose="020B0502040204020203" pitchFamily="34" charset="0"/>
-                <a:cs typeface="Segoe UI" panose="020B0502040204020203" pitchFamily="34" charset="0"/>
-              </a:rPr>
-              <a:t>push</a:t>
-            </a:r>
-            <a:r>
-              <a:rPr lang="pt-BR" sz="2800" dirty="0">
-                <a:latin typeface="Segoe UI" panose="020B0502040204020203" pitchFamily="34" charset="0"/>
-                <a:cs typeface="Segoe UI" panose="020B0502040204020203" pitchFamily="34" charset="0"/>
-              </a:rPr>
-              <a:t> </a:t>
-            </a:r>
-            <a:r>
-              <a:rPr lang="pt-BR" sz="2800" dirty="0" err="1">
-                <a:latin typeface="Segoe UI" panose="020B0502040204020203" pitchFamily="34" charset="0"/>
-                <a:cs typeface="Segoe UI" panose="020B0502040204020203" pitchFamily="34" charset="0"/>
-              </a:rPr>
-              <a:t>notifications</a:t>
-            </a:r>
-            <a:r>
-              <a:rPr lang="pt-BR" sz="2800" dirty="0">
-                <a:latin typeface="Segoe UI" panose="020B0502040204020203" pitchFamily="34" charset="0"/>
-                <a:cs typeface="Segoe UI" panose="020B0502040204020203" pitchFamily="34" charset="0"/>
-              </a:rPr>
-              <a:t>, o usuário pode ser constantemente engajado.</a:t>
-            </a:r>
-          </a:p>
-          <a:p>
-            <a:r>
-              <a:rPr lang="pt-BR" sz="2800" dirty="0">
-                <a:latin typeface="Segoe UI" panose="020B0502040204020203" pitchFamily="34" charset="0"/>
-                <a:cs typeface="Segoe UI" panose="020B0502040204020203" pitchFamily="34" charset="0"/>
-              </a:rPr>
-              <a:t>Instalável: é possível adicionar um ícone na tela principal do *smartphone *com apenas um clique.</a:t>
-            </a:r>
-          </a:p>
-          <a:p>
-            <a:endParaRPr lang="pt-BR" sz="2800" dirty="0">
-              <a:latin typeface="Segoe UI" panose="020B0502040204020203" pitchFamily="34" charset="0"/>
-              <a:cs typeface="Segoe UI" panose="020B0502040204020203" pitchFamily="34" charset="0"/>
-            </a:endParaRPr>
           </a:p>
         </p:txBody>
       </p:sp>
@@ -6706,7 +8540,7 @@
         </p:nvSpPr>
         <p:spPr>
           <a:xfrm>
-            <a:off x="4970109" y="2121408"/>
+            <a:off x="4970109" y="1749643"/>
             <a:ext cx="6730276" cy="4050792"/>
           </a:xfrm>
         </p:spPr>
@@ -6837,7 +8671,7 @@
         </p:blipFill>
         <p:spPr>
           <a:xfrm>
-            <a:off x="5046065" y="5641916"/>
+            <a:off x="4571681" y="5259242"/>
             <a:ext cx="1554981" cy="816365"/>
           </a:xfrm>
           <a:prstGeom prst="rect">
@@ -6873,8 +8707,8 @@
         </p:blipFill>
         <p:spPr>
           <a:xfrm>
-            <a:off x="8480809" y="5711201"/>
-            <a:ext cx="893654" cy="719888"/>
+            <a:off x="7050482" y="5351102"/>
+            <a:ext cx="899385" cy="724505"/>
           </a:xfrm>
           <a:prstGeom prst="rect">
             <a:avLst/>
@@ -6895,7 +8729,7 @@
         </p:nvSpPr>
         <p:spPr>
           <a:xfrm>
-            <a:off x="6760864" y="5853576"/>
+            <a:off x="4863371" y="6252996"/>
             <a:ext cx="1111202" cy="923330"/>
           </a:xfrm>
           <a:prstGeom prst="rect">
@@ -6959,8 +8793,8 @@
         </p:nvSpPr>
         <p:spPr>
           <a:xfrm>
-            <a:off x="9780316" y="5828222"/>
-            <a:ext cx="1338828" cy="646331"/>
+            <a:off x="6710832" y="6311471"/>
+            <a:ext cx="1326905" cy="646331"/>
           </a:xfrm>
           <a:prstGeom prst="rect">
             <a:avLst/>
@@ -6968,7 +8802,7 @@
           <a:noFill/>
         </p:spPr>
         <p:txBody>
-          <a:bodyPr wrap="none" rtlCol="0">
+          <a:bodyPr wrap="square" rtlCol="0">
             <a:spAutoFit/>
           </a:bodyPr>
           <a:lstStyle/>
@@ -7000,6 +8834,71 @@
           </a:p>
         </p:txBody>
       </p:sp>
+      <p:sp>
+        <p:nvSpPr>
+          <p:cNvPr id="4" name="Retângulo 3">
+            <a:extLst>
+              <a:ext uri="{FF2B5EF4-FFF2-40B4-BE49-F238E27FC236}">
+                <a16:creationId xmlns:a16="http://schemas.microsoft.com/office/drawing/2014/main" id="{F3D145F3-9B78-43D0-BAE2-94C48214DD57}"/>
+              </a:ext>
+            </a:extLst>
+          </p:cNvPr>
+          <p:cNvSpPr/>
+          <p:nvPr/>
+        </p:nvSpPr>
+        <p:spPr>
+          <a:xfrm>
+            <a:off x="8773996" y="6265304"/>
+            <a:ext cx="2059235" cy="369332"/>
+          </a:xfrm>
+          <a:prstGeom prst="rect">
+            <a:avLst/>
+          </a:prstGeom>
+        </p:spPr>
+        <p:txBody>
+          <a:bodyPr wrap="square">
+            <a:spAutoFit/>
+          </a:bodyPr>
+          <a:lstStyle/>
+          <a:p>
+            <a:r>
+              <a:rPr lang="pt-BR" dirty="0" err="1"/>
+              <a:t>antoniocarlosjr</a:t>
+            </a:r>
+            <a:endParaRPr lang="pt-BR" dirty="0"/>
+          </a:p>
+        </p:txBody>
+      </p:sp>
+      <p:pic>
+        <p:nvPicPr>
+          <p:cNvPr id="6" name="Imagem 5">
+            <a:extLst>
+              <a:ext uri="{FF2B5EF4-FFF2-40B4-BE49-F238E27FC236}">
+                <a16:creationId xmlns:a16="http://schemas.microsoft.com/office/drawing/2014/main" id="{9606A7C6-5666-4DCB-B259-39902DE3328E}"/>
+              </a:ext>
+            </a:extLst>
+          </p:cNvPr>
+          <p:cNvPicPr>
+            <a:picLocks noChangeAspect="1"/>
+          </p:cNvPicPr>
+          <p:nvPr/>
+        </p:nvPicPr>
+        <p:blipFill>
+          <a:blip r:embed="rId5"/>
+          <a:stretch>
+            <a:fillRect/>
+          </a:stretch>
+        </p:blipFill>
+        <p:spPr>
+          <a:xfrm>
+            <a:off x="9053556" y="5198080"/>
+            <a:ext cx="1111202" cy="938687"/>
+          </a:xfrm>
+          <a:prstGeom prst="rect">
+            <a:avLst/>
+          </a:prstGeom>
+        </p:spPr>
+      </p:pic>
     </p:spTree>
     <p:extLst>
       <p:ext uri="{BB962C8B-B14F-4D97-AF65-F5344CB8AC3E}">
@@ -7014,6 +8913,1143 @@
 </file>
 
 <file path=ppt/slides/slide20.xml><?xml version="1.0" encoding="utf-8"?>
+<p:sld xmlns:a="http://schemas.openxmlformats.org/drawingml/2006/main" xmlns:r="http://schemas.openxmlformats.org/officeDocument/2006/relationships" xmlns:p="http://schemas.openxmlformats.org/presentationml/2006/main">
+  <p:cSld>
+    <p:spTree>
+      <p:nvGrpSpPr>
+        <p:cNvPr id="1" name=""/>
+        <p:cNvGrpSpPr/>
+        <p:nvPr/>
+      </p:nvGrpSpPr>
+      <p:grpSpPr>
+        <a:xfrm>
+          <a:off x="0" y="0"/>
+          <a:ext cx="0" cy="0"/>
+          <a:chOff x="0" y="0"/>
+          <a:chExt cx="0" cy="0"/>
+        </a:xfrm>
+      </p:grpSpPr>
+      <p:sp>
+        <p:nvSpPr>
+          <p:cNvPr id="2" name="Título 1">
+            <a:extLst>
+              <a:ext uri="{FF2B5EF4-FFF2-40B4-BE49-F238E27FC236}">
+                <a16:creationId xmlns:a16="http://schemas.microsoft.com/office/drawing/2014/main" id="{7C004CA9-2C46-43BE-8B5C-8073497D8458}"/>
+              </a:ext>
+            </a:extLst>
+          </p:cNvPr>
+          <p:cNvSpPr>
+            <a:spLocks noGrp="1"/>
+          </p:cNvSpPr>
+          <p:nvPr>
+            <p:ph type="title"/>
+          </p:nvPr>
+        </p:nvSpPr>
+        <p:spPr>
+          <a:xfrm>
+            <a:off x="663267" y="294249"/>
+            <a:ext cx="8324776" cy="783102"/>
+          </a:xfrm>
+        </p:spPr>
+        <p:txBody>
+          <a:bodyPr>
+            <a:normAutofit/>
+          </a:bodyPr>
+          <a:lstStyle/>
+          <a:p>
+            <a:r>
+              <a:rPr lang="pt-BR" dirty="0">
+                <a:latin typeface="Segoe UI" panose="020B0502040204020203" pitchFamily="34" charset="0"/>
+                <a:cs typeface="Segoe UI" panose="020B0502040204020203" pitchFamily="34" charset="0"/>
+              </a:rPr>
+              <a:t>Progressivo</a:t>
+            </a:r>
+            <a:endParaRPr lang="pt-BR" dirty="0"/>
+          </a:p>
+        </p:txBody>
+      </p:sp>
+      <p:sp>
+        <p:nvSpPr>
+          <p:cNvPr id="3" name="Espaço Reservado para Conteúdo 2">
+            <a:extLst>
+              <a:ext uri="{FF2B5EF4-FFF2-40B4-BE49-F238E27FC236}">
+                <a16:creationId xmlns:a16="http://schemas.microsoft.com/office/drawing/2014/main" id="{89E0BFDC-6745-4981-8B6A-0B22A47108C8}"/>
+              </a:ext>
+            </a:extLst>
+          </p:cNvPr>
+          <p:cNvSpPr>
+            <a:spLocks noGrp="1"/>
+          </p:cNvSpPr>
+          <p:nvPr>
+            <p:ph idx="1"/>
+          </p:nvPr>
+        </p:nvSpPr>
+        <p:spPr>
+          <a:xfrm>
+            <a:off x="663267" y="1237957"/>
+            <a:ext cx="10956647" cy="5325794"/>
+          </a:xfrm>
+        </p:spPr>
+        <p:txBody>
+          <a:bodyPr>
+            <a:normAutofit/>
+          </a:bodyPr>
+          <a:lstStyle/>
+          <a:p>
+            <a:r>
+              <a:rPr lang="pt-BR" sz="3200" dirty="0">
+                <a:latin typeface="Segoe UI" panose="020B0502040204020203" pitchFamily="34" charset="0"/>
+                <a:cs typeface="Segoe UI" panose="020B0502040204020203" pitchFamily="34" charset="0"/>
+              </a:rPr>
+              <a:t>Para qualquer usuário, independente do navegador. </a:t>
+            </a:r>
+          </a:p>
+          <a:p>
+            <a:r>
+              <a:rPr lang="pt-BR" sz="3200" dirty="0">
+                <a:latin typeface="Segoe UI" panose="020B0502040204020203" pitchFamily="34" charset="0"/>
+                <a:cs typeface="Segoe UI" panose="020B0502040204020203" pitchFamily="34" charset="0"/>
+              </a:rPr>
+              <a:t>Caso um navegador não possua total suporte, é </a:t>
+            </a:r>
+            <a:r>
+              <a:rPr lang="pt-BR" sz="3200" dirty="0" err="1">
+                <a:latin typeface="Segoe UI" panose="020B0502040204020203" pitchFamily="34" charset="0"/>
+                <a:cs typeface="Segoe UI" panose="020B0502040204020203" pitchFamily="34" charset="0"/>
+              </a:rPr>
+              <a:t>é</a:t>
+            </a:r>
+            <a:r>
+              <a:rPr lang="pt-BR" sz="3200" dirty="0">
+                <a:latin typeface="Segoe UI" panose="020B0502040204020203" pitchFamily="34" charset="0"/>
+                <a:cs typeface="Segoe UI" panose="020B0502040204020203" pitchFamily="34" charset="0"/>
+              </a:rPr>
+              <a:t> aplicado </a:t>
+            </a:r>
+            <a:r>
+              <a:rPr lang="pt-BR" sz="3200" b="1" i="1" dirty="0" err="1">
+                <a:latin typeface="Segoe UI" panose="020B0502040204020203" pitchFamily="34" charset="0"/>
+                <a:cs typeface="Segoe UI" panose="020B0502040204020203" pitchFamily="34" charset="0"/>
+              </a:rPr>
+              <a:t>polyfills</a:t>
+            </a:r>
+            <a:r>
+              <a:rPr lang="pt-BR" sz="3200" b="1" i="1" dirty="0">
+                <a:latin typeface="Segoe UI" panose="020B0502040204020203" pitchFamily="34" charset="0"/>
+                <a:cs typeface="Segoe UI" panose="020B0502040204020203" pitchFamily="34" charset="0"/>
+              </a:rPr>
+              <a:t> </a:t>
+            </a:r>
+            <a:r>
+              <a:rPr lang="pt-BR" sz="3200" dirty="0">
+                <a:latin typeface="Segoe UI" panose="020B0502040204020203" pitchFamily="34" charset="0"/>
+                <a:cs typeface="Segoe UI" panose="020B0502040204020203" pitchFamily="34" charset="0"/>
+              </a:rPr>
+              <a:t>fornecendo as funcionalidades necessárias.</a:t>
+            </a:r>
+            <a:endParaRPr lang="pt-BR" sz="3200" b="1" i="1" dirty="0">
+              <a:latin typeface="Segoe UI" panose="020B0502040204020203" pitchFamily="34" charset="0"/>
+              <a:cs typeface="Segoe UI" panose="020B0502040204020203" pitchFamily="34" charset="0"/>
+            </a:endParaRPr>
+          </a:p>
+        </p:txBody>
+      </p:sp>
+    </p:spTree>
+    <p:extLst>
+      <p:ext uri="{BB962C8B-B14F-4D97-AF65-F5344CB8AC3E}">
+        <p14:creationId xmlns:p14="http://schemas.microsoft.com/office/powerpoint/2010/main" val="802950325"/>
+      </p:ext>
+    </p:extLst>
+  </p:cSld>
+  <p:clrMapOvr>
+    <a:masterClrMapping/>
+  </p:clrMapOvr>
+</p:sld>
+</file>
+
+<file path=ppt/slides/slide21.xml><?xml version="1.0" encoding="utf-8"?>
+<p:sld xmlns:a="http://schemas.openxmlformats.org/drawingml/2006/main" xmlns:r="http://schemas.openxmlformats.org/officeDocument/2006/relationships" xmlns:p="http://schemas.openxmlformats.org/presentationml/2006/main">
+  <p:cSld>
+    <p:spTree>
+      <p:nvGrpSpPr>
+        <p:cNvPr id="1" name=""/>
+        <p:cNvGrpSpPr/>
+        <p:nvPr/>
+      </p:nvGrpSpPr>
+      <p:grpSpPr>
+        <a:xfrm>
+          <a:off x="0" y="0"/>
+          <a:ext cx="0" cy="0"/>
+          <a:chOff x="0" y="0"/>
+          <a:chExt cx="0" cy="0"/>
+        </a:xfrm>
+      </p:grpSpPr>
+      <p:sp>
+        <p:nvSpPr>
+          <p:cNvPr id="2" name="Título 1">
+            <a:extLst>
+              <a:ext uri="{FF2B5EF4-FFF2-40B4-BE49-F238E27FC236}">
+                <a16:creationId xmlns:a16="http://schemas.microsoft.com/office/drawing/2014/main" id="{7C004CA9-2C46-43BE-8B5C-8073497D8458}"/>
+              </a:ext>
+            </a:extLst>
+          </p:cNvPr>
+          <p:cNvSpPr>
+            <a:spLocks noGrp="1"/>
+          </p:cNvSpPr>
+          <p:nvPr>
+            <p:ph type="title"/>
+          </p:nvPr>
+        </p:nvSpPr>
+        <p:spPr>
+          <a:xfrm>
+            <a:off x="663267" y="294249"/>
+            <a:ext cx="8324776" cy="783102"/>
+          </a:xfrm>
+        </p:spPr>
+        <p:txBody>
+          <a:bodyPr>
+            <a:normAutofit/>
+          </a:bodyPr>
+          <a:lstStyle/>
+          <a:p>
+            <a:r>
+              <a:rPr lang="pt-BR" dirty="0">
+                <a:latin typeface="Segoe UI" panose="020B0502040204020203" pitchFamily="34" charset="0"/>
+                <a:cs typeface="Segoe UI" panose="020B0502040204020203" pitchFamily="34" charset="0"/>
+              </a:rPr>
+              <a:t>Responsivo</a:t>
+            </a:r>
+            <a:endParaRPr lang="pt-BR" dirty="0"/>
+          </a:p>
+        </p:txBody>
+      </p:sp>
+      <p:sp>
+        <p:nvSpPr>
+          <p:cNvPr id="3" name="Espaço Reservado para Conteúdo 2">
+            <a:extLst>
+              <a:ext uri="{FF2B5EF4-FFF2-40B4-BE49-F238E27FC236}">
+                <a16:creationId xmlns:a16="http://schemas.microsoft.com/office/drawing/2014/main" id="{89E0BFDC-6745-4981-8B6A-0B22A47108C8}"/>
+              </a:ext>
+            </a:extLst>
+          </p:cNvPr>
+          <p:cNvSpPr>
+            <a:spLocks noGrp="1"/>
+          </p:cNvSpPr>
+          <p:nvPr>
+            <p:ph idx="1"/>
+          </p:nvPr>
+        </p:nvSpPr>
+        <p:spPr>
+          <a:xfrm>
+            <a:off x="663267" y="1237957"/>
+            <a:ext cx="10956647" cy="5325794"/>
+          </a:xfrm>
+        </p:spPr>
+        <p:txBody>
+          <a:bodyPr>
+            <a:normAutofit/>
+          </a:bodyPr>
+          <a:lstStyle/>
+          <a:p>
+            <a:r>
+              <a:rPr lang="pt-BR" sz="3200" dirty="0">
+                <a:latin typeface="Segoe UI" panose="020B0502040204020203" pitchFamily="34" charset="0"/>
+                <a:cs typeface="Segoe UI" panose="020B0502040204020203" pitchFamily="34" charset="0"/>
+              </a:rPr>
+              <a:t>Feito para qualquer dispositivo: desktop, tablet e mobile.</a:t>
+            </a:r>
+          </a:p>
+        </p:txBody>
+      </p:sp>
+    </p:spTree>
+    <p:extLst>
+      <p:ext uri="{BB962C8B-B14F-4D97-AF65-F5344CB8AC3E}">
+        <p14:creationId xmlns:p14="http://schemas.microsoft.com/office/powerpoint/2010/main" val="1120175962"/>
+      </p:ext>
+    </p:extLst>
+  </p:cSld>
+  <p:clrMapOvr>
+    <a:masterClrMapping/>
+  </p:clrMapOvr>
+</p:sld>
+</file>
+
+<file path=ppt/slides/slide22.xml><?xml version="1.0" encoding="utf-8"?>
+<p:sld xmlns:a="http://schemas.openxmlformats.org/drawingml/2006/main" xmlns:r="http://schemas.openxmlformats.org/officeDocument/2006/relationships" xmlns:p="http://schemas.openxmlformats.org/presentationml/2006/main">
+  <p:cSld>
+    <p:spTree>
+      <p:nvGrpSpPr>
+        <p:cNvPr id="1" name=""/>
+        <p:cNvGrpSpPr/>
+        <p:nvPr/>
+      </p:nvGrpSpPr>
+      <p:grpSpPr>
+        <a:xfrm>
+          <a:off x="0" y="0"/>
+          <a:ext cx="0" cy="0"/>
+          <a:chOff x="0" y="0"/>
+          <a:chExt cx="0" cy="0"/>
+        </a:xfrm>
+      </p:grpSpPr>
+      <p:sp>
+        <p:nvSpPr>
+          <p:cNvPr id="2" name="Título 1">
+            <a:extLst>
+              <a:ext uri="{FF2B5EF4-FFF2-40B4-BE49-F238E27FC236}">
+                <a16:creationId xmlns:a16="http://schemas.microsoft.com/office/drawing/2014/main" id="{7C004CA9-2C46-43BE-8B5C-8073497D8458}"/>
+              </a:ext>
+            </a:extLst>
+          </p:cNvPr>
+          <p:cNvSpPr>
+            <a:spLocks noGrp="1"/>
+          </p:cNvSpPr>
+          <p:nvPr>
+            <p:ph type="title"/>
+          </p:nvPr>
+        </p:nvSpPr>
+        <p:spPr>
+          <a:xfrm>
+            <a:off x="663267" y="294249"/>
+            <a:ext cx="8324776" cy="783102"/>
+          </a:xfrm>
+        </p:spPr>
+        <p:txBody>
+          <a:bodyPr>
+            <a:normAutofit/>
+          </a:bodyPr>
+          <a:lstStyle/>
+          <a:p>
+            <a:r>
+              <a:rPr lang="pt-BR" dirty="0">
+                <a:latin typeface="Segoe UI" panose="020B0502040204020203" pitchFamily="34" charset="0"/>
+                <a:cs typeface="Segoe UI" panose="020B0502040204020203" pitchFamily="34" charset="0"/>
+              </a:rPr>
+              <a:t>Conexão</a:t>
+            </a:r>
+            <a:endParaRPr lang="pt-BR" dirty="0"/>
+          </a:p>
+        </p:txBody>
+      </p:sp>
+      <p:sp>
+        <p:nvSpPr>
+          <p:cNvPr id="3" name="Espaço Reservado para Conteúdo 2">
+            <a:extLst>
+              <a:ext uri="{FF2B5EF4-FFF2-40B4-BE49-F238E27FC236}">
+                <a16:creationId xmlns:a16="http://schemas.microsoft.com/office/drawing/2014/main" id="{89E0BFDC-6745-4981-8B6A-0B22A47108C8}"/>
+              </a:ext>
+            </a:extLst>
+          </p:cNvPr>
+          <p:cNvSpPr>
+            <a:spLocks noGrp="1"/>
+          </p:cNvSpPr>
+          <p:nvPr>
+            <p:ph idx="1"/>
+          </p:nvPr>
+        </p:nvSpPr>
+        <p:spPr>
+          <a:xfrm>
+            <a:off x="663267" y="1237957"/>
+            <a:ext cx="10956647" cy="5325794"/>
+          </a:xfrm>
+        </p:spPr>
+        <p:txBody>
+          <a:bodyPr>
+            <a:normAutofit/>
+          </a:bodyPr>
+          <a:lstStyle/>
+          <a:p>
+            <a:r>
+              <a:rPr lang="pt-BR" sz="3200" dirty="0">
+                <a:latin typeface="Segoe UI" panose="020B0502040204020203" pitchFamily="34" charset="0"/>
+                <a:cs typeface="Segoe UI" panose="020B0502040204020203" pitchFamily="34" charset="0"/>
+              </a:rPr>
+              <a:t>Funciona mesmo se o usuário estiver offline.</a:t>
+            </a:r>
+          </a:p>
+          <a:p>
+            <a:endParaRPr lang="pt-BR" sz="3200" dirty="0">
+              <a:latin typeface="Segoe UI" panose="020B0502040204020203" pitchFamily="34" charset="0"/>
+              <a:cs typeface="Segoe UI" panose="020B0502040204020203" pitchFamily="34" charset="0"/>
+            </a:endParaRPr>
+          </a:p>
+        </p:txBody>
+      </p:sp>
+    </p:spTree>
+    <p:extLst>
+      <p:ext uri="{BB962C8B-B14F-4D97-AF65-F5344CB8AC3E}">
+        <p14:creationId xmlns:p14="http://schemas.microsoft.com/office/powerpoint/2010/main" val="3682943526"/>
+      </p:ext>
+    </p:extLst>
+  </p:cSld>
+  <p:clrMapOvr>
+    <a:masterClrMapping/>
+  </p:clrMapOvr>
+</p:sld>
+</file>
+
+<file path=ppt/slides/slide23.xml><?xml version="1.0" encoding="utf-8"?>
+<p:sld xmlns:a="http://schemas.openxmlformats.org/drawingml/2006/main" xmlns:r="http://schemas.openxmlformats.org/officeDocument/2006/relationships" xmlns:p="http://schemas.openxmlformats.org/presentationml/2006/main">
+  <p:cSld>
+    <p:spTree>
+      <p:nvGrpSpPr>
+        <p:cNvPr id="1" name=""/>
+        <p:cNvGrpSpPr/>
+        <p:nvPr/>
+      </p:nvGrpSpPr>
+      <p:grpSpPr>
+        <a:xfrm>
+          <a:off x="0" y="0"/>
+          <a:ext cx="0" cy="0"/>
+          <a:chOff x="0" y="0"/>
+          <a:chExt cx="0" cy="0"/>
+        </a:xfrm>
+      </p:grpSpPr>
+      <p:sp>
+        <p:nvSpPr>
+          <p:cNvPr id="2" name="Título 1">
+            <a:extLst>
+              <a:ext uri="{FF2B5EF4-FFF2-40B4-BE49-F238E27FC236}">
+                <a16:creationId xmlns:a16="http://schemas.microsoft.com/office/drawing/2014/main" id="{7C004CA9-2C46-43BE-8B5C-8073497D8458}"/>
+              </a:ext>
+            </a:extLst>
+          </p:cNvPr>
+          <p:cNvSpPr>
+            <a:spLocks noGrp="1"/>
+          </p:cNvSpPr>
+          <p:nvPr>
+            <p:ph type="title"/>
+          </p:nvPr>
+        </p:nvSpPr>
+        <p:spPr>
+          <a:xfrm>
+            <a:off x="663267" y="294249"/>
+            <a:ext cx="8324776" cy="783102"/>
+          </a:xfrm>
+        </p:spPr>
+        <p:txBody>
+          <a:bodyPr>
+            <a:normAutofit/>
+          </a:bodyPr>
+          <a:lstStyle/>
+          <a:p>
+            <a:r>
+              <a:rPr lang="pt-BR" dirty="0">
+                <a:latin typeface="Segoe UI" panose="020B0502040204020203" pitchFamily="34" charset="0"/>
+                <a:cs typeface="Segoe UI" panose="020B0502040204020203" pitchFamily="34" charset="0"/>
+              </a:rPr>
+              <a:t>Aparência</a:t>
+            </a:r>
+            <a:endParaRPr lang="pt-BR" dirty="0"/>
+          </a:p>
+        </p:txBody>
+      </p:sp>
+      <p:sp>
+        <p:nvSpPr>
+          <p:cNvPr id="3" name="Espaço Reservado para Conteúdo 2">
+            <a:extLst>
+              <a:ext uri="{FF2B5EF4-FFF2-40B4-BE49-F238E27FC236}">
+                <a16:creationId xmlns:a16="http://schemas.microsoft.com/office/drawing/2014/main" id="{89E0BFDC-6745-4981-8B6A-0B22A47108C8}"/>
+              </a:ext>
+            </a:extLst>
+          </p:cNvPr>
+          <p:cNvSpPr>
+            <a:spLocks noGrp="1"/>
+          </p:cNvSpPr>
+          <p:nvPr>
+            <p:ph idx="1"/>
+          </p:nvPr>
+        </p:nvSpPr>
+        <p:spPr>
+          <a:xfrm>
+            <a:off x="663267" y="1237957"/>
+            <a:ext cx="10956647" cy="5325794"/>
+          </a:xfrm>
+        </p:spPr>
+        <p:txBody>
+          <a:bodyPr>
+            <a:normAutofit/>
+          </a:bodyPr>
+          <a:lstStyle/>
+          <a:p>
+            <a:r>
+              <a:rPr lang="pt-BR" sz="3200" dirty="0">
+                <a:latin typeface="Segoe UI" panose="020B0502040204020203" pitchFamily="34" charset="0"/>
+                <a:cs typeface="Segoe UI" panose="020B0502040204020203" pitchFamily="34" charset="0"/>
+              </a:rPr>
+              <a:t>O usuário se sente em um aplicativo nativo.</a:t>
+            </a:r>
+          </a:p>
+          <a:p>
+            <a:endParaRPr lang="pt-BR" sz="3200" dirty="0">
+              <a:latin typeface="Segoe UI" panose="020B0502040204020203" pitchFamily="34" charset="0"/>
+              <a:cs typeface="Segoe UI" panose="020B0502040204020203" pitchFamily="34" charset="0"/>
+            </a:endParaRPr>
+          </a:p>
+        </p:txBody>
+      </p:sp>
+    </p:spTree>
+    <p:extLst>
+      <p:ext uri="{BB962C8B-B14F-4D97-AF65-F5344CB8AC3E}">
+        <p14:creationId xmlns:p14="http://schemas.microsoft.com/office/powerpoint/2010/main" val="3163280456"/>
+      </p:ext>
+    </p:extLst>
+  </p:cSld>
+  <p:clrMapOvr>
+    <a:masterClrMapping/>
+  </p:clrMapOvr>
+</p:sld>
+</file>
+
+<file path=ppt/slides/slide24.xml><?xml version="1.0" encoding="utf-8"?>
+<p:sld xmlns:a="http://schemas.openxmlformats.org/drawingml/2006/main" xmlns:r="http://schemas.openxmlformats.org/officeDocument/2006/relationships" xmlns:p="http://schemas.openxmlformats.org/presentationml/2006/main">
+  <p:cSld>
+    <p:spTree>
+      <p:nvGrpSpPr>
+        <p:cNvPr id="1" name=""/>
+        <p:cNvGrpSpPr/>
+        <p:nvPr/>
+      </p:nvGrpSpPr>
+      <p:grpSpPr>
+        <a:xfrm>
+          <a:off x="0" y="0"/>
+          <a:ext cx="0" cy="0"/>
+          <a:chOff x="0" y="0"/>
+          <a:chExt cx="0" cy="0"/>
+        </a:xfrm>
+      </p:grpSpPr>
+      <p:sp>
+        <p:nvSpPr>
+          <p:cNvPr id="2" name="Título 1">
+            <a:extLst>
+              <a:ext uri="{FF2B5EF4-FFF2-40B4-BE49-F238E27FC236}">
+                <a16:creationId xmlns:a16="http://schemas.microsoft.com/office/drawing/2014/main" id="{7C004CA9-2C46-43BE-8B5C-8073497D8458}"/>
+              </a:ext>
+            </a:extLst>
+          </p:cNvPr>
+          <p:cNvSpPr>
+            <a:spLocks noGrp="1"/>
+          </p:cNvSpPr>
+          <p:nvPr>
+            <p:ph type="title"/>
+          </p:nvPr>
+        </p:nvSpPr>
+        <p:spPr>
+          <a:xfrm>
+            <a:off x="663267" y="294249"/>
+            <a:ext cx="8324776" cy="783102"/>
+          </a:xfrm>
+        </p:spPr>
+        <p:txBody>
+          <a:bodyPr>
+            <a:normAutofit/>
+          </a:bodyPr>
+          <a:lstStyle/>
+          <a:p>
+            <a:r>
+              <a:rPr lang="pt-BR" dirty="0">
+                <a:latin typeface="Segoe UI" panose="020B0502040204020203" pitchFamily="34" charset="0"/>
+                <a:cs typeface="Segoe UI" panose="020B0502040204020203" pitchFamily="34" charset="0"/>
+              </a:rPr>
+              <a:t>Atualização</a:t>
+            </a:r>
+            <a:endParaRPr lang="pt-BR" dirty="0"/>
+          </a:p>
+        </p:txBody>
+      </p:sp>
+      <p:sp>
+        <p:nvSpPr>
+          <p:cNvPr id="3" name="Espaço Reservado para Conteúdo 2">
+            <a:extLst>
+              <a:ext uri="{FF2B5EF4-FFF2-40B4-BE49-F238E27FC236}">
+                <a16:creationId xmlns:a16="http://schemas.microsoft.com/office/drawing/2014/main" id="{89E0BFDC-6745-4981-8B6A-0B22A47108C8}"/>
+              </a:ext>
+            </a:extLst>
+          </p:cNvPr>
+          <p:cNvSpPr>
+            <a:spLocks noGrp="1"/>
+          </p:cNvSpPr>
+          <p:nvPr>
+            <p:ph idx="1"/>
+          </p:nvPr>
+        </p:nvSpPr>
+        <p:spPr>
+          <a:xfrm>
+            <a:off x="663267" y="1237957"/>
+            <a:ext cx="10956647" cy="5325794"/>
+          </a:xfrm>
+        </p:spPr>
+        <p:txBody>
+          <a:bodyPr>
+            <a:normAutofit/>
+          </a:bodyPr>
+          <a:lstStyle/>
+          <a:p>
+            <a:r>
+              <a:rPr lang="pt-BR" sz="3200" dirty="0">
+                <a:latin typeface="Segoe UI" panose="020B0502040204020203" pitchFamily="34" charset="0"/>
+                <a:cs typeface="Segoe UI" panose="020B0502040204020203" pitchFamily="34" charset="0"/>
+              </a:rPr>
+              <a:t>Não é necessário baixar atualizações do aplicativo, ele sempre se mantem atualizado.</a:t>
+            </a:r>
+          </a:p>
+          <a:p>
+            <a:endParaRPr lang="pt-BR" sz="3200" dirty="0">
+              <a:latin typeface="Segoe UI" panose="020B0502040204020203" pitchFamily="34" charset="0"/>
+              <a:cs typeface="Segoe UI" panose="020B0502040204020203" pitchFamily="34" charset="0"/>
+            </a:endParaRPr>
+          </a:p>
+        </p:txBody>
+      </p:sp>
+    </p:spTree>
+    <p:extLst>
+      <p:ext uri="{BB962C8B-B14F-4D97-AF65-F5344CB8AC3E}">
+        <p14:creationId xmlns:p14="http://schemas.microsoft.com/office/powerpoint/2010/main" val="3059743101"/>
+      </p:ext>
+    </p:extLst>
+  </p:cSld>
+  <p:clrMapOvr>
+    <a:masterClrMapping/>
+  </p:clrMapOvr>
+</p:sld>
+</file>
+
+<file path=ppt/slides/slide25.xml><?xml version="1.0" encoding="utf-8"?>
+<p:sld xmlns:a="http://schemas.openxmlformats.org/drawingml/2006/main" xmlns:r="http://schemas.openxmlformats.org/officeDocument/2006/relationships" xmlns:p="http://schemas.openxmlformats.org/presentationml/2006/main">
+  <p:cSld>
+    <p:spTree>
+      <p:nvGrpSpPr>
+        <p:cNvPr id="1" name=""/>
+        <p:cNvGrpSpPr/>
+        <p:nvPr/>
+      </p:nvGrpSpPr>
+      <p:grpSpPr>
+        <a:xfrm>
+          <a:off x="0" y="0"/>
+          <a:ext cx="0" cy="0"/>
+          <a:chOff x="0" y="0"/>
+          <a:chExt cx="0" cy="0"/>
+        </a:xfrm>
+      </p:grpSpPr>
+      <p:sp>
+        <p:nvSpPr>
+          <p:cNvPr id="2" name="Título 1">
+            <a:extLst>
+              <a:ext uri="{FF2B5EF4-FFF2-40B4-BE49-F238E27FC236}">
+                <a16:creationId xmlns:a16="http://schemas.microsoft.com/office/drawing/2014/main" id="{7C004CA9-2C46-43BE-8B5C-8073497D8458}"/>
+              </a:ext>
+            </a:extLst>
+          </p:cNvPr>
+          <p:cNvSpPr>
+            <a:spLocks noGrp="1"/>
+          </p:cNvSpPr>
+          <p:nvPr>
+            <p:ph type="title"/>
+          </p:nvPr>
+        </p:nvSpPr>
+        <p:spPr>
+          <a:xfrm>
+            <a:off x="663267" y="294249"/>
+            <a:ext cx="8324776" cy="783102"/>
+          </a:xfrm>
+        </p:spPr>
+        <p:txBody>
+          <a:bodyPr>
+            <a:normAutofit/>
+          </a:bodyPr>
+          <a:lstStyle/>
+          <a:p>
+            <a:r>
+              <a:rPr lang="pt-BR" dirty="0">
+                <a:latin typeface="Segoe UI" panose="020B0502040204020203" pitchFamily="34" charset="0"/>
+                <a:cs typeface="Segoe UI" panose="020B0502040204020203" pitchFamily="34" charset="0"/>
+              </a:rPr>
+              <a:t>Seguro</a:t>
+            </a:r>
+            <a:endParaRPr lang="pt-BR" dirty="0"/>
+          </a:p>
+        </p:txBody>
+      </p:sp>
+      <p:sp>
+        <p:nvSpPr>
+          <p:cNvPr id="3" name="Espaço Reservado para Conteúdo 2">
+            <a:extLst>
+              <a:ext uri="{FF2B5EF4-FFF2-40B4-BE49-F238E27FC236}">
+                <a16:creationId xmlns:a16="http://schemas.microsoft.com/office/drawing/2014/main" id="{89E0BFDC-6745-4981-8B6A-0B22A47108C8}"/>
+              </a:ext>
+            </a:extLst>
+          </p:cNvPr>
+          <p:cNvSpPr>
+            <a:spLocks noGrp="1"/>
+          </p:cNvSpPr>
+          <p:nvPr>
+            <p:ph idx="1"/>
+          </p:nvPr>
+        </p:nvSpPr>
+        <p:spPr>
+          <a:xfrm>
+            <a:off x="663267" y="1237957"/>
+            <a:ext cx="10956647" cy="5325794"/>
+          </a:xfrm>
+        </p:spPr>
+        <p:txBody>
+          <a:bodyPr>
+            <a:normAutofit/>
+          </a:bodyPr>
+          <a:lstStyle/>
+          <a:p>
+            <a:r>
+              <a:rPr lang="pt-BR" sz="3200" dirty="0">
+                <a:latin typeface="Segoe UI" panose="020B0502040204020203" pitchFamily="34" charset="0"/>
+                <a:cs typeface="Segoe UI" panose="020B0502040204020203" pitchFamily="34" charset="0"/>
+              </a:rPr>
+              <a:t>Somente com https.</a:t>
+            </a:r>
+          </a:p>
+          <a:p>
+            <a:endParaRPr lang="pt-BR" sz="3200" dirty="0">
+              <a:latin typeface="Segoe UI" panose="020B0502040204020203" pitchFamily="34" charset="0"/>
+              <a:cs typeface="Segoe UI" panose="020B0502040204020203" pitchFamily="34" charset="0"/>
+            </a:endParaRPr>
+          </a:p>
+        </p:txBody>
+      </p:sp>
+    </p:spTree>
+    <p:extLst>
+      <p:ext uri="{BB962C8B-B14F-4D97-AF65-F5344CB8AC3E}">
+        <p14:creationId xmlns:p14="http://schemas.microsoft.com/office/powerpoint/2010/main" val="2691089504"/>
+      </p:ext>
+    </p:extLst>
+  </p:cSld>
+  <p:clrMapOvr>
+    <a:masterClrMapping/>
+  </p:clrMapOvr>
+</p:sld>
+</file>
+
+<file path=ppt/slides/slide26.xml><?xml version="1.0" encoding="utf-8"?>
+<p:sld xmlns:a="http://schemas.openxmlformats.org/drawingml/2006/main" xmlns:r="http://schemas.openxmlformats.org/officeDocument/2006/relationships" xmlns:p="http://schemas.openxmlformats.org/presentationml/2006/main">
+  <p:cSld>
+    <p:spTree>
+      <p:nvGrpSpPr>
+        <p:cNvPr id="1" name=""/>
+        <p:cNvGrpSpPr/>
+        <p:nvPr/>
+      </p:nvGrpSpPr>
+      <p:grpSpPr>
+        <a:xfrm>
+          <a:off x="0" y="0"/>
+          <a:ext cx="0" cy="0"/>
+          <a:chOff x="0" y="0"/>
+          <a:chExt cx="0" cy="0"/>
+        </a:xfrm>
+      </p:grpSpPr>
+      <p:sp>
+        <p:nvSpPr>
+          <p:cNvPr id="2" name="Título 1">
+            <a:extLst>
+              <a:ext uri="{FF2B5EF4-FFF2-40B4-BE49-F238E27FC236}">
+                <a16:creationId xmlns:a16="http://schemas.microsoft.com/office/drawing/2014/main" id="{7C004CA9-2C46-43BE-8B5C-8073497D8458}"/>
+              </a:ext>
+            </a:extLst>
+          </p:cNvPr>
+          <p:cNvSpPr>
+            <a:spLocks noGrp="1"/>
+          </p:cNvSpPr>
+          <p:nvPr>
+            <p:ph type="title"/>
+          </p:nvPr>
+        </p:nvSpPr>
+        <p:spPr>
+          <a:xfrm>
+            <a:off x="663267" y="294249"/>
+            <a:ext cx="8324776" cy="783102"/>
+          </a:xfrm>
+        </p:spPr>
+        <p:txBody>
+          <a:bodyPr>
+            <a:normAutofit/>
+          </a:bodyPr>
+          <a:lstStyle/>
+          <a:p>
+            <a:r>
+              <a:rPr lang="pt-BR" dirty="0" err="1"/>
+              <a:t>Linkável</a:t>
+            </a:r>
+            <a:endParaRPr lang="pt-BR" dirty="0"/>
+          </a:p>
+        </p:txBody>
+      </p:sp>
+      <p:sp>
+        <p:nvSpPr>
+          <p:cNvPr id="3" name="Espaço Reservado para Conteúdo 2">
+            <a:extLst>
+              <a:ext uri="{FF2B5EF4-FFF2-40B4-BE49-F238E27FC236}">
+                <a16:creationId xmlns:a16="http://schemas.microsoft.com/office/drawing/2014/main" id="{89E0BFDC-6745-4981-8B6A-0B22A47108C8}"/>
+              </a:ext>
+            </a:extLst>
+          </p:cNvPr>
+          <p:cNvSpPr>
+            <a:spLocks noGrp="1"/>
+          </p:cNvSpPr>
+          <p:nvPr>
+            <p:ph idx="1"/>
+          </p:nvPr>
+        </p:nvSpPr>
+        <p:spPr>
+          <a:xfrm>
+            <a:off x="663267" y="1237957"/>
+            <a:ext cx="10956647" cy="5325794"/>
+          </a:xfrm>
+        </p:spPr>
+        <p:txBody>
+          <a:bodyPr>
+            <a:normAutofit/>
+          </a:bodyPr>
+          <a:lstStyle/>
+          <a:p>
+            <a:r>
+              <a:rPr lang="pt-BR" sz="3200" dirty="0">
+                <a:latin typeface="Segoe UI" panose="020B0502040204020203" pitchFamily="34" charset="0"/>
+                <a:cs typeface="Segoe UI" panose="020B0502040204020203" pitchFamily="34" charset="0"/>
+              </a:rPr>
+              <a:t>É possível adicionar um ícone na tela principal do *smartphone *com apenas um clique.</a:t>
+            </a:r>
+          </a:p>
+          <a:p>
+            <a:r>
+              <a:rPr lang="pt-BR" sz="3200" dirty="0">
+                <a:latin typeface="Segoe UI" panose="020B0502040204020203" pitchFamily="34" charset="0"/>
+                <a:cs typeface="Segoe UI" panose="020B0502040204020203" pitchFamily="34" charset="0"/>
+              </a:rPr>
+              <a:t>Compartilhe facilmente por URL, não requer instalação complexa.</a:t>
+            </a:r>
+          </a:p>
+        </p:txBody>
+      </p:sp>
+    </p:spTree>
+    <p:extLst>
+      <p:ext uri="{BB962C8B-B14F-4D97-AF65-F5344CB8AC3E}">
+        <p14:creationId xmlns:p14="http://schemas.microsoft.com/office/powerpoint/2010/main" val="2234604971"/>
+      </p:ext>
+    </p:extLst>
+  </p:cSld>
+  <p:clrMapOvr>
+    <a:masterClrMapping/>
+  </p:clrMapOvr>
+</p:sld>
+</file>
+
+<file path=ppt/slides/slide27.xml><?xml version="1.0" encoding="utf-8"?>
+<p:sld xmlns:a="http://schemas.openxmlformats.org/drawingml/2006/main" xmlns:r="http://schemas.openxmlformats.org/officeDocument/2006/relationships" xmlns:p="http://schemas.openxmlformats.org/presentationml/2006/main">
+  <p:cSld>
+    <p:spTree>
+      <p:nvGrpSpPr>
+        <p:cNvPr id="1" name=""/>
+        <p:cNvGrpSpPr/>
+        <p:nvPr/>
+      </p:nvGrpSpPr>
+      <p:grpSpPr>
+        <a:xfrm>
+          <a:off x="0" y="0"/>
+          <a:ext cx="0" cy="0"/>
+          <a:chOff x="0" y="0"/>
+          <a:chExt cx="0" cy="0"/>
+        </a:xfrm>
+      </p:grpSpPr>
+      <p:sp>
+        <p:nvSpPr>
+          <p:cNvPr id="2" name="Título 1">
+            <a:extLst>
+              <a:ext uri="{FF2B5EF4-FFF2-40B4-BE49-F238E27FC236}">
+                <a16:creationId xmlns:a16="http://schemas.microsoft.com/office/drawing/2014/main" id="{7C004CA9-2C46-43BE-8B5C-8073497D8458}"/>
+              </a:ext>
+            </a:extLst>
+          </p:cNvPr>
+          <p:cNvSpPr>
+            <a:spLocks noGrp="1"/>
+          </p:cNvSpPr>
+          <p:nvPr>
+            <p:ph type="title"/>
+          </p:nvPr>
+        </p:nvSpPr>
+        <p:spPr>
+          <a:xfrm>
+            <a:off x="663267" y="294249"/>
+            <a:ext cx="8324776" cy="783102"/>
+          </a:xfrm>
+        </p:spPr>
+        <p:txBody>
+          <a:bodyPr>
+            <a:normAutofit/>
+          </a:bodyPr>
+          <a:lstStyle/>
+          <a:p>
+            <a:r>
+              <a:rPr lang="pt-BR" dirty="0" err="1">
+                <a:latin typeface="Segoe UI" panose="020B0502040204020203" pitchFamily="34" charset="0"/>
+                <a:cs typeface="Segoe UI" panose="020B0502040204020203" pitchFamily="34" charset="0"/>
+              </a:rPr>
+              <a:t>Engajável</a:t>
+            </a:r>
+            <a:endParaRPr lang="pt-BR" dirty="0"/>
+          </a:p>
+        </p:txBody>
+      </p:sp>
+      <p:sp>
+        <p:nvSpPr>
+          <p:cNvPr id="3" name="Espaço Reservado para Conteúdo 2">
+            <a:extLst>
+              <a:ext uri="{FF2B5EF4-FFF2-40B4-BE49-F238E27FC236}">
+                <a16:creationId xmlns:a16="http://schemas.microsoft.com/office/drawing/2014/main" id="{89E0BFDC-6745-4981-8B6A-0B22A47108C8}"/>
+              </a:ext>
+            </a:extLst>
+          </p:cNvPr>
+          <p:cNvSpPr>
+            <a:spLocks noGrp="1"/>
+          </p:cNvSpPr>
+          <p:nvPr>
+            <p:ph idx="1"/>
+          </p:nvPr>
+        </p:nvSpPr>
+        <p:spPr>
+          <a:xfrm>
+            <a:off x="663267" y="1237957"/>
+            <a:ext cx="10956647" cy="5325794"/>
+          </a:xfrm>
+        </p:spPr>
+        <p:txBody>
+          <a:bodyPr>
+            <a:normAutofit/>
+          </a:bodyPr>
+          <a:lstStyle/>
+          <a:p>
+            <a:r>
+              <a:rPr lang="pt-BR" sz="3200" dirty="0">
+                <a:latin typeface="Segoe UI" panose="020B0502040204020203" pitchFamily="34" charset="0"/>
+                <a:cs typeface="Segoe UI" panose="020B0502040204020203" pitchFamily="34" charset="0"/>
+              </a:rPr>
+              <a:t>Através de </a:t>
+            </a:r>
+            <a:r>
+              <a:rPr lang="pt-BR" sz="3200" dirty="0" err="1">
+                <a:latin typeface="Segoe UI" panose="020B0502040204020203" pitchFamily="34" charset="0"/>
+                <a:cs typeface="Segoe UI" panose="020B0502040204020203" pitchFamily="34" charset="0"/>
+              </a:rPr>
+              <a:t>push</a:t>
+            </a:r>
+            <a:r>
+              <a:rPr lang="pt-BR" sz="3200" dirty="0">
+                <a:latin typeface="Segoe UI" panose="020B0502040204020203" pitchFamily="34" charset="0"/>
+                <a:cs typeface="Segoe UI" panose="020B0502040204020203" pitchFamily="34" charset="0"/>
+              </a:rPr>
+              <a:t> </a:t>
+            </a:r>
+            <a:r>
+              <a:rPr lang="pt-BR" sz="3200" dirty="0" err="1">
+                <a:latin typeface="Segoe UI" panose="020B0502040204020203" pitchFamily="34" charset="0"/>
+                <a:cs typeface="Segoe UI" panose="020B0502040204020203" pitchFamily="34" charset="0"/>
+              </a:rPr>
+              <a:t>notifications</a:t>
+            </a:r>
+            <a:r>
+              <a:rPr lang="pt-BR" sz="3200" dirty="0">
+                <a:latin typeface="Segoe UI" panose="020B0502040204020203" pitchFamily="34" charset="0"/>
+                <a:cs typeface="Segoe UI" panose="020B0502040204020203" pitchFamily="34" charset="0"/>
+              </a:rPr>
+              <a:t>, o usuário pode ser constantemente engajado.</a:t>
+            </a:r>
+          </a:p>
+          <a:p>
+            <a:endParaRPr lang="pt-BR" sz="3200" dirty="0">
+              <a:latin typeface="Segoe UI" panose="020B0502040204020203" pitchFamily="34" charset="0"/>
+              <a:cs typeface="Segoe UI" panose="020B0502040204020203" pitchFamily="34" charset="0"/>
+            </a:endParaRPr>
+          </a:p>
+        </p:txBody>
+      </p:sp>
+    </p:spTree>
+    <p:extLst>
+      <p:ext uri="{BB962C8B-B14F-4D97-AF65-F5344CB8AC3E}">
+        <p14:creationId xmlns:p14="http://schemas.microsoft.com/office/powerpoint/2010/main" val="3885879373"/>
+      </p:ext>
+    </p:extLst>
+  </p:cSld>
+  <p:clrMapOvr>
+    <a:masterClrMapping/>
+  </p:clrMapOvr>
+</p:sld>
+</file>
+
+<file path=ppt/slides/slide28.xml><?xml version="1.0" encoding="utf-8"?>
+<p:sld xmlns:a="http://schemas.openxmlformats.org/drawingml/2006/main" xmlns:r="http://schemas.openxmlformats.org/officeDocument/2006/relationships" xmlns:p="http://schemas.openxmlformats.org/presentationml/2006/main">
+  <p:cSld>
+    <p:spTree>
+      <p:nvGrpSpPr>
+        <p:cNvPr id="1" name=""/>
+        <p:cNvGrpSpPr/>
+        <p:nvPr/>
+      </p:nvGrpSpPr>
+      <p:grpSpPr>
+        <a:xfrm>
+          <a:off x="0" y="0"/>
+          <a:ext cx="0" cy="0"/>
+          <a:chOff x="0" y="0"/>
+          <a:chExt cx="0" cy="0"/>
+        </a:xfrm>
+      </p:grpSpPr>
+      <p:sp>
+        <p:nvSpPr>
+          <p:cNvPr id="2" name="Título 1">
+            <a:extLst>
+              <a:ext uri="{FF2B5EF4-FFF2-40B4-BE49-F238E27FC236}">
+                <a16:creationId xmlns:a16="http://schemas.microsoft.com/office/drawing/2014/main" id="{7C004CA9-2C46-43BE-8B5C-8073497D8458}"/>
+              </a:ext>
+            </a:extLst>
+          </p:cNvPr>
+          <p:cNvSpPr>
+            <a:spLocks noGrp="1"/>
+          </p:cNvSpPr>
+          <p:nvPr>
+            <p:ph type="title"/>
+          </p:nvPr>
+        </p:nvSpPr>
+        <p:spPr>
+          <a:xfrm>
+            <a:off x="663267" y="294249"/>
+            <a:ext cx="8324776" cy="783102"/>
+          </a:xfrm>
+        </p:spPr>
+        <p:txBody>
+          <a:bodyPr>
+            <a:normAutofit/>
+          </a:bodyPr>
+          <a:lstStyle/>
+          <a:p>
+            <a:r>
+              <a:rPr lang="pt-BR" dirty="0"/>
+              <a:t>O que é Service </a:t>
+            </a:r>
+            <a:r>
+              <a:rPr lang="pt-BR" dirty="0" err="1"/>
+              <a:t>Worker</a:t>
+            </a:r>
+            <a:r>
+              <a:rPr lang="pt-BR" dirty="0"/>
+              <a:t>?</a:t>
+            </a:r>
+          </a:p>
+        </p:txBody>
+      </p:sp>
+      <p:sp>
+        <p:nvSpPr>
+          <p:cNvPr id="3" name="Espaço Reservado para Conteúdo 2">
+            <a:extLst>
+              <a:ext uri="{FF2B5EF4-FFF2-40B4-BE49-F238E27FC236}">
+                <a16:creationId xmlns:a16="http://schemas.microsoft.com/office/drawing/2014/main" id="{89E0BFDC-6745-4981-8B6A-0B22A47108C8}"/>
+              </a:ext>
+            </a:extLst>
+          </p:cNvPr>
+          <p:cNvSpPr>
+            <a:spLocks noGrp="1"/>
+          </p:cNvSpPr>
+          <p:nvPr>
+            <p:ph idx="1"/>
+          </p:nvPr>
+        </p:nvSpPr>
+        <p:spPr>
+          <a:xfrm>
+            <a:off x="663267" y="1237957"/>
+            <a:ext cx="10956647" cy="5325794"/>
+          </a:xfrm>
+        </p:spPr>
+        <p:txBody>
+          <a:bodyPr>
+            <a:normAutofit/>
+          </a:bodyPr>
+          <a:lstStyle/>
+          <a:p>
+            <a:r>
+              <a:rPr lang="pt-BR" sz="3200" dirty="0">
+                <a:latin typeface="Segoe UI" panose="020B0502040204020203" pitchFamily="34" charset="0"/>
+                <a:cs typeface="Segoe UI" panose="020B0502040204020203" pitchFamily="34" charset="0"/>
+              </a:rPr>
+              <a:t>É um script que seu navegador executa em segundo plano, possibilitando recursos que não precisam de uma página da Web ou de interação do usuário. Atualmente, já incluem recursos como notificações </a:t>
+            </a:r>
+            <a:r>
+              <a:rPr lang="pt-BR" sz="3200" dirty="0" err="1">
+                <a:latin typeface="Segoe UI" panose="020B0502040204020203" pitchFamily="34" charset="0"/>
+                <a:cs typeface="Segoe UI" panose="020B0502040204020203" pitchFamily="34" charset="0"/>
+              </a:rPr>
+              <a:t>push</a:t>
+            </a:r>
+            <a:r>
+              <a:rPr lang="pt-BR" sz="3200" dirty="0">
+                <a:latin typeface="Segoe UI" panose="020B0502040204020203" pitchFamily="34" charset="0"/>
+                <a:cs typeface="Segoe UI" panose="020B0502040204020203" pitchFamily="34" charset="0"/>
+              </a:rPr>
+              <a:t> e sincronização em segundo plano. </a:t>
+            </a:r>
+          </a:p>
+          <a:p>
+            <a:endParaRPr lang="pt-BR" sz="3200" dirty="0">
+              <a:latin typeface="Segoe UI" panose="020B0502040204020203" pitchFamily="34" charset="0"/>
+              <a:cs typeface="Segoe UI" panose="020B0502040204020203" pitchFamily="34" charset="0"/>
+            </a:endParaRPr>
+          </a:p>
+          <a:p>
+            <a:r>
+              <a:rPr lang="pt-BR" sz="1400" dirty="0">
+                <a:latin typeface="Segoe UI" panose="020B0502040204020203" pitchFamily="34" charset="0"/>
+                <a:cs typeface="Segoe UI" panose="020B0502040204020203" pitchFamily="34" charset="0"/>
+              </a:rPr>
+              <a:t>Fontes: </a:t>
+            </a:r>
+          </a:p>
+          <a:p>
+            <a:pPr marL="0" indent="0">
+              <a:buNone/>
+            </a:pPr>
+            <a:r>
+              <a:rPr lang="pt-BR" sz="1400" dirty="0">
+                <a:latin typeface="Segoe UI" panose="020B0502040204020203" pitchFamily="34" charset="0"/>
+                <a:cs typeface="Segoe UI" panose="020B0502040204020203" pitchFamily="34" charset="0"/>
+                <a:hlinkClick r:id="rId3"/>
+              </a:rPr>
+              <a:t>https://braziljs.org/blog/service-worker-a-revolucao-da-plataforma-web/</a:t>
+            </a:r>
+            <a:endParaRPr lang="pt-BR" sz="1400" dirty="0">
+              <a:latin typeface="Segoe UI" panose="020B0502040204020203" pitchFamily="34" charset="0"/>
+              <a:cs typeface="Segoe UI" panose="020B0502040204020203" pitchFamily="34" charset="0"/>
+            </a:endParaRPr>
+          </a:p>
+          <a:p>
+            <a:pPr marL="0" indent="0">
+              <a:buNone/>
+            </a:pPr>
+            <a:r>
+              <a:rPr lang="pt-BR" sz="1400" dirty="0">
+                <a:latin typeface="Segoe UI" panose="020B0502040204020203" pitchFamily="34" charset="0"/>
+                <a:cs typeface="Segoe UI" panose="020B0502040204020203" pitchFamily="34" charset="0"/>
+              </a:rPr>
+              <a:t>https://developers.google.com/web/fundamentals/primers/service-workers/?hl=pt-br</a:t>
+            </a:r>
+          </a:p>
+        </p:txBody>
+      </p:sp>
+    </p:spTree>
+    <p:extLst>
+      <p:ext uri="{BB962C8B-B14F-4D97-AF65-F5344CB8AC3E}">
+        <p14:creationId xmlns:p14="http://schemas.microsoft.com/office/powerpoint/2010/main" val="3371526047"/>
+      </p:ext>
+    </p:extLst>
+  </p:cSld>
+  <p:clrMapOvr>
+    <a:masterClrMapping/>
+  </p:clrMapOvr>
+</p:sld>
+</file>
+
+<file path=ppt/slides/slide29.xml><?xml version="1.0" encoding="utf-8"?>
 <p:sld xmlns:a="http://schemas.openxmlformats.org/drawingml/2006/main" xmlns:r="http://schemas.openxmlformats.org/officeDocument/2006/relationships" xmlns:p="http://schemas.openxmlformats.org/presentationml/2006/main">
   <p:cSld>
     <p:spTree>
@@ -8266,415 +11302,6 @@
 </p:sld>
 </file>
 
-<file path=ppt/slides/slide21.xml><?xml version="1.0" encoding="utf-8"?>
-<p:sld xmlns:a="http://schemas.openxmlformats.org/drawingml/2006/main" xmlns:r="http://schemas.openxmlformats.org/officeDocument/2006/relationships" xmlns:p="http://schemas.openxmlformats.org/presentationml/2006/main">
-  <p:cSld>
-    <p:spTree>
-      <p:nvGrpSpPr>
-        <p:cNvPr id="1" name=""/>
-        <p:cNvGrpSpPr/>
-        <p:nvPr/>
-      </p:nvGrpSpPr>
-      <p:grpSpPr>
-        <a:xfrm>
-          <a:off x="0" y="0"/>
-          <a:ext cx="0" cy="0"/>
-          <a:chOff x="0" y="0"/>
-          <a:chExt cx="0" cy="0"/>
-        </a:xfrm>
-      </p:grpSpPr>
-      <p:sp>
-        <p:nvSpPr>
-          <p:cNvPr id="2" name="Título 1">
-            <a:extLst>
-              <a:ext uri="{FF2B5EF4-FFF2-40B4-BE49-F238E27FC236}">
-                <a16:creationId xmlns:a16="http://schemas.microsoft.com/office/drawing/2014/main" id="{B19728D3-1460-42D2-8D6D-FA0A3611E6CA}"/>
-              </a:ext>
-            </a:extLst>
-          </p:cNvPr>
-          <p:cNvSpPr>
-            <a:spLocks noGrp="1"/>
-          </p:cNvSpPr>
-          <p:nvPr>
-            <p:ph type="title"/>
-          </p:nvPr>
-        </p:nvSpPr>
-        <p:spPr/>
-        <p:txBody>
-          <a:bodyPr/>
-          <a:lstStyle/>
-          <a:p>
-            <a:r>
-              <a:rPr lang="pt-BR" dirty="0"/>
-              <a:t>Quem usa?</a:t>
-            </a:r>
-          </a:p>
-        </p:txBody>
-      </p:sp>
-      <p:sp>
-        <p:nvSpPr>
-          <p:cNvPr id="3" name="Espaço Reservado para Conteúdo 2">
-            <a:extLst>
-              <a:ext uri="{FF2B5EF4-FFF2-40B4-BE49-F238E27FC236}">
-                <a16:creationId xmlns:a16="http://schemas.microsoft.com/office/drawing/2014/main" id="{14E8FBFC-2E5D-4C2F-8C5C-DBC1E5328FCE}"/>
-              </a:ext>
-            </a:extLst>
-          </p:cNvPr>
-          <p:cNvSpPr>
-            <a:spLocks noGrp="1"/>
-          </p:cNvSpPr>
-          <p:nvPr>
-            <p:ph idx="1"/>
-          </p:nvPr>
-        </p:nvSpPr>
-        <p:spPr/>
-        <p:txBody>
-          <a:bodyPr/>
-          <a:lstStyle/>
-          <a:p>
-            <a:r>
-              <a:rPr lang="pt-BR" dirty="0"/>
-              <a:t>O que é considerado PWA?</a:t>
-            </a:r>
-          </a:p>
-        </p:txBody>
-      </p:sp>
-    </p:spTree>
-    <p:extLst>
-      <p:ext uri="{BB962C8B-B14F-4D97-AF65-F5344CB8AC3E}">
-        <p14:creationId xmlns:p14="http://schemas.microsoft.com/office/powerpoint/2010/main" val="237772752"/>
-      </p:ext>
-    </p:extLst>
-  </p:cSld>
-  <p:clrMapOvr>
-    <a:masterClrMapping/>
-  </p:clrMapOvr>
-</p:sld>
-</file>
-
-<file path=ppt/slides/slide22.xml><?xml version="1.0" encoding="utf-8"?>
-<p:sld xmlns:a="http://schemas.openxmlformats.org/drawingml/2006/main" xmlns:r="http://schemas.openxmlformats.org/officeDocument/2006/relationships" xmlns:p="http://schemas.openxmlformats.org/presentationml/2006/main">
-  <p:cSld>
-    <p:spTree>
-      <p:nvGrpSpPr>
-        <p:cNvPr id="1" name=""/>
-        <p:cNvGrpSpPr/>
-        <p:nvPr/>
-      </p:nvGrpSpPr>
-      <p:grpSpPr>
-        <a:xfrm>
-          <a:off x="0" y="0"/>
-          <a:ext cx="0" cy="0"/>
-          <a:chOff x="0" y="0"/>
-          <a:chExt cx="0" cy="0"/>
-        </a:xfrm>
-      </p:grpSpPr>
-      <p:sp>
-        <p:nvSpPr>
-          <p:cNvPr id="2" name="Título 1">
-            <a:extLst>
-              <a:ext uri="{FF2B5EF4-FFF2-40B4-BE49-F238E27FC236}">
-                <a16:creationId xmlns:a16="http://schemas.microsoft.com/office/drawing/2014/main" id="{B19728D3-1460-42D2-8D6D-FA0A3611E6CA}"/>
-              </a:ext>
-            </a:extLst>
-          </p:cNvPr>
-          <p:cNvSpPr>
-            <a:spLocks noGrp="1"/>
-          </p:cNvSpPr>
-          <p:nvPr>
-            <p:ph type="title"/>
-          </p:nvPr>
-        </p:nvSpPr>
-        <p:spPr/>
-        <p:txBody>
-          <a:bodyPr/>
-          <a:lstStyle/>
-          <a:p>
-            <a:r>
-              <a:rPr lang="pt-BR" dirty="0"/>
-              <a:t>Está acessível?</a:t>
-            </a:r>
-          </a:p>
-        </p:txBody>
-      </p:sp>
-      <p:sp>
-        <p:nvSpPr>
-          <p:cNvPr id="3" name="Espaço Reservado para Conteúdo 2">
-            <a:extLst>
-              <a:ext uri="{FF2B5EF4-FFF2-40B4-BE49-F238E27FC236}">
-                <a16:creationId xmlns:a16="http://schemas.microsoft.com/office/drawing/2014/main" id="{14E8FBFC-2E5D-4C2F-8C5C-DBC1E5328FCE}"/>
-              </a:ext>
-            </a:extLst>
-          </p:cNvPr>
-          <p:cNvSpPr>
-            <a:spLocks noGrp="1"/>
-          </p:cNvSpPr>
-          <p:nvPr>
-            <p:ph idx="1"/>
-          </p:nvPr>
-        </p:nvSpPr>
-        <p:spPr/>
-        <p:txBody>
-          <a:bodyPr/>
-          <a:lstStyle/>
-          <a:p>
-            <a:r>
-              <a:rPr lang="pt-BR" dirty="0"/>
-              <a:t>O que é considerado PWA?</a:t>
-            </a:r>
-          </a:p>
-        </p:txBody>
-      </p:sp>
-    </p:spTree>
-    <p:extLst>
-      <p:ext uri="{BB962C8B-B14F-4D97-AF65-F5344CB8AC3E}">
-        <p14:creationId xmlns:p14="http://schemas.microsoft.com/office/powerpoint/2010/main" val="507841851"/>
-      </p:ext>
-    </p:extLst>
-  </p:cSld>
-  <p:clrMapOvr>
-    <a:masterClrMapping/>
-  </p:clrMapOvr>
-</p:sld>
-</file>
-
-<file path=ppt/slides/slide23.xml><?xml version="1.0" encoding="utf-8"?>
-<p:sld xmlns:a="http://schemas.openxmlformats.org/drawingml/2006/main" xmlns:r="http://schemas.openxmlformats.org/officeDocument/2006/relationships" xmlns:p="http://schemas.openxmlformats.org/presentationml/2006/main">
-  <p:cSld>
-    <p:spTree>
-      <p:nvGrpSpPr>
-        <p:cNvPr id="1" name=""/>
-        <p:cNvGrpSpPr/>
-        <p:nvPr/>
-      </p:nvGrpSpPr>
-      <p:grpSpPr>
-        <a:xfrm>
-          <a:off x="0" y="0"/>
-          <a:ext cx="0" cy="0"/>
-          <a:chOff x="0" y="0"/>
-          <a:chExt cx="0" cy="0"/>
-        </a:xfrm>
-      </p:grpSpPr>
-      <p:sp>
-        <p:nvSpPr>
-          <p:cNvPr id="2" name="Título 1">
-            <a:extLst>
-              <a:ext uri="{FF2B5EF4-FFF2-40B4-BE49-F238E27FC236}">
-                <a16:creationId xmlns:a16="http://schemas.microsoft.com/office/drawing/2014/main" id="{B19728D3-1460-42D2-8D6D-FA0A3611E6CA}"/>
-              </a:ext>
-            </a:extLst>
-          </p:cNvPr>
-          <p:cNvSpPr>
-            <a:spLocks noGrp="1"/>
-          </p:cNvSpPr>
-          <p:nvPr>
-            <p:ph type="title"/>
-          </p:nvPr>
-        </p:nvSpPr>
-        <p:spPr/>
-        <p:txBody>
-          <a:bodyPr/>
-          <a:lstStyle/>
-          <a:p>
-            <a:r>
-              <a:rPr lang="pt-BR" dirty="0" err="1"/>
-              <a:t>Firebase</a:t>
-            </a:r>
-            <a:endParaRPr lang="pt-BR" dirty="0"/>
-          </a:p>
-        </p:txBody>
-      </p:sp>
-      <p:sp>
-        <p:nvSpPr>
-          <p:cNvPr id="3" name="Espaço Reservado para Conteúdo 2">
-            <a:extLst>
-              <a:ext uri="{FF2B5EF4-FFF2-40B4-BE49-F238E27FC236}">
-                <a16:creationId xmlns:a16="http://schemas.microsoft.com/office/drawing/2014/main" id="{14E8FBFC-2E5D-4C2F-8C5C-DBC1E5328FCE}"/>
-              </a:ext>
-            </a:extLst>
-          </p:cNvPr>
-          <p:cNvSpPr>
-            <a:spLocks noGrp="1"/>
-          </p:cNvSpPr>
-          <p:nvPr>
-            <p:ph idx="1"/>
-          </p:nvPr>
-        </p:nvSpPr>
-        <p:spPr/>
-        <p:txBody>
-          <a:bodyPr/>
-          <a:lstStyle/>
-          <a:p>
-            <a:r>
-              <a:rPr lang="pt-BR" dirty="0">
-                <a:hlinkClick r:id="rId2"/>
-              </a:rPr>
-              <a:t>https://firebase.google.com/?hl=pt-br</a:t>
-            </a:r>
-            <a:endParaRPr lang="pt-BR" dirty="0"/>
-          </a:p>
-          <a:p>
-            <a:r>
-              <a:rPr lang="pt-BR" dirty="0"/>
-              <a:t>O </a:t>
-            </a:r>
-            <a:r>
-              <a:rPr lang="pt-BR" dirty="0" err="1"/>
-              <a:t>Firebase</a:t>
-            </a:r>
-            <a:r>
-              <a:rPr lang="pt-BR" dirty="0"/>
-              <a:t> ajuda você a criar apps melhores e desenvolver sua empresa.</a:t>
-            </a:r>
-          </a:p>
-        </p:txBody>
-      </p:sp>
-    </p:spTree>
-    <p:extLst>
-      <p:ext uri="{BB962C8B-B14F-4D97-AF65-F5344CB8AC3E}">
-        <p14:creationId xmlns:p14="http://schemas.microsoft.com/office/powerpoint/2010/main" val="995832646"/>
-      </p:ext>
-    </p:extLst>
-  </p:cSld>
-  <p:clrMapOvr>
-    <a:masterClrMapping/>
-  </p:clrMapOvr>
-</p:sld>
-</file>
-
-<file path=ppt/slides/slide24.xml><?xml version="1.0" encoding="utf-8"?>
-<p:sld xmlns:a="http://schemas.openxmlformats.org/drawingml/2006/main" xmlns:r="http://schemas.openxmlformats.org/officeDocument/2006/relationships" xmlns:p="http://schemas.openxmlformats.org/presentationml/2006/main">
-  <p:cSld>
-    <p:spTree>
-      <p:nvGrpSpPr>
-        <p:cNvPr id="1" name=""/>
-        <p:cNvGrpSpPr/>
-        <p:nvPr/>
-      </p:nvGrpSpPr>
-      <p:grpSpPr>
-        <a:xfrm>
-          <a:off x="0" y="0"/>
-          <a:ext cx="0" cy="0"/>
-          <a:chOff x="0" y="0"/>
-          <a:chExt cx="0" cy="0"/>
-        </a:xfrm>
-      </p:grpSpPr>
-      <p:sp>
-        <p:nvSpPr>
-          <p:cNvPr id="2" name="Título 1">
-            <a:extLst>
-              <a:ext uri="{FF2B5EF4-FFF2-40B4-BE49-F238E27FC236}">
-                <a16:creationId xmlns:a16="http://schemas.microsoft.com/office/drawing/2014/main" id="{B19728D3-1460-42D2-8D6D-FA0A3611E6CA}"/>
-              </a:ext>
-            </a:extLst>
-          </p:cNvPr>
-          <p:cNvSpPr>
-            <a:spLocks noGrp="1"/>
-          </p:cNvSpPr>
-          <p:nvPr>
-            <p:ph type="title"/>
-          </p:nvPr>
-        </p:nvSpPr>
-        <p:spPr/>
-        <p:txBody>
-          <a:bodyPr/>
-          <a:lstStyle/>
-          <a:p>
-            <a:r>
-              <a:rPr lang="pt-BR" dirty="0"/>
-              <a:t>Mais conhecimento</a:t>
-            </a:r>
-          </a:p>
-        </p:txBody>
-      </p:sp>
-      <p:sp>
-        <p:nvSpPr>
-          <p:cNvPr id="3" name="Espaço Reservado para Conteúdo 2">
-            <a:extLst>
-              <a:ext uri="{FF2B5EF4-FFF2-40B4-BE49-F238E27FC236}">
-                <a16:creationId xmlns:a16="http://schemas.microsoft.com/office/drawing/2014/main" id="{14E8FBFC-2E5D-4C2F-8C5C-DBC1E5328FCE}"/>
-              </a:ext>
-            </a:extLst>
-          </p:cNvPr>
-          <p:cNvSpPr>
-            <a:spLocks noGrp="1"/>
-          </p:cNvSpPr>
-          <p:nvPr>
-            <p:ph idx="1"/>
-          </p:nvPr>
-        </p:nvSpPr>
-        <p:spPr/>
-        <p:txBody>
-          <a:bodyPr>
-            <a:normAutofit/>
-          </a:bodyPr>
-          <a:lstStyle/>
-          <a:p>
-            <a:r>
-              <a:rPr lang="pt-BR" dirty="0">
-                <a:hlinkClick r:id="rId2"/>
-              </a:rPr>
-              <a:t>https://blog.minnisell.com/mas-afinal-de-contas-o-que-%C3%A9-um-progressive-web-app-8cd727a8fe46</a:t>
-            </a:r>
-            <a:endParaRPr lang="pt-BR" dirty="0"/>
-          </a:p>
-          <a:p>
-            <a:r>
-              <a:rPr lang="pt-BR" dirty="0">
-                <a:hlinkClick r:id="rId3"/>
-              </a:rPr>
-              <a:t>https://pwa.rocks/</a:t>
-            </a:r>
-            <a:endParaRPr lang="pt-BR" dirty="0"/>
-          </a:p>
-          <a:p>
-            <a:r>
-              <a:rPr lang="pt-BR" dirty="0">
-                <a:hlinkClick r:id="rId4"/>
-              </a:rPr>
-              <a:t>https://vizir.com.br/2017/08/o-que-e-pwa-progressive-web-app-porque-isso-pode-aumentar-seus-resultados-mobile/</a:t>
-            </a:r>
-            <a:endParaRPr lang="pt-BR" dirty="0"/>
-          </a:p>
-          <a:p>
-            <a:r>
-              <a:rPr lang="pt-BR" dirty="0">
-                <a:hlinkClick r:id="rId5"/>
-              </a:rPr>
-              <a:t>https://blog.ionicframework.com/what-is-a-progressive-web-app/</a:t>
-            </a:r>
-            <a:endParaRPr lang="pt-BR" dirty="0"/>
-          </a:p>
-          <a:p>
-            <a:r>
-              <a:rPr lang="pt-BR" dirty="0">
-                <a:hlinkClick r:id="rId6"/>
-              </a:rPr>
-              <a:t>https://www.recode.net/2016/6/8/11883518/app-boom-over-snapchat-uber</a:t>
-            </a:r>
-            <a:endParaRPr lang="pt-BR" dirty="0"/>
-          </a:p>
-          <a:p>
-            <a:r>
-              <a:rPr lang="pt-BR" dirty="0"/>
-              <a:t>https://tableless.com.br/introducao-aos-progressive-web-apps/</a:t>
-            </a:r>
-          </a:p>
-        </p:txBody>
-      </p:sp>
-    </p:spTree>
-    <p:extLst>
-      <p:ext uri="{BB962C8B-B14F-4D97-AF65-F5344CB8AC3E}">
-        <p14:creationId xmlns:p14="http://schemas.microsoft.com/office/powerpoint/2010/main" val="2093457419"/>
-      </p:ext>
-    </p:extLst>
-  </p:cSld>
-  <p:clrMapOvr>
-    <a:masterClrMapping/>
-  </p:clrMapOvr>
-</p:sld>
-</file>
-
 <file path=ppt/slides/slide3.xml><?xml version="1.0" encoding="utf-8"?>
 <p:sld xmlns:a="http://schemas.openxmlformats.org/drawingml/2006/main" xmlns:r="http://schemas.openxmlformats.org/officeDocument/2006/relationships" xmlns:p="http://schemas.openxmlformats.org/presentationml/2006/main">
   <p:cSld>
@@ -8821,6 +11448,516 @@
     <p:extLst>
       <p:ext uri="{BB962C8B-B14F-4D97-AF65-F5344CB8AC3E}">
         <p14:creationId xmlns:p14="http://schemas.microsoft.com/office/powerpoint/2010/main" val="3701931211"/>
+      </p:ext>
+    </p:extLst>
+  </p:cSld>
+  <p:clrMapOvr>
+    <a:masterClrMapping/>
+  </p:clrMapOvr>
+</p:sld>
+</file>
+
+<file path=ppt/slides/slide30.xml><?xml version="1.0" encoding="utf-8"?>
+<p:sld xmlns:a="http://schemas.openxmlformats.org/drawingml/2006/main" xmlns:r="http://schemas.openxmlformats.org/officeDocument/2006/relationships" xmlns:p="http://schemas.openxmlformats.org/presentationml/2006/main">
+  <p:cSld>
+    <p:spTree>
+      <p:nvGrpSpPr>
+        <p:cNvPr id="1" name=""/>
+        <p:cNvGrpSpPr/>
+        <p:nvPr/>
+      </p:nvGrpSpPr>
+      <p:grpSpPr>
+        <a:xfrm>
+          <a:off x="0" y="0"/>
+          <a:ext cx="0" cy="0"/>
+          <a:chOff x="0" y="0"/>
+          <a:chExt cx="0" cy="0"/>
+        </a:xfrm>
+      </p:grpSpPr>
+      <p:sp>
+        <p:nvSpPr>
+          <p:cNvPr id="2" name="Título 1">
+            <a:extLst>
+              <a:ext uri="{FF2B5EF4-FFF2-40B4-BE49-F238E27FC236}">
+                <a16:creationId xmlns:a16="http://schemas.microsoft.com/office/drawing/2014/main" id="{B19728D3-1460-42D2-8D6D-FA0A3611E6CA}"/>
+              </a:ext>
+            </a:extLst>
+          </p:cNvPr>
+          <p:cNvSpPr>
+            <a:spLocks noGrp="1"/>
+          </p:cNvSpPr>
+          <p:nvPr>
+            <p:ph type="title"/>
+          </p:nvPr>
+        </p:nvSpPr>
+        <p:spPr/>
+        <p:txBody>
+          <a:bodyPr/>
+          <a:lstStyle/>
+          <a:p>
+            <a:r>
+              <a:rPr lang="pt-BR" dirty="0"/>
+              <a:t>Casos de estudos</a:t>
+            </a:r>
+          </a:p>
+        </p:txBody>
+      </p:sp>
+      <p:sp>
+        <p:nvSpPr>
+          <p:cNvPr id="5" name="Espaço Reservado para Conteúdo 4">
+            <a:extLst>
+              <a:ext uri="{FF2B5EF4-FFF2-40B4-BE49-F238E27FC236}">
+                <a16:creationId xmlns:a16="http://schemas.microsoft.com/office/drawing/2014/main" id="{21EFBAFF-2BBC-44F6-9DEA-24AA9EEA5D99}"/>
+              </a:ext>
+            </a:extLst>
+          </p:cNvPr>
+          <p:cNvSpPr>
+            <a:spLocks noGrp="1"/>
+          </p:cNvSpPr>
+          <p:nvPr>
+            <p:ph idx="1"/>
+          </p:nvPr>
+        </p:nvSpPr>
+        <p:spPr/>
+        <p:txBody>
+          <a:bodyPr/>
+          <a:lstStyle/>
+          <a:p>
+            <a:r>
+              <a:rPr lang="pt-BR" dirty="0"/>
+              <a:t>https://developers.google.com/web/showcase/2018/</a:t>
+            </a:r>
+          </a:p>
+        </p:txBody>
+      </p:sp>
+    </p:spTree>
+    <p:extLst>
+      <p:ext uri="{BB962C8B-B14F-4D97-AF65-F5344CB8AC3E}">
+        <p14:creationId xmlns:p14="http://schemas.microsoft.com/office/powerpoint/2010/main" val="237772752"/>
+      </p:ext>
+    </p:extLst>
+  </p:cSld>
+  <p:clrMapOvr>
+    <a:masterClrMapping/>
+  </p:clrMapOvr>
+</p:sld>
+</file>
+
+<file path=ppt/slides/slide31.xml><?xml version="1.0" encoding="utf-8"?>
+<p:sld xmlns:a="http://schemas.openxmlformats.org/drawingml/2006/main" xmlns:r="http://schemas.openxmlformats.org/officeDocument/2006/relationships" xmlns:p="http://schemas.openxmlformats.org/presentationml/2006/main">
+  <p:cSld>
+    <p:spTree>
+      <p:nvGrpSpPr>
+        <p:cNvPr id="1" name=""/>
+        <p:cNvGrpSpPr/>
+        <p:nvPr/>
+      </p:nvGrpSpPr>
+      <p:grpSpPr>
+        <a:xfrm>
+          <a:off x="0" y="0"/>
+          <a:ext cx="0" cy="0"/>
+          <a:chOff x="0" y="0"/>
+          <a:chExt cx="0" cy="0"/>
+        </a:xfrm>
+      </p:grpSpPr>
+      <p:sp>
+        <p:nvSpPr>
+          <p:cNvPr id="2" name="Título 1">
+            <a:extLst>
+              <a:ext uri="{FF2B5EF4-FFF2-40B4-BE49-F238E27FC236}">
+                <a16:creationId xmlns:a16="http://schemas.microsoft.com/office/drawing/2014/main" id="{B19728D3-1460-42D2-8D6D-FA0A3611E6CA}"/>
+              </a:ext>
+            </a:extLst>
+          </p:cNvPr>
+          <p:cNvSpPr>
+            <a:spLocks noGrp="1"/>
+          </p:cNvSpPr>
+          <p:nvPr>
+            <p:ph type="title"/>
+          </p:nvPr>
+        </p:nvSpPr>
+        <p:spPr/>
+        <p:txBody>
+          <a:bodyPr/>
+          <a:lstStyle/>
+          <a:p>
+            <a:r>
+              <a:rPr lang="pt-BR" dirty="0"/>
+              <a:t>Quem usa?</a:t>
+            </a:r>
+          </a:p>
+        </p:txBody>
+      </p:sp>
+      <p:sp>
+        <p:nvSpPr>
+          <p:cNvPr id="5" name="Espaço Reservado para Conteúdo 4">
+            <a:extLst>
+              <a:ext uri="{FF2B5EF4-FFF2-40B4-BE49-F238E27FC236}">
+                <a16:creationId xmlns:a16="http://schemas.microsoft.com/office/drawing/2014/main" id="{21EFBAFF-2BBC-44F6-9DEA-24AA9EEA5D99}"/>
+              </a:ext>
+            </a:extLst>
+          </p:cNvPr>
+          <p:cNvSpPr>
+            <a:spLocks noGrp="1"/>
+          </p:cNvSpPr>
+          <p:nvPr>
+            <p:ph idx="1"/>
+          </p:nvPr>
+        </p:nvSpPr>
+        <p:spPr/>
+        <p:txBody>
+          <a:bodyPr/>
+          <a:lstStyle/>
+          <a:p>
+            <a:endParaRPr lang="pt-BR" dirty="0"/>
+          </a:p>
+        </p:txBody>
+      </p:sp>
+    </p:spTree>
+    <p:extLst>
+      <p:ext uri="{BB962C8B-B14F-4D97-AF65-F5344CB8AC3E}">
+        <p14:creationId xmlns:p14="http://schemas.microsoft.com/office/powerpoint/2010/main" val="3545201860"/>
+      </p:ext>
+    </p:extLst>
+  </p:cSld>
+  <p:clrMapOvr>
+    <a:masterClrMapping/>
+  </p:clrMapOvr>
+</p:sld>
+</file>
+
+<file path=ppt/slides/slide32.xml><?xml version="1.0" encoding="utf-8"?>
+<p:sld xmlns:a="http://schemas.openxmlformats.org/drawingml/2006/main" xmlns:r="http://schemas.openxmlformats.org/officeDocument/2006/relationships" xmlns:p="http://schemas.openxmlformats.org/presentationml/2006/main">
+  <p:cSld>
+    <p:spTree>
+      <p:nvGrpSpPr>
+        <p:cNvPr id="1" name=""/>
+        <p:cNvGrpSpPr/>
+        <p:nvPr/>
+      </p:nvGrpSpPr>
+      <p:grpSpPr>
+        <a:xfrm>
+          <a:off x="0" y="0"/>
+          <a:ext cx="0" cy="0"/>
+          <a:chOff x="0" y="0"/>
+          <a:chExt cx="0" cy="0"/>
+        </a:xfrm>
+      </p:grpSpPr>
+      <p:sp>
+        <p:nvSpPr>
+          <p:cNvPr id="2" name="Título 1">
+            <a:extLst>
+              <a:ext uri="{FF2B5EF4-FFF2-40B4-BE49-F238E27FC236}">
+                <a16:creationId xmlns:a16="http://schemas.microsoft.com/office/drawing/2014/main" id="{B19728D3-1460-42D2-8D6D-FA0A3611E6CA}"/>
+              </a:ext>
+            </a:extLst>
+          </p:cNvPr>
+          <p:cNvSpPr>
+            <a:spLocks noGrp="1"/>
+          </p:cNvSpPr>
+          <p:nvPr>
+            <p:ph type="title"/>
+          </p:nvPr>
+        </p:nvSpPr>
+        <p:spPr/>
+        <p:txBody>
+          <a:bodyPr/>
+          <a:lstStyle/>
+          <a:p>
+            <a:r>
+              <a:rPr lang="pt-BR" dirty="0"/>
+              <a:t>Está acessível?</a:t>
+            </a:r>
+          </a:p>
+        </p:txBody>
+      </p:sp>
+      <p:sp>
+        <p:nvSpPr>
+          <p:cNvPr id="3" name="Espaço Reservado para Conteúdo 2">
+            <a:extLst>
+              <a:ext uri="{FF2B5EF4-FFF2-40B4-BE49-F238E27FC236}">
+                <a16:creationId xmlns:a16="http://schemas.microsoft.com/office/drawing/2014/main" id="{14E8FBFC-2E5D-4C2F-8C5C-DBC1E5328FCE}"/>
+              </a:ext>
+            </a:extLst>
+          </p:cNvPr>
+          <p:cNvSpPr>
+            <a:spLocks noGrp="1"/>
+          </p:cNvSpPr>
+          <p:nvPr>
+            <p:ph idx="1"/>
+          </p:nvPr>
+        </p:nvSpPr>
+        <p:spPr/>
+        <p:txBody>
+          <a:bodyPr/>
+          <a:lstStyle/>
+          <a:p>
+            <a:r>
+              <a:rPr lang="pt-BR" dirty="0"/>
+              <a:t>O que é considerado PWA?</a:t>
+            </a:r>
+          </a:p>
+        </p:txBody>
+      </p:sp>
+    </p:spTree>
+    <p:extLst>
+      <p:ext uri="{BB962C8B-B14F-4D97-AF65-F5344CB8AC3E}">
+        <p14:creationId xmlns:p14="http://schemas.microsoft.com/office/powerpoint/2010/main" val="507841851"/>
+      </p:ext>
+    </p:extLst>
+  </p:cSld>
+  <p:clrMapOvr>
+    <a:masterClrMapping/>
+  </p:clrMapOvr>
+</p:sld>
+</file>
+
+<file path=ppt/slides/slide33.xml><?xml version="1.0" encoding="utf-8"?>
+<p:sld xmlns:a="http://schemas.openxmlformats.org/drawingml/2006/main" xmlns:r="http://schemas.openxmlformats.org/officeDocument/2006/relationships" xmlns:p="http://schemas.openxmlformats.org/presentationml/2006/main">
+  <p:cSld>
+    <p:spTree>
+      <p:nvGrpSpPr>
+        <p:cNvPr id="1" name=""/>
+        <p:cNvGrpSpPr/>
+        <p:nvPr/>
+      </p:nvGrpSpPr>
+      <p:grpSpPr>
+        <a:xfrm>
+          <a:off x="0" y="0"/>
+          <a:ext cx="0" cy="0"/>
+          <a:chOff x="0" y="0"/>
+          <a:chExt cx="0" cy="0"/>
+        </a:xfrm>
+      </p:grpSpPr>
+      <p:sp>
+        <p:nvSpPr>
+          <p:cNvPr id="2" name="Título 1">
+            <a:extLst>
+              <a:ext uri="{FF2B5EF4-FFF2-40B4-BE49-F238E27FC236}">
+                <a16:creationId xmlns:a16="http://schemas.microsoft.com/office/drawing/2014/main" id="{B19728D3-1460-42D2-8D6D-FA0A3611E6CA}"/>
+              </a:ext>
+            </a:extLst>
+          </p:cNvPr>
+          <p:cNvSpPr>
+            <a:spLocks noGrp="1"/>
+          </p:cNvSpPr>
+          <p:nvPr>
+            <p:ph type="title"/>
+          </p:nvPr>
+        </p:nvSpPr>
+        <p:spPr/>
+        <p:txBody>
+          <a:bodyPr/>
+          <a:lstStyle/>
+          <a:p>
+            <a:r>
+              <a:rPr lang="pt-BR" dirty="0" err="1"/>
+              <a:t>Firebase</a:t>
+            </a:r>
+            <a:endParaRPr lang="pt-BR" dirty="0"/>
+          </a:p>
+        </p:txBody>
+      </p:sp>
+      <p:sp>
+        <p:nvSpPr>
+          <p:cNvPr id="3" name="Espaço Reservado para Conteúdo 2">
+            <a:extLst>
+              <a:ext uri="{FF2B5EF4-FFF2-40B4-BE49-F238E27FC236}">
+                <a16:creationId xmlns:a16="http://schemas.microsoft.com/office/drawing/2014/main" id="{14E8FBFC-2E5D-4C2F-8C5C-DBC1E5328FCE}"/>
+              </a:ext>
+            </a:extLst>
+          </p:cNvPr>
+          <p:cNvSpPr>
+            <a:spLocks noGrp="1"/>
+          </p:cNvSpPr>
+          <p:nvPr>
+            <p:ph idx="1"/>
+          </p:nvPr>
+        </p:nvSpPr>
+        <p:spPr/>
+        <p:txBody>
+          <a:bodyPr/>
+          <a:lstStyle/>
+          <a:p>
+            <a:r>
+              <a:rPr lang="pt-BR" dirty="0">
+                <a:hlinkClick r:id="rId2"/>
+              </a:rPr>
+              <a:t>https://firebase.google.com/?hl=pt-br</a:t>
+            </a:r>
+            <a:endParaRPr lang="pt-BR" dirty="0"/>
+          </a:p>
+          <a:p>
+            <a:r>
+              <a:rPr lang="pt-BR" dirty="0"/>
+              <a:t>O </a:t>
+            </a:r>
+            <a:r>
+              <a:rPr lang="pt-BR" dirty="0" err="1"/>
+              <a:t>Firebase</a:t>
+            </a:r>
+            <a:r>
+              <a:rPr lang="pt-BR" dirty="0"/>
+              <a:t> ajuda você a criar apps melhores e desenvolver sua empresa.</a:t>
+            </a:r>
+          </a:p>
+        </p:txBody>
+      </p:sp>
+    </p:spTree>
+    <p:extLst>
+      <p:ext uri="{BB962C8B-B14F-4D97-AF65-F5344CB8AC3E}">
+        <p14:creationId xmlns:p14="http://schemas.microsoft.com/office/powerpoint/2010/main" val="995832646"/>
+      </p:ext>
+    </p:extLst>
+  </p:cSld>
+  <p:clrMapOvr>
+    <a:masterClrMapping/>
+  </p:clrMapOvr>
+</p:sld>
+</file>
+
+<file path=ppt/slides/slide34.xml><?xml version="1.0" encoding="utf-8"?>
+<p:sld xmlns:a="http://schemas.openxmlformats.org/drawingml/2006/main" xmlns:r="http://schemas.openxmlformats.org/officeDocument/2006/relationships" xmlns:p="http://schemas.openxmlformats.org/presentationml/2006/main">
+  <p:cSld>
+    <p:spTree>
+      <p:nvGrpSpPr>
+        <p:cNvPr id="1" name=""/>
+        <p:cNvGrpSpPr/>
+        <p:nvPr/>
+      </p:nvGrpSpPr>
+      <p:grpSpPr>
+        <a:xfrm>
+          <a:off x="0" y="0"/>
+          <a:ext cx="0" cy="0"/>
+          <a:chOff x="0" y="0"/>
+          <a:chExt cx="0" cy="0"/>
+        </a:xfrm>
+      </p:grpSpPr>
+      <p:sp>
+        <p:nvSpPr>
+          <p:cNvPr id="2" name="Título 1">
+            <a:extLst>
+              <a:ext uri="{FF2B5EF4-FFF2-40B4-BE49-F238E27FC236}">
+                <a16:creationId xmlns:a16="http://schemas.microsoft.com/office/drawing/2014/main" id="{B19728D3-1460-42D2-8D6D-FA0A3611E6CA}"/>
+              </a:ext>
+            </a:extLst>
+          </p:cNvPr>
+          <p:cNvSpPr>
+            <a:spLocks noGrp="1"/>
+          </p:cNvSpPr>
+          <p:nvPr>
+            <p:ph type="title"/>
+          </p:nvPr>
+        </p:nvSpPr>
+        <p:spPr/>
+        <p:txBody>
+          <a:bodyPr/>
+          <a:lstStyle/>
+          <a:p>
+            <a:r>
+              <a:rPr lang="pt-BR" dirty="0"/>
+              <a:t>Mais conhecimento</a:t>
+            </a:r>
+          </a:p>
+        </p:txBody>
+      </p:sp>
+      <p:sp>
+        <p:nvSpPr>
+          <p:cNvPr id="3" name="Espaço Reservado para Conteúdo 2">
+            <a:extLst>
+              <a:ext uri="{FF2B5EF4-FFF2-40B4-BE49-F238E27FC236}">
+                <a16:creationId xmlns:a16="http://schemas.microsoft.com/office/drawing/2014/main" id="{14E8FBFC-2E5D-4C2F-8C5C-DBC1E5328FCE}"/>
+              </a:ext>
+            </a:extLst>
+          </p:cNvPr>
+          <p:cNvSpPr>
+            <a:spLocks noGrp="1"/>
+          </p:cNvSpPr>
+          <p:nvPr>
+            <p:ph idx="1"/>
+          </p:nvPr>
+        </p:nvSpPr>
+        <p:spPr/>
+        <p:txBody>
+          <a:bodyPr>
+            <a:normAutofit fontScale="92500"/>
+          </a:bodyPr>
+          <a:lstStyle/>
+          <a:p>
+            <a:r>
+              <a:rPr lang="pt-BR" dirty="0">
+                <a:hlinkClick r:id="rId2"/>
+              </a:rPr>
+              <a:t>https://blog.minnisell.com/mas-afinal-de-contas-o-que-%C3%A9-um-progressive-web-app-8cd727a8fe46</a:t>
+            </a:r>
+            <a:endParaRPr lang="pt-BR" dirty="0"/>
+          </a:p>
+          <a:p>
+            <a:r>
+              <a:rPr lang="pt-BR" dirty="0">
+                <a:hlinkClick r:id="rId3"/>
+              </a:rPr>
+              <a:t>https://pwa.rocks/</a:t>
+            </a:r>
+            <a:endParaRPr lang="pt-BR" dirty="0"/>
+          </a:p>
+          <a:p>
+            <a:r>
+              <a:rPr lang="pt-BR" dirty="0">
+                <a:hlinkClick r:id="rId4"/>
+              </a:rPr>
+              <a:t>https://vizir.com.br/2017/08/o-que-e-pwa-progressive-web-app-porque-isso-pode-aumentar-seus-resultados-mobile/</a:t>
+            </a:r>
+            <a:endParaRPr lang="pt-BR" dirty="0"/>
+          </a:p>
+          <a:p>
+            <a:r>
+              <a:rPr lang="pt-BR" dirty="0">
+                <a:hlinkClick r:id="rId5"/>
+              </a:rPr>
+              <a:t>https://blog.ionicframework.com/what-is-a-progressive-web-app/</a:t>
+            </a:r>
+            <a:endParaRPr lang="pt-BR" dirty="0"/>
+          </a:p>
+          <a:p>
+            <a:r>
+              <a:rPr lang="pt-BR" dirty="0">
+                <a:hlinkClick r:id="rId6"/>
+              </a:rPr>
+              <a:t>https://www.recode.net/2016/6/8/11883518/app-boom-over-snapchat-uber</a:t>
+            </a:r>
+            <a:endParaRPr lang="pt-BR" dirty="0"/>
+          </a:p>
+          <a:p>
+            <a:r>
+              <a:rPr lang="pt-BR" dirty="0">
+                <a:hlinkClick r:id="rId7"/>
+              </a:rPr>
+              <a:t>https://tableless.com.br/introducao-aos-progressive-web-apps</a:t>
+            </a:r>
+            <a:endParaRPr lang="pt-BR" dirty="0"/>
+          </a:p>
+          <a:p>
+            <a:r>
+              <a:rPr lang="pt-BR" dirty="0">
+                <a:hlinkClick r:id="rId8"/>
+              </a:rPr>
+              <a:t>https://platform-status.mozilla.org/</a:t>
+            </a:r>
+            <a:endParaRPr lang="pt-BR" dirty="0"/>
+          </a:p>
+          <a:p>
+            <a:r>
+              <a:rPr lang="pt-BR" dirty="0"/>
+              <a:t>https://developers.google.com/web/fundamentals/primers/service-workers/?hl=pt-br</a:t>
+            </a:r>
+          </a:p>
+        </p:txBody>
+      </p:sp>
+    </p:spTree>
+    <p:extLst>
+      <p:ext uri="{BB962C8B-B14F-4D97-AF65-F5344CB8AC3E}">
+        <p14:creationId xmlns:p14="http://schemas.microsoft.com/office/powerpoint/2010/main" val="2093457419"/>
       </p:ext>
     </p:extLst>
   </p:cSld>
@@ -10050,7 +13187,7 @@
         </p:nvSpPr>
         <p:spPr>
           <a:xfrm>
-            <a:off x="1069848" y="484632"/>
+            <a:off x="1066800" y="653308"/>
             <a:ext cx="10058400" cy="1133217"/>
           </a:xfrm>
         </p:spPr>
@@ -10095,8 +13232,8 @@
         </p:blipFill>
         <p:spPr>
           <a:xfrm>
-            <a:off x="1645920" y="1617849"/>
-            <a:ext cx="8623495" cy="4896698"/>
+            <a:off x="1645921" y="2014927"/>
+            <a:ext cx="7924208" cy="4499620"/>
           </a:xfrm>
         </p:spPr>
       </p:pic>
